--- a/klimes.pptx
+++ b/klimes.pptx
@@ -4,6 +4,12 @@
   <p:sldMasterIdLst>
     <p:sldMasterId id="2147483648" r:id="rId1"/>
   </p:sldMasterIdLst>
+  <p:notesMasterIdLst>
+    <p:notesMasterId r:id="rId27"/>
+  </p:notesMasterIdLst>
+  <p:handoutMasterIdLst>
+    <p:handoutMasterId r:id="rId28"/>
+  </p:handoutMasterIdLst>
   <p:sldIdLst>
     <p:sldId id="256" r:id="rId2"/>
     <p:sldId id="257" r:id="rId3"/>
@@ -132,8 +138,633 @@
     <p:ext uri="{EFAFB233-063F-42B5-8137-9DF3F51BA10A}">
       <p15:sldGuideLst xmlns:p15="http://schemas.microsoft.com/office/powerpoint/2012/main"/>
     </p:ext>
+    <p:ext uri="{2D200454-40CA-4A62-9FC3-DE9A4176ACB9}">
+      <p15:notesGuideLst xmlns:p15="http://schemas.microsoft.com/office/powerpoint/2012/main"/>
+    </p:ext>
   </p:extLst>
 </p:presentation>
+</file>
+
+<file path=ppt/handoutMasters/handoutMaster1.xml><?xml version="1.0" encoding="utf-8"?>
+<p:handoutMaster xmlns:a="http://schemas.openxmlformats.org/drawingml/2006/main" xmlns:r="http://schemas.openxmlformats.org/officeDocument/2006/relationships" xmlns:p="http://schemas.openxmlformats.org/presentationml/2006/main">
+  <p:cSld>
+    <p:bg>
+      <p:bgRef idx="1001">
+        <a:schemeClr val="bg1"/>
+      </p:bgRef>
+    </p:bg>
+    <p:spTree>
+      <p:nvGrpSpPr>
+        <p:cNvPr id="1" name=""/>
+        <p:cNvGrpSpPr/>
+        <p:nvPr/>
+      </p:nvGrpSpPr>
+      <p:grpSpPr>
+        <a:xfrm>
+          <a:off x="0" y="0"/>
+          <a:ext cx="0" cy="0"/>
+          <a:chOff x="0" y="0"/>
+          <a:chExt cx="0" cy="0"/>
+        </a:xfrm>
+      </p:grpSpPr>
+      <p:sp>
+        <p:nvSpPr>
+          <p:cNvPr id="2" name="Zástupný symbol pro záhlaví 1">
+            <a:extLst>
+              <a:ext uri="{FF2B5EF4-FFF2-40B4-BE49-F238E27FC236}">
+                <a16:creationId xmlns:a16="http://schemas.microsoft.com/office/drawing/2014/main" id="{21E6A586-7EB8-9FB6-D25B-348423057B9A}"/>
+              </a:ext>
+            </a:extLst>
+          </p:cNvPr>
+          <p:cNvSpPr>
+            <a:spLocks noGrp="1"/>
+          </p:cNvSpPr>
+          <p:nvPr>
+            <p:ph type="hdr" sz="quarter"/>
+          </p:nvPr>
+        </p:nvSpPr>
+        <p:spPr>
+          <a:xfrm>
+            <a:off x="0" y="0"/>
+            <a:ext cx="2971800" cy="458788"/>
+          </a:xfrm>
+          <a:prstGeom prst="rect">
+            <a:avLst/>
+          </a:prstGeom>
+        </p:spPr>
+        <p:txBody>
+          <a:bodyPr vert="horz" lIns="91440" tIns="45720" rIns="91440" bIns="45720" rtlCol="0"/>
+          <a:lstStyle>
+            <a:lvl1pPr algn="l">
+              <a:defRPr sz="1200"/>
+            </a:lvl1pPr>
+          </a:lstStyle>
+          <a:p>
+            <a:endParaRPr lang="cs-CZ"/>
+          </a:p>
+        </p:txBody>
+      </p:sp>
+      <p:sp>
+        <p:nvSpPr>
+          <p:cNvPr id="3" name="Zástupný symbol pro datum 2">
+            <a:extLst>
+              <a:ext uri="{FF2B5EF4-FFF2-40B4-BE49-F238E27FC236}">
+                <a16:creationId xmlns:a16="http://schemas.microsoft.com/office/drawing/2014/main" id="{56C46505-7583-E7C7-B703-E8260AB5A44D}"/>
+              </a:ext>
+            </a:extLst>
+          </p:cNvPr>
+          <p:cNvSpPr>
+            <a:spLocks noGrp="1"/>
+          </p:cNvSpPr>
+          <p:nvPr>
+            <p:ph type="dt" sz="quarter" idx="1"/>
+          </p:nvPr>
+        </p:nvSpPr>
+        <p:spPr>
+          <a:xfrm>
+            <a:off x="3884613" y="0"/>
+            <a:ext cx="2971800" cy="458788"/>
+          </a:xfrm>
+          <a:prstGeom prst="rect">
+            <a:avLst/>
+          </a:prstGeom>
+        </p:spPr>
+        <p:txBody>
+          <a:bodyPr vert="horz" lIns="91440" tIns="45720" rIns="91440" bIns="45720" rtlCol="0"/>
+          <a:lstStyle>
+            <a:lvl1pPr algn="r">
+              <a:defRPr sz="1200"/>
+            </a:lvl1pPr>
+          </a:lstStyle>
+          <a:p>
+            <a:fld id="{D009DB19-4C21-440C-A727-546C40E604C7}" type="datetimeFigureOut">
+              <a:rPr lang="cs-CZ" smtClean="0"/>
+              <a:t>05.01.2023</a:t>
+            </a:fld>
+            <a:endParaRPr lang="cs-CZ"/>
+          </a:p>
+        </p:txBody>
+      </p:sp>
+      <p:sp>
+        <p:nvSpPr>
+          <p:cNvPr id="4" name="Zástupný symbol pro zápatí 3">
+            <a:extLst>
+              <a:ext uri="{FF2B5EF4-FFF2-40B4-BE49-F238E27FC236}">
+                <a16:creationId xmlns:a16="http://schemas.microsoft.com/office/drawing/2014/main" id="{8DCB8DC9-641B-5E6E-906D-AAC5D8A2E918}"/>
+              </a:ext>
+            </a:extLst>
+          </p:cNvPr>
+          <p:cNvSpPr>
+            <a:spLocks noGrp="1"/>
+          </p:cNvSpPr>
+          <p:nvPr>
+            <p:ph type="ftr" sz="quarter" idx="2"/>
+          </p:nvPr>
+        </p:nvSpPr>
+        <p:spPr>
+          <a:xfrm>
+            <a:off x="0" y="8685213"/>
+            <a:ext cx="2971800" cy="458787"/>
+          </a:xfrm>
+          <a:prstGeom prst="rect">
+            <a:avLst/>
+          </a:prstGeom>
+        </p:spPr>
+        <p:txBody>
+          <a:bodyPr vert="horz" lIns="91440" tIns="45720" rIns="91440" bIns="45720" rtlCol="0" anchor="b"/>
+          <a:lstStyle>
+            <a:lvl1pPr algn="l">
+              <a:defRPr sz="1200"/>
+            </a:lvl1pPr>
+          </a:lstStyle>
+          <a:p>
+            <a:endParaRPr lang="cs-CZ"/>
+          </a:p>
+        </p:txBody>
+      </p:sp>
+      <p:sp>
+        <p:nvSpPr>
+          <p:cNvPr id="5" name="Zástupný symbol pro číslo snímku 4">
+            <a:extLst>
+              <a:ext uri="{FF2B5EF4-FFF2-40B4-BE49-F238E27FC236}">
+                <a16:creationId xmlns:a16="http://schemas.microsoft.com/office/drawing/2014/main" id="{55FFD132-0A02-811F-8B33-F2023120992D}"/>
+              </a:ext>
+            </a:extLst>
+          </p:cNvPr>
+          <p:cNvSpPr>
+            <a:spLocks noGrp="1"/>
+          </p:cNvSpPr>
+          <p:nvPr>
+            <p:ph type="sldNum" sz="quarter" idx="3"/>
+          </p:nvPr>
+        </p:nvSpPr>
+        <p:spPr>
+          <a:xfrm>
+            <a:off x="3884613" y="8685213"/>
+            <a:ext cx="2971800" cy="458787"/>
+          </a:xfrm>
+          <a:prstGeom prst="rect">
+            <a:avLst/>
+          </a:prstGeom>
+        </p:spPr>
+        <p:txBody>
+          <a:bodyPr vert="horz" lIns="91440" tIns="45720" rIns="91440" bIns="45720" rtlCol="0" anchor="b"/>
+          <a:lstStyle>
+            <a:lvl1pPr algn="r">
+              <a:defRPr sz="1200"/>
+            </a:lvl1pPr>
+          </a:lstStyle>
+          <a:p>
+            <a:fld id="{3F949B26-5B43-4F12-9EC8-AECE768AF2B6}" type="slidenum">
+              <a:rPr lang="cs-CZ" smtClean="0"/>
+              <a:t>‹#›</a:t>
+            </a:fld>
+            <a:endParaRPr lang="cs-CZ"/>
+          </a:p>
+        </p:txBody>
+      </p:sp>
+    </p:spTree>
+    <p:extLst>
+      <p:ext uri="{BB962C8B-B14F-4D97-AF65-F5344CB8AC3E}">
+        <p14:creationId xmlns:p14="http://schemas.microsoft.com/office/powerpoint/2010/main" val="4168237989"/>
+      </p:ext>
+    </p:extLst>
+  </p:cSld>
+  <p:clrMap bg1="lt1" tx1="dk1" bg2="lt2" tx2="dk2" accent1="accent1" accent2="accent2" accent3="accent3" accent4="accent4" accent5="accent5" accent6="accent6" hlink="hlink" folHlink="folHlink"/>
+</p:handoutMaster>
+</file>
+
+<file path=ppt/notesMasters/notesMaster1.xml><?xml version="1.0" encoding="utf-8"?>
+<p:notesMaster xmlns:a="http://schemas.openxmlformats.org/drawingml/2006/main" xmlns:r="http://schemas.openxmlformats.org/officeDocument/2006/relationships" xmlns:p="http://schemas.openxmlformats.org/presentationml/2006/main">
+  <p:cSld>
+    <p:bg>
+      <p:bgRef idx="1001">
+        <a:schemeClr val="bg1"/>
+      </p:bgRef>
+    </p:bg>
+    <p:spTree>
+      <p:nvGrpSpPr>
+        <p:cNvPr id="1" name=""/>
+        <p:cNvGrpSpPr/>
+        <p:nvPr/>
+      </p:nvGrpSpPr>
+      <p:grpSpPr>
+        <a:xfrm>
+          <a:off x="0" y="0"/>
+          <a:ext cx="0" cy="0"/>
+          <a:chOff x="0" y="0"/>
+          <a:chExt cx="0" cy="0"/>
+        </a:xfrm>
+      </p:grpSpPr>
+      <p:sp>
+        <p:nvSpPr>
+          <p:cNvPr id="2" name="Zástupný symbol pro záhlaví 1"/>
+          <p:cNvSpPr>
+            <a:spLocks noGrp="1"/>
+          </p:cNvSpPr>
+          <p:nvPr>
+            <p:ph type="hdr" sz="quarter"/>
+          </p:nvPr>
+        </p:nvSpPr>
+        <p:spPr>
+          <a:xfrm>
+            <a:off x="0" y="0"/>
+            <a:ext cx="2971800" cy="458788"/>
+          </a:xfrm>
+          <a:prstGeom prst="rect">
+            <a:avLst/>
+          </a:prstGeom>
+        </p:spPr>
+        <p:txBody>
+          <a:bodyPr vert="horz" lIns="91440" tIns="45720" rIns="91440" bIns="45720" rtlCol="0"/>
+          <a:lstStyle>
+            <a:lvl1pPr algn="l">
+              <a:defRPr sz="1200"/>
+            </a:lvl1pPr>
+          </a:lstStyle>
+          <a:p>
+            <a:endParaRPr lang="cs-CZ"/>
+          </a:p>
+        </p:txBody>
+      </p:sp>
+      <p:sp>
+        <p:nvSpPr>
+          <p:cNvPr id="3" name="Zástupný symbol pro datum 2"/>
+          <p:cNvSpPr>
+            <a:spLocks noGrp="1"/>
+          </p:cNvSpPr>
+          <p:nvPr>
+            <p:ph type="dt" idx="1"/>
+          </p:nvPr>
+        </p:nvSpPr>
+        <p:spPr>
+          <a:xfrm>
+            <a:off x="3884613" y="0"/>
+            <a:ext cx="2971800" cy="458788"/>
+          </a:xfrm>
+          <a:prstGeom prst="rect">
+            <a:avLst/>
+          </a:prstGeom>
+        </p:spPr>
+        <p:txBody>
+          <a:bodyPr vert="horz" lIns="91440" tIns="45720" rIns="91440" bIns="45720" rtlCol="0"/>
+          <a:lstStyle>
+            <a:lvl1pPr algn="r">
+              <a:defRPr sz="1200"/>
+            </a:lvl1pPr>
+          </a:lstStyle>
+          <a:p>
+            <a:fld id="{7F4D5948-2C73-43CB-9CA5-AB41306D9F29}" type="datetimeFigureOut">
+              <a:rPr lang="cs-CZ" smtClean="0"/>
+              <a:t>05.01.2023</a:t>
+            </a:fld>
+            <a:endParaRPr lang="cs-CZ"/>
+          </a:p>
+        </p:txBody>
+      </p:sp>
+      <p:sp>
+        <p:nvSpPr>
+          <p:cNvPr id="4" name="Zástupný symbol pro obrázek snímku 3"/>
+          <p:cNvSpPr>
+            <a:spLocks noGrp="1" noRot="1" noChangeAspect="1"/>
+          </p:cNvSpPr>
+          <p:nvPr>
+            <p:ph type="sldImg" idx="2"/>
+          </p:nvPr>
+        </p:nvSpPr>
+        <p:spPr>
+          <a:xfrm>
+            <a:off x="685800" y="1143000"/>
+            <a:ext cx="5486400" cy="3086100"/>
+          </a:xfrm>
+          <a:prstGeom prst="rect">
+            <a:avLst/>
+          </a:prstGeom>
+          <a:noFill/>
+          <a:ln w="12700">
+            <a:solidFill>
+              <a:prstClr val="black"/>
+            </a:solidFill>
+          </a:ln>
+        </p:spPr>
+        <p:txBody>
+          <a:bodyPr vert="horz" lIns="91440" tIns="45720" rIns="91440" bIns="45720" rtlCol="0" anchor="ctr"/>
+          <a:lstStyle/>
+          <a:p>
+            <a:endParaRPr lang="cs-CZ"/>
+          </a:p>
+        </p:txBody>
+      </p:sp>
+      <p:sp>
+        <p:nvSpPr>
+          <p:cNvPr id="5" name="Zástupný symbol pro poznámky 4"/>
+          <p:cNvSpPr>
+            <a:spLocks noGrp="1"/>
+          </p:cNvSpPr>
+          <p:nvPr>
+            <p:ph type="body" sz="quarter" idx="3"/>
+          </p:nvPr>
+        </p:nvSpPr>
+        <p:spPr>
+          <a:xfrm>
+            <a:off x="685800" y="4400550"/>
+            <a:ext cx="5486400" cy="3600450"/>
+          </a:xfrm>
+          <a:prstGeom prst="rect">
+            <a:avLst/>
+          </a:prstGeom>
+        </p:spPr>
+        <p:txBody>
+          <a:bodyPr vert="horz" lIns="91440" tIns="45720" rIns="91440" bIns="45720" rtlCol="0"/>
+          <a:lstStyle/>
+          <a:p>
+            <a:pPr lvl="0"/>
+            <a:r>
+              <a:rPr lang="cs-CZ"/>
+              <a:t>Po kliknutí můžete upravovat styly textu v předloze.</a:t>
+            </a:r>
+          </a:p>
+          <a:p>
+            <a:pPr lvl="1"/>
+            <a:r>
+              <a:rPr lang="cs-CZ"/>
+              <a:t>Druhá úroveň</a:t>
+            </a:r>
+          </a:p>
+          <a:p>
+            <a:pPr lvl="2"/>
+            <a:r>
+              <a:rPr lang="cs-CZ"/>
+              <a:t>Třetí úroveň</a:t>
+            </a:r>
+          </a:p>
+          <a:p>
+            <a:pPr lvl="3"/>
+            <a:r>
+              <a:rPr lang="cs-CZ"/>
+              <a:t>Čtvrtá úroveň</a:t>
+            </a:r>
+          </a:p>
+          <a:p>
+            <a:pPr lvl="4"/>
+            <a:r>
+              <a:rPr lang="cs-CZ"/>
+              <a:t>Pátá úroveň</a:t>
+            </a:r>
+          </a:p>
+        </p:txBody>
+      </p:sp>
+      <p:sp>
+        <p:nvSpPr>
+          <p:cNvPr id="6" name="Zástupný symbol pro zápatí 5"/>
+          <p:cNvSpPr>
+            <a:spLocks noGrp="1"/>
+          </p:cNvSpPr>
+          <p:nvPr>
+            <p:ph type="ftr" sz="quarter" idx="4"/>
+          </p:nvPr>
+        </p:nvSpPr>
+        <p:spPr>
+          <a:xfrm>
+            <a:off x="0" y="8685213"/>
+            <a:ext cx="2971800" cy="458787"/>
+          </a:xfrm>
+          <a:prstGeom prst="rect">
+            <a:avLst/>
+          </a:prstGeom>
+        </p:spPr>
+        <p:txBody>
+          <a:bodyPr vert="horz" lIns="91440" tIns="45720" rIns="91440" bIns="45720" rtlCol="0" anchor="b"/>
+          <a:lstStyle>
+            <a:lvl1pPr algn="l">
+              <a:defRPr sz="1200"/>
+            </a:lvl1pPr>
+          </a:lstStyle>
+          <a:p>
+            <a:endParaRPr lang="cs-CZ"/>
+          </a:p>
+        </p:txBody>
+      </p:sp>
+      <p:sp>
+        <p:nvSpPr>
+          <p:cNvPr id="7" name="Zástupný symbol pro číslo snímku 6"/>
+          <p:cNvSpPr>
+            <a:spLocks noGrp="1"/>
+          </p:cNvSpPr>
+          <p:nvPr>
+            <p:ph type="sldNum" sz="quarter" idx="5"/>
+          </p:nvPr>
+        </p:nvSpPr>
+        <p:spPr>
+          <a:xfrm>
+            <a:off x="3884613" y="8685213"/>
+            <a:ext cx="2971800" cy="458787"/>
+          </a:xfrm>
+          <a:prstGeom prst="rect">
+            <a:avLst/>
+          </a:prstGeom>
+        </p:spPr>
+        <p:txBody>
+          <a:bodyPr vert="horz" lIns="91440" tIns="45720" rIns="91440" bIns="45720" rtlCol="0" anchor="b"/>
+          <a:lstStyle>
+            <a:lvl1pPr algn="r">
+              <a:defRPr sz="1200"/>
+            </a:lvl1pPr>
+          </a:lstStyle>
+          <a:p>
+            <a:fld id="{7818C811-EA92-4AF8-BD8C-65860AE540A1}" type="slidenum">
+              <a:rPr lang="cs-CZ" smtClean="0"/>
+              <a:t>‹#›</a:t>
+            </a:fld>
+            <a:endParaRPr lang="cs-CZ"/>
+          </a:p>
+        </p:txBody>
+      </p:sp>
+    </p:spTree>
+    <p:extLst>
+      <p:ext uri="{BB962C8B-B14F-4D97-AF65-F5344CB8AC3E}">
+        <p14:creationId xmlns:p14="http://schemas.microsoft.com/office/powerpoint/2010/main" val="1548023546"/>
+      </p:ext>
+    </p:extLst>
+  </p:cSld>
+  <p:clrMap bg1="lt1" tx1="dk1" bg2="lt2" tx2="dk2" accent1="accent1" accent2="accent2" accent3="accent3" accent4="accent4" accent5="accent5" accent6="accent6" hlink="hlink" folHlink="folHlink"/>
+  <p:notesStyle>
+    <a:lvl1pPr marL="0" algn="l" defTabSz="914400" rtl="0" eaLnBrk="1" latinLnBrk="0" hangingPunct="1">
+      <a:defRPr sz="1200" kern="1200">
+        <a:solidFill>
+          <a:schemeClr val="tx1"/>
+        </a:solidFill>
+        <a:latin typeface="+mn-lt"/>
+        <a:ea typeface="+mn-ea"/>
+        <a:cs typeface="+mn-cs"/>
+      </a:defRPr>
+    </a:lvl1pPr>
+    <a:lvl2pPr marL="457200" algn="l" defTabSz="914400" rtl="0" eaLnBrk="1" latinLnBrk="0" hangingPunct="1">
+      <a:defRPr sz="1200" kern="1200">
+        <a:solidFill>
+          <a:schemeClr val="tx1"/>
+        </a:solidFill>
+        <a:latin typeface="+mn-lt"/>
+        <a:ea typeface="+mn-ea"/>
+        <a:cs typeface="+mn-cs"/>
+      </a:defRPr>
+    </a:lvl2pPr>
+    <a:lvl3pPr marL="914400" algn="l" defTabSz="914400" rtl="0" eaLnBrk="1" latinLnBrk="0" hangingPunct="1">
+      <a:defRPr sz="1200" kern="1200">
+        <a:solidFill>
+          <a:schemeClr val="tx1"/>
+        </a:solidFill>
+        <a:latin typeface="+mn-lt"/>
+        <a:ea typeface="+mn-ea"/>
+        <a:cs typeface="+mn-cs"/>
+      </a:defRPr>
+    </a:lvl3pPr>
+    <a:lvl4pPr marL="1371600" algn="l" defTabSz="914400" rtl="0" eaLnBrk="1" latinLnBrk="0" hangingPunct="1">
+      <a:defRPr sz="1200" kern="1200">
+        <a:solidFill>
+          <a:schemeClr val="tx1"/>
+        </a:solidFill>
+        <a:latin typeface="+mn-lt"/>
+        <a:ea typeface="+mn-ea"/>
+        <a:cs typeface="+mn-cs"/>
+      </a:defRPr>
+    </a:lvl4pPr>
+    <a:lvl5pPr marL="1828800" algn="l" defTabSz="914400" rtl="0" eaLnBrk="1" latinLnBrk="0" hangingPunct="1">
+      <a:defRPr sz="1200" kern="1200">
+        <a:solidFill>
+          <a:schemeClr val="tx1"/>
+        </a:solidFill>
+        <a:latin typeface="+mn-lt"/>
+        <a:ea typeface="+mn-ea"/>
+        <a:cs typeface="+mn-cs"/>
+      </a:defRPr>
+    </a:lvl5pPr>
+    <a:lvl6pPr marL="2286000" algn="l" defTabSz="914400" rtl="0" eaLnBrk="1" latinLnBrk="0" hangingPunct="1">
+      <a:defRPr sz="1200" kern="1200">
+        <a:solidFill>
+          <a:schemeClr val="tx1"/>
+        </a:solidFill>
+        <a:latin typeface="+mn-lt"/>
+        <a:ea typeface="+mn-ea"/>
+        <a:cs typeface="+mn-cs"/>
+      </a:defRPr>
+    </a:lvl6pPr>
+    <a:lvl7pPr marL="2743200" algn="l" defTabSz="914400" rtl="0" eaLnBrk="1" latinLnBrk="0" hangingPunct="1">
+      <a:defRPr sz="1200" kern="1200">
+        <a:solidFill>
+          <a:schemeClr val="tx1"/>
+        </a:solidFill>
+        <a:latin typeface="+mn-lt"/>
+        <a:ea typeface="+mn-ea"/>
+        <a:cs typeface="+mn-cs"/>
+      </a:defRPr>
+    </a:lvl7pPr>
+    <a:lvl8pPr marL="3200400" algn="l" defTabSz="914400" rtl="0" eaLnBrk="1" latinLnBrk="0" hangingPunct="1">
+      <a:defRPr sz="1200" kern="1200">
+        <a:solidFill>
+          <a:schemeClr val="tx1"/>
+        </a:solidFill>
+        <a:latin typeface="+mn-lt"/>
+        <a:ea typeface="+mn-ea"/>
+        <a:cs typeface="+mn-cs"/>
+      </a:defRPr>
+    </a:lvl8pPr>
+    <a:lvl9pPr marL="3657600" algn="l" defTabSz="914400" rtl="0" eaLnBrk="1" latinLnBrk="0" hangingPunct="1">
+      <a:defRPr sz="1200" kern="1200">
+        <a:solidFill>
+          <a:schemeClr val="tx1"/>
+        </a:solidFill>
+        <a:latin typeface="+mn-lt"/>
+        <a:ea typeface="+mn-ea"/>
+        <a:cs typeface="+mn-cs"/>
+      </a:defRPr>
+    </a:lvl9pPr>
+  </p:notesStyle>
+</p:notesMaster>
+</file>
+
+<file path=ppt/notesSlides/notesSlide1.xml><?xml version="1.0" encoding="utf-8"?>
+<p:notes xmlns:a="http://schemas.openxmlformats.org/drawingml/2006/main" xmlns:r="http://schemas.openxmlformats.org/officeDocument/2006/relationships" xmlns:p="http://schemas.openxmlformats.org/presentationml/2006/main">
+  <p:cSld>
+    <p:spTree>
+      <p:nvGrpSpPr>
+        <p:cNvPr id="1" name=""/>
+        <p:cNvGrpSpPr/>
+        <p:nvPr/>
+      </p:nvGrpSpPr>
+      <p:grpSpPr>
+        <a:xfrm>
+          <a:off x="0" y="0"/>
+          <a:ext cx="0" cy="0"/>
+          <a:chOff x="0" y="0"/>
+          <a:chExt cx="0" cy="0"/>
+        </a:xfrm>
+      </p:grpSpPr>
+      <p:sp>
+        <p:nvSpPr>
+          <p:cNvPr id="2" name="Zástupný symbol pro obrázek snímku 1"/>
+          <p:cNvSpPr>
+            <a:spLocks noGrp="1" noRot="1" noChangeAspect="1"/>
+          </p:cNvSpPr>
+          <p:nvPr>
+            <p:ph type="sldImg"/>
+          </p:nvPr>
+        </p:nvSpPr>
+        <p:spPr/>
+      </p:sp>
+      <p:sp>
+        <p:nvSpPr>
+          <p:cNvPr id="3" name="Zástupný symbol pro poznámky 2"/>
+          <p:cNvSpPr>
+            <a:spLocks noGrp="1"/>
+          </p:cNvSpPr>
+          <p:nvPr>
+            <p:ph type="body" idx="1"/>
+          </p:nvPr>
+        </p:nvSpPr>
+        <p:spPr/>
+        <p:txBody>
+          <a:bodyPr/>
+          <a:lstStyle/>
+          <a:p>
+            <a:endParaRPr lang="cs-CZ"/>
+          </a:p>
+        </p:txBody>
+      </p:sp>
+      <p:sp>
+        <p:nvSpPr>
+          <p:cNvPr id="4" name="Zástupný symbol pro číslo snímku 3"/>
+          <p:cNvSpPr>
+            <a:spLocks noGrp="1"/>
+          </p:cNvSpPr>
+          <p:nvPr>
+            <p:ph type="sldNum" sz="quarter" idx="5"/>
+          </p:nvPr>
+        </p:nvSpPr>
+        <p:spPr/>
+        <p:txBody>
+          <a:bodyPr/>
+          <a:lstStyle/>
+          <a:p>
+            <a:fld id="{7818C811-EA92-4AF8-BD8C-65860AE540A1}" type="slidenum">
+              <a:rPr lang="cs-CZ" smtClean="0"/>
+              <a:t>1</a:t>
+            </a:fld>
+            <a:endParaRPr lang="cs-CZ"/>
+          </a:p>
+        </p:txBody>
+      </p:sp>
+    </p:spTree>
+    <p:extLst>
+      <p:ext uri="{BB962C8B-B14F-4D97-AF65-F5344CB8AC3E}">
+        <p14:creationId xmlns:p14="http://schemas.microsoft.com/office/powerpoint/2010/main" val="4225550894"/>
+      </p:ext>
+    </p:extLst>
+  </p:cSld>
+  <p:clrMapOvr>
+    <a:masterClrMapping/>
+  </p:clrMapOvr>
+</p:notes>
 </file>
 
 <file path=ppt/slideLayouts/slideLayout1.xml><?xml version="1.0" encoding="utf-8"?>
@@ -216,11 +847,13 @@
           </a:prstGeom>
           <a:solidFill>
             <a:srgbClr val="FFFFFF">
-              <a:alpha val="94902"/>
+              <a:alpha val="60000"/>
             </a:srgbClr>
           </a:solidFill>
           <a:ln>
-            <a:noFill/>
+            <a:solidFill>
+              <a:srgbClr val="EAEAEA"/>
+            </a:solidFill>
           </a:ln>
           <a:effectLst>
             <a:outerShdw blurRad="50800" dist="38100" dir="2700000" algn="tl" rotWithShape="0">
@@ -252,7 +885,7 @@
           <a:lstStyle/>
           <a:p>
             <a:pPr algn="ctr"/>
-            <a:endParaRPr lang="cs-CZ"/>
+            <a:endParaRPr lang="cs-CZ" dirty="0"/>
           </a:p>
         </p:txBody>
       </p:sp>
@@ -375,70 +1008,252 @@
           </a:prstGeom>
         </p:spPr>
       </p:pic>
-      <p:sp>
-        <p:nvSpPr>
-          <p:cNvPr id="29" name="Obdélník: se zakulacenými rohy 28">
+      <p:grpSp>
+        <p:nvGrpSpPr>
+          <p:cNvPr id="4" name="Skupina 3">
             <a:extLst>
               <a:ext uri="{FF2B5EF4-FFF2-40B4-BE49-F238E27FC236}">
-                <a16:creationId xmlns:a16="http://schemas.microsoft.com/office/drawing/2014/main" id="{CFFF70E6-9B9D-F684-EF87-DA85C837A4A9}"/>
+                <a16:creationId xmlns:a16="http://schemas.microsoft.com/office/drawing/2014/main" id="{1FC38979-B049-A1C6-26D8-A93CA1238738}"/>
               </a:ext>
             </a:extLst>
           </p:cNvPr>
-          <p:cNvSpPr/>
+          <p:cNvGrpSpPr/>
           <p:nvPr userDrawn="1"/>
-        </p:nvSpPr>
-        <p:spPr>
+        </p:nvGrpSpPr>
+        <p:grpSpPr>
           <a:xfrm>
-            <a:off x="-3197621" y="1283609"/>
-            <a:ext cx="3072855" cy="4290782"/>
+            <a:off x="-3626629" y="1189691"/>
+            <a:ext cx="3063891" cy="4478617"/>
+            <a:chOff x="-3626629" y="1189691"/>
+            <a:chExt cx="3063891" cy="4478617"/>
           </a:xfrm>
-          <a:prstGeom prst="roundRect">
-            <a:avLst>
-              <a:gd name="adj" fmla="val 3831"/>
-            </a:avLst>
-          </a:prstGeom>
-          <a:solidFill>
-            <a:srgbClr val="FFFFFF">
-              <a:alpha val="94902"/>
-            </a:srgbClr>
-          </a:solidFill>
-          <a:ln>
+        </p:grpSpPr>
+        <p:sp>
+          <p:nvSpPr>
+            <p:cNvPr id="2" name="Obdélník: se zakulacenými rohy 1">
+              <a:extLst>
+                <a:ext uri="{FF2B5EF4-FFF2-40B4-BE49-F238E27FC236}">
+                  <a16:creationId xmlns:a16="http://schemas.microsoft.com/office/drawing/2014/main" id="{1E758276-CBD5-01D5-D8E0-1B4A40FD32D3}"/>
+                </a:ext>
+              </a:extLst>
+            </p:cNvPr>
+            <p:cNvSpPr/>
+            <p:nvPr userDrawn="1"/>
+          </p:nvSpPr>
+          <p:spPr>
+            <a:xfrm>
+              <a:off x="-3626629" y="1189691"/>
+              <a:ext cx="3063891" cy="4478617"/>
+            </a:xfrm>
+            <a:prstGeom prst="roundRect">
+              <a:avLst>
+                <a:gd name="adj" fmla="val 4378"/>
+              </a:avLst>
+            </a:prstGeom>
+            <a:solidFill>
+              <a:srgbClr val="FFFFFF">
+                <a:alpha val="60000"/>
+              </a:srgbClr>
+            </a:solidFill>
+            <a:ln>
+              <a:solidFill>
+                <a:srgbClr val="EAEAEA"/>
+              </a:solidFill>
+            </a:ln>
+            <a:effectLst>
+              <a:outerShdw blurRad="50800" dist="38100" dir="2700000" algn="tl" rotWithShape="0">
+                <a:prstClr val="black">
+                  <a:alpha val="40000"/>
+                </a:prstClr>
+              </a:outerShdw>
+              <a:softEdge rad="12700"/>
+            </a:effectLst>
+          </p:spPr>
+          <p:style>
+            <a:lnRef idx="2">
+              <a:schemeClr val="accent1">
+                <a:shade val="50000"/>
+              </a:schemeClr>
+            </a:lnRef>
+            <a:fillRef idx="1">
+              <a:schemeClr val="accent1"/>
+            </a:fillRef>
+            <a:effectRef idx="0">
+              <a:schemeClr val="accent1"/>
+            </a:effectRef>
+            <a:fontRef idx="minor">
+              <a:schemeClr val="lt1"/>
+            </a:fontRef>
+          </p:style>
+          <p:txBody>
+            <a:bodyPr rtlCol="0" anchor="ctr"/>
+            <a:lstStyle/>
+            <a:p>
+              <a:pPr algn="ctr"/>
+              <a:endParaRPr lang="cs-CZ" dirty="0"/>
+            </a:p>
+          </p:txBody>
+        </p:sp>
+        <p:sp>
+          <p:nvSpPr>
+            <p:cNvPr id="3" name="TextovéPole 2">
+              <a:extLst>
+                <a:ext uri="{FF2B5EF4-FFF2-40B4-BE49-F238E27FC236}">
+                  <a16:creationId xmlns:a16="http://schemas.microsoft.com/office/drawing/2014/main" id="{BB8AE030-25ED-616A-4CFF-BE78E245F360}"/>
+                </a:ext>
+              </a:extLst>
+            </p:cNvPr>
+            <p:cNvSpPr txBox="1"/>
+            <p:nvPr userDrawn="1"/>
+          </p:nvSpPr>
+          <p:spPr>
+            <a:xfrm>
+              <a:off x="-3415553" y="1353671"/>
+              <a:ext cx="2662517" cy="2462213"/>
+            </a:xfrm>
+            <a:prstGeom prst="rect">
+              <a:avLst/>
+            </a:prstGeom>
             <a:noFill/>
-          </a:ln>
-          <a:effectLst>
-            <a:outerShdw blurRad="50800" dist="38100" dir="2700000" algn="tl" rotWithShape="0">
-              <a:prstClr val="black">
-                <a:alpha val="40000"/>
-              </a:prstClr>
-            </a:outerShdw>
-            <a:softEdge rad="12700"/>
-          </a:effectLst>
-        </p:spPr>
-        <p:style>
-          <a:lnRef idx="2">
-            <a:schemeClr val="accent1">
-              <a:shade val="50000"/>
-            </a:schemeClr>
-          </a:lnRef>
-          <a:fillRef idx="1">
-            <a:schemeClr val="accent1"/>
-          </a:fillRef>
-          <a:effectRef idx="0">
-            <a:schemeClr val="accent1"/>
-          </a:effectRef>
-          <a:fontRef idx="minor">
-            <a:schemeClr val="lt1"/>
-          </a:fontRef>
-        </p:style>
-        <p:txBody>
-          <a:bodyPr rtlCol="0" anchor="ctr"/>
-          <a:lstStyle/>
-          <a:p>
-            <a:pPr algn="ctr"/>
-            <a:endParaRPr lang="cs-CZ" dirty="0"/>
-          </a:p>
-        </p:txBody>
-      </p:sp>
+          </p:spPr>
+          <p:txBody>
+            <a:bodyPr wrap="square" rtlCol="0">
+              <a:spAutoFit/>
+            </a:bodyPr>
+            <a:lstStyle/>
+            <a:p>
+              <a:r>
+                <a:rPr lang="cs-CZ" sz="2800" u="none" dirty="0">
+                  <a:solidFill>
+                    <a:schemeClr val="bg2">
+                      <a:lumMod val="25000"/>
+                    </a:schemeClr>
+                  </a:solidFill>
+                </a:rPr>
+                <a:t>Menu</a:t>
+              </a:r>
+            </a:p>
+            <a:p>
+              <a:endParaRPr lang="cs-CZ" dirty="0">
+                <a:solidFill>
+                  <a:schemeClr val="bg2">
+                    <a:lumMod val="25000"/>
+                  </a:schemeClr>
+                </a:solidFill>
+              </a:endParaRPr>
+            </a:p>
+            <a:p>
+              <a:r>
+                <a:rPr lang="cs-CZ" dirty="0">
+                  <a:solidFill>
+                    <a:schemeClr val="bg2">
+                      <a:lumMod val="25000"/>
+                    </a:schemeClr>
+                  </a:solidFill>
+                </a:rPr>
+                <a:t>1. Úvod</a:t>
+              </a:r>
+            </a:p>
+            <a:p>
+              <a:r>
+                <a:rPr lang="cs-CZ" dirty="0">
+                  <a:solidFill>
+                    <a:schemeClr val="bg2">
+                      <a:lumMod val="25000"/>
+                    </a:schemeClr>
+                  </a:solidFill>
+                </a:rPr>
+                <a:t>2. Vlastnosti dat</a:t>
+              </a:r>
+            </a:p>
+            <a:p>
+              <a:r>
+                <a:rPr lang="cs-CZ" dirty="0">
+                  <a:solidFill>
+                    <a:schemeClr val="bg2">
+                      <a:lumMod val="25000"/>
+                    </a:schemeClr>
+                  </a:solidFill>
+                </a:rPr>
+                <a:t>3. Využití</a:t>
+              </a:r>
+            </a:p>
+            <a:p>
+              <a:r>
+                <a:rPr lang="cs-CZ" dirty="0">
+                  <a:solidFill>
+                    <a:schemeClr val="bg2">
+                      <a:lumMod val="25000"/>
+                    </a:schemeClr>
+                  </a:solidFill>
+                </a:rPr>
+                <a:t>4. Způsob zpracování</a:t>
+              </a:r>
+            </a:p>
+            <a:p>
+              <a:r>
+                <a:rPr lang="cs-CZ" dirty="0">
+                  <a:solidFill>
+                    <a:schemeClr val="bg2">
+                      <a:lumMod val="25000"/>
+                    </a:schemeClr>
+                  </a:solidFill>
+                </a:rPr>
+                <a:t>5. Použitá literatura</a:t>
+              </a:r>
+            </a:p>
+            <a:p>
+              <a:r>
+                <a:rPr lang="cs-CZ" dirty="0">
+                  <a:solidFill>
+                    <a:schemeClr val="bg2">
+                      <a:lumMod val="25000"/>
+                    </a:schemeClr>
+                  </a:solidFill>
+                </a:rPr>
+                <a:t>6. </a:t>
+              </a:r>
+              <a:r>
+                <a:rPr lang="cs-CZ" dirty="0" err="1">
+                  <a:solidFill>
+                    <a:schemeClr val="bg2">
+                      <a:lumMod val="25000"/>
+                    </a:schemeClr>
+                  </a:solidFill>
+                </a:rPr>
+                <a:t>Github</a:t>
+              </a:r>
+              <a:r>
+                <a:rPr lang="cs-CZ" dirty="0">
+                  <a:solidFill>
+                    <a:schemeClr val="bg2">
+                      <a:lumMod val="25000"/>
+                    </a:schemeClr>
+                  </a:solidFill>
+                </a:rPr>
+                <a:t> </a:t>
+              </a:r>
+              <a:r>
+                <a:rPr lang="cs-CZ" dirty="0" err="1">
+                  <a:solidFill>
+                    <a:schemeClr val="bg2">
+                      <a:lumMod val="25000"/>
+                    </a:schemeClr>
+                  </a:solidFill>
+                </a:rPr>
+                <a:t>repozitář</a:t>
+              </a:r>
+              <a:endParaRPr lang="cs-CZ" dirty="0">
+                <a:solidFill>
+                  <a:schemeClr val="bg2">
+                    <a:lumMod val="25000"/>
+                  </a:schemeClr>
+                </a:solidFill>
+              </a:endParaRPr>
+            </a:p>
+          </p:txBody>
+        </p:sp>
+      </p:grpSp>
     </p:spTree>
     <p:extLst>
       <p:ext uri="{BB962C8B-B14F-4D97-AF65-F5344CB8AC3E}">
@@ -817,41 +1632,65 @@
                             </p:stCondLst>
                             <p:childTnLst>
                               <p:par>
-                                <p:cTn id="24" presetID="42" presetClass="path" presetSubtype="0" accel="50000" decel="50000" fill="hold" grpId="0" nodeType="clickEffect">
+                                <p:cTn id="24" presetID="63" presetClass="path" presetSubtype="0" decel="100000" fill="hold" nodeType="clickEffect">
                                   <p:stCondLst>
                                     <p:cond delay="0"/>
                                   </p:stCondLst>
                                   <p:childTnLst>
-                                    <p:animMotion origin="layout" path="M -2.08333E-6 0 L 0.27513 0 " pathEditMode="fixed" rAng="0" ptsTypes="AA">
+                                    <p:animMotion origin="layout" path="M 8.95833E-6 0 L 0.31145 0 " pathEditMode="fixed" rAng="0" ptsTypes="AA">
                                       <p:cBhvr>
-                                        <p:cTn id="25" dur="500" fill="hold"/>
+                                        <p:cTn id="25" dur="1000" fill="hold"/>
                                         <p:tgtEl>
-                                          <p:spTgt spid="29"/>
+                                          <p:spTgt spid="4"/>
                                         </p:tgtEl>
                                         <p:attrNameLst>
                                           <p:attrName>ppt_x</p:attrName>
                                           <p:attrName>ppt_y</p:attrName>
                                         </p:attrNameLst>
                                       </p:cBhvr>
-                                      <p:rCtr x="13750" y="0"/>
+                                      <p:rCtr x="15573" y="0"/>
                                     </p:animMotion>
                                   </p:childTnLst>
-                                  <p:subTnLst>
-                                    <p:set>
-                                      <p:cBhvr override="childStyle">
-                                        <p:cTn dur="1" fill="hold" display="0" masterRel="nextClick" afterEffect="1"/>
+                                </p:cTn>
+                              </p:par>
+                            </p:childTnLst>
+                          </p:cTn>
+                        </p:par>
+                      </p:childTnLst>
+                    </p:cTn>
+                  </p:par>
+                  <p:par>
+                    <p:cTn id="26" fill="hold">
+                      <p:stCondLst>
+                        <p:cond delay="indefinite"/>
+                      </p:stCondLst>
+                      <p:childTnLst>
+                        <p:par>
+                          <p:cTn id="27" fill="hold">
+                            <p:stCondLst>
+                              <p:cond delay="0"/>
+                            </p:stCondLst>
+                            <p:childTnLst>
+                              <p:par>
+                                <p:cTn id="28" presetID="35" presetClass="path" presetSubtype="0" accel="100000" fill="hold" nodeType="clickEffect">
+                                  <p:stCondLst>
+                                    <p:cond delay="0"/>
+                                  </p:stCondLst>
+                                  <p:childTnLst>
+                                    <p:animMotion origin="layout" path="M 0.31146 0 L 4.79167E-6 0 " pathEditMode="relative" rAng="0" ptsTypes="AA">
+                                      <p:cBhvr>
+                                        <p:cTn id="29" dur="1000" fill="hold"/>
                                         <p:tgtEl>
-                                          <p:spTgt spid="29"/>
+                                          <p:spTgt spid="4"/>
                                         </p:tgtEl>
                                         <p:attrNameLst>
-                                          <p:attrName>style.visibility</p:attrName>
+                                          <p:attrName>ppt_x</p:attrName>
+                                          <p:attrName>ppt_y</p:attrName>
                                         </p:attrNameLst>
                                       </p:cBhvr>
-                                      <p:to>
-                                        <p:strVal val="hidden"/>
-                                      </p:to>
-                                    </p:set>
-                                  </p:subTnLst>
+                                      <p:rCtr x="-15534" y="0"/>
+                                    </p:animMotion>
+                                  </p:childTnLst>
                                 </p:cTn>
                               </p:par>
                             </p:childTnLst>
@@ -876,7 +1715,6 @@
     </p:tnLst>
     <p:bldLst>
       <p:bldP spid="7" grpId="0" animBg="1"/>
-      <p:bldP spid="29" grpId="0" animBg="1"/>
     </p:bldLst>
   </p:timing>
   <p:txStyles>
@@ -1168,7 +2006,7 @@
     <p:bg>
       <p:bgPr>
         <a:blipFill dpi="0" rotWithShape="1">
-          <a:blip r:embed="rId2">
+          <a:blip r:embed="rId3">
             <a:lum/>
           </a:blip>
           <a:srcRect/>
@@ -1193,6 +2031,221 @@
           <a:chExt cx="0" cy="0"/>
         </a:xfrm>
       </p:grpSpPr>
+      <p:grpSp>
+        <p:nvGrpSpPr>
+          <p:cNvPr id="2" name="Skupina 1">
+            <a:extLst>
+              <a:ext uri="{FF2B5EF4-FFF2-40B4-BE49-F238E27FC236}">
+                <a16:creationId xmlns:a16="http://schemas.microsoft.com/office/drawing/2014/main" id="{EAAC54F0-7FC1-ED51-6C52-5C08D2A90079}"/>
+              </a:ext>
+            </a:extLst>
+          </p:cNvPr>
+          <p:cNvGrpSpPr/>
+          <p:nvPr/>
+        </p:nvGrpSpPr>
+        <p:grpSpPr>
+          <a:xfrm>
+            <a:off x="2839648" y="2690346"/>
+            <a:ext cx="6512704" cy="1477308"/>
+            <a:chOff x="-3626629" y="1189687"/>
+            <a:chExt cx="3063891" cy="7293471"/>
+          </a:xfrm>
+        </p:grpSpPr>
+        <p:sp>
+          <p:nvSpPr>
+            <p:cNvPr id="3" name="Obdélník: se zakulacenými rohy 2">
+              <a:extLst>
+                <a:ext uri="{FF2B5EF4-FFF2-40B4-BE49-F238E27FC236}">
+                  <a16:creationId xmlns:a16="http://schemas.microsoft.com/office/drawing/2014/main" id="{03D1B8E7-24D1-73A4-6889-0A87086040C7}"/>
+                </a:ext>
+              </a:extLst>
+            </p:cNvPr>
+            <p:cNvSpPr/>
+            <p:nvPr userDrawn="1"/>
+          </p:nvSpPr>
+          <p:spPr>
+            <a:xfrm>
+              <a:off x="-3626629" y="1189687"/>
+              <a:ext cx="3063891" cy="7293471"/>
+            </a:xfrm>
+            <a:prstGeom prst="roundRect">
+              <a:avLst>
+                <a:gd name="adj" fmla="val 4378"/>
+              </a:avLst>
+            </a:prstGeom>
+            <a:solidFill>
+              <a:srgbClr val="FFFFFF">
+                <a:alpha val="60000"/>
+              </a:srgbClr>
+            </a:solidFill>
+            <a:ln>
+              <a:solidFill>
+                <a:srgbClr val="EAEAEA"/>
+              </a:solidFill>
+            </a:ln>
+            <a:effectLst>
+              <a:outerShdw blurRad="50800" dist="38100" dir="2700000" algn="tl" rotWithShape="0">
+                <a:prstClr val="black">
+                  <a:alpha val="40000"/>
+                </a:prstClr>
+              </a:outerShdw>
+              <a:softEdge rad="12700"/>
+            </a:effectLst>
+          </p:spPr>
+          <p:style>
+            <a:lnRef idx="2">
+              <a:schemeClr val="accent1">
+                <a:shade val="50000"/>
+              </a:schemeClr>
+            </a:lnRef>
+            <a:fillRef idx="1">
+              <a:schemeClr val="accent1"/>
+            </a:fillRef>
+            <a:effectRef idx="0">
+              <a:schemeClr val="accent1"/>
+            </a:effectRef>
+            <a:fontRef idx="minor">
+              <a:schemeClr val="lt1"/>
+            </a:fontRef>
+          </p:style>
+          <p:txBody>
+            <a:bodyPr rtlCol="0" anchor="ctr"/>
+            <a:lstStyle/>
+            <a:p>
+              <a:pPr algn="ctr"/>
+              <a:endParaRPr lang="cs-CZ" dirty="0"/>
+            </a:p>
+          </p:txBody>
+        </p:sp>
+        <p:sp>
+          <p:nvSpPr>
+            <p:cNvPr id="4" name="TextovéPole 3">
+              <a:extLst>
+                <a:ext uri="{FF2B5EF4-FFF2-40B4-BE49-F238E27FC236}">
+                  <a16:creationId xmlns:a16="http://schemas.microsoft.com/office/drawing/2014/main" id="{CDC57AD1-F702-A42D-AD82-FCA7B71A173B}"/>
+                </a:ext>
+              </a:extLst>
+            </p:cNvPr>
+            <p:cNvSpPr txBox="1"/>
+            <p:nvPr userDrawn="1"/>
+          </p:nvSpPr>
+          <p:spPr>
+            <a:xfrm>
+              <a:off x="-3402110" y="1353669"/>
+              <a:ext cx="2662517" cy="6381873"/>
+            </a:xfrm>
+            <a:prstGeom prst="rect">
+              <a:avLst/>
+            </a:prstGeom>
+            <a:noFill/>
+          </p:spPr>
+          <p:txBody>
+            <a:bodyPr wrap="square" rtlCol="0">
+              <a:spAutoFit/>
+            </a:bodyPr>
+            <a:lstStyle/>
+            <a:p>
+              <a:pPr algn="ctr"/>
+              <a:r>
+                <a:rPr lang="cs-CZ" sz="5400" dirty="0">
+                  <a:solidFill>
+                    <a:schemeClr val="bg2">
+                      <a:lumMod val="25000"/>
+                    </a:schemeClr>
+                  </a:solidFill>
+                </a:rPr>
+                <a:t>BIG DATA</a:t>
+              </a:r>
+            </a:p>
+            <a:p>
+              <a:pPr algn="ctr"/>
+              <a:r>
+                <a:rPr lang="pl-PL" sz="2400" dirty="0">
+                  <a:solidFill>
+                    <a:schemeClr val="bg2">
+                      <a:lumMod val="25000"/>
+                    </a:schemeClr>
+                  </a:solidFill>
+                </a:rPr>
+                <a:t>aneb co a k čemu to je</a:t>
+              </a:r>
+            </a:p>
+          </p:txBody>
+        </p:sp>
+      </p:grpSp>
+      <p:sp>
+        <p:nvSpPr>
+          <p:cNvPr id="5" name="Obdélník: se zakulacenými rohy 4">
+            <a:extLst>
+              <a:ext uri="{FF2B5EF4-FFF2-40B4-BE49-F238E27FC236}">
+                <a16:creationId xmlns:a16="http://schemas.microsoft.com/office/drawing/2014/main" id="{6D72CBFC-C3CD-F95E-0652-EC766FBAB8F1}"/>
+              </a:ext>
+            </a:extLst>
+          </p:cNvPr>
+          <p:cNvSpPr/>
+          <p:nvPr/>
+        </p:nvSpPr>
+        <p:spPr>
+          <a:xfrm>
+            <a:off x="8153401" y="5910146"/>
+            <a:ext cx="3874434" cy="720000"/>
+          </a:xfrm>
+          <a:prstGeom prst="roundRect">
+            <a:avLst/>
+          </a:prstGeom>
+          <a:solidFill>
+            <a:srgbClr val="FFFFFF">
+              <a:alpha val="60000"/>
+            </a:srgbClr>
+          </a:solidFill>
+          <a:ln>
+            <a:solidFill>
+              <a:srgbClr val="EAEAEA"/>
+            </a:solidFill>
+          </a:ln>
+          <a:effectLst>
+            <a:outerShdw blurRad="50800" dist="38100" dir="2700000" algn="tl" rotWithShape="0">
+              <a:prstClr val="black">
+                <a:alpha val="40000"/>
+              </a:prstClr>
+            </a:outerShdw>
+            <a:softEdge rad="12700"/>
+          </a:effectLst>
+        </p:spPr>
+        <p:style>
+          <a:lnRef idx="2">
+            <a:schemeClr val="accent1">
+              <a:shade val="50000"/>
+            </a:schemeClr>
+          </a:lnRef>
+          <a:fillRef idx="1">
+            <a:schemeClr val="accent1"/>
+          </a:fillRef>
+          <a:effectRef idx="0">
+            <a:schemeClr val="accent1"/>
+          </a:effectRef>
+          <a:fontRef idx="minor">
+            <a:schemeClr val="lt1"/>
+          </a:fontRef>
+        </p:style>
+        <p:txBody>
+          <a:bodyPr rtlCol="0" anchor="ctr"/>
+          <a:lstStyle/>
+          <a:p>
+            <a:pPr algn="ctr"/>
+            <a:r>
+              <a:rPr lang="cs-CZ" sz="2400" dirty="0">
+                <a:solidFill>
+                  <a:schemeClr val="bg2">
+                    <a:lumMod val="25000"/>
+                  </a:schemeClr>
+                </a:solidFill>
+              </a:rPr>
+              <a:t>Matyáš Klimeš</a:t>
+            </a:r>
+          </a:p>
+        </p:txBody>
+      </p:sp>
     </p:spTree>
     <p:extLst>
       <p:ext uri="{BB962C8B-B14F-4D97-AF65-F5344CB8AC3E}">
@@ -1206,6 +2259,133 @@
   <p:transition spd="slow">
     <p:push dir="u"/>
   </p:transition>
+  <p:timing>
+    <p:tnLst>
+      <p:par>
+        <p:cTn id="1" dur="indefinite" restart="never" nodeType="tmRoot">
+          <p:childTnLst>
+            <p:seq concurrent="1" nextAc="seek">
+              <p:cTn id="2" dur="indefinite" nodeType="mainSeq">
+                <p:childTnLst>
+                  <p:par>
+                    <p:cTn id="3" fill="hold">
+                      <p:stCondLst>
+                        <p:cond delay="indefinite"/>
+                        <p:cond evt="onBegin" delay="0">
+                          <p:tn val="2"/>
+                        </p:cond>
+                      </p:stCondLst>
+                      <p:childTnLst>
+                        <p:par>
+                          <p:cTn id="4" fill="hold">
+                            <p:stCondLst>
+                              <p:cond delay="0"/>
+                            </p:stCondLst>
+                            <p:childTnLst>
+                              <p:par>
+                                <p:cTn id="5" presetID="2" presetClass="entr" presetSubtype="8" fill="hold" grpId="0" nodeType="withEffect">
+                                  <p:stCondLst>
+                                    <p:cond delay="0"/>
+                                  </p:stCondLst>
+                                  <p:childTnLst>
+                                    <p:set>
+                                      <p:cBhvr>
+                                        <p:cTn id="6" dur="1" fill="hold">
+                                          <p:stCondLst>
+                                            <p:cond delay="0"/>
+                                          </p:stCondLst>
+                                        </p:cTn>
+                                        <p:tgtEl>
+                                          <p:spTgt spid="5"/>
+                                        </p:tgtEl>
+                                        <p:attrNameLst>
+                                          <p:attrName>style.visibility</p:attrName>
+                                        </p:attrNameLst>
+                                      </p:cBhvr>
+                                      <p:to>
+                                        <p:strVal val="visible"/>
+                                      </p:to>
+                                    </p:set>
+                                    <p:anim calcmode="lin" valueType="num">
+                                      <p:cBhvr additive="base">
+                                        <p:cTn id="7" dur="500" fill="hold"/>
+                                        <p:tgtEl>
+                                          <p:spTgt spid="5"/>
+                                        </p:tgtEl>
+                                        <p:attrNameLst>
+                                          <p:attrName>ppt_x</p:attrName>
+                                        </p:attrNameLst>
+                                      </p:cBhvr>
+                                      <p:tavLst>
+                                        <p:tav tm="0">
+                                          <p:val>
+                                            <p:strVal val="0-#ppt_w/2"/>
+                                          </p:val>
+                                        </p:tav>
+                                        <p:tav tm="100000">
+                                          <p:val>
+                                            <p:strVal val="#ppt_x"/>
+                                          </p:val>
+                                        </p:tav>
+                                      </p:tavLst>
+                                    </p:anim>
+                                    <p:anim calcmode="lin" valueType="num">
+                                      <p:cBhvr additive="base">
+                                        <p:cTn id="8" dur="500" fill="hold"/>
+                                        <p:tgtEl>
+                                          <p:spTgt spid="5"/>
+                                        </p:tgtEl>
+                                        <p:attrNameLst>
+                                          <p:attrName>ppt_y</p:attrName>
+                                        </p:attrNameLst>
+                                      </p:cBhvr>
+                                      <p:tavLst>
+                                        <p:tav tm="0">
+                                          <p:val>
+                                            <p:strVal val="#ppt_y"/>
+                                          </p:val>
+                                        </p:tav>
+                                        <p:tav tm="100000">
+                                          <p:val>
+                                            <p:strVal val="#ppt_y"/>
+                                          </p:val>
+                                        </p:tav>
+                                      </p:tavLst>
+                                    </p:anim>
+                                  </p:childTnLst>
+                                </p:cTn>
+                              </p:par>
+                            </p:childTnLst>
+                          </p:cTn>
+                        </p:par>
+                      </p:childTnLst>
+                    </p:cTn>
+                  </p:par>
+                </p:childTnLst>
+              </p:cTn>
+              <p:prevCondLst>
+                <p:cond evt="onPrev" delay="0">
+                  <p:tgtEl>
+                    <p:sldTgt/>
+                  </p:tgtEl>
+                </p:cond>
+              </p:prevCondLst>
+              <p:nextCondLst>
+                <p:cond evt="onNext" delay="0">
+                  <p:tgtEl>
+                    <p:sldTgt/>
+                  </p:tgtEl>
+                </p:cond>
+              </p:nextCondLst>
+            </p:seq>
+          </p:childTnLst>
+        </p:cTn>
+      </p:par>
+    </p:tnLst>
+    <p:bldLst>
+      <p:bldP spid="5" grpId="0" animBg="1"/>
+    </p:bldLst>
+  </p:timing>
 </p:sld>
 </file>
 
@@ -1945,6 +3125,248 @@
           <a:chExt cx="0" cy="0"/>
         </a:xfrm>
       </p:grpSpPr>
+      <p:grpSp>
+        <p:nvGrpSpPr>
+          <p:cNvPr id="2" name="Skupina 1">
+            <a:extLst>
+              <a:ext uri="{FF2B5EF4-FFF2-40B4-BE49-F238E27FC236}">
+                <a16:creationId xmlns:a16="http://schemas.microsoft.com/office/drawing/2014/main" id="{243C7F3D-B880-6A98-B2E1-739E512E7F5D}"/>
+              </a:ext>
+            </a:extLst>
+          </p:cNvPr>
+          <p:cNvGrpSpPr/>
+          <p:nvPr/>
+        </p:nvGrpSpPr>
+        <p:grpSpPr>
+          <a:xfrm>
+            <a:off x="2971800" y="849872"/>
+            <a:ext cx="8690963" cy="5646177"/>
+            <a:chOff x="-3626629" y="1189687"/>
+            <a:chExt cx="3063891" cy="7293471"/>
+          </a:xfrm>
+        </p:grpSpPr>
+        <p:sp>
+          <p:nvSpPr>
+            <p:cNvPr id="3" name="Obdélník: se zakulacenými rohy 2">
+              <a:extLst>
+                <a:ext uri="{FF2B5EF4-FFF2-40B4-BE49-F238E27FC236}">
+                  <a16:creationId xmlns:a16="http://schemas.microsoft.com/office/drawing/2014/main" id="{1D74A4F7-AA50-610C-9838-FFD21BFA7E46}"/>
+                </a:ext>
+              </a:extLst>
+            </p:cNvPr>
+            <p:cNvSpPr/>
+            <p:nvPr userDrawn="1"/>
+          </p:nvSpPr>
+          <p:spPr>
+            <a:xfrm>
+              <a:off x="-3626629" y="1189687"/>
+              <a:ext cx="3063891" cy="7293471"/>
+            </a:xfrm>
+            <a:prstGeom prst="roundRect">
+              <a:avLst>
+                <a:gd name="adj" fmla="val 1848"/>
+              </a:avLst>
+            </a:prstGeom>
+            <a:solidFill>
+              <a:srgbClr val="FFFFFF">
+                <a:alpha val="60000"/>
+              </a:srgbClr>
+            </a:solidFill>
+            <a:ln>
+              <a:solidFill>
+                <a:srgbClr val="EAEAEA"/>
+              </a:solidFill>
+            </a:ln>
+            <a:effectLst>
+              <a:outerShdw blurRad="50800" dist="38100" dir="2700000" algn="tl" rotWithShape="0">
+                <a:prstClr val="black">
+                  <a:alpha val="40000"/>
+                </a:prstClr>
+              </a:outerShdw>
+              <a:softEdge rad="12700"/>
+            </a:effectLst>
+          </p:spPr>
+          <p:style>
+            <a:lnRef idx="2">
+              <a:schemeClr val="accent1">
+                <a:shade val="50000"/>
+              </a:schemeClr>
+            </a:lnRef>
+            <a:fillRef idx="1">
+              <a:schemeClr val="accent1"/>
+            </a:fillRef>
+            <a:effectRef idx="0">
+              <a:schemeClr val="accent1"/>
+            </a:effectRef>
+            <a:fontRef idx="minor">
+              <a:schemeClr val="lt1"/>
+            </a:fontRef>
+          </p:style>
+          <p:txBody>
+            <a:bodyPr rtlCol="0" anchor="ctr"/>
+            <a:lstStyle/>
+            <a:p>
+              <a:pPr algn="ctr"/>
+              <a:endParaRPr lang="cs-CZ" dirty="0"/>
+            </a:p>
+          </p:txBody>
+        </p:sp>
+        <p:sp>
+          <p:nvSpPr>
+            <p:cNvPr id="4" name="TextovéPole 3">
+              <a:extLst>
+                <a:ext uri="{FF2B5EF4-FFF2-40B4-BE49-F238E27FC236}">
+                  <a16:creationId xmlns:a16="http://schemas.microsoft.com/office/drawing/2014/main" id="{9DAEAAFA-FA86-BA57-632C-EFE5FC69FBFA}"/>
+                </a:ext>
+              </a:extLst>
+            </p:cNvPr>
+            <p:cNvSpPr txBox="1"/>
+            <p:nvPr userDrawn="1"/>
+          </p:nvSpPr>
+          <p:spPr>
+            <a:xfrm>
+              <a:off x="-3581351" y="1541769"/>
+              <a:ext cx="2960923" cy="2623972"/>
+            </a:xfrm>
+            <a:prstGeom prst="rect">
+              <a:avLst/>
+            </a:prstGeom>
+            <a:noFill/>
+          </p:spPr>
+          <p:txBody>
+            <a:bodyPr wrap="square" rtlCol="0">
+              <a:spAutoFit/>
+            </a:bodyPr>
+            <a:lstStyle/>
+            <a:p>
+              <a:pPr algn="just"/>
+              <a:r>
+                <a:rPr lang="pl-PL" sz="2800" dirty="0">
+                  <a:solidFill>
+                    <a:schemeClr val="bg2">
+                      <a:lumMod val="25000"/>
+                    </a:schemeClr>
+                  </a:solidFill>
+                </a:rPr>
+                <a:t>POUŽITÁ LITERATURA</a:t>
+              </a:r>
+            </a:p>
+            <a:p>
+              <a:pPr algn="just"/>
+              <a:endParaRPr lang="pl-PL" sz="2800" dirty="0">
+                <a:solidFill>
+                  <a:schemeClr val="bg2">
+                    <a:lumMod val="25000"/>
+                  </a:schemeClr>
+                </a:solidFill>
+              </a:endParaRPr>
+            </a:p>
+            <a:p>
+              <a:r>
+                <a:rPr lang="en-US" sz="1400" b="0" i="1" dirty="0">
+                  <a:solidFill>
+                    <a:schemeClr val="bg2">
+                      <a:lumMod val="25000"/>
+                    </a:schemeClr>
+                  </a:solidFill>
+                  <a:effectLst/>
+                  <a:latin typeface="Open Sans" panose="020B0606030504020204" pitchFamily="34" charset="0"/>
+                </a:rPr>
+                <a:t>YouTube: Big Data In 5 Minutes | What Is Big Data?| Introduction To Big Data |Big Data Explained |</a:t>
+              </a:r>
+              <a:r>
+                <a:rPr lang="en-US" sz="1400" b="0" i="1" dirty="0" err="1">
+                  <a:solidFill>
+                    <a:schemeClr val="bg2">
+                      <a:lumMod val="25000"/>
+                    </a:schemeClr>
+                  </a:solidFill>
+                  <a:effectLst/>
+                  <a:latin typeface="Open Sans" panose="020B0606030504020204" pitchFamily="34" charset="0"/>
+                </a:rPr>
+                <a:t>Simplilearn</a:t>
+              </a:r>
+              <a:r>
+                <a:rPr lang="en-US" sz="1400" b="0" i="0" dirty="0">
+                  <a:solidFill>
+                    <a:schemeClr val="bg2">
+                      <a:lumMod val="25000"/>
+                    </a:schemeClr>
+                  </a:solidFill>
+                  <a:effectLst/>
+                  <a:latin typeface="Open Sans" panose="020B0606030504020204" pitchFamily="34" charset="0"/>
+                </a:rPr>
+                <a:t> [online]. [cit. 2023-01-05]. </a:t>
+              </a:r>
+              <a:r>
+                <a:rPr lang="en-US" sz="1400" b="0" i="0" dirty="0" err="1">
+                  <a:solidFill>
+                    <a:schemeClr val="bg2">
+                      <a:lumMod val="25000"/>
+                    </a:schemeClr>
+                  </a:solidFill>
+                  <a:effectLst/>
+                  <a:latin typeface="Open Sans" panose="020B0606030504020204" pitchFamily="34" charset="0"/>
+                </a:rPr>
+                <a:t>Dostupné</a:t>
+              </a:r>
+              <a:r>
+                <a:rPr lang="en-US" sz="1400" b="0" i="0" dirty="0">
+                  <a:solidFill>
+                    <a:schemeClr val="bg2">
+                      <a:lumMod val="25000"/>
+                    </a:schemeClr>
+                  </a:solidFill>
+                  <a:effectLst/>
+                  <a:latin typeface="Open Sans" panose="020B0606030504020204" pitchFamily="34" charset="0"/>
+                </a:rPr>
+                <a:t> z: </a:t>
+              </a:r>
+              <a:r>
+                <a:rPr lang="en-US" sz="1400" b="0" i="0" dirty="0">
+                  <a:solidFill>
+                    <a:schemeClr val="bg2">
+                      <a:lumMod val="25000"/>
+                    </a:schemeClr>
+                  </a:solidFill>
+                  <a:effectLst/>
+                  <a:latin typeface="Open Sans" panose="020B0606030504020204" pitchFamily="34" charset="0"/>
+                  <a:hlinkClick r:id="rId3"/>
+                </a:rPr>
+                <a:t>https://www.youtube.com/watch?v=bAyrObl7TYE&amp;ab_channel=Simplilearn</a:t>
+              </a:r>
+              <a:endParaRPr lang="cs-CZ" sz="1400" b="0" i="0" dirty="0">
+                <a:solidFill>
+                  <a:schemeClr val="bg2">
+                    <a:lumMod val="25000"/>
+                  </a:schemeClr>
+                </a:solidFill>
+                <a:effectLst/>
+                <a:latin typeface="Open Sans" panose="020B0606030504020204" pitchFamily="34" charset="0"/>
+              </a:endParaRPr>
+            </a:p>
+            <a:p>
+              <a:endParaRPr lang="cs-CZ" sz="1400" dirty="0">
+                <a:solidFill>
+                  <a:schemeClr val="bg2">
+                    <a:lumMod val="25000"/>
+                  </a:schemeClr>
+                </a:solidFill>
+                <a:latin typeface="Open Sans" panose="020B0606030504020204" pitchFamily="34" charset="0"/>
+              </a:endParaRPr>
+            </a:p>
+            <a:p>
+              <a:endParaRPr lang="pl-PL" sz="1400" dirty="0">
+                <a:solidFill>
+                  <a:schemeClr val="bg2">
+                    <a:lumMod val="25000"/>
+                  </a:schemeClr>
+                </a:solidFill>
+              </a:endParaRPr>
+            </a:p>
+          </p:txBody>
+        </p:sp>
+      </p:grpSp>
     </p:spTree>
     <p:extLst>
       <p:ext uri="{BB962C8B-B14F-4D97-AF65-F5344CB8AC3E}">
@@ -1992,6 +3414,172 @@
           <a:chExt cx="0" cy="0"/>
         </a:xfrm>
       </p:grpSpPr>
+      <p:grpSp>
+        <p:nvGrpSpPr>
+          <p:cNvPr id="5" name="Skupina 4">
+            <a:extLst>
+              <a:ext uri="{FF2B5EF4-FFF2-40B4-BE49-F238E27FC236}">
+                <a16:creationId xmlns:a16="http://schemas.microsoft.com/office/drawing/2014/main" id="{8B5C1CC7-2FEE-3C80-6E56-DDC43ED86EFE}"/>
+              </a:ext>
+            </a:extLst>
+          </p:cNvPr>
+          <p:cNvGrpSpPr/>
+          <p:nvPr/>
+        </p:nvGrpSpPr>
+        <p:grpSpPr>
+          <a:xfrm>
+            <a:off x="300637" y="1547346"/>
+            <a:ext cx="8288419" cy="2495776"/>
+            <a:chOff x="-3626629" y="1189687"/>
+            <a:chExt cx="3006201" cy="3528881"/>
+          </a:xfrm>
+        </p:grpSpPr>
+        <p:sp>
+          <p:nvSpPr>
+            <p:cNvPr id="6" name="Obdélník: se zakulacenými rohy 5">
+              <a:extLst>
+                <a:ext uri="{FF2B5EF4-FFF2-40B4-BE49-F238E27FC236}">
+                  <a16:creationId xmlns:a16="http://schemas.microsoft.com/office/drawing/2014/main" id="{83AE37F6-7BDA-4386-B460-AF900265508D}"/>
+                </a:ext>
+              </a:extLst>
+            </p:cNvPr>
+            <p:cNvSpPr/>
+            <p:nvPr userDrawn="1"/>
+          </p:nvSpPr>
+          <p:spPr>
+            <a:xfrm>
+              <a:off x="-3626629" y="1189687"/>
+              <a:ext cx="2960923" cy="3293535"/>
+            </a:xfrm>
+            <a:prstGeom prst="roundRect">
+              <a:avLst>
+                <a:gd name="adj" fmla="val 4378"/>
+              </a:avLst>
+            </a:prstGeom>
+            <a:solidFill>
+              <a:srgbClr val="FFFFFF">
+                <a:alpha val="60000"/>
+              </a:srgbClr>
+            </a:solidFill>
+            <a:ln>
+              <a:solidFill>
+                <a:srgbClr val="EAEAEA"/>
+              </a:solidFill>
+            </a:ln>
+            <a:effectLst>
+              <a:outerShdw blurRad="50800" dist="38100" dir="2700000" algn="tl" rotWithShape="0">
+                <a:prstClr val="black">
+                  <a:alpha val="40000"/>
+                </a:prstClr>
+              </a:outerShdw>
+              <a:softEdge rad="12700"/>
+            </a:effectLst>
+          </p:spPr>
+          <p:style>
+            <a:lnRef idx="2">
+              <a:schemeClr val="accent1">
+                <a:shade val="50000"/>
+              </a:schemeClr>
+            </a:lnRef>
+            <a:fillRef idx="1">
+              <a:schemeClr val="accent1"/>
+            </a:fillRef>
+            <a:effectRef idx="0">
+              <a:schemeClr val="accent1"/>
+            </a:effectRef>
+            <a:fontRef idx="minor">
+              <a:schemeClr val="lt1"/>
+            </a:fontRef>
+          </p:style>
+          <p:txBody>
+            <a:bodyPr rtlCol="0" anchor="ctr"/>
+            <a:lstStyle/>
+            <a:p>
+              <a:pPr algn="ctr"/>
+              <a:endParaRPr lang="cs-CZ" dirty="0"/>
+            </a:p>
+          </p:txBody>
+        </p:sp>
+        <p:sp>
+          <p:nvSpPr>
+            <p:cNvPr id="7" name="TextovéPole 6">
+              <a:extLst>
+                <a:ext uri="{FF2B5EF4-FFF2-40B4-BE49-F238E27FC236}">
+                  <a16:creationId xmlns:a16="http://schemas.microsoft.com/office/drawing/2014/main" id="{EFA29BE0-2BB6-EE50-B403-FC9C173C55C1}"/>
+                </a:ext>
+              </a:extLst>
+            </p:cNvPr>
+            <p:cNvSpPr txBox="1"/>
+            <p:nvPr userDrawn="1"/>
+          </p:nvSpPr>
+          <p:spPr>
+            <a:xfrm>
+              <a:off x="-3581351" y="1541768"/>
+              <a:ext cx="2960923" cy="3176800"/>
+            </a:xfrm>
+            <a:prstGeom prst="rect">
+              <a:avLst/>
+            </a:prstGeom>
+            <a:noFill/>
+          </p:spPr>
+          <p:txBody>
+            <a:bodyPr wrap="square" rtlCol="0">
+              <a:spAutoFit/>
+            </a:bodyPr>
+            <a:lstStyle/>
+            <a:p>
+              <a:r>
+                <a:rPr lang="pl-PL" sz="2800" dirty="0">
+                  <a:solidFill>
+                    <a:schemeClr val="bg2">
+                      <a:lumMod val="25000"/>
+                    </a:schemeClr>
+                  </a:solidFill>
+                </a:rPr>
+                <a:t>Github repozitář</a:t>
+              </a:r>
+            </a:p>
+            <a:p>
+              <a:endParaRPr lang="pl-PL" sz="2800" dirty="0">
+                <a:solidFill>
+                  <a:schemeClr val="bg2">
+                    <a:lumMod val="25000"/>
+                  </a:schemeClr>
+                </a:solidFill>
+              </a:endParaRPr>
+            </a:p>
+            <a:p>
+              <a:r>
+                <a:rPr lang="pl-PL" sz="2800" dirty="0">
+                  <a:solidFill>
+                    <a:schemeClr val="bg2">
+                      <a:lumMod val="25000"/>
+                    </a:schemeClr>
+                  </a:solidFill>
+                  <a:hlinkClick r:id="rId3"/>
+                </a:rPr>
+                <a:t>https://github.com/CZmatyasZERO/Big-data-prezentace.git</a:t>
+              </a:r>
+              <a:endParaRPr lang="pl-PL" sz="2800" dirty="0">
+                <a:solidFill>
+                  <a:schemeClr val="bg2">
+                    <a:lumMod val="25000"/>
+                  </a:schemeClr>
+                </a:solidFill>
+              </a:endParaRPr>
+            </a:p>
+            <a:p>
+              <a:endParaRPr lang="pl-PL" sz="2800" dirty="0">
+                <a:solidFill>
+                  <a:schemeClr val="bg2">
+                    <a:lumMod val="25000"/>
+                  </a:schemeClr>
+                </a:solidFill>
+              </a:endParaRPr>
+            </a:p>
+          </p:txBody>
+        </p:sp>
+      </p:grpSp>
     </p:spTree>
     <p:extLst>
       <p:ext uri="{BB962C8B-B14F-4D97-AF65-F5344CB8AC3E}">
@@ -2630,4 +4218,594 @@
     </a:ext>
   </a:extLst>
 </a:theme>
+</file>
+
+<file path=ppt/theme/theme2.xml><?xml version="1.0" encoding="utf-8"?>
+<a:theme xmlns:a="http://schemas.openxmlformats.org/drawingml/2006/main" name="Motiv Office">
+  <a:themeElements>
+    <a:clrScheme name="Office">
+      <a:dk1>
+        <a:sysClr val="windowText" lastClr="000000"/>
+      </a:dk1>
+      <a:lt1>
+        <a:sysClr val="window" lastClr="FFFFFF"/>
+      </a:lt1>
+      <a:dk2>
+        <a:srgbClr val="44546A"/>
+      </a:dk2>
+      <a:lt2>
+        <a:srgbClr val="E7E6E6"/>
+      </a:lt2>
+      <a:accent1>
+        <a:srgbClr val="4472C4"/>
+      </a:accent1>
+      <a:accent2>
+        <a:srgbClr val="ED7D31"/>
+      </a:accent2>
+      <a:accent3>
+        <a:srgbClr val="A5A5A5"/>
+      </a:accent3>
+      <a:accent4>
+        <a:srgbClr val="FFC000"/>
+      </a:accent4>
+      <a:accent5>
+        <a:srgbClr val="5B9BD5"/>
+      </a:accent5>
+      <a:accent6>
+        <a:srgbClr val="70AD47"/>
+      </a:accent6>
+      <a:hlink>
+        <a:srgbClr val="0563C1"/>
+      </a:hlink>
+      <a:folHlink>
+        <a:srgbClr val="954F72"/>
+      </a:folHlink>
+    </a:clrScheme>
+    <a:fontScheme name="Office">
+      <a:majorFont>
+        <a:latin typeface="Calibri Light" panose="020F0302020204030204"/>
+        <a:ea typeface=""/>
+        <a:cs typeface=""/>
+        <a:font script="Jpan" typeface="游ゴシック Light"/>
+        <a:font script="Hang" typeface="맑은 고딕"/>
+        <a:font script="Hans" typeface="等线 Light"/>
+        <a:font script="Hant" typeface="新細明體"/>
+        <a:font script="Arab" typeface="Times New Roman"/>
+        <a:font script="Hebr" typeface="Times New Roman"/>
+        <a:font script="Thai" typeface="Angsana New"/>
+        <a:font script="Ethi" typeface="Nyala"/>
+        <a:font script="Beng" typeface="Vrinda"/>
+        <a:font script="Gujr" typeface="Shruti"/>
+        <a:font script="Khmr" typeface="MoolBoran"/>
+        <a:font script="Knda" typeface="Tunga"/>
+        <a:font script="Guru" typeface="Raavi"/>
+        <a:font script="Cans" typeface="Euphemia"/>
+        <a:font script="Cher" typeface="Plantagenet Cherokee"/>
+        <a:font script="Yiii" typeface="Microsoft Yi Baiti"/>
+        <a:font script="Tibt" typeface="Microsoft Himalaya"/>
+        <a:font script="Thaa" typeface="MV Boli"/>
+        <a:font script="Deva" typeface="Mangal"/>
+        <a:font script="Telu" typeface="Gautami"/>
+        <a:font script="Taml" typeface="Latha"/>
+        <a:font script="Syrc" typeface="Estrangelo Edessa"/>
+        <a:font script="Orya" typeface="Kalinga"/>
+        <a:font script="Mlym" typeface="Kartika"/>
+        <a:font script="Laoo" typeface="DokChampa"/>
+        <a:font script="Sinh" typeface="Iskoola Pota"/>
+        <a:font script="Mong" typeface="Mongolian Baiti"/>
+        <a:font script="Viet" typeface="Times New Roman"/>
+        <a:font script="Uigh" typeface="Microsoft Uighur"/>
+        <a:font script="Geor" typeface="Sylfaen"/>
+        <a:font script="Armn" typeface="Arial"/>
+        <a:font script="Bugi" typeface="Leelawadee UI"/>
+        <a:font script="Bopo" typeface="Microsoft JhengHei"/>
+        <a:font script="Java" typeface="Javanese Text"/>
+        <a:font script="Lisu" typeface="Segoe UI"/>
+        <a:font script="Mymr" typeface="Myanmar Text"/>
+        <a:font script="Nkoo" typeface="Ebrima"/>
+        <a:font script="Olck" typeface="Nirmala UI"/>
+        <a:font script="Osma" typeface="Ebrima"/>
+        <a:font script="Phag" typeface="Phagspa"/>
+        <a:font script="Syrn" typeface="Estrangelo Edessa"/>
+        <a:font script="Syrj" typeface="Estrangelo Edessa"/>
+        <a:font script="Syre" typeface="Estrangelo Edessa"/>
+        <a:font script="Sora" typeface="Nirmala UI"/>
+        <a:font script="Tale" typeface="Microsoft Tai Le"/>
+        <a:font script="Talu" typeface="Microsoft New Tai Lue"/>
+        <a:font script="Tfng" typeface="Ebrima"/>
+      </a:majorFont>
+      <a:minorFont>
+        <a:latin typeface="Calibri" panose="020F0502020204030204"/>
+        <a:ea typeface=""/>
+        <a:cs typeface=""/>
+        <a:font script="Jpan" typeface="游ゴシック"/>
+        <a:font script="Hang" typeface="맑은 고딕"/>
+        <a:font script="Hans" typeface="等线"/>
+        <a:font script="Hant" typeface="新細明體"/>
+        <a:font script="Arab" typeface="Arial"/>
+        <a:font script="Hebr" typeface="Arial"/>
+        <a:font script="Thai" typeface="Cordia New"/>
+        <a:font script="Ethi" typeface="Nyala"/>
+        <a:font script="Beng" typeface="Vrinda"/>
+        <a:font script="Gujr" typeface="Shruti"/>
+        <a:font script="Khmr" typeface="DaunPenh"/>
+        <a:font script="Knda" typeface="Tunga"/>
+        <a:font script="Guru" typeface="Raavi"/>
+        <a:font script="Cans" typeface="Euphemia"/>
+        <a:font script="Cher" typeface="Plantagenet Cherokee"/>
+        <a:font script="Yiii" typeface="Microsoft Yi Baiti"/>
+        <a:font script="Tibt" typeface="Microsoft Himalaya"/>
+        <a:font script="Thaa" typeface="MV Boli"/>
+        <a:font script="Deva" typeface="Mangal"/>
+        <a:font script="Telu" typeface="Gautami"/>
+        <a:font script="Taml" typeface="Latha"/>
+        <a:font script="Syrc" typeface="Estrangelo Edessa"/>
+        <a:font script="Orya" typeface="Kalinga"/>
+        <a:font script="Mlym" typeface="Kartika"/>
+        <a:font script="Laoo" typeface="DokChampa"/>
+        <a:font script="Sinh" typeface="Iskoola Pota"/>
+        <a:font script="Mong" typeface="Mongolian Baiti"/>
+        <a:font script="Viet" typeface="Arial"/>
+        <a:font script="Uigh" typeface="Microsoft Uighur"/>
+        <a:font script="Geor" typeface="Sylfaen"/>
+        <a:font script="Armn" typeface="Arial"/>
+        <a:font script="Bugi" typeface="Leelawadee UI"/>
+        <a:font script="Bopo" typeface="Microsoft JhengHei"/>
+        <a:font script="Java" typeface="Javanese Text"/>
+        <a:font script="Lisu" typeface="Segoe UI"/>
+        <a:font script="Mymr" typeface="Myanmar Text"/>
+        <a:font script="Nkoo" typeface="Ebrima"/>
+        <a:font script="Olck" typeface="Nirmala UI"/>
+        <a:font script="Osma" typeface="Ebrima"/>
+        <a:font script="Phag" typeface="Phagspa"/>
+        <a:font script="Syrn" typeface="Estrangelo Edessa"/>
+        <a:font script="Syrj" typeface="Estrangelo Edessa"/>
+        <a:font script="Syre" typeface="Estrangelo Edessa"/>
+        <a:font script="Sora" typeface="Nirmala UI"/>
+        <a:font script="Tale" typeface="Microsoft Tai Le"/>
+        <a:font script="Talu" typeface="Microsoft New Tai Lue"/>
+        <a:font script="Tfng" typeface="Ebrima"/>
+      </a:minorFont>
+    </a:fontScheme>
+    <a:fmtScheme name="Office">
+      <a:fillStyleLst>
+        <a:solidFill>
+          <a:schemeClr val="phClr"/>
+        </a:solidFill>
+        <a:gradFill rotWithShape="1">
+          <a:gsLst>
+            <a:gs pos="0">
+              <a:schemeClr val="phClr">
+                <a:lumMod val="110000"/>
+                <a:satMod val="105000"/>
+                <a:tint val="67000"/>
+              </a:schemeClr>
+            </a:gs>
+            <a:gs pos="50000">
+              <a:schemeClr val="phClr">
+                <a:lumMod val="105000"/>
+                <a:satMod val="103000"/>
+                <a:tint val="73000"/>
+              </a:schemeClr>
+            </a:gs>
+            <a:gs pos="100000">
+              <a:schemeClr val="phClr">
+                <a:lumMod val="105000"/>
+                <a:satMod val="109000"/>
+                <a:tint val="81000"/>
+              </a:schemeClr>
+            </a:gs>
+          </a:gsLst>
+          <a:lin ang="5400000" scaled="0"/>
+        </a:gradFill>
+        <a:gradFill rotWithShape="1">
+          <a:gsLst>
+            <a:gs pos="0">
+              <a:schemeClr val="phClr">
+                <a:satMod val="103000"/>
+                <a:lumMod val="102000"/>
+                <a:tint val="94000"/>
+              </a:schemeClr>
+            </a:gs>
+            <a:gs pos="50000">
+              <a:schemeClr val="phClr">
+                <a:satMod val="110000"/>
+                <a:lumMod val="100000"/>
+                <a:shade val="100000"/>
+              </a:schemeClr>
+            </a:gs>
+            <a:gs pos="100000">
+              <a:schemeClr val="phClr">
+                <a:lumMod val="99000"/>
+                <a:satMod val="120000"/>
+                <a:shade val="78000"/>
+              </a:schemeClr>
+            </a:gs>
+          </a:gsLst>
+          <a:lin ang="5400000" scaled="0"/>
+        </a:gradFill>
+      </a:fillStyleLst>
+      <a:lnStyleLst>
+        <a:ln w="6350" cap="flat" cmpd="sng" algn="ctr">
+          <a:solidFill>
+            <a:schemeClr val="phClr"/>
+          </a:solidFill>
+          <a:prstDash val="solid"/>
+          <a:miter lim="800000"/>
+        </a:ln>
+        <a:ln w="12700" cap="flat" cmpd="sng" algn="ctr">
+          <a:solidFill>
+            <a:schemeClr val="phClr"/>
+          </a:solidFill>
+          <a:prstDash val="solid"/>
+          <a:miter lim="800000"/>
+        </a:ln>
+        <a:ln w="19050" cap="flat" cmpd="sng" algn="ctr">
+          <a:solidFill>
+            <a:schemeClr val="phClr"/>
+          </a:solidFill>
+          <a:prstDash val="solid"/>
+          <a:miter lim="800000"/>
+        </a:ln>
+      </a:lnStyleLst>
+      <a:effectStyleLst>
+        <a:effectStyle>
+          <a:effectLst/>
+        </a:effectStyle>
+        <a:effectStyle>
+          <a:effectLst/>
+        </a:effectStyle>
+        <a:effectStyle>
+          <a:effectLst>
+            <a:outerShdw blurRad="57150" dist="19050" dir="5400000" algn="ctr" rotWithShape="0">
+              <a:srgbClr val="000000">
+                <a:alpha val="63000"/>
+              </a:srgbClr>
+            </a:outerShdw>
+          </a:effectLst>
+        </a:effectStyle>
+      </a:effectStyleLst>
+      <a:bgFillStyleLst>
+        <a:solidFill>
+          <a:schemeClr val="phClr"/>
+        </a:solidFill>
+        <a:solidFill>
+          <a:schemeClr val="phClr">
+            <a:tint val="95000"/>
+            <a:satMod val="170000"/>
+          </a:schemeClr>
+        </a:solidFill>
+        <a:gradFill rotWithShape="1">
+          <a:gsLst>
+            <a:gs pos="0">
+              <a:schemeClr val="phClr">
+                <a:tint val="93000"/>
+                <a:satMod val="150000"/>
+                <a:shade val="98000"/>
+                <a:lumMod val="102000"/>
+              </a:schemeClr>
+            </a:gs>
+            <a:gs pos="50000">
+              <a:schemeClr val="phClr">
+                <a:tint val="98000"/>
+                <a:satMod val="130000"/>
+                <a:shade val="90000"/>
+                <a:lumMod val="103000"/>
+              </a:schemeClr>
+            </a:gs>
+            <a:gs pos="100000">
+              <a:schemeClr val="phClr">
+                <a:shade val="63000"/>
+                <a:satMod val="120000"/>
+              </a:schemeClr>
+            </a:gs>
+          </a:gsLst>
+          <a:lin ang="5400000" scaled="0"/>
+        </a:gradFill>
+      </a:bgFillStyleLst>
+    </a:fmtScheme>
+  </a:themeElements>
+  <a:objectDefaults/>
+  <a:extraClrSchemeLst/>
+  <a:extLst>
+    <a:ext uri="{05A4C25C-085E-4340-85A3-A5531E510DB2}">
+      <thm15:themeFamily xmlns:thm15="http://schemas.microsoft.com/office/thememl/2012/main" name="Office Theme" id="{62F939B6-93AF-4DB8-9C6B-D6C7DFDC589F}" vid="{4A3C46E8-61CC-4603-A589-7422A47A8E4A}"/>
+    </a:ext>
+  </a:extLst>
+</a:theme>
+</file>
+
+<file path=ppt/theme/theme3.xml><?xml version="1.0" encoding="utf-8"?>
+<a:theme xmlns:a="http://schemas.openxmlformats.org/drawingml/2006/main" name="Motiv Office">
+  <a:themeElements>
+    <a:clrScheme name="Office">
+      <a:dk1>
+        <a:sysClr val="windowText" lastClr="000000"/>
+      </a:dk1>
+      <a:lt1>
+        <a:sysClr val="window" lastClr="FFFFFF"/>
+      </a:lt1>
+      <a:dk2>
+        <a:srgbClr val="44546A"/>
+      </a:dk2>
+      <a:lt2>
+        <a:srgbClr val="E7E6E6"/>
+      </a:lt2>
+      <a:accent1>
+        <a:srgbClr val="4472C4"/>
+      </a:accent1>
+      <a:accent2>
+        <a:srgbClr val="ED7D31"/>
+      </a:accent2>
+      <a:accent3>
+        <a:srgbClr val="A5A5A5"/>
+      </a:accent3>
+      <a:accent4>
+        <a:srgbClr val="FFC000"/>
+      </a:accent4>
+      <a:accent5>
+        <a:srgbClr val="5B9BD5"/>
+      </a:accent5>
+      <a:accent6>
+        <a:srgbClr val="70AD47"/>
+      </a:accent6>
+      <a:hlink>
+        <a:srgbClr val="0563C1"/>
+      </a:hlink>
+      <a:folHlink>
+        <a:srgbClr val="954F72"/>
+      </a:folHlink>
+    </a:clrScheme>
+    <a:fontScheme name="Office">
+      <a:majorFont>
+        <a:latin typeface="Calibri Light" panose="020F0302020204030204"/>
+        <a:ea typeface=""/>
+        <a:cs typeface=""/>
+        <a:font script="Jpan" typeface="游ゴシック Light"/>
+        <a:font script="Hang" typeface="맑은 고딕"/>
+        <a:font script="Hans" typeface="等线 Light"/>
+        <a:font script="Hant" typeface="新細明體"/>
+        <a:font script="Arab" typeface="Times New Roman"/>
+        <a:font script="Hebr" typeface="Times New Roman"/>
+        <a:font script="Thai" typeface="Angsana New"/>
+        <a:font script="Ethi" typeface="Nyala"/>
+        <a:font script="Beng" typeface="Vrinda"/>
+        <a:font script="Gujr" typeface="Shruti"/>
+        <a:font script="Khmr" typeface="MoolBoran"/>
+        <a:font script="Knda" typeface="Tunga"/>
+        <a:font script="Guru" typeface="Raavi"/>
+        <a:font script="Cans" typeface="Euphemia"/>
+        <a:font script="Cher" typeface="Plantagenet Cherokee"/>
+        <a:font script="Yiii" typeface="Microsoft Yi Baiti"/>
+        <a:font script="Tibt" typeface="Microsoft Himalaya"/>
+        <a:font script="Thaa" typeface="MV Boli"/>
+        <a:font script="Deva" typeface="Mangal"/>
+        <a:font script="Telu" typeface="Gautami"/>
+        <a:font script="Taml" typeface="Latha"/>
+        <a:font script="Syrc" typeface="Estrangelo Edessa"/>
+        <a:font script="Orya" typeface="Kalinga"/>
+        <a:font script="Mlym" typeface="Kartika"/>
+        <a:font script="Laoo" typeface="DokChampa"/>
+        <a:font script="Sinh" typeface="Iskoola Pota"/>
+        <a:font script="Mong" typeface="Mongolian Baiti"/>
+        <a:font script="Viet" typeface="Times New Roman"/>
+        <a:font script="Uigh" typeface="Microsoft Uighur"/>
+        <a:font script="Geor" typeface="Sylfaen"/>
+        <a:font script="Armn" typeface="Arial"/>
+        <a:font script="Bugi" typeface="Leelawadee UI"/>
+        <a:font script="Bopo" typeface="Microsoft JhengHei"/>
+        <a:font script="Java" typeface="Javanese Text"/>
+        <a:font script="Lisu" typeface="Segoe UI"/>
+        <a:font script="Mymr" typeface="Myanmar Text"/>
+        <a:font script="Nkoo" typeface="Ebrima"/>
+        <a:font script="Olck" typeface="Nirmala UI"/>
+        <a:font script="Osma" typeface="Ebrima"/>
+        <a:font script="Phag" typeface="Phagspa"/>
+        <a:font script="Syrn" typeface="Estrangelo Edessa"/>
+        <a:font script="Syrj" typeface="Estrangelo Edessa"/>
+        <a:font script="Syre" typeface="Estrangelo Edessa"/>
+        <a:font script="Sora" typeface="Nirmala UI"/>
+        <a:font script="Tale" typeface="Microsoft Tai Le"/>
+        <a:font script="Talu" typeface="Microsoft New Tai Lue"/>
+        <a:font script="Tfng" typeface="Ebrima"/>
+      </a:majorFont>
+      <a:minorFont>
+        <a:latin typeface="Calibri" panose="020F0502020204030204"/>
+        <a:ea typeface=""/>
+        <a:cs typeface=""/>
+        <a:font script="Jpan" typeface="游ゴシック"/>
+        <a:font script="Hang" typeface="맑은 고딕"/>
+        <a:font script="Hans" typeface="等线"/>
+        <a:font script="Hant" typeface="新細明體"/>
+        <a:font script="Arab" typeface="Arial"/>
+        <a:font script="Hebr" typeface="Arial"/>
+        <a:font script="Thai" typeface="Cordia New"/>
+        <a:font script="Ethi" typeface="Nyala"/>
+        <a:font script="Beng" typeface="Vrinda"/>
+        <a:font script="Gujr" typeface="Shruti"/>
+        <a:font script="Khmr" typeface="DaunPenh"/>
+        <a:font script="Knda" typeface="Tunga"/>
+        <a:font script="Guru" typeface="Raavi"/>
+        <a:font script="Cans" typeface="Euphemia"/>
+        <a:font script="Cher" typeface="Plantagenet Cherokee"/>
+        <a:font script="Yiii" typeface="Microsoft Yi Baiti"/>
+        <a:font script="Tibt" typeface="Microsoft Himalaya"/>
+        <a:font script="Thaa" typeface="MV Boli"/>
+        <a:font script="Deva" typeface="Mangal"/>
+        <a:font script="Telu" typeface="Gautami"/>
+        <a:font script="Taml" typeface="Latha"/>
+        <a:font script="Syrc" typeface="Estrangelo Edessa"/>
+        <a:font script="Orya" typeface="Kalinga"/>
+        <a:font script="Mlym" typeface="Kartika"/>
+        <a:font script="Laoo" typeface="DokChampa"/>
+        <a:font script="Sinh" typeface="Iskoola Pota"/>
+        <a:font script="Mong" typeface="Mongolian Baiti"/>
+        <a:font script="Viet" typeface="Arial"/>
+        <a:font script="Uigh" typeface="Microsoft Uighur"/>
+        <a:font script="Geor" typeface="Sylfaen"/>
+        <a:font script="Armn" typeface="Arial"/>
+        <a:font script="Bugi" typeface="Leelawadee UI"/>
+        <a:font script="Bopo" typeface="Microsoft JhengHei"/>
+        <a:font script="Java" typeface="Javanese Text"/>
+        <a:font script="Lisu" typeface="Segoe UI"/>
+        <a:font script="Mymr" typeface="Myanmar Text"/>
+        <a:font script="Nkoo" typeface="Ebrima"/>
+        <a:font script="Olck" typeface="Nirmala UI"/>
+        <a:font script="Osma" typeface="Ebrima"/>
+        <a:font script="Phag" typeface="Phagspa"/>
+        <a:font script="Syrn" typeface="Estrangelo Edessa"/>
+        <a:font script="Syrj" typeface="Estrangelo Edessa"/>
+        <a:font script="Syre" typeface="Estrangelo Edessa"/>
+        <a:font script="Sora" typeface="Nirmala UI"/>
+        <a:font script="Tale" typeface="Microsoft Tai Le"/>
+        <a:font script="Talu" typeface="Microsoft New Tai Lue"/>
+        <a:font script="Tfng" typeface="Ebrima"/>
+      </a:minorFont>
+    </a:fontScheme>
+    <a:fmtScheme name="Office">
+      <a:fillStyleLst>
+        <a:solidFill>
+          <a:schemeClr val="phClr"/>
+        </a:solidFill>
+        <a:gradFill rotWithShape="1">
+          <a:gsLst>
+            <a:gs pos="0">
+              <a:schemeClr val="phClr">
+                <a:lumMod val="110000"/>
+                <a:satMod val="105000"/>
+                <a:tint val="67000"/>
+              </a:schemeClr>
+            </a:gs>
+            <a:gs pos="50000">
+              <a:schemeClr val="phClr">
+                <a:lumMod val="105000"/>
+                <a:satMod val="103000"/>
+                <a:tint val="73000"/>
+              </a:schemeClr>
+            </a:gs>
+            <a:gs pos="100000">
+              <a:schemeClr val="phClr">
+                <a:lumMod val="105000"/>
+                <a:satMod val="109000"/>
+                <a:tint val="81000"/>
+              </a:schemeClr>
+            </a:gs>
+          </a:gsLst>
+          <a:lin ang="5400000" scaled="0"/>
+        </a:gradFill>
+        <a:gradFill rotWithShape="1">
+          <a:gsLst>
+            <a:gs pos="0">
+              <a:schemeClr val="phClr">
+                <a:satMod val="103000"/>
+                <a:lumMod val="102000"/>
+                <a:tint val="94000"/>
+              </a:schemeClr>
+            </a:gs>
+            <a:gs pos="50000">
+              <a:schemeClr val="phClr">
+                <a:satMod val="110000"/>
+                <a:lumMod val="100000"/>
+                <a:shade val="100000"/>
+              </a:schemeClr>
+            </a:gs>
+            <a:gs pos="100000">
+              <a:schemeClr val="phClr">
+                <a:lumMod val="99000"/>
+                <a:satMod val="120000"/>
+                <a:shade val="78000"/>
+              </a:schemeClr>
+            </a:gs>
+          </a:gsLst>
+          <a:lin ang="5400000" scaled="0"/>
+        </a:gradFill>
+      </a:fillStyleLst>
+      <a:lnStyleLst>
+        <a:ln w="6350" cap="flat" cmpd="sng" algn="ctr">
+          <a:solidFill>
+            <a:schemeClr val="phClr"/>
+          </a:solidFill>
+          <a:prstDash val="solid"/>
+          <a:miter lim="800000"/>
+        </a:ln>
+        <a:ln w="12700" cap="flat" cmpd="sng" algn="ctr">
+          <a:solidFill>
+            <a:schemeClr val="phClr"/>
+          </a:solidFill>
+          <a:prstDash val="solid"/>
+          <a:miter lim="800000"/>
+        </a:ln>
+        <a:ln w="19050" cap="flat" cmpd="sng" algn="ctr">
+          <a:solidFill>
+            <a:schemeClr val="phClr"/>
+          </a:solidFill>
+          <a:prstDash val="solid"/>
+          <a:miter lim="800000"/>
+        </a:ln>
+      </a:lnStyleLst>
+      <a:effectStyleLst>
+        <a:effectStyle>
+          <a:effectLst/>
+        </a:effectStyle>
+        <a:effectStyle>
+          <a:effectLst/>
+        </a:effectStyle>
+        <a:effectStyle>
+          <a:effectLst>
+            <a:outerShdw blurRad="57150" dist="19050" dir="5400000" algn="ctr" rotWithShape="0">
+              <a:srgbClr val="000000">
+                <a:alpha val="63000"/>
+              </a:srgbClr>
+            </a:outerShdw>
+          </a:effectLst>
+        </a:effectStyle>
+      </a:effectStyleLst>
+      <a:bgFillStyleLst>
+        <a:solidFill>
+          <a:schemeClr val="phClr"/>
+        </a:solidFill>
+        <a:solidFill>
+          <a:schemeClr val="phClr">
+            <a:tint val="95000"/>
+            <a:satMod val="170000"/>
+          </a:schemeClr>
+        </a:solidFill>
+        <a:gradFill rotWithShape="1">
+          <a:gsLst>
+            <a:gs pos="0">
+              <a:schemeClr val="phClr">
+                <a:tint val="93000"/>
+                <a:satMod val="150000"/>
+                <a:shade val="98000"/>
+                <a:lumMod val="102000"/>
+              </a:schemeClr>
+            </a:gs>
+            <a:gs pos="50000">
+              <a:schemeClr val="phClr">
+                <a:tint val="98000"/>
+                <a:satMod val="130000"/>
+                <a:shade val="90000"/>
+                <a:lumMod val="103000"/>
+              </a:schemeClr>
+            </a:gs>
+            <a:gs pos="100000">
+              <a:schemeClr val="phClr">
+                <a:shade val="63000"/>
+                <a:satMod val="120000"/>
+              </a:schemeClr>
+            </a:gs>
+          </a:gsLst>
+          <a:lin ang="5400000" scaled="0"/>
+        </a:gradFill>
+      </a:bgFillStyleLst>
+    </a:fmtScheme>
+  </a:themeElements>
+  <a:objectDefaults/>
+  <a:extraClrSchemeLst/>
+  <a:extLst>
+    <a:ext uri="{05A4C25C-085E-4340-85A3-A5531E510DB2}">
+      <thm15:themeFamily xmlns:thm15="http://schemas.microsoft.com/office/thememl/2012/main" name="Office Theme" id="{62F939B6-93AF-4DB8-9C6B-D6C7DFDC589F}" vid="{4A3C46E8-61CC-4603-A589-7422A47A8E4A}"/>
+    </a:ext>
+  </a:extLst>
+</a:theme>
 </file>
--- a/klimes.pptx
+++ b/klimes.pptx
@@ -239,7 +239,7 @@
           <a:p>
             <a:fld id="{D009DB19-4C21-440C-A727-546C40E604C7}" type="datetimeFigureOut">
               <a:rPr lang="cs-CZ" smtClean="0"/>
-              <a:t>05.01.2023</a:t>
+              <a:t>06.01.2023</a:t>
             </a:fld>
             <a:endParaRPr lang="cs-CZ"/>
           </a:p>
@@ -416,7 +416,7 @@
           <a:p>
             <a:fld id="{7F4D5948-2C73-43CB-9CA5-AB41306D9F29}" type="datetimeFigureOut">
               <a:rPr lang="cs-CZ" smtClean="0"/>
-              <a:t>05.01.2023</a:t>
+              <a:t>06.01.2023</a:t>
             </a:fld>
             <a:endParaRPr lang="cs-CZ"/>
           </a:p>
@@ -889,6 +889,252 @@
           </a:p>
         </p:txBody>
       </p:sp>
+      <p:grpSp>
+        <p:nvGrpSpPr>
+          <p:cNvPr id="4" name="Skupina 3">
+            <a:extLst>
+              <a:ext uri="{FF2B5EF4-FFF2-40B4-BE49-F238E27FC236}">
+                <a16:creationId xmlns:a16="http://schemas.microsoft.com/office/drawing/2014/main" id="{1FC38979-B049-A1C6-26D8-A93CA1238738}"/>
+              </a:ext>
+            </a:extLst>
+          </p:cNvPr>
+          <p:cNvGrpSpPr/>
+          <p:nvPr userDrawn="1"/>
+        </p:nvGrpSpPr>
+        <p:grpSpPr>
+          <a:xfrm>
+            <a:off x="-3626629" y="1189691"/>
+            <a:ext cx="3063891" cy="4478617"/>
+            <a:chOff x="-3626629" y="1189691"/>
+            <a:chExt cx="3063891" cy="4478617"/>
+          </a:xfrm>
+        </p:grpSpPr>
+        <p:sp>
+          <p:nvSpPr>
+            <p:cNvPr id="2" name="Obdélník: se zakulacenými rohy 1">
+              <a:extLst>
+                <a:ext uri="{FF2B5EF4-FFF2-40B4-BE49-F238E27FC236}">
+                  <a16:creationId xmlns:a16="http://schemas.microsoft.com/office/drawing/2014/main" id="{1E758276-CBD5-01D5-D8E0-1B4A40FD32D3}"/>
+                </a:ext>
+              </a:extLst>
+            </p:cNvPr>
+            <p:cNvSpPr/>
+            <p:nvPr userDrawn="1"/>
+          </p:nvSpPr>
+          <p:spPr>
+            <a:xfrm>
+              <a:off x="-3626629" y="1189691"/>
+              <a:ext cx="3063891" cy="4478617"/>
+            </a:xfrm>
+            <a:prstGeom prst="roundRect">
+              <a:avLst>
+                <a:gd name="adj" fmla="val 4378"/>
+              </a:avLst>
+            </a:prstGeom>
+            <a:solidFill>
+              <a:srgbClr val="FFFFFF">
+                <a:alpha val="60000"/>
+              </a:srgbClr>
+            </a:solidFill>
+            <a:ln>
+              <a:solidFill>
+                <a:srgbClr val="EAEAEA"/>
+              </a:solidFill>
+            </a:ln>
+            <a:effectLst>
+              <a:outerShdw blurRad="50800" dist="38100" dir="2700000" algn="tl" rotWithShape="0">
+                <a:prstClr val="black">
+                  <a:alpha val="40000"/>
+                </a:prstClr>
+              </a:outerShdw>
+              <a:softEdge rad="12700"/>
+            </a:effectLst>
+          </p:spPr>
+          <p:style>
+            <a:lnRef idx="2">
+              <a:schemeClr val="accent1">
+                <a:shade val="50000"/>
+              </a:schemeClr>
+            </a:lnRef>
+            <a:fillRef idx="1">
+              <a:schemeClr val="accent1"/>
+            </a:fillRef>
+            <a:effectRef idx="0">
+              <a:schemeClr val="accent1"/>
+            </a:effectRef>
+            <a:fontRef idx="minor">
+              <a:schemeClr val="lt1"/>
+            </a:fontRef>
+          </p:style>
+          <p:txBody>
+            <a:bodyPr rtlCol="0" anchor="ctr"/>
+            <a:lstStyle/>
+            <a:p>
+              <a:pPr algn="ctr"/>
+              <a:endParaRPr lang="cs-CZ" dirty="0"/>
+            </a:p>
+          </p:txBody>
+        </p:sp>
+        <p:sp>
+          <p:nvSpPr>
+            <p:cNvPr id="3" name="TextovéPole 2">
+              <a:extLst>
+                <a:ext uri="{FF2B5EF4-FFF2-40B4-BE49-F238E27FC236}">
+                  <a16:creationId xmlns:a16="http://schemas.microsoft.com/office/drawing/2014/main" id="{BB8AE030-25ED-616A-4CFF-BE78E245F360}"/>
+                </a:ext>
+              </a:extLst>
+            </p:cNvPr>
+            <p:cNvSpPr txBox="1"/>
+            <p:nvPr userDrawn="1"/>
+          </p:nvSpPr>
+          <p:spPr>
+            <a:xfrm>
+              <a:off x="-3415553" y="1353671"/>
+              <a:ext cx="2662517" cy="2739211"/>
+            </a:xfrm>
+            <a:prstGeom prst="rect">
+              <a:avLst/>
+            </a:prstGeom>
+            <a:noFill/>
+          </p:spPr>
+          <p:txBody>
+            <a:bodyPr wrap="square" rtlCol="0">
+              <a:spAutoFit/>
+            </a:bodyPr>
+            <a:lstStyle/>
+            <a:p>
+              <a:r>
+                <a:rPr lang="cs-CZ" sz="3200" u="none" dirty="0">
+                  <a:solidFill>
+                    <a:schemeClr val="bg2">
+                      <a:lumMod val="25000"/>
+                    </a:schemeClr>
+                  </a:solidFill>
+                </a:rPr>
+                <a:t>Menu</a:t>
+              </a:r>
+            </a:p>
+            <a:p>
+              <a:endParaRPr lang="cs-CZ" sz="2000" dirty="0">
+                <a:solidFill>
+                  <a:schemeClr val="bg2">
+                    <a:lumMod val="25000"/>
+                  </a:schemeClr>
+                </a:solidFill>
+              </a:endParaRPr>
+            </a:p>
+            <a:p>
+              <a:r>
+                <a:rPr lang="cs-CZ" sz="2000" dirty="0">
+                  <a:solidFill>
+                    <a:schemeClr val="bg2">
+                      <a:lumMod val="25000"/>
+                    </a:schemeClr>
+                  </a:solidFill>
+                </a:rPr>
+                <a:t>1. Úvod</a:t>
+              </a:r>
+            </a:p>
+            <a:p>
+              <a:r>
+                <a:rPr lang="cs-CZ" sz="2000" dirty="0">
+                  <a:solidFill>
+                    <a:schemeClr val="bg2">
+                      <a:lumMod val="25000"/>
+                    </a:schemeClr>
+                  </a:solidFill>
+                </a:rPr>
+                <a:t>2. Využití</a:t>
+              </a:r>
+            </a:p>
+            <a:p>
+              <a:r>
+                <a:rPr lang="cs-CZ" sz="2000" dirty="0">
+                  <a:solidFill>
+                    <a:schemeClr val="bg2">
+                      <a:lumMod val="25000"/>
+                    </a:schemeClr>
+                  </a:solidFill>
+                </a:rPr>
+                <a:t>3. Vlastnosti dat</a:t>
+              </a:r>
+            </a:p>
+            <a:p>
+              <a:r>
+                <a:rPr lang="cs-CZ" sz="2000" dirty="0">
+                  <a:solidFill>
+                    <a:schemeClr val="bg2">
+                      <a:lumMod val="25000"/>
+                    </a:schemeClr>
+                  </a:solidFill>
+                </a:rPr>
+                <a:t>4. Způsob zpracování</a:t>
+              </a:r>
+            </a:p>
+            <a:p>
+              <a:r>
+                <a:rPr lang="cs-CZ" sz="2000" dirty="0">
+                  <a:solidFill>
+                    <a:schemeClr val="bg2">
+                      <a:lumMod val="25000"/>
+                    </a:schemeClr>
+                  </a:solidFill>
+                </a:rPr>
+                <a:t>5. Použitá literatura</a:t>
+              </a:r>
+            </a:p>
+            <a:p>
+              <a:r>
+                <a:rPr lang="cs-CZ" sz="2000" dirty="0">
+                  <a:solidFill>
+                    <a:schemeClr val="bg2">
+                      <a:lumMod val="25000"/>
+                    </a:schemeClr>
+                  </a:solidFill>
+                </a:rPr>
+                <a:t>6. </a:t>
+              </a:r>
+              <a:r>
+                <a:rPr lang="cs-CZ" sz="2000" dirty="0" err="1">
+                  <a:solidFill>
+                    <a:schemeClr val="bg2">
+                      <a:lumMod val="25000"/>
+                    </a:schemeClr>
+                  </a:solidFill>
+                </a:rPr>
+                <a:t>Github</a:t>
+              </a:r>
+              <a:r>
+                <a:rPr lang="cs-CZ" sz="2000" dirty="0">
+                  <a:solidFill>
+                    <a:schemeClr val="bg2">
+                      <a:lumMod val="25000"/>
+                    </a:schemeClr>
+                  </a:solidFill>
+                </a:rPr>
+                <a:t> </a:t>
+              </a:r>
+              <a:r>
+                <a:rPr lang="cs-CZ" sz="2000" dirty="0" err="1">
+                  <a:solidFill>
+                    <a:schemeClr val="bg2">
+                      <a:lumMod val="25000"/>
+                    </a:schemeClr>
+                  </a:solidFill>
+                </a:rPr>
+                <a:t>repozitář</a:t>
+              </a:r>
+              <a:endParaRPr lang="cs-CZ" sz="2000" dirty="0">
+                <a:solidFill>
+                  <a:schemeClr val="bg2">
+                    <a:lumMod val="25000"/>
+                  </a:schemeClr>
+                </a:solidFill>
+              </a:endParaRPr>
+            </a:p>
+          </p:txBody>
+        </p:sp>
+      </p:grpSp>
       <p:pic>
         <p:nvPicPr>
           <p:cNvPr id="23" name="Grafický objekt 22">
@@ -1008,252 +1254,6 @@
           </a:prstGeom>
         </p:spPr>
       </p:pic>
-      <p:grpSp>
-        <p:nvGrpSpPr>
-          <p:cNvPr id="4" name="Skupina 3">
-            <a:extLst>
-              <a:ext uri="{FF2B5EF4-FFF2-40B4-BE49-F238E27FC236}">
-                <a16:creationId xmlns:a16="http://schemas.microsoft.com/office/drawing/2014/main" id="{1FC38979-B049-A1C6-26D8-A93CA1238738}"/>
-              </a:ext>
-            </a:extLst>
-          </p:cNvPr>
-          <p:cNvGrpSpPr/>
-          <p:nvPr userDrawn="1"/>
-        </p:nvGrpSpPr>
-        <p:grpSpPr>
-          <a:xfrm>
-            <a:off x="-3626629" y="1189691"/>
-            <a:ext cx="3063891" cy="4478617"/>
-            <a:chOff x="-3626629" y="1189691"/>
-            <a:chExt cx="3063891" cy="4478617"/>
-          </a:xfrm>
-        </p:grpSpPr>
-        <p:sp>
-          <p:nvSpPr>
-            <p:cNvPr id="2" name="Obdélník: se zakulacenými rohy 1">
-              <a:extLst>
-                <a:ext uri="{FF2B5EF4-FFF2-40B4-BE49-F238E27FC236}">
-                  <a16:creationId xmlns:a16="http://schemas.microsoft.com/office/drawing/2014/main" id="{1E758276-CBD5-01D5-D8E0-1B4A40FD32D3}"/>
-                </a:ext>
-              </a:extLst>
-            </p:cNvPr>
-            <p:cNvSpPr/>
-            <p:nvPr userDrawn="1"/>
-          </p:nvSpPr>
-          <p:spPr>
-            <a:xfrm>
-              <a:off x="-3626629" y="1189691"/>
-              <a:ext cx="3063891" cy="4478617"/>
-            </a:xfrm>
-            <a:prstGeom prst="roundRect">
-              <a:avLst>
-                <a:gd name="adj" fmla="val 4378"/>
-              </a:avLst>
-            </a:prstGeom>
-            <a:solidFill>
-              <a:srgbClr val="FFFFFF">
-                <a:alpha val="60000"/>
-              </a:srgbClr>
-            </a:solidFill>
-            <a:ln>
-              <a:solidFill>
-                <a:srgbClr val="EAEAEA"/>
-              </a:solidFill>
-            </a:ln>
-            <a:effectLst>
-              <a:outerShdw blurRad="50800" dist="38100" dir="2700000" algn="tl" rotWithShape="0">
-                <a:prstClr val="black">
-                  <a:alpha val="40000"/>
-                </a:prstClr>
-              </a:outerShdw>
-              <a:softEdge rad="12700"/>
-            </a:effectLst>
-          </p:spPr>
-          <p:style>
-            <a:lnRef idx="2">
-              <a:schemeClr val="accent1">
-                <a:shade val="50000"/>
-              </a:schemeClr>
-            </a:lnRef>
-            <a:fillRef idx="1">
-              <a:schemeClr val="accent1"/>
-            </a:fillRef>
-            <a:effectRef idx="0">
-              <a:schemeClr val="accent1"/>
-            </a:effectRef>
-            <a:fontRef idx="minor">
-              <a:schemeClr val="lt1"/>
-            </a:fontRef>
-          </p:style>
-          <p:txBody>
-            <a:bodyPr rtlCol="0" anchor="ctr"/>
-            <a:lstStyle/>
-            <a:p>
-              <a:pPr algn="ctr"/>
-              <a:endParaRPr lang="cs-CZ" dirty="0"/>
-            </a:p>
-          </p:txBody>
-        </p:sp>
-        <p:sp>
-          <p:nvSpPr>
-            <p:cNvPr id="3" name="TextovéPole 2">
-              <a:extLst>
-                <a:ext uri="{FF2B5EF4-FFF2-40B4-BE49-F238E27FC236}">
-                  <a16:creationId xmlns:a16="http://schemas.microsoft.com/office/drawing/2014/main" id="{BB8AE030-25ED-616A-4CFF-BE78E245F360}"/>
-                </a:ext>
-              </a:extLst>
-            </p:cNvPr>
-            <p:cNvSpPr txBox="1"/>
-            <p:nvPr userDrawn="1"/>
-          </p:nvSpPr>
-          <p:spPr>
-            <a:xfrm>
-              <a:off x="-3415553" y="1353671"/>
-              <a:ext cx="2662517" cy="2462213"/>
-            </a:xfrm>
-            <a:prstGeom prst="rect">
-              <a:avLst/>
-            </a:prstGeom>
-            <a:noFill/>
-          </p:spPr>
-          <p:txBody>
-            <a:bodyPr wrap="square" rtlCol="0">
-              <a:spAutoFit/>
-            </a:bodyPr>
-            <a:lstStyle/>
-            <a:p>
-              <a:r>
-                <a:rPr lang="cs-CZ" sz="2800" u="none" dirty="0">
-                  <a:solidFill>
-                    <a:schemeClr val="bg2">
-                      <a:lumMod val="25000"/>
-                    </a:schemeClr>
-                  </a:solidFill>
-                </a:rPr>
-                <a:t>Menu</a:t>
-              </a:r>
-            </a:p>
-            <a:p>
-              <a:endParaRPr lang="cs-CZ" dirty="0">
-                <a:solidFill>
-                  <a:schemeClr val="bg2">
-                    <a:lumMod val="25000"/>
-                  </a:schemeClr>
-                </a:solidFill>
-              </a:endParaRPr>
-            </a:p>
-            <a:p>
-              <a:r>
-                <a:rPr lang="cs-CZ" dirty="0">
-                  <a:solidFill>
-                    <a:schemeClr val="bg2">
-                      <a:lumMod val="25000"/>
-                    </a:schemeClr>
-                  </a:solidFill>
-                </a:rPr>
-                <a:t>1. Úvod</a:t>
-              </a:r>
-            </a:p>
-            <a:p>
-              <a:r>
-                <a:rPr lang="cs-CZ" dirty="0">
-                  <a:solidFill>
-                    <a:schemeClr val="bg2">
-                      <a:lumMod val="25000"/>
-                    </a:schemeClr>
-                  </a:solidFill>
-                </a:rPr>
-                <a:t>2. Vlastnosti dat</a:t>
-              </a:r>
-            </a:p>
-            <a:p>
-              <a:r>
-                <a:rPr lang="cs-CZ" dirty="0">
-                  <a:solidFill>
-                    <a:schemeClr val="bg2">
-                      <a:lumMod val="25000"/>
-                    </a:schemeClr>
-                  </a:solidFill>
-                </a:rPr>
-                <a:t>3. Využití</a:t>
-              </a:r>
-            </a:p>
-            <a:p>
-              <a:r>
-                <a:rPr lang="cs-CZ" dirty="0">
-                  <a:solidFill>
-                    <a:schemeClr val="bg2">
-                      <a:lumMod val="25000"/>
-                    </a:schemeClr>
-                  </a:solidFill>
-                </a:rPr>
-                <a:t>4. Způsob zpracování</a:t>
-              </a:r>
-            </a:p>
-            <a:p>
-              <a:r>
-                <a:rPr lang="cs-CZ" dirty="0">
-                  <a:solidFill>
-                    <a:schemeClr val="bg2">
-                      <a:lumMod val="25000"/>
-                    </a:schemeClr>
-                  </a:solidFill>
-                </a:rPr>
-                <a:t>5. Použitá literatura</a:t>
-              </a:r>
-            </a:p>
-            <a:p>
-              <a:r>
-                <a:rPr lang="cs-CZ" dirty="0">
-                  <a:solidFill>
-                    <a:schemeClr val="bg2">
-                      <a:lumMod val="25000"/>
-                    </a:schemeClr>
-                  </a:solidFill>
-                </a:rPr>
-                <a:t>6. </a:t>
-              </a:r>
-              <a:r>
-                <a:rPr lang="cs-CZ" dirty="0" err="1">
-                  <a:solidFill>
-                    <a:schemeClr val="bg2">
-                      <a:lumMod val="25000"/>
-                    </a:schemeClr>
-                  </a:solidFill>
-                </a:rPr>
-                <a:t>Github</a:t>
-              </a:r>
-              <a:r>
-                <a:rPr lang="cs-CZ" dirty="0">
-                  <a:solidFill>
-                    <a:schemeClr val="bg2">
-                      <a:lumMod val="25000"/>
-                    </a:schemeClr>
-                  </a:solidFill>
-                </a:rPr>
-                <a:t> </a:t>
-              </a:r>
-              <a:r>
-                <a:rPr lang="cs-CZ" dirty="0" err="1">
-                  <a:solidFill>
-                    <a:schemeClr val="bg2">
-                      <a:lumMod val="25000"/>
-                    </a:schemeClr>
-                  </a:solidFill>
-                </a:rPr>
-                <a:t>repozitář</a:t>
-              </a:r>
-              <a:endParaRPr lang="cs-CZ" dirty="0">
-                <a:solidFill>
-                  <a:schemeClr val="bg2">
-                    <a:lumMod val="25000"/>
-                  </a:schemeClr>
-                </a:solidFill>
-              </a:endParaRPr>
-            </a:p>
-          </p:txBody>
-        </p:sp>
-      </p:grpSp>
     </p:spTree>
     <p:extLst>
       <p:ext uri="{BB962C8B-B14F-4D97-AF65-F5344CB8AC3E}">
@@ -2259,133 +2259,6 @@
   <p:transition spd="slow">
     <p:push dir="u"/>
   </p:transition>
-  <p:timing>
-    <p:tnLst>
-      <p:par>
-        <p:cTn id="1" dur="indefinite" restart="never" nodeType="tmRoot">
-          <p:childTnLst>
-            <p:seq concurrent="1" nextAc="seek">
-              <p:cTn id="2" dur="indefinite" nodeType="mainSeq">
-                <p:childTnLst>
-                  <p:par>
-                    <p:cTn id="3" fill="hold">
-                      <p:stCondLst>
-                        <p:cond delay="indefinite"/>
-                        <p:cond evt="onBegin" delay="0">
-                          <p:tn val="2"/>
-                        </p:cond>
-                      </p:stCondLst>
-                      <p:childTnLst>
-                        <p:par>
-                          <p:cTn id="4" fill="hold">
-                            <p:stCondLst>
-                              <p:cond delay="0"/>
-                            </p:stCondLst>
-                            <p:childTnLst>
-                              <p:par>
-                                <p:cTn id="5" presetID="2" presetClass="entr" presetSubtype="8" fill="hold" grpId="0" nodeType="withEffect">
-                                  <p:stCondLst>
-                                    <p:cond delay="0"/>
-                                  </p:stCondLst>
-                                  <p:childTnLst>
-                                    <p:set>
-                                      <p:cBhvr>
-                                        <p:cTn id="6" dur="1" fill="hold">
-                                          <p:stCondLst>
-                                            <p:cond delay="0"/>
-                                          </p:stCondLst>
-                                        </p:cTn>
-                                        <p:tgtEl>
-                                          <p:spTgt spid="5"/>
-                                        </p:tgtEl>
-                                        <p:attrNameLst>
-                                          <p:attrName>style.visibility</p:attrName>
-                                        </p:attrNameLst>
-                                      </p:cBhvr>
-                                      <p:to>
-                                        <p:strVal val="visible"/>
-                                      </p:to>
-                                    </p:set>
-                                    <p:anim calcmode="lin" valueType="num">
-                                      <p:cBhvr additive="base">
-                                        <p:cTn id="7" dur="500" fill="hold"/>
-                                        <p:tgtEl>
-                                          <p:spTgt spid="5"/>
-                                        </p:tgtEl>
-                                        <p:attrNameLst>
-                                          <p:attrName>ppt_x</p:attrName>
-                                        </p:attrNameLst>
-                                      </p:cBhvr>
-                                      <p:tavLst>
-                                        <p:tav tm="0">
-                                          <p:val>
-                                            <p:strVal val="0-#ppt_w/2"/>
-                                          </p:val>
-                                        </p:tav>
-                                        <p:tav tm="100000">
-                                          <p:val>
-                                            <p:strVal val="#ppt_x"/>
-                                          </p:val>
-                                        </p:tav>
-                                      </p:tavLst>
-                                    </p:anim>
-                                    <p:anim calcmode="lin" valueType="num">
-                                      <p:cBhvr additive="base">
-                                        <p:cTn id="8" dur="500" fill="hold"/>
-                                        <p:tgtEl>
-                                          <p:spTgt spid="5"/>
-                                        </p:tgtEl>
-                                        <p:attrNameLst>
-                                          <p:attrName>ppt_y</p:attrName>
-                                        </p:attrNameLst>
-                                      </p:cBhvr>
-                                      <p:tavLst>
-                                        <p:tav tm="0">
-                                          <p:val>
-                                            <p:strVal val="#ppt_y"/>
-                                          </p:val>
-                                        </p:tav>
-                                        <p:tav tm="100000">
-                                          <p:val>
-                                            <p:strVal val="#ppt_y"/>
-                                          </p:val>
-                                        </p:tav>
-                                      </p:tavLst>
-                                    </p:anim>
-                                  </p:childTnLst>
-                                </p:cTn>
-                              </p:par>
-                            </p:childTnLst>
-                          </p:cTn>
-                        </p:par>
-                      </p:childTnLst>
-                    </p:cTn>
-                  </p:par>
-                </p:childTnLst>
-              </p:cTn>
-              <p:prevCondLst>
-                <p:cond evt="onPrev" delay="0">
-                  <p:tgtEl>
-                    <p:sldTgt/>
-                  </p:tgtEl>
-                </p:cond>
-              </p:prevCondLst>
-              <p:nextCondLst>
-                <p:cond evt="onNext" delay="0">
-                  <p:tgtEl>
-                    <p:sldTgt/>
-                  </p:tgtEl>
-                </p:cond>
-              </p:nextCondLst>
-            </p:seq>
-          </p:childTnLst>
-        </p:cTn>
-      </p:par>
-    </p:tnLst>
-    <p:bldLst>
-      <p:bldP spid="5" grpId="0" animBg="1"/>
-    </p:bldLst>
-  </p:timing>
 </p:sld>
 </file>
 
@@ -2890,6 +2763,329 @@
           <a:chExt cx="0" cy="0"/>
         </a:xfrm>
       </p:grpSpPr>
+      <p:grpSp>
+        <p:nvGrpSpPr>
+          <p:cNvPr id="3" name="Skupina 2">
+            <a:extLst>
+              <a:ext uri="{FF2B5EF4-FFF2-40B4-BE49-F238E27FC236}">
+                <a16:creationId xmlns:a16="http://schemas.microsoft.com/office/drawing/2014/main" id="{0388DC9B-818F-5305-AA71-4C0A612F6F3E}"/>
+              </a:ext>
+            </a:extLst>
+          </p:cNvPr>
+          <p:cNvGrpSpPr/>
+          <p:nvPr/>
+        </p:nvGrpSpPr>
+        <p:grpSpPr>
+          <a:xfrm>
+            <a:off x="581026" y="619124"/>
+            <a:ext cx="5448299" cy="3023154"/>
+            <a:chOff x="-3626629" y="1189687"/>
+            <a:chExt cx="3063891" cy="8267446"/>
+          </a:xfrm>
+        </p:grpSpPr>
+        <p:sp>
+          <p:nvSpPr>
+            <p:cNvPr id="4" name="Obdélník: se zakulacenými rohy 3">
+              <a:extLst>
+                <a:ext uri="{FF2B5EF4-FFF2-40B4-BE49-F238E27FC236}">
+                  <a16:creationId xmlns:a16="http://schemas.microsoft.com/office/drawing/2014/main" id="{0091800E-88B7-2A67-7157-E9C5F2794EEA}"/>
+                </a:ext>
+              </a:extLst>
+            </p:cNvPr>
+            <p:cNvSpPr/>
+            <p:nvPr userDrawn="1"/>
+          </p:nvSpPr>
+          <p:spPr>
+            <a:xfrm>
+              <a:off x="-3626629" y="1189687"/>
+              <a:ext cx="3063891" cy="7293471"/>
+            </a:xfrm>
+            <a:prstGeom prst="roundRect">
+              <a:avLst>
+                <a:gd name="adj" fmla="val 4378"/>
+              </a:avLst>
+            </a:prstGeom>
+            <a:solidFill>
+              <a:srgbClr val="FFFFFF">
+                <a:alpha val="60000"/>
+              </a:srgbClr>
+            </a:solidFill>
+            <a:ln>
+              <a:solidFill>
+                <a:srgbClr val="EAEAEA"/>
+              </a:solidFill>
+            </a:ln>
+            <a:effectLst>
+              <a:outerShdw blurRad="50800" dist="38100" dir="2700000" algn="tl" rotWithShape="0">
+                <a:prstClr val="black">
+                  <a:alpha val="40000"/>
+                </a:prstClr>
+              </a:outerShdw>
+              <a:softEdge rad="12700"/>
+            </a:effectLst>
+          </p:spPr>
+          <p:style>
+            <a:lnRef idx="2">
+              <a:schemeClr val="accent1">
+                <a:shade val="50000"/>
+              </a:schemeClr>
+            </a:lnRef>
+            <a:fillRef idx="1">
+              <a:schemeClr val="accent1"/>
+            </a:fillRef>
+            <a:effectRef idx="0">
+              <a:schemeClr val="accent1"/>
+            </a:effectRef>
+            <a:fontRef idx="minor">
+              <a:schemeClr val="lt1"/>
+            </a:fontRef>
+          </p:style>
+          <p:txBody>
+            <a:bodyPr rtlCol="0" anchor="ctr"/>
+            <a:lstStyle/>
+            <a:p>
+              <a:pPr algn="ctr"/>
+              <a:endParaRPr lang="cs-CZ" dirty="0"/>
+            </a:p>
+          </p:txBody>
+        </p:sp>
+        <p:sp>
+          <p:nvSpPr>
+            <p:cNvPr id="5" name="TextovéPole 4">
+              <a:extLst>
+                <a:ext uri="{FF2B5EF4-FFF2-40B4-BE49-F238E27FC236}">
+                  <a16:creationId xmlns:a16="http://schemas.microsoft.com/office/drawing/2014/main" id="{FB4D7ACA-15C4-6E05-400C-039A017505BC}"/>
+                </a:ext>
+              </a:extLst>
+            </p:cNvPr>
+            <p:cNvSpPr txBox="1"/>
+            <p:nvPr userDrawn="1"/>
+          </p:nvSpPr>
+          <p:spPr>
+            <a:xfrm>
+              <a:off x="-3543386" y="1629516"/>
+              <a:ext cx="2897405" cy="7827617"/>
+            </a:xfrm>
+            <a:prstGeom prst="rect">
+              <a:avLst/>
+            </a:prstGeom>
+            <a:noFill/>
+          </p:spPr>
+          <p:txBody>
+            <a:bodyPr wrap="square" rtlCol="0">
+              <a:spAutoFit/>
+            </a:bodyPr>
+            <a:lstStyle/>
+            <a:p>
+              <a:r>
+                <a:rPr lang="pl-PL" sz="2800" dirty="0">
+                  <a:solidFill>
+                    <a:schemeClr val="bg2">
+                      <a:lumMod val="25000"/>
+                    </a:schemeClr>
+                  </a:solidFill>
+                </a:rPr>
+                <a:t>Velká data jsou data, která se nedají zpracovat jedním zařízením</a:t>
+              </a:r>
+            </a:p>
+            <a:p>
+              <a:endParaRPr lang="pl-PL" sz="2800" dirty="0">
+                <a:solidFill>
+                  <a:schemeClr val="bg2">
+                    <a:lumMod val="25000"/>
+                  </a:schemeClr>
+                </a:solidFill>
+              </a:endParaRPr>
+            </a:p>
+            <a:p>
+              <a:r>
+                <a:rPr lang="pl-PL" sz="2800" dirty="0">
+                  <a:solidFill>
+                    <a:schemeClr val="bg2">
+                      <a:lumMod val="25000"/>
+                    </a:schemeClr>
+                  </a:solidFill>
+                </a:rPr>
+                <a:t>Nedají se zpracovat běžnými nástroji</a:t>
+              </a:r>
+            </a:p>
+            <a:p>
+              <a:endParaRPr lang="pl-PL" sz="2000" dirty="0">
+                <a:solidFill>
+                  <a:schemeClr val="bg2">
+                    <a:lumMod val="25000"/>
+                  </a:schemeClr>
+                </a:solidFill>
+              </a:endParaRPr>
+            </a:p>
+            <a:p>
+              <a:endParaRPr lang="pl-PL" sz="2000" dirty="0">
+                <a:solidFill>
+                  <a:schemeClr val="bg2">
+                    <a:lumMod val="25000"/>
+                  </a:schemeClr>
+                </a:solidFill>
+              </a:endParaRPr>
+            </a:p>
+          </p:txBody>
+        </p:sp>
+      </p:grpSp>
+      <p:grpSp>
+        <p:nvGrpSpPr>
+          <p:cNvPr id="6" name="Skupina 5">
+            <a:extLst>
+              <a:ext uri="{FF2B5EF4-FFF2-40B4-BE49-F238E27FC236}">
+                <a16:creationId xmlns:a16="http://schemas.microsoft.com/office/drawing/2014/main" id="{B6AD549D-4ED5-E87F-643C-7BB5CC10D23B}"/>
+              </a:ext>
+            </a:extLst>
+          </p:cNvPr>
+          <p:cNvGrpSpPr/>
+          <p:nvPr/>
+        </p:nvGrpSpPr>
+        <p:grpSpPr>
+          <a:xfrm>
+            <a:off x="6205927" y="3642278"/>
+            <a:ext cx="5448299" cy="2667001"/>
+            <a:chOff x="-3626629" y="1189687"/>
+            <a:chExt cx="3063891" cy="7293471"/>
+          </a:xfrm>
+        </p:grpSpPr>
+        <p:sp>
+          <p:nvSpPr>
+            <p:cNvPr id="7" name="Obdélník: se zakulacenými rohy 6">
+              <a:extLst>
+                <a:ext uri="{FF2B5EF4-FFF2-40B4-BE49-F238E27FC236}">
+                  <a16:creationId xmlns:a16="http://schemas.microsoft.com/office/drawing/2014/main" id="{08F0B615-3943-B389-AFED-481CC599F3C4}"/>
+                </a:ext>
+              </a:extLst>
+            </p:cNvPr>
+            <p:cNvSpPr/>
+            <p:nvPr userDrawn="1"/>
+          </p:nvSpPr>
+          <p:spPr>
+            <a:xfrm>
+              <a:off x="-3626629" y="1189687"/>
+              <a:ext cx="3063891" cy="7293471"/>
+            </a:xfrm>
+            <a:prstGeom prst="roundRect">
+              <a:avLst>
+                <a:gd name="adj" fmla="val 4378"/>
+              </a:avLst>
+            </a:prstGeom>
+            <a:solidFill>
+              <a:srgbClr val="FFFFFF">
+                <a:alpha val="60000"/>
+              </a:srgbClr>
+            </a:solidFill>
+            <a:ln>
+              <a:solidFill>
+                <a:srgbClr val="EAEAEA"/>
+              </a:solidFill>
+            </a:ln>
+            <a:effectLst>
+              <a:outerShdw blurRad="50800" dist="38100" dir="2700000" algn="tl" rotWithShape="0">
+                <a:prstClr val="black">
+                  <a:alpha val="40000"/>
+                </a:prstClr>
+              </a:outerShdw>
+              <a:softEdge rad="12700"/>
+            </a:effectLst>
+          </p:spPr>
+          <p:style>
+            <a:lnRef idx="2">
+              <a:schemeClr val="accent1">
+                <a:shade val="50000"/>
+              </a:schemeClr>
+            </a:lnRef>
+            <a:fillRef idx="1">
+              <a:schemeClr val="accent1"/>
+            </a:fillRef>
+            <a:effectRef idx="0">
+              <a:schemeClr val="accent1"/>
+            </a:effectRef>
+            <a:fontRef idx="minor">
+              <a:schemeClr val="lt1"/>
+            </a:fontRef>
+          </p:style>
+          <p:txBody>
+            <a:bodyPr rtlCol="0" anchor="ctr"/>
+            <a:lstStyle/>
+            <a:p>
+              <a:pPr algn="ctr"/>
+              <a:endParaRPr lang="cs-CZ" dirty="0"/>
+            </a:p>
+          </p:txBody>
+        </p:sp>
+        <p:sp>
+          <p:nvSpPr>
+            <p:cNvPr id="8" name="TextovéPole 7">
+              <a:extLst>
+                <a:ext uri="{FF2B5EF4-FFF2-40B4-BE49-F238E27FC236}">
+                  <a16:creationId xmlns:a16="http://schemas.microsoft.com/office/drawing/2014/main" id="{A0526F33-52A4-C670-7256-F96B426B75F4}"/>
+                </a:ext>
+              </a:extLst>
+            </p:cNvPr>
+            <p:cNvSpPr txBox="1"/>
+            <p:nvPr userDrawn="1"/>
+          </p:nvSpPr>
+          <p:spPr>
+            <a:xfrm>
+              <a:off x="-3543386" y="1629516"/>
+              <a:ext cx="2897405" cy="5807586"/>
+            </a:xfrm>
+            <a:prstGeom prst="rect">
+              <a:avLst/>
+            </a:prstGeom>
+            <a:noFill/>
+          </p:spPr>
+          <p:txBody>
+            <a:bodyPr wrap="square" rtlCol="0">
+              <a:spAutoFit/>
+            </a:bodyPr>
+            <a:lstStyle/>
+            <a:p>
+              <a:r>
+                <a:rPr lang="pl-PL" sz="2800" dirty="0">
+                  <a:solidFill>
+                    <a:schemeClr val="bg2">
+                      <a:lumMod val="25000"/>
+                    </a:schemeClr>
+                  </a:solidFill>
+                </a:rPr>
+                <a:t>Obvykle se ukládají v datových skladech na více počítačích. </a:t>
+              </a:r>
+              <a:endParaRPr lang="pl-PL" sz="2000" dirty="0">
+                <a:solidFill>
+                  <a:schemeClr val="bg2">
+                    <a:lumMod val="25000"/>
+                  </a:schemeClr>
+                </a:solidFill>
+              </a:endParaRPr>
+            </a:p>
+            <a:p>
+              <a:endParaRPr lang="pl-PL" sz="2000" dirty="0">
+                <a:solidFill>
+                  <a:schemeClr val="bg2">
+                    <a:lumMod val="25000"/>
+                  </a:schemeClr>
+                </a:solidFill>
+              </a:endParaRPr>
+            </a:p>
+            <a:p>
+              <a:r>
+                <a:rPr lang="pl-PL" sz="2800" dirty="0">
+                  <a:solidFill>
+                    <a:schemeClr val="bg2">
+                      <a:lumMod val="25000"/>
+                    </a:schemeClr>
+                  </a:solidFill>
+                </a:rPr>
+                <a:t>Dosahují velikostí v petabajtech nebo exabajtech. </a:t>
+              </a:r>
+            </a:p>
+          </p:txBody>
+        </p:sp>
+      </p:grpSp>
     </p:spTree>
     <p:extLst>
       <p:ext uri="{BB962C8B-B14F-4D97-AF65-F5344CB8AC3E}">
@@ -3226,7 +3422,7 @@
           <p:spPr>
             <a:xfrm>
               <a:off x="-3581351" y="1541769"/>
-              <a:ext cx="2960923" cy="2623972"/>
+              <a:ext cx="2960923" cy="3737173"/>
             </a:xfrm>
             <a:prstGeom prst="rect">
               <a:avLst/>
@@ -3356,12 +3552,144 @@
               </a:endParaRPr>
             </a:p>
             <a:p>
-              <a:endParaRPr lang="pl-PL" sz="1400" dirty="0">
+              <a:r>
+                <a:rPr lang="it-IT" sz="1400" b="0" i="1" dirty="0">
+                  <a:solidFill>
+                    <a:schemeClr val="bg2">
+                      <a:lumMod val="25000"/>
+                    </a:schemeClr>
+                  </a:solidFill>
+                  <a:effectLst/>
+                  <a:latin typeface="Open Sans" panose="020B0606030504020204" pitchFamily="34" charset="0"/>
+                </a:rPr>
+                <a:t>Wikipedia: Big data</a:t>
+              </a:r>
+              <a:r>
+                <a:rPr lang="it-IT" sz="1400" b="0" i="0" dirty="0">
+                  <a:solidFill>
+                    <a:schemeClr val="bg2">
+                      <a:lumMod val="25000"/>
+                    </a:schemeClr>
+                  </a:solidFill>
+                  <a:effectLst/>
+                  <a:latin typeface="Open Sans" panose="020B0606030504020204" pitchFamily="34" charset="0"/>
+                </a:rPr>
+                <a:t> [online]. [cit. 2023-01-06]. Dostupné z: </a:t>
+              </a:r>
+              <a:r>
+                <a:rPr lang="it-IT" sz="1400" b="0" i="0" dirty="0">
+                  <a:solidFill>
+                    <a:schemeClr val="bg2">
+                      <a:lumMod val="25000"/>
+                    </a:schemeClr>
+                  </a:solidFill>
+                  <a:effectLst/>
+                  <a:latin typeface="Open Sans" panose="020B0606030504020204" pitchFamily="34" charset="0"/>
+                  <a:hlinkClick r:id="rId4"/>
+                </a:rPr>
+                <a:t>https://en.wikipedia.org/wiki/Big_data</a:t>
+              </a:r>
+              <a:endParaRPr lang="cs-CZ" sz="1400" dirty="0">
                 <a:solidFill>
                   <a:schemeClr val="bg2">
                     <a:lumMod val="25000"/>
                   </a:schemeClr>
                 </a:solidFill>
+                <a:latin typeface="Open Sans" panose="020B0606030504020204" pitchFamily="34" charset="0"/>
+              </a:endParaRPr>
+            </a:p>
+            <a:p>
+              <a:endParaRPr lang="cs-CZ" sz="1400" b="0" i="0" dirty="0">
+                <a:solidFill>
+                  <a:schemeClr val="bg2">
+                    <a:lumMod val="25000"/>
+                  </a:schemeClr>
+                </a:solidFill>
+                <a:effectLst/>
+                <a:latin typeface="Open Sans" panose="020B0606030504020204" pitchFamily="34" charset="0"/>
+              </a:endParaRPr>
+            </a:p>
+            <a:p>
+              <a:r>
+                <a:rPr lang="en-US" sz="1400" b="0" i="1" dirty="0">
+                  <a:solidFill>
+                    <a:schemeClr val="bg2">
+                      <a:lumMod val="25000"/>
+                    </a:schemeClr>
+                  </a:solidFill>
+                  <a:effectLst/>
+                  <a:latin typeface="Open Sans" panose="020B0606030504020204" pitchFamily="34" charset="0"/>
+                </a:rPr>
+                <a:t>Oracle: What is Big Data?</a:t>
+              </a:r>
+              <a:r>
+                <a:rPr lang="en-US" sz="1400" b="0" i="0" dirty="0">
+                  <a:solidFill>
+                    <a:schemeClr val="bg2">
+                      <a:lumMod val="25000"/>
+                    </a:schemeClr>
+                  </a:solidFill>
+                  <a:effectLst/>
+                  <a:latin typeface="Open Sans" panose="020B0606030504020204" pitchFamily="34" charset="0"/>
+                </a:rPr>
+                <a:t> [online]. [cit. 2023-01-06]. </a:t>
+              </a:r>
+              <a:r>
+                <a:rPr lang="en-US" sz="1400" b="0" i="0" dirty="0" err="1">
+                  <a:solidFill>
+                    <a:schemeClr val="bg2">
+                      <a:lumMod val="25000"/>
+                    </a:schemeClr>
+                  </a:solidFill>
+                  <a:effectLst/>
+                  <a:latin typeface="Open Sans" panose="020B0606030504020204" pitchFamily="34" charset="0"/>
+                </a:rPr>
+                <a:t>Dostupné</a:t>
+              </a:r>
+              <a:r>
+                <a:rPr lang="en-US" sz="1400" b="0" i="0" dirty="0">
+                  <a:solidFill>
+                    <a:schemeClr val="bg2">
+                      <a:lumMod val="25000"/>
+                    </a:schemeClr>
+                  </a:solidFill>
+                  <a:effectLst/>
+                  <a:latin typeface="Open Sans" panose="020B0606030504020204" pitchFamily="34" charset="0"/>
+                </a:rPr>
+                <a:t> z: </a:t>
+              </a:r>
+              <a:r>
+                <a:rPr lang="en-US" sz="1400" b="0" i="0" dirty="0">
+                  <a:solidFill>
+                    <a:schemeClr val="bg2">
+                      <a:lumMod val="25000"/>
+                    </a:schemeClr>
+                  </a:solidFill>
+                  <a:effectLst/>
+                  <a:latin typeface="Open Sans" panose="020B0606030504020204" pitchFamily="34" charset="0"/>
+                  <a:hlinkClick r:id="rId5"/>
+                </a:rPr>
+                <a:t>https://www.oracle.com/big-data/what-is-big-data/</a:t>
+              </a:r>
+              <a:endParaRPr lang="cs-CZ" sz="1400" b="0" i="0" dirty="0">
+                <a:solidFill>
+                  <a:schemeClr val="bg2">
+                    <a:lumMod val="25000"/>
+                  </a:schemeClr>
+                </a:solidFill>
+                <a:effectLst/>
+                <a:latin typeface="Open Sans" panose="020B0606030504020204" pitchFamily="34" charset="0"/>
+              </a:endParaRPr>
+            </a:p>
+            <a:p>
+              <a:endParaRPr lang="cs-CZ" sz="1400" b="0" i="0" dirty="0">
+                <a:solidFill>
+                  <a:schemeClr val="bg2">
+                    <a:lumMod val="25000"/>
+                  </a:schemeClr>
+                </a:solidFill>
+                <a:effectLst/>
+                <a:latin typeface="Open Sans" panose="020B0606030504020204" pitchFamily="34" charset="0"/>
               </a:endParaRPr>
             </a:p>
           </p:txBody>
@@ -3627,6 +3955,155 @@
           <a:chExt cx="0" cy="0"/>
         </a:xfrm>
       </p:grpSpPr>
+      <p:grpSp>
+        <p:nvGrpSpPr>
+          <p:cNvPr id="2" name="Skupina 1">
+            <a:extLst>
+              <a:ext uri="{FF2B5EF4-FFF2-40B4-BE49-F238E27FC236}">
+                <a16:creationId xmlns:a16="http://schemas.microsoft.com/office/drawing/2014/main" id="{4FD896FC-0EA7-4E6A-5FD1-46DC4C7F2209}"/>
+              </a:ext>
+            </a:extLst>
+          </p:cNvPr>
+          <p:cNvGrpSpPr/>
+          <p:nvPr/>
+        </p:nvGrpSpPr>
+        <p:grpSpPr>
+          <a:xfrm>
+            <a:off x="3181350" y="2305049"/>
+            <a:ext cx="8082351" cy="2781301"/>
+            <a:chOff x="-3626629" y="1189687"/>
+            <a:chExt cx="3063891" cy="7293471"/>
+          </a:xfrm>
+        </p:grpSpPr>
+        <p:sp>
+          <p:nvSpPr>
+            <p:cNvPr id="3" name="Obdélník: se zakulacenými rohy 2">
+              <a:extLst>
+                <a:ext uri="{FF2B5EF4-FFF2-40B4-BE49-F238E27FC236}">
+                  <a16:creationId xmlns:a16="http://schemas.microsoft.com/office/drawing/2014/main" id="{AF7ED057-DB7C-E9F7-5A6B-B8B00A4BDA64}"/>
+                </a:ext>
+              </a:extLst>
+            </p:cNvPr>
+            <p:cNvSpPr/>
+            <p:nvPr userDrawn="1"/>
+          </p:nvSpPr>
+          <p:spPr>
+            <a:xfrm>
+              <a:off x="-3626629" y="1189687"/>
+              <a:ext cx="3063891" cy="7293471"/>
+            </a:xfrm>
+            <a:prstGeom prst="roundRect">
+              <a:avLst>
+                <a:gd name="adj" fmla="val 4378"/>
+              </a:avLst>
+            </a:prstGeom>
+            <a:solidFill>
+              <a:srgbClr val="FFFFFF">
+                <a:alpha val="60000"/>
+              </a:srgbClr>
+            </a:solidFill>
+            <a:ln>
+              <a:solidFill>
+                <a:srgbClr val="EAEAEA"/>
+              </a:solidFill>
+            </a:ln>
+            <a:effectLst>
+              <a:outerShdw blurRad="50800" dist="38100" dir="2700000" algn="tl" rotWithShape="0">
+                <a:prstClr val="black">
+                  <a:alpha val="40000"/>
+                </a:prstClr>
+              </a:outerShdw>
+              <a:softEdge rad="12700"/>
+            </a:effectLst>
+          </p:spPr>
+          <p:style>
+            <a:lnRef idx="2">
+              <a:schemeClr val="accent1">
+                <a:shade val="50000"/>
+              </a:schemeClr>
+            </a:lnRef>
+            <a:fillRef idx="1">
+              <a:schemeClr val="accent1"/>
+            </a:fillRef>
+            <a:effectRef idx="0">
+              <a:schemeClr val="accent1"/>
+            </a:effectRef>
+            <a:fontRef idx="minor">
+              <a:schemeClr val="lt1"/>
+            </a:fontRef>
+          </p:style>
+          <p:txBody>
+            <a:bodyPr rtlCol="0" anchor="ctr"/>
+            <a:lstStyle/>
+            <a:p>
+              <a:pPr algn="ctr"/>
+              <a:endParaRPr lang="cs-CZ" dirty="0"/>
+            </a:p>
+          </p:txBody>
+        </p:sp>
+        <p:sp>
+          <p:nvSpPr>
+            <p:cNvPr id="4" name="TextovéPole 3">
+              <a:extLst>
+                <a:ext uri="{FF2B5EF4-FFF2-40B4-BE49-F238E27FC236}">
+                  <a16:creationId xmlns:a16="http://schemas.microsoft.com/office/drawing/2014/main" id="{3AF91A30-B471-2EE8-7178-6112A1BAD04B}"/>
+                </a:ext>
+              </a:extLst>
+            </p:cNvPr>
+            <p:cNvSpPr txBox="1"/>
+            <p:nvPr userDrawn="1"/>
+          </p:nvSpPr>
+          <p:spPr>
+            <a:xfrm>
+              <a:off x="-3543386" y="1629516"/>
+              <a:ext cx="2897405" cy="5891755"/>
+            </a:xfrm>
+            <a:prstGeom prst="rect">
+              <a:avLst/>
+            </a:prstGeom>
+            <a:noFill/>
+          </p:spPr>
+          <p:txBody>
+            <a:bodyPr wrap="square" rtlCol="0">
+              <a:spAutoFit/>
+            </a:bodyPr>
+            <a:lstStyle/>
+            <a:p>
+              <a:r>
+                <a:rPr lang="pl-PL" sz="2800" dirty="0">
+                  <a:solidFill>
+                    <a:schemeClr val="bg2">
+                      <a:lumMod val="25000"/>
+                    </a:schemeClr>
+                  </a:solidFill>
+                </a:rPr>
+                <a:t>Využívají se ve zdravotnictví, genomice, meteorologii, konektomice a marketingu</a:t>
+              </a:r>
+            </a:p>
+            <a:p>
+              <a:endParaRPr lang="pl-PL" sz="2800" dirty="0">
+                <a:solidFill>
+                  <a:schemeClr val="bg2">
+                    <a:lumMod val="25000"/>
+                  </a:schemeClr>
+                </a:solidFill>
+              </a:endParaRPr>
+            </a:p>
+            <a:p>
+              <a:r>
+                <a:rPr lang="pl-PL" sz="2800" dirty="0">
+                  <a:solidFill>
+                    <a:schemeClr val="bg2">
+                      <a:lumMod val="25000"/>
+                    </a:schemeClr>
+                  </a:solidFill>
+                </a:rPr>
+                <a:t>Případy pro využití: Prediktivní údržba, Provozní efektivita, Strojové učení, Podpora inovací</a:t>
+              </a:r>
+            </a:p>
+          </p:txBody>
+        </p:sp>
+      </p:grpSp>
     </p:spTree>
     <p:extLst>
       <p:ext uri="{BB962C8B-B14F-4D97-AF65-F5344CB8AC3E}">
@@ -3674,6 +4151,361 @@
           <a:chExt cx="0" cy="0"/>
         </a:xfrm>
       </p:grpSpPr>
+      <p:sp>
+        <p:nvSpPr>
+          <p:cNvPr id="2" name="Obdélník: se zakulacenými rohy 1">
+            <a:extLst>
+              <a:ext uri="{FF2B5EF4-FFF2-40B4-BE49-F238E27FC236}">
+                <a16:creationId xmlns:a16="http://schemas.microsoft.com/office/drawing/2014/main" id="{90E4D568-7A51-4232-C142-CC9442A4C87A}"/>
+              </a:ext>
+            </a:extLst>
+          </p:cNvPr>
+          <p:cNvSpPr/>
+          <p:nvPr/>
+        </p:nvSpPr>
+        <p:spPr>
+          <a:xfrm>
+            <a:off x="1253658" y="147521"/>
+            <a:ext cx="3874434" cy="720000"/>
+          </a:xfrm>
+          <a:prstGeom prst="roundRect">
+            <a:avLst/>
+          </a:prstGeom>
+          <a:solidFill>
+            <a:srgbClr val="FFFFFF">
+              <a:alpha val="60000"/>
+            </a:srgbClr>
+          </a:solidFill>
+          <a:ln>
+            <a:solidFill>
+              <a:srgbClr val="EAEAEA"/>
+            </a:solidFill>
+          </a:ln>
+          <a:effectLst>
+            <a:outerShdw blurRad="50800" dist="38100" dir="2700000" algn="tl" rotWithShape="0">
+              <a:prstClr val="black">
+                <a:alpha val="40000"/>
+              </a:prstClr>
+            </a:outerShdw>
+            <a:softEdge rad="12700"/>
+          </a:effectLst>
+        </p:spPr>
+        <p:style>
+          <a:lnRef idx="2">
+            <a:schemeClr val="accent1">
+              <a:shade val="50000"/>
+            </a:schemeClr>
+          </a:lnRef>
+          <a:fillRef idx="1">
+            <a:schemeClr val="accent1"/>
+          </a:fillRef>
+          <a:effectRef idx="0">
+            <a:schemeClr val="accent1"/>
+          </a:effectRef>
+          <a:fontRef idx="minor">
+            <a:schemeClr val="lt1"/>
+          </a:fontRef>
+        </p:style>
+        <p:txBody>
+          <a:bodyPr rtlCol="0" anchor="ctr"/>
+          <a:lstStyle/>
+          <a:p>
+            <a:pPr algn="ctr"/>
+            <a:r>
+              <a:rPr lang="cs-CZ" sz="2400" dirty="0">
+                <a:solidFill>
+                  <a:schemeClr val="bg2">
+                    <a:lumMod val="25000"/>
+                  </a:schemeClr>
+                </a:solidFill>
+              </a:rPr>
+              <a:t>Charakteristika velkých dat</a:t>
+            </a:r>
+          </a:p>
+        </p:txBody>
+      </p:sp>
+      <p:grpSp>
+        <p:nvGrpSpPr>
+          <p:cNvPr id="3" name="Skupina 2">
+            <a:extLst>
+              <a:ext uri="{FF2B5EF4-FFF2-40B4-BE49-F238E27FC236}">
+                <a16:creationId xmlns:a16="http://schemas.microsoft.com/office/drawing/2014/main" id="{BF16B1E1-FC2D-9855-2203-BD900E5DB828}"/>
+              </a:ext>
+            </a:extLst>
+          </p:cNvPr>
+          <p:cNvGrpSpPr/>
+          <p:nvPr/>
+        </p:nvGrpSpPr>
+        <p:grpSpPr>
+          <a:xfrm>
+            <a:off x="590551" y="1266824"/>
+            <a:ext cx="6686550" cy="1352551"/>
+            <a:chOff x="-3626629" y="1189687"/>
+            <a:chExt cx="3063891" cy="7293471"/>
+          </a:xfrm>
+        </p:grpSpPr>
+        <p:sp>
+          <p:nvSpPr>
+            <p:cNvPr id="4" name="Obdélník: se zakulacenými rohy 3">
+              <a:extLst>
+                <a:ext uri="{FF2B5EF4-FFF2-40B4-BE49-F238E27FC236}">
+                  <a16:creationId xmlns:a16="http://schemas.microsoft.com/office/drawing/2014/main" id="{10B537AE-F1B8-772B-F451-C296D0818C66}"/>
+                </a:ext>
+              </a:extLst>
+            </p:cNvPr>
+            <p:cNvSpPr/>
+            <p:nvPr userDrawn="1"/>
+          </p:nvSpPr>
+          <p:spPr>
+            <a:xfrm>
+              <a:off x="-3626629" y="1189687"/>
+              <a:ext cx="3063891" cy="7293471"/>
+            </a:xfrm>
+            <a:prstGeom prst="roundRect">
+              <a:avLst>
+                <a:gd name="adj" fmla="val 4378"/>
+              </a:avLst>
+            </a:prstGeom>
+            <a:solidFill>
+              <a:srgbClr val="FFFFFF">
+                <a:alpha val="60000"/>
+              </a:srgbClr>
+            </a:solidFill>
+            <a:ln>
+              <a:solidFill>
+                <a:srgbClr val="EAEAEA"/>
+              </a:solidFill>
+            </a:ln>
+            <a:effectLst>
+              <a:outerShdw blurRad="50800" dist="38100" dir="2700000" algn="tl" rotWithShape="0">
+                <a:prstClr val="black">
+                  <a:alpha val="40000"/>
+                </a:prstClr>
+              </a:outerShdw>
+              <a:softEdge rad="12700"/>
+            </a:effectLst>
+          </p:spPr>
+          <p:style>
+            <a:lnRef idx="2">
+              <a:schemeClr val="accent1">
+                <a:shade val="50000"/>
+              </a:schemeClr>
+            </a:lnRef>
+            <a:fillRef idx="1">
+              <a:schemeClr val="accent1"/>
+            </a:fillRef>
+            <a:effectRef idx="0">
+              <a:schemeClr val="accent1"/>
+            </a:effectRef>
+            <a:fontRef idx="minor">
+              <a:schemeClr val="lt1"/>
+            </a:fontRef>
+          </p:style>
+          <p:txBody>
+            <a:bodyPr rtlCol="0" anchor="ctr"/>
+            <a:lstStyle/>
+            <a:p>
+              <a:pPr algn="ctr"/>
+              <a:endParaRPr lang="cs-CZ" dirty="0"/>
+            </a:p>
+          </p:txBody>
+        </p:sp>
+        <p:sp>
+          <p:nvSpPr>
+            <p:cNvPr id="5" name="TextovéPole 4">
+              <a:extLst>
+                <a:ext uri="{FF2B5EF4-FFF2-40B4-BE49-F238E27FC236}">
+                  <a16:creationId xmlns:a16="http://schemas.microsoft.com/office/drawing/2014/main" id="{9094EF76-2C31-65F8-3B8E-CC8D94EE1D5D}"/>
+                </a:ext>
+              </a:extLst>
+            </p:cNvPr>
+            <p:cNvSpPr txBox="1"/>
+            <p:nvPr userDrawn="1"/>
+          </p:nvSpPr>
+          <p:spPr>
+            <a:xfrm>
+              <a:off x="-3543386" y="1629517"/>
+              <a:ext cx="2897405" cy="5476843"/>
+            </a:xfrm>
+            <a:prstGeom prst="rect">
+              <a:avLst/>
+            </a:prstGeom>
+            <a:noFill/>
+          </p:spPr>
+          <p:txBody>
+            <a:bodyPr wrap="square" rtlCol="0">
+              <a:spAutoFit/>
+            </a:bodyPr>
+            <a:lstStyle/>
+            <a:p>
+              <a:r>
+                <a:rPr lang="pl-PL" sz="3200" dirty="0">
+                  <a:solidFill>
+                    <a:schemeClr val="bg2">
+                      <a:lumMod val="25000"/>
+                    </a:schemeClr>
+                  </a:solidFill>
+                </a:rPr>
+                <a:t>Velikost</a:t>
+              </a:r>
+            </a:p>
+            <a:p>
+              <a:r>
+                <a:rPr lang="pl-PL" sz="2800" dirty="0">
+                  <a:solidFill>
+                    <a:schemeClr val="bg2">
+                      <a:lumMod val="25000"/>
+                    </a:schemeClr>
+                  </a:solidFill>
+                </a:rPr>
+                <a:t>Udává množství uložených dat</a:t>
+              </a:r>
+            </a:p>
+          </p:txBody>
+        </p:sp>
+      </p:grpSp>
+      <p:grpSp>
+        <p:nvGrpSpPr>
+          <p:cNvPr id="6" name="Skupina 5">
+            <a:extLst>
+              <a:ext uri="{FF2B5EF4-FFF2-40B4-BE49-F238E27FC236}">
+                <a16:creationId xmlns:a16="http://schemas.microsoft.com/office/drawing/2014/main" id="{DD54951B-0741-F12E-7FD0-399AC428A90F}"/>
+              </a:ext>
+            </a:extLst>
+          </p:cNvPr>
+          <p:cNvGrpSpPr/>
+          <p:nvPr/>
+        </p:nvGrpSpPr>
+        <p:grpSpPr>
+          <a:xfrm>
+            <a:off x="4714876" y="3562350"/>
+            <a:ext cx="6686550" cy="1828800"/>
+            <a:chOff x="-3626629" y="1189687"/>
+            <a:chExt cx="3063891" cy="8708658"/>
+          </a:xfrm>
+        </p:grpSpPr>
+        <p:sp>
+          <p:nvSpPr>
+            <p:cNvPr id="7" name="Obdélník: se zakulacenými rohy 6">
+              <a:extLst>
+                <a:ext uri="{FF2B5EF4-FFF2-40B4-BE49-F238E27FC236}">
+                  <a16:creationId xmlns:a16="http://schemas.microsoft.com/office/drawing/2014/main" id="{0F7436FE-6451-089A-A64B-28E4BD40F8C9}"/>
+                </a:ext>
+              </a:extLst>
+            </p:cNvPr>
+            <p:cNvSpPr/>
+            <p:nvPr userDrawn="1"/>
+          </p:nvSpPr>
+          <p:spPr>
+            <a:xfrm>
+              <a:off x="-3626629" y="1189687"/>
+              <a:ext cx="3063891" cy="8708658"/>
+            </a:xfrm>
+            <a:prstGeom prst="roundRect">
+              <a:avLst>
+                <a:gd name="adj" fmla="val 4378"/>
+              </a:avLst>
+            </a:prstGeom>
+            <a:solidFill>
+              <a:srgbClr val="FFFFFF">
+                <a:alpha val="60000"/>
+              </a:srgbClr>
+            </a:solidFill>
+            <a:ln>
+              <a:solidFill>
+                <a:srgbClr val="EAEAEA"/>
+              </a:solidFill>
+            </a:ln>
+            <a:effectLst>
+              <a:outerShdw blurRad="50800" dist="38100" dir="2700000" algn="tl" rotWithShape="0">
+                <a:prstClr val="black">
+                  <a:alpha val="40000"/>
+                </a:prstClr>
+              </a:outerShdw>
+              <a:softEdge rad="12700"/>
+            </a:effectLst>
+          </p:spPr>
+          <p:style>
+            <a:lnRef idx="2">
+              <a:schemeClr val="accent1">
+                <a:shade val="50000"/>
+              </a:schemeClr>
+            </a:lnRef>
+            <a:fillRef idx="1">
+              <a:schemeClr val="accent1"/>
+            </a:fillRef>
+            <a:effectRef idx="0">
+              <a:schemeClr val="accent1"/>
+            </a:effectRef>
+            <a:fontRef idx="minor">
+              <a:schemeClr val="lt1"/>
+            </a:fontRef>
+          </p:style>
+          <p:txBody>
+            <a:bodyPr rtlCol="0" anchor="ctr"/>
+            <a:lstStyle/>
+            <a:p>
+              <a:pPr algn="ctr"/>
+              <a:endParaRPr lang="cs-CZ" dirty="0"/>
+            </a:p>
+          </p:txBody>
+        </p:sp>
+        <p:sp>
+          <p:nvSpPr>
+            <p:cNvPr id="8" name="TextovéPole 7">
+              <a:extLst>
+                <a:ext uri="{FF2B5EF4-FFF2-40B4-BE49-F238E27FC236}">
+                  <a16:creationId xmlns:a16="http://schemas.microsoft.com/office/drawing/2014/main" id="{F01D79EC-9185-FC3A-687D-DC21528C5E98}"/>
+                </a:ext>
+              </a:extLst>
+            </p:cNvPr>
+            <p:cNvSpPr txBox="1"/>
+            <p:nvPr userDrawn="1"/>
+          </p:nvSpPr>
+          <p:spPr>
+            <a:xfrm>
+              <a:off x="-3595443" y="2097996"/>
+              <a:ext cx="2897405" cy="7800349"/>
+            </a:xfrm>
+            <a:prstGeom prst="rect">
+              <a:avLst/>
+            </a:prstGeom>
+            <a:noFill/>
+          </p:spPr>
+          <p:txBody>
+            <a:bodyPr wrap="square" rtlCol="0">
+              <a:spAutoFit/>
+            </a:bodyPr>
+            <a:lstStyle/>
+            <a:p>
+              <a:pPr algn="r"/>
+              <a:r>
+                <a:rPr lang="pl-PL" sz="3200" dirty="0">
+                  <a:solidFill>
+                    <a:schemeClr val="bg2">
+                      <a:lumMod val="25000"/>
+                    </a:schemeClr>
+                  </a:solidFill>
+                </a:rPr>
+                <a:t>Rychlost</a:t>
+              </a:r>
+            </a:p>
+            <a:p>
+              <a:pPr algn="r"/>
+              <a:r>
+                <a:rPr lang="pl-PL" sz="2800" dirty="0">
+                  <a:solidFill>
+                    <a:schemeClr val="bg2">
+                      <a:lumMod val="25000"/>
+                    </a:schemeClr>
+                  </a:solidFill>
+                </a:rPr>
+                <a:t>Udává rychlost zpracovávání nebo generování dat</a:t>
+              </a:r>
+            </a:p>
+          </p:txBody>
+        </p:sp>
+      </p:grpSp>
     </p:spTree>
     <p:extLst>
       <p:ext uri="{BB962C8B-B14F-4D97-AF65-F5344CB8AC3E}">
@@ -3721,6 +4553,212 @@
           <a:chExt cx="0" cy="0"/>
         </a:xfrm>
       </p:grpSpPr>
+      <p:grpSp>
+        <p:nvGrpSpPr>
+          <p:cNvPr id="2" name="Skupina 1">
+            <a:extLst>
+              <a:ext uri="{FF2B5EF4-FFF2-40B4-BE49-F238E27FC236}">
+                <a16:creationId xmlns:a16="http://schemas.microsoft.com/office/drawing/2014/main" id="{2AE2ECAD-F458-B1B9-782A-F22356C4771C}"/>
+              </a:ext>
+            </a:extLst>
+          </p:cNvPr>
+          <p:cNvGrpSpPr/>
+          <p:nvPr/>
+        </p:nvGrpSpPr>
+        <p:grpSpPr>
+          <a:xfrm>
+            <a:off x="361951" y="381243"/>
+            <a:ext cx="6686550" cy="1828800"/>
+            <a:chOff x="-3761929" y="-2256333"/>
+            <a:chExt cx="3063891" cy="8708658"/>
+          </a:xfrm>
+        </p:grpSpPr>
+        <p:sp>
+          <p:nvSpPr>
+            <p:cNvPr id="3" name="Obdélník: se zakulacenými rohy 2">
+              <a:extLst>
+                <a:ext uri="{FF2B5EF4-FFF2-40B4-BE49-F238E27FC236}">
+                  <a16:creationId xmlns:a16="http://schemas.microsoft.com/office/drawing/2014/main" id="{3342F2DA-6CC5-FE3B-C004-6B18949655FF}"/>
+                </a:ext>
+              </a:extLst>
+            </p:cNvPr>
+            <p:cNvSpPr/>
+            <p:nvPr userDrawn="1"/>
+          </p:nvSpPr>
+          <p:spPr>
+            <a:xfrm>
+              <a:off x="-3761929" y="-2256333"/>
+              <a:ext cx="3063891" cy="8708658"/>
+            </a:xfrm>
+            <a:prstGeom prst="roundRect">
+              <a:avLst>
+                <a:gd name="adj" fmla="val 4378"/>
+              </a:avLst>
+            </a:prstGeom>
+            <a:solidFill>
+              <a:srgbClr val="FFFFFF">
+                <a:alpha val="60000"/>
+              </a:srgbClr>
+            </a:solidFill>
+            <a:ln>
+              <a:solidFill>
+                <a:srgbClr val="EAEAEA"/>
+              </a:solidFill>
+            </a:ln>
+            <a:effectLst>
+              <a:outerShdw blurRad="50800" dist="38100" dir="2700000" algn="tl" rotWithShape="0">
+                <a:prstClr val="black">
+                  <a:alpha val="40000"/>
+                </a:prstClr>
+              </a:outerShdw>
+              <a:softEdge rad="12700"/>
+            </a:effectLst>
+          </p:spPr>
+          <p:style>
+            <a:lnRef idx="2">
+              <a:schemeClr val="accent1">
+                <a:shade val="50000"/>
+              </a:schemeClr>
+            </a:lnRef>
+            <a:fillRef idx="1">
+              <a:schemeClr val="accent1"/>
+            </a:fillRef>
+            <a:effectRef idx="0">
+              <a:schemeClr val="accent1"/>
+            </a:effectRef>
+            <a:fontRef idx="minor">
+              <a:schemeClr val="lt1"/>
+            </a:fontRef>
+          </p:style>
+          <p:txBody>
+            <a:bodyPr rtlCol="0" anchor="ctr"/>
+            <a:lstStyle/>
+            <a:p>
+              <a:pPr algn="ctr"/>
+              <a:endParaRPr lang="cs-CZ" dirty="0"/>
+            </a:p>
+          </p:txBody>
+        </p:sp>
+        <p:sp>
+          <p:nvSpPr>
+            <p:cNvPr id="4" name="TextovéPole 3">
+              <a:extLst>
+                <a:ext uri="{FF2B5EF4-FFF2-40B4-BE49-F238E27FC236}">
+                  <a16:creationId xmlns:a16="http://schemas.microsoft.com/office/drawing/2014/main" id="{A07D9DAC-5593-0DA8-F928-C6E5C6679E15}"/>
+                </a:ext>
+              </a:extLst>
+            </p:cNvPr>
+            <p:cNvSpPr txBox="1"/>
+            <p:nvPr userDrawn="1"/>
+          </p:nvSpPr>
+          <p:spPr>
+            <a:xfrm>
+              <a:off x="-3678686" y="-1346205"/>
+              <a:ext cx="2897405" cy="6888402"/>
+            </a:xfrm>
+            <a:prstGeom prst="rect">
+              <a:avLst/>
+            </a:prstGeom>
+            <a:noFill/>
+          </p:spPr>
+          <p:txBody>
+            <a:bodyPr wrap="square" rtlCol="0">
+              <a:spAutoFit/>
+            </a:bodyPr>
+            <a:lstStyle/>
+            <a:p>
+              <a:r>
+                <a:rPr lang="pl-PL" sz="3200" dirty="0">
+                  <a:solidFill>
+                    <a:schemeClr val="bg2">
+                      <a:lumMod val="25000"/>
+                    </a:schemeClr>
+                  </a:solidFill>
+                </a:rPr>
+                <a:t>Struktura</a:t>
+              </a:r>
+            </a:p>
+            <a:p>
+              <a:r>
+                <a:rPr lang="pl-PL" sz="2800" dirty="0">
+                  <a:solidFill>
+                    <a:schemeClr val="bg2">
+                      <a:lumMod val="25000"/>
+                    </a:schemeClr>
+                  </a:solidFill>
+                </a:rPr>
+                <a:t>Udává jakým způsobem jsou data uložena a jejich proměnivost</a:t>
+              </a:r>
+            </a:p>
+          </p:txBody>
+        </p:sp>
+      </p:grpSp>
+      <p:sp>
+        <p:nvSpPr>
+          <p:cNvPr id="6" name="Obdélník: se zakulacenými rohy 5">
+            <a:extLst>
+              <a:ext uri="{FF2B5EF4-FFF2-40B4-BE49-F238E27FC236}">
+                <a16:creationId xmlns:a16="http://schemas.microsoft.com/office/drawing/2014/main" id="{049E91E4-4A00-A635-2259-9DF3DBA2A661}"/>
+              </a:ext>
+            </a:extLst>
+          </p:cNvPr>
+          <p:cNvSpPr/>
+          <p:nvPr userDrawn="1"/>
+        </p:nvSpPr>
+        <p:spPr>
+          <a:xfrm>
+            <a:off x="7230168" y="335816"/>
+            <a:ext cx="4876800" cy="7969983"/>
+          </a:xfrm>
+          <a:prstGeom prst="roundRect">
+            <a:avLst>
+              <a:gd name="adj" fmla="val 4378"/>
+            </a:avLst>
+          </a:prstGeom>
+          <a:solidFill>
+            <a:srgbClr val="FFFFFF">
+              <a:alpha val="60000"/>
+            </a:srgbClr>
+          </a:solidFill>
+          <a:ln>
+            <a:solidFill>
+              <a:srgbClr val="EAEAEA"/>
+            </a:solidFill>
+          </a:ln>
+          <a:effectLst>
+            <a:outerShdw blurRad="50800" dist="38100" dir="2700000" algn="tl" rotWithShape="0">
+              <a:prstClr val="black">
+                <a:alpha val="40000"/>
+              </a:prstClr>
+            </a:outerShdw>
+            <a:softEdge rad="12700"/>
+          </a:effectLst>
+        </p:spPr>
+        <p:style>
+          <a:lnRef idx="2">
+            <a:schemeClr val="accent1">
+              <a:shade val="50000"/>
+            </a:schemeClr>
+          </a:lnRef>
+          <a:fillRef idx="1">
+            <a:schemeClr val="accent1"/>
+          </a:fillRef>
+          <a:effectRef idx="0">
+            <a:schemeClr val="accent1"/>
+          </a:effectRef>
+          <a:fontRef idx="minor">
+            <a:schemeClr val="lt1"/>
+          </a:fontRef>
+        </p:style>
+        <p:txBody>
+          <a:bodyPr rtlCol="0" anchor="ctr"/>
+          <a:lstStyle/>
+          <a:p>
+            <a:pPr algn="ctr"/>
+            <a:endParaRPr lang="cs-CZ" dirty="0"/>
+          </a:p>
+        </p:txBody>
+      </p:sp>
     </p:spTree>
     <p:extLst>
       <p:ext uri="{BB962C8B-B14F-4D97-AF65-F5344CB8AC3E}">
@@ -3768,6 +4806,352 @@
           <a:chExt cx="0" cy="0"/>
         </a:xfrm>
       </p:grpSpPr>
+      <p:sp>
+        <p:nvSpPr>
+          <p:cNvPr id="2" name="Obdélník: se zakulacenými rohy 1">
+            <a:extLst>
+              <a:ext uri="{FF2B5EF4-FFF2-40B4-BE49-F238E27FC236}">
+                <a16:creationId xmlns:a16="http://schemas.microsoft.com/office/drawing/2014/main" id="{DFC3F6E0-673A-7043-2B70-5A06B0767492}"/>
+              </a:ext>
+            </a:extLst>
+          </p:cNvPr>
+          <p:cNvSpPr/>
+          <p:nvPr/>
+        </p:nvSpPr>
+        <p:spPr>
+          <a:xfrm>
+            <a:off x="7230168" y="-428625"/>
+            <a:ext cx="4876800" cy="4152900"/>
+          </a:xfrm>
+          <a:prstGeom prst="roundRect">
+            <a:avLst>
+              <a:gd name="adj" fmla="val 4378"/>
+            </a:avLst>
+          </a:prstGeom>
+          <a:solidFill>
+            <a:srgbClr val="FFFFFF">
+              <a:alpha val="60000"/>
+            </a:srgbClr>
+          </a:solidFill>
+          <a:ln>
+            <a:solidFill>
+              <a:srgbClr val="EAEAEA"/>
+            </a:solidFill>
+          </a:ln>
+          <a:effectLst>
+            <a:outerShdw blurRad="50800" dist="38100" dir="2700000" algn="tl" rotWithShape="0">
+              <a:prstClr val="black">
+                <a:alpha val="40000"/>
+              </a:prstClr>
+            </a:outerShdw>
+            <a:softEdge rad="12700"/>
+          </a:effectLst>
+        </p:spPr>
+        <p:style>
+          <a:lnRef idx="2">
+            <a:schemeClr val="accent1">
+              <a:shade val="50000"/>
+            </a:schemeClr>
+          </a:lnRef>
+          <a:fillRef idx="1">
+            <a:schemeClr val="accent1"/>
+          </a:fillRef>
+          <a:effectRef idx="0">
+            <a:schemeClr val="accent1"/>
+          </a:effectRef>
+          <a:fontRef idx="minor">
+            <a:schemeClr val="lt1"/>
+          </a:fontRef>
+        </p:style>
+        <p:txBody>
+          <a:bodyPr rtlCol="0" anchor="ctr"/>
+          <a:lstStyle/>
+          <a:p>
+            <a:pPr algn="ctr"/>
+            <a:endParaRPr lang="cs-CZ" dirty="0"/>
+          </a:p>
+        </p:txBody>
+      </p:sp>
+      <p:grpSp>
+        <p:nvGrpSpPr>
+          <p:cNvPr id="3" name="Skupina 2">
+            <a:extLst>
+              <a:ext uri="{FF2B5EF4-FFF2-40B4-BE49-F238E27FC236}">
+                <a16:creationId xmlns:a16="http://schemas.microsoft.com/office/drawing/2014/main" id="{D784FA15-5363-6DD2-7B30-881502B3FE32}"/>
+              </a:ext>
+            </a:extLst>
+          </p:cNvPr>
+          <p:cNvGrpSpPr/>
+          <p:nvPr/>
+        </p:nvGrpSpPr>
+        <p:grpSpPr>
+          <a:xfrm>
+            <a:off x="333376" y="971549"/>
+            <a:ext cx="6686550" cy="1614993"/>
+            <a:chOff x="-3626629" y="1189687"/>
+            <a:chExt cx="3063891" cy="8708658"/>
+          </a:xfrm>
+        </p:grpSpPr>
+        <p:sp>
+          <p:nvSpPr>
+            <p:cNvPr id="4" name="Obdélník: se zakulacenými rohy 3">
+              <a:extLst>
+                <a:ext uri="{FF2B5EF4-FFF2-40B4-BE49-F238E27FC236}">
+                  <a16:creationId xmlns:a16="http://schemas.microsoft.com/office/drawing/2014/main" id="{7AAD62A0-9D00-C9AA-7899-FBE13C7B5514}"/>
+                </a:ext>
+              </a:extLst>
+            </p:cNvPr>
+            <p:cNvSpPr/>
+            <p:nvPr userDrawn="1"/>
+          </p:nvSpPr>
+          <p:spPr>
+            <a:xfrm>
+              <a:off x="-3626629" y="1189687"/>
+              <a:ext cx="3063891" cy="8708658"/>
+            </a:xfrm>
+            <a:prstGeom prst="roundRect">
+              <a:avLst>
+                <a:gd name="adj" fmla="val 4378"/>
+              </a:avLst>
+            </a:prstGeom>
+            <a:solidFill>
+              <a:srgbClr val="FFFFFF">
+                <a:alpha val="60000"/>
+              </a:srgbClr>
+            </a:solidFill>
+            <a:ln>
+              <a:solidFill>
+                <a:srgbClr val="EAEAEA"/>
+              </a:solidFill>
+            </a:ln>
+            <a:effectLst>
+              <a:outerShdw blurRad="50800" dist="38100" dir="2700000" algn="tl" rotWithShape="0">
+                <a:prstClr val="black">
+                  <a:alpha val="40000"/>
+                </a:prstClr>
+              </a:outerShdw>
+              <a:softEdge rad="12700"/>
+            </a:effectLst>
+          </p:spPr>
+          <p:style>
+            <a:lnRef idx="2">
+              <a:schemeClr val="accent1">
+                <a:shade val="50000"/>
+              </a:schemeClr>
+            </a:lnRef>
+            <a:fillRef idx="1">
+              <a:schemeClr val="accent1"/>
+            </a:fillRef>
+            <a:effectRef idx="0">
+              <a:schemeClr val="accent1"/>
+            </a:effectRef>
+            <a:fontRef idx="minor">
+              <a:schemeClr val="lt1"/>
+            </a:fontRef>
+          </p:style>
+          <p:txBody>
+            <a:bodyPr rtlCol="0" anchor="ctr"/>
+            <a:lstStyle/>
+            <a:p>
+              <a:pPr algn="ctr"/>
+              <a:endParaRPr lang="cs-CZ" dirty="0"/>
+            </a:p>
+          </p:txBody>
+        </p:sp>
+        <p:sp>
+          <p:nvSpPr>
+            <p:cNvPr id="5" name="TextovéPole 4">
+              <a:extLst>
+                <a:ext uri="{FF2B5EF4-FFF2-40B4-BE49-F238E27FC236}">
+                  <a16:creationId xmlns:a16="http://schemas.microsoft.com/office/drawing/2014/main" id="{CD5932D5-E877-794B-DF86-856E61504A61}"/>
+                </a:ext>
+              </a:extLst>
+            </p:cNvPr>
+            <p:cNvSpPr txBox="1"/>
+            <p:nvPr userDrawn="1"/>
+          </p:nvSpPr>
+          <p:spPr>
+            <a:xfrm>
+              <a:off x="-3543386" y="2097996"/>
+              <a:ext cx="2897405" cy="7800349"/>
+            </a:xfrm>
+            <a:prstGeom prst="rect">
+              <a:avLst/>
+            </a:prstGeom>
+            <a:noFill/>
+          </p:spPr>
+          <p:txBody>
+            <a:bodyPr wrap="square" rtlCol="0">
+              <a:spAutoFit/>
+            </a:bodyPr>
+            <a:lstStyle/>
+            <a:p>
+              <a:r>
+                <a:rPr lang="pl-PL" sz="3200" dirty="0">
+                  <a:solidFill>
+                    <a:schemeClr val="bg2">
+                      <a:lumMod val="25000"/>
+                    </a:schemeClr>
+                  </a:solidFill>
+                </a:rPr>
+                <a:t>Pravdivost</a:t>
+              </a:r>
+            </a:p>
+            <a:p>
+              <a:r>
+                <a:rPr lang="pl-PL" sz="2800" dirty="0">
+                  <a:solidFill>
+                    <a:schemeClr val="bg2">
+                      <a:lumMod val="25000"/>
+                    </a:schemeClr>
+                  </a:solidFill>
+                </a:rPr>
+                <a:t>Jak moc můžeme důvěřovat zdrojům, ze kterých data pocházejí</a:t>
+              </a:r>
+            </a:p>
+          </p:txBody>
+        </p:sp>
+      </p:grpSp>
+      <p:grpSp>
+        <p:nvGrpSpPr>
+          <p:cNvPr id="6" name="Skupina 5">
+            <a:extLst>
+              <a:ext uri="{FF2B5EF4-FFF2-40B4-BE49-F238E27FC236}">
+                <a16:creationId xmlns:a16="http://schemas.microsoft.com/office/drawing/2014/main" id="{C4CBBCE7-CADD-EBFC-5C8D-42D9E4DB3083}"/>
+              </a:ext>
+            </a:extLst>
+          </p:cNvPr>
+          <p:cNvGrpSpPr/>
+          <p:nvPr/>
+        </p:nvGrpSpPr>
+        <p:grpSpPr>
+          <a:xfrm>
+            <a:off x="4657726" y="4714874"/>
+            <a:ext cx="6238874" cy="1171577"/>
+            <a:chOff x="-3626629" y="1189687"/>
+            <a:chExt cx="3063891" cy="8708658"/>
+          </a:xfrm>
+        </p:grpSpPr>
+        <p:sp>
+          <p:nvSpPr>
+            <p:cNvPr id="7" name="Obdélník: se zakulacenými rohy 6">
+              <a:extLst>
+                <a:ext uri="{FF2B5EF4-FFF2-40B4-BE49-F238E27FC236}">
+                  <a16:creationId xmlns:a16="http://schemas.microsoft.com/office/drawing/2014/main" id="{FEF7E6FB-28D6-CE26-F086-88AA62920E73}"/>
+                </a:ext>
+              </a:extLst>
+            </p:cNvPr>
+            <p:cNvSpPr/>
+            <p:nvPr userDrawn="1"/>
+          </p:nvSpPr>
+          <p:spPr>
+            <a:xfrm>
+              <a:off x="-3626629" y="1189687"/>
+              <a:ext cx="3063891" cy="8708658"/>
+            </a:xfrm>
+            <a:prstGeom prst="roundRect">
+              <a:avLst>
+                <a:gd name="adj" fmla="val 4378"/>
+              </a:avLst>
+            </a:prstGeom>
+            <a:solidFill>
+              <a:srgbClr val="FFFFFF">
+                <a:alpha val="60000"/>
+              </a:srgbClr>
+            </a:solidFill>
+            <a:ln>
+              <a:solidFill>
+                <a:srgbClr val="EAEAEA"/>
+              </a:solidFill>
+            </a:ln>
+            <a:effectLst>
+              <a:outerShdw blurRad="50800" dist="38100" dir="2700000" algn="tl" rotWithShape="0">
+                <a:prstClr val="black">
+                  <a:alpha val="40000"/>
+                </a:prstClr>
+              </a:outerShdw>
+              <a:softEdge rad="12700"/>
+            </a:effectLst>
+          </p:spPr>
+          <p:style>
+            <a:lnRef idx="2">
+              <a:schemeClr val="accent1">
+                <a:shade val="50000"/>
+              </a:schemeClr>
+            </a:lnRef>
+            <a:fillRef idx="1">
+              <a:schemeClr val="accent1"/>
+            </a:fillRef>
+            <a:effectRef idx="0">
+              <a:schemeClr val="accent1"/>
+            </a:effectRef>
+            <a:fontRef idx="minor">
+              <a:schemeClr val="lt1"/>
+            </a:fontRef>
+          </p:style>
+          <p:txBody>
+            <a:bodyPr rtlCol="0" anchor="ctr"/>
+            <a:lstStyle/>
+            <a:p>
+              <a:pPr algn="ctr"/>
+              <a:endParaRPr lang="cs-CZ" dirty="0"/>
+            </a:p>
+          </p:txBody>
+        </p:sp>
+        <p:sp>
+          <p:nvSpPr>
+            <p:cNvPr id="8" name="TextovéPole 7">
+              <a:extLst>
+                <a:ext uri="{FF2B5EF4-FFF2-40B4-BE49-F238E27FC236}">
+                  <a16:creationId xmlns:a16="http://schemas.microsoft.com/office/drawing/2014/main" id="{A425EE5E-42AA-0338-7150-BD284749B028}"/>
+                </a:ext>
+              </a:extLst>
+            </p:cNvPr>
+            <p:cNvSpPr txBox="1"/>
+            <p:nvPr userDrawn="1"/>
+          </p:nvSpPr>
+          <p:spPr>
+            <a:xfrm>
+              <a:off x="-3543386" y="2097996"/>
+              <a:ext cx="2897405" cy="7549705"/>
+            </a:xfrm>
+            <a:prstGeom prst="rect">
+              <a:avLst/>
+            </a:prstGeom>
+            <a:noFill/>
+          </p:spPr>
+          <p:txBody>
+            <a:bodyPr wrap="square" rtlCol="0">
+              <a:spAutoFit/>
+            </a:bodyPr>
+            <a:lstStyle/>
+            <a:p>
+              <a:r>
+                <a:rPr lang="pl-PL" sz="3200" dirty="0">
+                  <a:solidFill>
+                    <a:schemeClr val="bg2">
+                      <a:lumMod val="25000"/>
+                    </a:schemeClr>
+                  </a:solidFill>
+                </a:rPr>
+                <a:t>Hodnota</a:t>
+              </a:r>
+            </a:p>
+            <a:p>
+              <a:r>
+                <a:rPr lang="pl-PL" sz="2800" dirty="0">
+                  <a:solidFill>
+                    <a:schemeClr val="bg2">
+                      <a:lumMod val="25000"/>
+                    </a:schemeClr>
+                  </a:solidFill>
+                </a:rPr>
+                <a:t>Co dokážeme z dat získat</a:t>
+              </a:r>
+            </a:p>
+          </p:txBody>
+        </p:sp>
+      </p:grpSp>
     </p:spTree>
     <p:extLst>
       <p:ext uri="{BB962C8B-B14F-4D97-AF65-F5344CB8AC3E}">

--- a/klimes.pptx
+++ b/klimes.pptx
@@ -239,7 +239,7 @@
           <a:p>
             <a:fld id="{D009DB19-4C21-440C-A727-546C40E604C7}" type="datetimeFigureOut">
               <a:rPr lang="cs-CZ" smtClean="0"/>
-              <a:t>06.01.2023</a:t>
+              <a:t>07.01.2023</a:t>
             </a:fld>
             <a:endParaRPr lang="cs-CZ"/>
           </a:p>
@@ -416,7 +416,7 @@
           <a:p>
             <a:fld id="{7F4D5948-2C73-43CB-9CA5-AB41306D9F29}" type="datetimeFigureOut">
               <a:rPr lang="cs-CZ" smtClean="0"/>
-              <a:t>06.01.2023</a:t>
+              <a:t>07.01.2023</a:t>
             </a:fld>
             <a:endParaRPr lang="cs-CZ"/>
           </a:p>
@@ -4567,8 +4567,8 @@
         </p:nvGrpSpPr>
         <p:grpSpPr>
           <a:xfrm>
-            <a:off x="361951" y="381243"/>
-            <a:ext cx="6686550" cy="1828800"/>
+            <a:off x="361952" y="381243"/>
+            <a:ext cx="6724648" cy="1799982"/>
             <a:chOff x="-3761929" y="-2256333"/>
             <a:chExt cx="3063891" cy="8708658"/>
           </a:xfrm>
@@ -4653,8 +4653,8 @@
           </p:nvSpPr>
           <p:spPr>
             <a:xfrm>
-              <a:off x="-3678686" y="-1346205"/>
-              <a:ext cx="2897405" cy="6888402"/>
+              <a:off x="-3678686" y="-1346206"/>
+              <a:ext cx="2897405" cy="6888400"/>
             </a:xfrm>
             <a:prstGeom prst="rect">
               <a:avLst/>
@@ -4707,8 +4707,8 @@
         </p:nvSpPr>
         <p:spPr>
           <a:xfrm>
-            <a:off x="7230168" y="335816"/>
-            <a:ext cx="4876800" cy="7969983"/>
+            <a:off x="3084887" y="2253883"/>
+            <a:ext cx="8745161" cy="4527917"/>
           </a:xfrm>
           <a:prstGeom prst="roundRect">
             <a:avLst>
@@ -4759,6 +4759,1006 @@
           </a:p>
         </p:txBody>
       </p:sp>
+      <p:sp>
+        <p:nvSpPr>
+          <p:cNvPr id="9" name="TextovéPole 8">
+            <a:extLst>
+              <a:ext uri="{FF2B5EF4-FFF2-40B4-BE49-F238E27FC236}">
+                <a16:creationId xmlns:a16="http://schemas.microsoft.com/office/drawing/2014/main" id="{79D2182A-0DCB-0516-E6B1-89BD1C539387}"/>
+              </a:ext>
+            </a:extLst>
+          </p:cNvPr>
+          <p:cNvSpPr txBox="1"/>
+          <p:nvPr/>
+        </p:nvSpPr>
+        <p:spPr>
+          <a:xfrm>
+            <a:off x="3400425" y="2524125"/>
+            <a:ext cx="7296149" cy="1015663"/>
+          </a:xfrm>
+          <a:prstGeom prst="rect">
+            <a:avLst/>
+          </a:prstGeom>
+          <a:noFill/>
+        </p:spPr>
+        <p:txBody>
+          <a:bodyPr wrap="square" rtlCol="0">
+            <a:spAutoFit/>
+          </a:bodyPr>
+          <a:lstStyle/>
+          <a:p>
+            <a:r>
+              <a:rPr lang="cs-CZ" sz="3200" dirty="0" err="1">
+                <a:solidFill>
+                  <a:schemeClr val="bg2">
+                    <a:lumMod val="25000"/>
+                  </a:schemeClr>
+                </a:solidFill>
+              </a:rPr>
+              <a:t>Structured</a:t>
+            </a:r>
+            <a:endParaRPr lang="cs-CZ" sz="3200" dirty="0">
+              <a:solidFill>
+                <a:schemeClr val="bg2">
+                  <a:lumMod val="25000"/>
+                </a:schemeClr>
+              </a:solidFill>
+            </a:endParaRPr>
+          </a:p>
+          <a:p>
+            <a:r>
+              <a:rPr lang="cs-CZ" sz="2800" dirty="0">
+                <a:solidFill>
+                  <a:schemeClr val="bg2">
+                    <a:lumMod val="25000"/>
+                  </a:schemeClr>
+                </a:solidFill>
+              </a:rPr>
+              <a:t>Každý objekt má jasně definovanou strukturu</a:t>
+            </a:r>
+          </a:p>
+        </p:txBody>
+      </p:sp>
+      <p:graphicFrame>
+        <p:nvGraphicFramePr>
+          <p:cNvPr id="10" name="Tabulka 10">
+            <a:extLst>
+              <a:ext uri="{FF2B5EF4-FFF2-40B4-BE49-F238E27FC236}">
+                <a16:creationId xmlns:a16="http://schemas.microsoft.com/office/drawing/2014/main" id="{4B0D4C7E-210B-7B4F-2290-DCC51FB9E50A}"/>
+              </a:ext>
+            </a:extLst>
+          </p:cNvPr>
+          <p:cNvGraphicFramePr>
+            <a:graphicFrameLocks noGrp="1"/>
+          </p:cNvGraphicFramePr>
+          <p:nvPr>
+            <p:extLst>
+              <p:ext uri="{D42A27DB-BD31-4B8C-83A1-F6EECF244321}">
+                <p14:modId xmlns:p14="http://schemas.microsoft.com/office/powerpoint/2010/main" val="825318588"/>
+              </p:ext>
+            </p:extLst>
+          </p:nvPr>
+        </p:nvGraphicFramePr>
+        <p:xfrm>
+          <a:off x="3498850" y="3612445"/>
+          <a:ext cx="8128000" cy="2316480"/>
+        </p:xfrm>
+        <a:graphic>
+          <a:graphicData uri="http://schemas.openxmlformats.org/drawingml/2006/table">
+            <a:tbl>
+              <a:tblPr firstRow="1" bandRow="1">
+                <a:tableStyleId>{8799B23B-EC83-4686-B30A-512413B5E67A}</a:tableStyleId>
+              </a:tblPr>
+              <a:tblGrid>
+                <a:gridCol w="2032000">
+                  <a:extLst>
+                    <a:ext uri="{9D8B030D-6E8A-4147-A177-3AD203B41FA5}">
+                      <a16:colId xmlns:a16="http://schemas.microsoft.com/office/drawing/2014/main" val="281688090"/>
+                    </a:ext>
+                  </a:extLst>
+                </a:gridCol>
+                <a:gridCol w="2032000">
+                  <a:extLst>
+                    <a:ext uri="{9D8B030D-6E8A-4147-A177-3AD203B41FA5}">
+                      <a16:colId xmlns:a16="http://schemas.microsoft.com/office/drawing/2014/main" val="4112299169"/>
+                    </a:ext>
+                  </a:extLst>
+                </a:gridCol>
+                <a:gridCol w="2032000">
+                  <a:extLst>
+                    <a:ext uri="{9D8B030D-6E8A-4147-A177-3AD203B41FA5}">
+                      <a16:colId xmlns:a16="http://schemas.microsoft.com/office/drawing/2014/main" val="1624956726"/>
+                    </a:ext>
+                  </a:extLst>
+                </a:gridCol>
+                <a:gridCol w="2032000">
+                  <a:extLst>
+                    <a:ext uri="{9D8B030D-6E8A-4147-A177-3AD203B41FA5}">
+                      <a16:colId xmlns:a16="http://schemas.microsoft.com/office/drawing/2014/main" val="3977268561"/>
+                    </a:ext>
+                  </a:extLst>
+                </a:gridCol>
+              </a:tblGrid>
+              <a:tr h="547070">
+                <a:tc>
+                  <a:txBody>
+                    <a:bodyPr/>
+                    <a:lstStyle/>
+                    <a:p>
+                      <a:r>
+                        <a:rPr lang="cs-CZ" sz="3200" b="0" dirty="0">
+                          <a:solidFill>
+                            <a:schemeClr val="bg1"/>
+                          </a:solidFill>
+                        </a:rPr>
+                        <a:t>Jméno</a:t>
+                      </a:r>
+                    </a:p>
+                  </a:txBody>
+                  <a:tcPr>
+                    <a:lnL w="12700" cap="flat" cmpd="sng" algn="ctr">
+                      <a:solidFill>
+                        <a:schemeClr val="tx1"/>
+                      </a:solidFill>
+                      <a:prstDash val="solid"/>
+                      <a:round/>
+                      <a:headEnd type="none" w="med" len="med"/>
+                      <a:tailEnd type="none" w="med" len="med"/>
+                    </a:lnL>
+                    <a:lnR w="12700" cap="flat" cmpd="sng" algn="ctr">
+                      <a:solidFill>
+                        <a:schemeClr val="tx1"/>
+                      </a:solidFill>
+                      <a:prstDash val="solid"/>
+                      <a:round/>
+                      <a:headEnd type="none" w="med" len="med"/>
+                      <a:tailEnd type="none" w="med" len="med"/>
+                    </a:lnR>
+                    <a:lnT w="12700" cap="flat" cmpd="sng" algn="ctr">
+                      <a:solidFill>
+                        <a:schemeClr val="tx1"/>
+                      </a:solidFill>
+                      <a:prstDash val="solid"/>
+                      <a:round/>
+                      <a:headEnd type="none" w="med" len="med"/>
+                      <a:tailEnd type="none" w="med" len="med"/>
+                    </a:lnT>
+                    <a:lnB w="12700" cap="flat" cmpd="sng" algn="ctr">
+                      <a:solidFill>
+                        <a:schemeClr val="tx1"/>
+                      </a:solidFill>
+                      <a:prstDash val="solid"/>
+                      <a:round/>
+                      <a:headEnd type="none" w="med" len="med"/>
+                      <a:tailEnd type="none" w="med" len="med"/>
+                    </a:lnB>
+                    <a:solidFill>
+                      <a:schemeClr val="bg1">
+                        <a:lumMod val="65000"/>
+                      </a:schemeClr>
+                    </a:solidFill>
+                  </a:tcPr>
+                </a:tc>
+                <a:tc>
+                  <a:txBody>
+                    <a:bodyPr/>
+                    <a:lstStyle/>
+                    <a:p>
+                      <a:r>
+                        <a:rPr lang="cs-CZ" sz="3200" b="0" dirty="0">
+                          <a:solidFill>
+                            <a:schemeClr val="bg1"/>
+                          </a:solidFill>
+                        </a:rPr>
+                        <a:t>Věk</a:t>
+                      </a:r>
+                    </a:p>
+                  </a:txBody>
+                  <a:tcPr>
+                    <a:lnL w="12700" cap="flat" cmpd="sng" algn="ctr">
+                      <a:solidFill>
+                        <a:schemeClr val="tx1"/>
+                      </a:solidFill>
+                      <a:prstDash val="solid"/>
+                      <a:round/>
+                      <a:headEnd type="none" w="med" len="med"/>
+                      <a:tailEnd type="none" w="med" len="med"/>
+                    </a:lnL>
+                    <a:lnR w="12700" cap="flat" cmpd="sng" algn="ctr">
+                      <a:solidFill>
+                        <a:schemeClr val="tx1"/>
+                      </a:solidFill>
+                      <a:prstDash val="solid"/>
+                      <a:round/>
+                      <a:headEnd type="none" w="med" len="med"/>
+                      <a:tailEnd type="none" w="med" len="med"/>
+                    </a:lnR>
+                    <a:lnT w="12700" cap="flat" cmpd="sng" algn="ctr">
+                      <a:solidFill>
+                        <a:schemeClr val="tx1"/>
+                      </a:solidFill>
+                      <a:prstDash val="solid"/>
+                      <a:round/>
+                      <a:headEnd type="none" w="med" len="med"/>
+                      <a:tailEnd type="none" w="med" len="med"/>
+                    </a:lnT>
+                    <a:lnB w="12700" cap="flat" cmpd="sng" algn="ctr">
+                      <a:solidFill>
+                        <a:schemeClr val="tx1"/>
+                      </a:solidFill>
+                      <a:prstDash val="solid"/>
+                      <a:round/>
+                      <a:headEnd type="none" w="med" len="med"/>
+                      <a:tailEnd type="none" w="med" len="med"/>
+                    </a:lnB>
+                    <a:solidFill>
+                      <a:schemeClr val="bg1">
+                        <a:lumMod val="65000"/>
+                      </a:schemeClr>
+                    </a:solidFill>
+                  </a:tcPr>
+                </a:tc>
+                <a:tc>
+                  <a:txBody>
+                    <a:bodyPr/>
+                    <a:lstStyle/>
+                    <a:p>
+                      <a:r>
+                        <a:rPr lang="cs-CZ" sz="3200" b="0" dirty="0">
+                          <a:solidFill>
+                            <a:schemeClr val="bg1"/>
+                          </a:solidFill>
+                        </a:rPr>
+                        <a:t>Výška</a:t>
+                      </a:r>
+                    </a:p>
+                  </a:txBody>
+                  <a:tcPr>
+                    <a:lnL w="12700" cap="flat" cmpd="sng" algn="ctr">
+                      <a:solidFill>
+                        <a:schemeClr val="tx1"/>
+                      </a:solidFill>
+                      <a:prstDash val="solid"/>
+                      <a:round/>
+                      <a:headEnd type="none" w="med" len="med"/>
+                      <a:tailEnd type="none" w="med" len="med"/>
+                    </a:lnL>
+                    <a:lnR w="12700" cap="flat" cmpd="sng" algn="ctr">
+                      <a:solidFill>
+                        <a:schemeClr val="tx1"/>
+                      </a:solidFill>
+                      <a:prstDash val="solid"/>
+                      <a:round/>
+                      <a:headEnd type="none" w="med" len="med"/>
+                      <a:tailEnd type="none" w="med" len="med"/>
+                    </a:lnR>
+                    <a:lnT w="12700" cap="flat" cmpd="sng" algn="ctr">
+                      <a:solidFill>
+                        <a:schemeClr val="tx1"/>
+                      </a:solidFill>
+                      <a:prstDash val="solid"/>
+                      <a:round/>
+                      <a:headEnd type="none" w="med" len="med"/>
+                      <a:tailEnd type="none" w="med" len="med"/>
+                    </a:lnT>
+                    <a:lnB w="12700" cap="flat" cmpd="sng" algn="ctr">
+                      <a:solidFill>
+                        <a:schemeClr val="tx1"/>
+                      </a:solidFill>
+                      <a:prstDash val="solid"/>
+                      <a:round/>
+                      <a:headEnd type="none" w="med" len="med"/>
+                      <a:tailEnd type="none" w="med" len="med"/>
+                    </a:lnB>
+                    <a:solidFill>
+                      <a:schemeClr val="bg1">
+                        <a:lumMod val="65000"/>
+                      </a:schemeClr>
+                    </a:solidFill>
+                  </a:tcPr>
+                </a:tc>
+                <a:tc>
+                  <a:txBody>
+                    <a:bodyPr/>
+                    <a:lstStyle/>
+                    <a:p>
+                      <a:r>
+                        <a:rPr lang="cs-CZ" sz="3200" b="0" dirty="0">
+                          <a:solidFill>
+                            <a:schemeClr val="bg1"/>
+                          </a:solidFill>
+                        </a:rPr>
+                        <a:t>Práce</a:t>
+                      </a:r>
+                    </a:p>
+                  </a:txBody>
+                  <a:tcPr>
+                    <a:lnL w="12700" cap="flat" cmpd="sng" algn="ctr">
+                      <a:solidFill>
+                        <a:schemeClr val="tx1"/>
+                      </a:solidFill>
+                      <a:prstDash val="solid"/>
+                      <a:round/>
+                      <a:headEnd type="none" w="med" len="med"/>
+                      <a:tailEnd type="none" w="med" len="med"/>
+                    </a:lnL>
+                    <a:lnR w="12700" cap="flat" cmpd="sng" algn="ctr">
+                      <a:solidFill>
+                        <a:schemeClr val="tx1"/>
+                      </a:solidFill>
+                      <a:prstDash val="solid"/>
+                      <a:round/>
+                      <a:headEnd type="none" w="med" len="med"/>
+                      <a:tailEnd type="none" w="med" len="med"/>
+                    </a:lnR>
+                    <a:lnT w="12700" cap="flat" cmpd="sng" algn="ctr">
+                      <a:solidFill>
+                        <a:schemeClr val="tx1"/>
+                      </a:solidFill>
+                      <a:prstDash val="solid"/>
+                      <a:round/>
+                      <a:headEnd type="none" w="med" len="med"/>
+                      <a:tailEnd type="none" w="med" len="med"/>
+                    </a:lnT>
+                    <a:lnB w="12700" cap="flat" cmpd="sng" algn="ctr">
+                      <a:solidFill>
+                        <a:schemeClr val="tx1"/>
+                      </a:solidFill>
+                      <a:prstDash val="solid"/>
+                      <a:round/>
+                      <a:headEnd type="none" w="med" len="med"/>
+                      <a:tailEnd type="none" w="med" len="med"/>
+                    </a:lnB>
+                    <a:solidFill>
+                      <a:schemeClr val="bg1">
+                        <a:lumMod val="65000"/>
+                      </a:schemeClr>
+                    </a:solidFill>
+                  </a:tcPr>
+                </a:tc>
+                <a:extLst>
+                  <a:ext uri="{0D108BD9-81ED-4DB2-BD59-A6C34878D82A}">
+                    <a16:rowId xmlns:a16="http://schemas.microsoft.com/office/drawing/2014/main" val="2658715445"/>
+                  </a:ext>
+                </a:extLst>
+              </a:tr>
+              <a:tr h="547070">
+                <a:tc>
+                  <a:txBody>
+                    <a:bodyPr/>
+                    <a:lstStyle/>
+                    <a:p>
+                      <a:r>
+                        <a:rPr lang="cs-CZ" sz="3200" dirty="0"/>
+                        <a:t>Tadeáš</a:t>
+                      </a:r>
+                    </a:p>
+                  </a:txBody>
+                  <a:tcPr>
+                    <a:lnL w="12700" cap="flat" cmpd="sng" algn="ctr">
+                      <a:solidFill>
+                        <a:schemeClr val="tx1"/>
+                      </a:solidFill>
+                      <a:prstDash val="solid"/>
+                      <a:round/>
+                      <a:headEnd type="none" w="med" len="med"/>
+                      <a:tailEnd type="none" w="med" len="med"/>
+                    </a:lnL>
+                    <a:lnR w="12700" cap="flat" cmpd="sng" algn="ctr">
+                      <a:solidFill>
+                        <a:schemeClr val="tx1"/>
+                      </a:solidFill>
+                      <a:prstDash val="solid"/>
+                      <a:round/>
+                      <a:headEnd type="none" w="med" len="med"/>
+                      <a:tailEnd type="none" w="med" len="med"/>
+                    </a:lnR>
+                    <a:lnT w="12700" cap="flat" cmpd="sng" algn="ctr">
+                      <a:solidFill>
+                        <a:schemeClr val="tx1"/>
+                      </a:solidFill>
+                      <a:prstDash val="solid"/>
+                      <a:round/>
+                      <a:headEnd type="none" w="med" len="med"/>
+                      <a:tailEnd type="none" w="med" len="med"/>
+                    </a:lnT>
+                    <a:lnB w="12700" cap="flat" cmpd="sng" algn="ctr">
+                      <a:solidFill>
+                        <a:schemeClr val="tx1"/>
+                      </a:solidFill>
+                      <a:prstDash val="solid"/>
+                      <a:round/>
+                      <a:headEnd type="none" w="med" len="med"/>
+                      <a:tailEnd type="none" w="med" len="med"/>
+                    </a:lnB>
+                    <a:noFill/>
+                  </a:tcPr>
+                </a:tc>
+                <a:tc>
+                  <a:txBody>
+                    <a:bodyPr/>
+                    <a:lstStyle/>
+                    <a:p>
+                      <a:r>
+                        <a:rPr lang="cs-CZ" sz="3200" dirty="0"/>
+                        <a:t>29</a:t>
+                      </a:r>
+                    </a:p>
+                  </a:txBody>
+                  <a:tcPr>
+                    <a:lnL w="12700" cap="flat" cmpd="sng" algn="ctr">
+                      <a:solidFill>
+                        <a:schemeClr val="tx1"/>
+                      </a:solidFill>
+                      <a:prstDash val="solid"/>
+                      <a:round/>
+                      <a:headEnd type="none" w="med" len="med"/>
+                      <a:tailEnd type="none" w="med" len="med"/>
+                    </a:lnL>
+                    <a:lnR w="12700" cap="flat" cmpd="sng" algn="ctr">
+                      <a:solidFill>
+                        <a:schemeClr val="tx1"/>
+                      </a:solidFill>
+                      <a:prstDash val="solid"/>
+                      <a:round/>
+                      <a:headEnd type="none" w="med" len="med"/>
+                      <a:tailEnd type="none" w="med" len="med"/>
+                    </a:lnR>
+                    <a:lnT w="12700" cap="flat" cmpd="sng" algn="ctr">
+                      <a:solidFill>
+                        <a:schemeClr val="tx1"/>
+                      </a:solidFill>
+                      <a:prstDash val="solid"/>
+                      <a:round/>
+                      <a:headEnd type="none" w="med" len="med"/>
+                      <a:tailEnd type="none" w="med" len="med"/>
+                    </a:lnT>
+                    <a:lnB w="12700" cap="flat" cmpd="sng" algn="ctr">
+                      <a:solidFill>
+                        <a:schemeClr val="tx1"/>
+                      </a:solidFill>
+                      <a:prstDash val="solid"/>
+                      <a:round/>
+                      <a:headEnd type="none" w="med" len="med"/>
+                      <a:tailEnd type="none" w="med" len="med"/>
+                    </a:lnB>
+                    <a:noFill/>
+                  </a:tcPr>
+                </a:tc>
+                <a:tc>
+                  <a:txBody>
+                    <a:bodyPr/>
+                    <a:lstStyle/>
+                    <a:p>
+                      <a:r>
+                        <a:rPr lang="cs-CZ" sz="3200" dirty="0"/>
+                        <a:t>176</a:t>
+                      </a:r>
+                    </a:p>
+                  </a:txBody>
+                  <a:tcPr>
+                    <a:lnL w="12700" cap="flat" cmpd="sng" algn="ctr">
+                      <a:solidFill>
+                        <a:schemeClr val="tx1"/>
+                      </a:solidFill>
+                      <a:prstDash val="solid"/>
+                      <a:round/>
+                      <a:headEnd type="none" w="med" len="med"/>
+                      <a:tailEnd type="none" w="med" len="med"/>
+                    </a:lnL>
+                    <a:lnR w="12700" cap="flat" cmpd="sng" algn="ctr">
+                      <a:solidFill>
+                        <a:schemeClr val="tx1"/>
+                      </a:solidFill>
+                      <a:prstDash val="solid"/>
+                      <a:round/>
+                      <a:headEnd type="none" w="med" len="med"/>
+                      <a:tailEnd type="none" w="med" len="med"/>
+                    </a:lnR>
+                    <a:lnT w="12700" cap="flat" cmpd="sng" algn="ctr">
+                      <a:solidFill>
+                        <a:schemeClr val="tx1"/>
+                      </a:solidFill>
+                      <a:prstDash val="solid"/>
+                      <a:round/>
+                      <a:headEnd type="none" w="med" len="med"/>
+                      <a:tailEnd type="none" w="med" len="med"/>
+                    </a:lnT>
+                    <a:lnB w="12700" cap="flat" cmpd="sng" algn="ctr">
+                      <a:solidFill>
+                        <a:schemeClr val="tx1"/>
+                      </a:solidFill>
+                      <a:prstDash val="solid"/>
+                      <a:round/>
+                      <a:headEnd type="none" w="med" len="med"/>
+                      <a:tailEnd type="none" w="med" len="med"/>
+                    </a:lnB>
+                    <a:noFill/>
+                  </a:tcPr>
+                </a:tc>
+                <a:tc>
+                  <a:txBody>
+                    <a:bodyPr/>
+                    <a:lstStyle/>
+                    <a:p>
+                      <a:r>
+                        <a:rPr lang="cs-CZ" sz="3200" dirty="0"/>
+                        <a:t>Kuchař</a:t>
+                      </a:r>
+                    </a:p>
+                  </a:txBody>
+                  <a:tcPr>
+                    <a:lnL w="12700" cap="flat" cmpd="sng" algn="ctr">
+                      <a:solidFill>
+                        <a:schemeClr val="tx1"/>
+                      </a:solidFill>
+                      <a:prstDash val="solid"/>
+                      <a:round/>
+                      <a:headEnd type="none" w="med" len="med"/>
+                      <a:tailEnd type="none" w="med" len="med"/>
+                    </a:lnL>
+                    <a:lnR w="12700" cap="flat" cmpd="sng" algn="ctr">
+                      <a:solidFill>
+                        <a:schemeClr val="tx1"/>
+                      </a:solidFill>
+                      <a:prstDash val="solid"/>
+                      <a:round/>
+                      <a:headEnd type="none" w="med" len="med"/>
+                      <a:tailEnd type="none" w="med" len="med"/>
+                    </a:lnR>
+                    <a:lnT w="12700" cap="flat" cmpd="sng" algn="ctr">
+                      <a:solidFill>
+                        <a:schemeClr val="tx1"/>
+                      </a:solidFill>
+                      <a:prstDash val="solid"/>
+                      <a:round/>
+                      <a:headEnd type="none" w="med" len="med"/>
+                      <a:tailEnd type="none" w="med" len="med"/>
+                    </a:lnT>
+                    <a:lnB w="12700" cap="flat" cmpd="sng" algn="ctr">
+                      <a:solidFill>
+                        <a:schemeClr val="tx1"/>
+                      </a:solidFill>
+                      <a:prstDash val="solid"/>
+                      <a:round/>
+                      <a:headEnd type="none" w="med" len="med"/>
+                      <a:tailEnd type="none" w="med" len="med"/>
+                    </a:lnB>
+                    <a:noFill/>
+                  </a:tcPr>
+                </a:tc>
+                <a:extLst>
+                  <a:ext uri="{0D108BD9-81ED-4DB2-BD59-A6C34878D82A}">
+                    <a16:rowId xmlns:a16="http://schemas.microsoft.com/office/drawing/2014/main" val="3340331563"/>
+                  </a:ext>
+                </a:extLst>
+              </a:tr>
+              <a:tr h="547070">
+                <a:tc>
+                  <a:txBody>
+                    <a:bodyPr/>
+                    <a:lstStyle/>
+                    <a:p>
+                      <a:r>
+                        <a:rPr lang="cs-CZ" sz="3200" dirty="0"/>
+                        <a:t>Jana</a:t>
+                      </a:r>
+                    </a:p>
+                  </a:txBody>
+                  <a:tcPr>
+                    <a:lnL w="12700" cap="flat" cmpd="sng" algn="ctr">
+                      <a:solidFill>
+                        <a:schemeClr val="tx1"/>
+                      </a:solidFill>
+                      <a:prstDash val="solid"/>
+                      <a:round/>
+                      <a:headEnd type="none" w="med" len="med"/>
+                      <a:tailEnd type="none" w="med" len="med"/>
+                    </a:lnL>
+                    <a:lnR w="12700" cap="flat" cmpd="sng" algn="ctr">
+                      <a:solidFill>
+                        <a:schemeClr val="tx1"/>
+                      </a:solidFill>
+                      <a:prstDash val="solid"/>
+                      <a:round/>
+                      <a:headEnd type="none" w="med" len="med"/>
+                      <a:tailEnd type="none" w="med" len="med"/>
+                    </a:lnR>
+                    <a:lnT w="12700" cap="flat" cmpd="sng" algn="ctr">
+                      <a:solidFill>
+                        <a:schemeClr val="tx1"/>
+                      </a:solidFill>
+                      <a:prstDash val="solid"/>
+                      <a:round/>
+                      <a:headEnd type="none" w="med" len="med"/>
+                      <a:tailEnd type="none" w="med" len="med"/>
+                    </a:lnT>
+                    <a:lnB w="12700" cap="flat" cmpd="sng" algn="ctr">
+                      <a:solidFill>
+                        <a:schemeClr val="tx1"/>
+                      </a:solidFill>
+                      <a:prstDash val="solid"/>
+                      <a:round/>
+                      <a:headEnd type="none" w="med" len="med"/>
+                      <a:tailEnd type="none" w="med" len="med"/>
+                    </a:lnB>
+                    <a:noFill/>
+                  </a:tcPr>
+                </a:tc>
+                <a:tc>
+                  <a:txBody>
+                    <a:bodyPr/>
+                    <a:lstStyle/>
+                    <a:p>
+                      <a:r>
+                        <a:rPr lang="cs-CZ" sz="3200" dirty="0"/>
+                        <a:t>44</a:t>
+                      </a:r>
+                    </a:p>
+                  </a:txBody>
+                  <a:tcPr>
+                    <a:lnL w="12700" cap="flat" cmpd="sng" algn="ctr">
+                      <a:solidFill>
+                        <a:schemeClr val="tx1"/>
+                      </a:solidFill>
+                      <a:prstDash val="solid"/>
+                      <a:round/>
+                      <a:headEnd type="none" w="med" len="med"/>
+                      <a:tailEnd type="none" w="med" len="med"/>
+                    </a:lnL>
+                    <a:lnR w="12700" cap="flat" cmpd="sng" algn="ctr">
+                      <a:solidFill>
+                        <a:schemeClr val="tx1"/>
+                      </a:solidFill>
+                      <a:prstDash val="solid"/>
+                      <a:round/>
+                      <a:headEnd type="none" w="med" len="med"/>
+                      <a:tailEnd type="none" w="med" len="med"/>
+                    </a:lnR>
+                    <a:lnT w="12700" cap="flat" cmpd="sng" algn="ctr">
+                      <a:solidFill>
+                        <a:schemeClr val="tx1"/>
+                      </a:solidFill>
+                      <a:prstDash val="solid"/>
+                      <a:round/>
+                      <a:headEnd type="none" w="med" len="med"/>
+                      <a:tailEnd type="none" w="med" len="med"/>
+                    </a:lnT>
+                    <a:lnB w="12700" cap="flat" cmpd="sng" algn="ctr">
+                      <a:solidFill>
+                        <a:schemeClr val="tx1"/>
+                      </a:solidFill>
+                      <a:prstDash val="solid"/>
+                      <a:round/>
+                      <a:headEnd type="none" w="med" len="med"/>
+                      <a:tailEnd type="none" w="med" len="med"/>
+                    </a:lnB>
+                    <a:noFill/>
+                  </a:tcPr>
+                </a:tc>
+                <a:tc>
+                  <a:txBody>
+                    <a:bodyPr/>
+                    <a:lstStyle/>
+                    <a:p>
+                      <a:r>
+                        <a:rPr lang="cs-CZ" sz="3200" dirty="0"/>
+                        <a:t>187</a:t>
+                      </a:r>
+                    </a:p>
+                  </a:txBody>
+                  <a:tcPr>
+                    <a:lnL w="12700" cap="flat" cmpd="sng" algn="ctr">
+                      <a:solidFill>
+                        <a:schemeClr val="tx1"/>
+                      </a:solidFill>
+                      <a:prstDash val="solid"/>
+                      <a:round/>
+                      <a:headEnd type="none" w="med" len="med"/>
+                      <a:tailEnd type="none" w="med" len="med"/>
+                    </a:lnL>
+                    <a:lnR w="12700" cap="flat" cmpd="sng" algn="ctr">
+                      <a:solidFill>
+                        <a:schemeClr val="tx1"/>
+                      </a:solidFill>
+                      <a:prstDash val="solid"/>
+                      <a:round/>
+                      <a:headEnd type="none" w="med" len="med"/>
+                      <a:tailEnd type="none" w="med" len="med"/>
+                    </a:lnR>
+                    <a:lnT w="12700" cap="flat" cmpd="sng" algn="ctr">
+                      <a:solidFill>
+                        <a:schemeClr val="tx1"/>
+                      </a:solidFill>
+                      <a:prstDash val="solid"/>
+                      <a:round/>
+                      <a:headEnd type="none" w="med" len="med"/>
+                      <a:tailEnd type="none" w="med" len="med"/>
+                    </a:lnT>
+                    <a:lnB w="12700" cap="flat" cmpd="sng" algn="ctr">
+                      <a:solidFill>
+                        <a:schemeClr val="tx1"/>
+                      </a:solidFill>
+                      <a:prstDash val="solid"/>
+                      <a:round/>
+                      <a:headEnd type="none" w="med" len="med"/>
+                      <a:tailEnd type="none" w="med" len="med"/>
+                    </a:lnB>
+                    <a:noFill/>
+                  </a:tcPr>
+                </a:tc>
+                <a:tc>
+                  <a:txBody>
+                    <a:bodyPr/>
+                    <a:lstStyle/>
+                    <a:p>
+                      <a:r>
+                        <a:rPr lang="cs-CZ" sz="3200" dirty="0"/>
+                        <a:t>Soudce</a:t>
+                      </a:r>
+                    </a:p>
+                  </a:txBody>
+                  <a:tcPr>
+                    <a:lnL w="12700" cap="flat" cmpd="sng" algn="ctr">
+                      <a:solidFill>
+                        <a:schemeClr val="tx1"/>
+                      </a:solidFill>
+                      <a:prstDash val="solid"/>
+                      <a:round/>
+                      <a:headEnd type="none" w="med" len="med"/>
+                      <a:tailEnd type="none" w="med" len="med"/>
+                    </a:lnL>
+                    <a:lnR w="12700" cap="flat" cmpd="sng" algn="ctr">
+                      <a:solidFill>
+                        <a:schemeClr val="tx1"/>
+                      </a:solidFill>
+                      <a:prstDash val="solid"/>
+                      <a:round/>
+                      <a:headEnd type="none" w="med" len="med"/>
+                      <a:tailEnd type="none" w="med" len="med"/>
+                    </a:lnR>
+                    <a:lnT w="12700" cap="flat" cmpd="sng" algn="ctr">
+                      <a:solidFill>
+                        <a:schemeClr val="tx1"/>
+                      </a:solidFill>
+                      <a:prstDash val="solid"/>
+                      <a:round/>
+                      <a:headEnd type="none" w="med" len="med"/>
+                      <a:tailEnd type="none" w="med" len="med"/>
+                    </a:lnT>
+                    <a:lnB w="12700" cap="flat" cmpd="sng" algn="ctr">
+                      <a:solidFill>
+                        <a:schemeClr val="tx1"/>
+                      </a:solidFill>
+                      <a:prstDash val="solid"/>
+                      <a:round/>
+                      <a:headEnd type="none" w="med" len="med"/>
+                      <a:tailEnd type="none" w="med" len="med"/>
+                    </a:lnB>
+                    <a:noFill/>
+                  </a:tcPr>
+                </a:tc>
+                <a:extLst>
+                  <a:ext uri="{0D108BD9-81ED-4DB2-BD59-A6C34878D82A}">
+                    <a16:rowId xmlns:a16="http://schemas.microsoft.com/office/drawing/2014/main" val="439716626"/>
+                  </a:ext>
+                </a:extLst>
+              </a:tr>
+              <a:tr h="547070">
+                <a:tc>
+                  <a:txBody>
+                    <a:bodyPr/>
+                    <a:lstStyle/>
+                    <a:p>
+                      <a:r>
+                        <a:rPr lang="cs-CZ" sz="3200" dirty="0"/>
+                        <a:t>Pavel</a:t>
+                      </a:r>
+                    </a:p>
+                  </a:txBody>
+                  <a:tcPr>
+                    <a:lnL w="12700" cap="flat" cmpd="sng" algn="ctr">
+                      <a:solidFill>
+                        <a:schemeClr val="tx1"/>
+                      </a:solidFill>
+                      <a:prstDash val="solid"/>
+                      <a:round/>
+                      <a:headEnd type="none" w="med" len="med"/>
+                      <a:tailEnd type="none" w="med" len="med"/>
+                    </a:lnL>
+                    <a:lnR w="12700" cap="flat" cmpd="sng" algn="ctr">
+                      <a:solidFill>
+                        <a:schemeClr val="tx1"/>
+                      </a:solidFill>
+                      <a:prstDash val="solid"/>
+                      <a:round/>
+                      <a:headEnd type="none" w="med" len="med"/>
+                      <a:tailEnd type="none" w="med" len="med"/>
+                    </a:lnR>
+                    <a:lnT w="12700" cap="flat" cmpd="sng" algn="ctr">
+                      <a:solidFill>
+                        <a:schemeClr val="tx1"/>
+                      </a:solidFill>
+                      <a:prstDash val="solid"/>
+                      <a:round/>
+                      <a:headEnd type="none" w="med" len="med"/>
+                      <a:tailEnd type="none" w="med" len="med"/>
+                    </a:lnT>
+                    <a:lnB w="12700" cap="flat" cmpd="sng" algn="ctr">
+                      <a:solidFill>
+                        <a:schemeClr val="tx1"/>
+                      </a:solidFill>
+                      <a:prstDash val="solid"/>
+                      <a:round/>
+                      <a:headEnd type="none" w="med" len="med"/>
+                      <a:tailEnd type="none" w="med" len="med"/>
+                    </a:lnB>
+                    <a:noFill/>
+                  </a:tcPr>
+                </a:tc>
+                <a:tc>
+                  <a:txBody>
+                    <a:bodyPr/>
+                    <a:lstStyle/>
+                    <a:p>
+                      <a:r>
+                        <a:rPr lang="cs-CZ" sz="3200" dirty="0"/>
+                        <a:t>36</a:t>
+                      </a:r>
+                    </a:p>
+                  </a:txBody>
+                  <a:tcPr>
+                    <a:lnL w="12700" cap="flat" cmpd="sng" algn="ctr">
+                      <a:solidFill>
+                        <a:schemeClr val="tx1"/>
+                      </a:solidFill>
+                      <a:prstDash val="solid"/>
+                      <a:round/>
+                      <a:headEnd type="none" w="med" len="med"/>
+                      <a:tailEnd type="none" w="med" len="med"/>
+                    </a:lnL>
+                    <a:lnR w="12700" cap="flat" cmpd="sng" algn="ctr">
+                      <a:solidFill>
+                        <a:schemeClr val="tx1"/>
+                      </a:solidFill>
+                      <a:prstDash val="solid"/>
+                      <a:round/>
+                      <a:headEnd type="none" w="med" len="med"/>
+                      <a:tailEnd type="none" w="med" len="med"/>
+                    </a:lnR>
+                    <a:lnT w="12700" cap="flat" cmpd="sng" algn="ctr">
+                      <a:solidFill>
+                        <a:schemeClr val="tx1"/>
+                      </a:solidFill>
+                      <a:prstDash val="solid"/>
+                      <a:round/>
+                      <a:headEnd type="none" w="med" len="med"/>
+                      <a:tailEnd type="none" w="med" len="med"/>
+                    </a:lnT>
+                    <a:lnB w="12700" cap="flat" cmpd="sng" algn="ctr">
+                      <a:solidFill>
+                        <a:schemeClr val="tx1"/>
+                      </a:solidFill>
+                      <a:prstDash val="solid"/>
+                      <a:round/>
+                      <a:headEnd type="none" w="med" len="med"/>
+                      <a:tailEnd type="none" w="med" len="med"/>
+                    </a:lnB>
+                    <a:noFill/>
+                  </a:tcPr>
+                </a:tc>
+                <a:tc>
+                  <a:txBody>
+                    <a:bodyPr/>
+                    <a:lstStyle/>
+                    <a:p>
+                      <a:r>
+                        <a:rPr lang="cs-CZ" sz="3200" dirty="0"/>
+                        <a:t>192</a:t>
+                      </a:r>
+                    </a:p>
+                  </a:txBody>
+                  <a:tcPr>
+                    <a:lnL w="12700" cap="flat" cmpd="sng" algn="ctr">
+                      <a:solidFill>
+                        <a:schemeClr val="tx1"/>
+                      </a:solidFill>
+                      <a:prstDash val="solid"/>
+                      <a:round/>
+                      <a:headEnd type="none" w="med" len="med"/>
+                      <a:tailEnd type="none" w="med" len="med"/>
+                    </a:lnL>
+                    <a:lnR w="12700" cap="flat" cmpd="sng" algn="ctr">
+                      <a:solidFill>
+                        <a:schemeClr val="tx1"/>
+                      </a:solidFill>
+                      <a:prstDash val="solid"/>
+                      <a:round/>
+                      <a:headEnd type="none" w="med" len="med"/>
+                      <a:tailEnd type="none" w="med" len="med"/>
+                    </a:lnR>
+                    <a:lnT w="12700" cap="flat" cmpd="sng" algn="ctr">
+                      <a:solidFill>
+                        <a:schemeClr val="tx1"/>
+                      </a:solidFill>
+                      <a:prstDash val="solid"/>
+                      <a:round/>
+                      <a:headEnd type="none" w="med" len="med"/>
+                      <a:tailEnd type="none" w="med" len="med"/>
+                    </a:lnT>
+                    <a:lnB w="12700" cap="flat" cmpd="sng" algn="ctr">
+                      <a:solidFill>
+                        <a:schemeClr val="tx1"/>
+                      </a:solidFill>
+                      <a:prstDash val="solid"/>
+                      <a:round/>
+                      <a:headEnd type="none" w="med" len="med"/>
+                      <a:tailEnd type="none" w="med" len="med"/>
+                    </a:lnB>
+                    <a:noFill/>
+                  </a:tcPr>
+                </a:tc>
+                <a:tc>
+                  <a:txBody>
+                    <a:bodyPr/>
+                    <a:lstStyle/>
+                    <a:p>
+                      <a:r>
+                        <a:rPr lang="cs-CZ" sz="3200" dirty="0"/>
+                        <a:t>Kadeřník</a:t>
+                      </a:r>
+                    </a:p>
+                  </a:txBody>
+                  <a:tcPr>
+                    <a:lnL w="12700" cap="flat" cmpd="sng" algn="ctr">
+                      <a:solidFill>
+                        <a:schemeClr val="tx1"/>
+                      </a:solidFill>
+                      <a:prstDash val="solid"/>
+                      <a:round/>
+                      <a:headEnd type="none" w="med" len="med"/>
+                      <a:tailEnd type="none" w="med" len="med"/>
+                    </a:lnL>
+                    <a:lnR w="12700" cap="flat" cmpd="sng" algn="ctr">
+                      <a:solidFill>
+                        <a:schemeClr val="tx1"/>
+                      </a:solidFill>
+                      <a:prstDash val="solid"/>
+                      <a:round/>
+                      <a:headEnd type="none" w="med" len="med"/>
+                      <a:tailEnd type="none" w="med" len="med"/>
+                    </a:lnR>
+                    <a:lnT w="12700" cap="flat" cmpd="sng" algn="ctr">
+                      <a:solidFill>
+                        <a:schemeClr val="tx1"/>
+                      </a:solidFill>
+                      <a:prstDash val="solid"/>
+                      <a:round/>
+                      <a:headEnd type="none" w="med" len="med"/>
+                      <a:tailEnd type="none" w="med" len="med"/>
+                    </a:lnT>
+                    <a:lnB w="12700" cap="flat" cmpd="sng" algn="ctr">
+                      <a:solidFill>
+                        <a:schemeClr val="tx1"/>
+                      </a:solidFill>
+                      <a:prstDash val="solid"/>
+                      <a:round/>
+                      <a:headEnd type="none" w="med" len="med"/>
+                      <a:tailEnd type="none" w="med" len="med"/>
+                    </a:lnB>
+                    <a:noFill/>
+                  </a:tcPr>
+                </a:tc>
+                <a:extLst>
+                  <a:ext uri="{0D108BD9-81ED-4DB2-BD59-A6C34878D82A}">
+                    <a16:rowId xmlns:a16="http://schemas.microsoft.com/office/drawing/2014/main" val="445395563"/>
+                  </a:ext>
+                </a:extLst>
+              </a:tr>
+            </a:tbl>
+          </a:graphicData>
+        </a:graphic>
+      </p:graphicFrame>
     </p:spTree>
     <p:extLst>
       <p:ext uri="{BB962C8B-B14F-4D97-AF65-F5344CB8AC3E}">
@@ -4808,10 +5808,10 @@
       </p:grpSpPr>
       <p:sp>
         <p:nvSpPr>
-          <p:cNvPr id="2" name="Obdélník: se zakulacenými rohy 1">
+          <p:cNvPr id="9" name="Obdélník: se zakulacenými rohy 8">
             <a:extLst>
               <a:ext uri="{FF2B5EF4-FFF2-40B4-BE49-F238E27FC236}">
-                <a16:creationId xmlns:a16="http://schemas.microsoft.com/office/drawing/2014/main" id="{DFC3F6E0-673A-7043-2B70-5A06B0767492}"/>
+                <a16:creationId xmlns:a16="http://schemas.microsoft.com/office/drawing/2014/main" id="{5A5BD98C-9D9E-828C-9B69-075AB7F70665}"/>
               </a:ext>
             </a:extLst>
           </p:cNvPr>
@@ -4820,8 +5820,8 @@
         </p:nvSpPr>
         <p:spPr>
           <a:xfrm>
-            <a:off x="7230168" y="-428625"/>
-            <a:ext cx="4876800" cy="4152900"/>
+            <a:off x="218380" y="257175"/>
+            <a:ext cx="6268146" cy="5572125"/>
           </a:xfrm>
           <a:prstGeom prst="roundRect">
             <a:avLst>
@@ -4872,12 +5872,326 @@
           </a:p>
         </p:txBody>
       </p:sp>
+      <p:sp>
+        <p:nvSpPr>
+          <p:cNvPr id="10" name="TextovéPole 9">
+            <a:extLst>
+              <a:ext uri="{FF2B5EF4-FFF2-40B4-BE49-F238E27FC236}">
+                <a16:creationId xmlns:a16="http://schemas.microsoft.com/office/drawing/2014/main" id="{024E38A6-3333-A164-5D42-79BA1BC3147C}"/>
+              </a:ext>
+            </a:extLst>
+          </p:cNvPr>
+          <p:cNvSpPr txBox="1"/>
+          <p:nvPr/>
+        </p:nvSpPr>
+        <p:spPr>
+          <a:xfrm>
+            <a:off x="461616" y="429251"/>
+            <a:ext cx="5781674" cy="1446550"/>
+          </a:xfrm>
+          <a:prstGeom prst="rect">
+            <a:avLst/>
+          </a:prstGeom>
+          <a:noFill/>
+        </p:spPr>
+        <p:txBody>
+          <a:bodyPr wrap="square" rtlCol="0">
+            <a:spAutoFit/>
+          </a:bodyPr>
+          <a:lstStyle/>
+          <a:p>
+            <a:r>
+              <a:rPr lang="cs-CZ" sz="3200" dirty="0">
+                <a:solidFill>
+                  <a:schemeClr val="bg2">
+                    <a:lumMod val="25000"/>
+                  </a:schemeClr>
+                </a:solidFill>
+              </a:rPr>
+              <a:t>Semi-</a:t>
+            </a:r>
+            <a:r>
+              <a:rPr lang="cs-CZ" sz="3200" dirty="0" err="1">
+                <a:solidFill>
+                  <a:schemeClr val="bg2">
+                    <a:lumMod val="25000"/>
+                  </a:schemeClr>
+                </a:solidFill>
+              </a:rPr>
+              <a:t>tructured</a:t>
+            </a:r>
+            <a:endParaRPr lang="cs-CZ" sz="3200" dirty="0">
+              <a:solidFill>
+                <a:schemeClr val="bg2">
+                  <a:lumMod val="25000"/>
+                </a:schemeClr>
+              </a:solidFill>
+            </a:endParaRPr>
+          </a:p>
+          <a:p>
+            <a:r>
+              <a:rPr lang="cs-CZ" sz="2800" dirty="0">
+                <a:solidFill>
+                  <a:schemeClr val="bg2">
+                    <a:lumMod val="25000"/>
+                  </a:schemeClr>
+                </a:solidFill>
+              </a:rPr>
+              <a:t>Nemají přesně definovanou strukturu, každý objekt může mít jiné proměnné</a:t>
+            </a:r>
+          </a:p>
+        </p:txBody>
+      </p:sp>
+      <p:pic>
+        <p:nvPicPr>
+          <p:cNvPr id="12" name="Obrázek 11">
+            <a:extLst>
+              <a:ext uri="{FF2B5EF4-FFF2-40B4-BE49-F238E27FC236}">
+                <a16:creationId xmlns:a16="http://schemas.microsoft.com/office/drawing/2014/main" id="{DC49B05F-6371-CEA7-A142-B1DE35EDC324}"/>
+              </a:ext>
+            </a:extLst>
+          </p:cNvPr>
+          <p:cNvPicPr>
+            <a:picLocks noChangeAspect="1"/>
+          </p:cNvPicPr>
+          <p:nvPr/>
+        </p:nvPicPr>
+        <p:blipFill>
+          <a:blip r:embed="rId3"/>
+          <a:stretch>
+            <a:fillRect/>
+          </a:stretch>
+        </p:blipFill>
+        <p:spPr>
+          <a:xfrm>
+            <a:off x="797262" y="1875801"/>
+            <a:ext cx="4786531" cy="3666279"/>
+          </a:xfrm>
+          <a:prstGeom prst="rect">
+            <a:avLst/>
+          </a:prstGeom>
+        </p:spPr>
+      </p:pic>
+      <p:sp>
+        <p:nvSpPr>
+          <p:cNvPr id="13" name="Obdélník: se zakulacenými rohy 12">
+            <a:extLst>
+              <a:ext uri="{FF2B5EF4-FFF2-40B4-BE49-F238E27FC236}">
+                <a16:creationId xmlns:a16="http://schemas.microsoft.com/office/drawing/2014/main" id="{5FC1BFED-D9A3-18CA-5ED5-59F9F130937D}"/>
+              </a:ext>
+            </a:extLst>
+          </p:cNvPr>
+          <p:cNvSpPr/>
+          <p:nvPr/>
+        </p:nvSpPr>
+        <p:spPr>
+          <a:xfrm>
+            <a:off x="6822172" y="647701"/>
+            <a:ext cx="5281962" cy="4676774"/>
+          </a:xfrm>
+          <a:prstGeom prst="roundRect">
+            <a:avLst>
+              <a:gd name="adj" fmla="val 4378"/>
+            </a:avLst>
+          </a:prstGeom>
+          <a:solidFill>
+            <a:srgbClr val="FFFFFF">
+              <a:alpha val="60000"/>
+            </a:srgbClr>
+          </a:solidFill>
+          <a:ln>
+            <a:solidFill>
+              <a:srgbClr val="EAEAEA"/>
+            </a:solidFill>
+          </a:ln>
+          <a:effectLst>
+            <a:outerShdw blurRad="50800" dist="38100" dir="2700000" algn="tl" rotWithShape="0">
+              <a:prstClr val="black">
+                <a:alpha val="40000"/>
+              </a:prstClr>
+            </a:outerShdw>
+            <a:softEdge rad="12700"/>
+          </a:effectLst>
+        </p:spPr>
+        <p:style>
+          <a:lnRef idx="2">
+            <a:schemeClr val="accent1">
+              <a:shade val="50000"/>
+            </a:schemeClr>
+          </a:lnRef>
+          <a:fillRef idx="1">
+            <a:schemeClr val="accent1"/>
+          </a:fillRef>
+          <a:effectRef idx="0">
+            <a:schemeClr val="accent1"/>
+          </a:effectRef>
+          <a:fontRef idx="minor">
+            <a:schemeClr val="lt1"/>
+          </a:fontRef>
+        </p:style>
+        <p:txBody>
+          <a:bodyPr rtlCol="0" anchor="ctr"/>
+          <a:lstStyle/>
+          <a:p>
+            <a:pPr algn="ctr"/>
+            <a:endParaRPr lang="cs-CZ" dirty="0"/>
+          </a:p>
+        </p:txBody>
+      </p:sp>
+      <p:sp>
+        <p:nvSpPr>
+          <p:cNvPr id="14" name="TextovéPole 13">
+            <a:extLst>
+              <a:ext uri="{FF2B5EF4-FFF2-40B4-BE49-F238E27FC236}">
+                <a16:creationId xmlns:a16="http://schemas.microsoft.com/office/drawing/2014/main" id="{53A73515-1A52-EDCA-651B-C84504377EB3}"/>
+              </a:ext>
+            </a:extLst>
+          </p:cNvPr>
+          <p:cNvSpPr txBox="1"/>
+          <p:nvPr/>
+        </p:nvSpPr>
+        <p:spPr>
+          <a:xfrm>
+            <a:off x="7057020" y="1067427"/>
+            <a:ext cx="4812266" cy="1446550"/>
+          </a:xfrm>
+          <a:prstGeom prst="rect">
+            <a:avLst/>
+          </a:prstGeom>
+          <a:noFill/>
+        </p:spPr>
+        <p:txBody>
+          <a:bodyPr wrap="square" rtlCol="0">
+            <a:spAutoFit/>
+          </a:bodyPr>
+          <a:lstStyle/>
+          <a:p>
+            <a:r>
+              <a:rPr lang="cs-CZ" sz="3200" dirty="0" err="1">
+                <a:solidFill>
+                  <a:schemeClr val="bg2">
+                    <a:lumMod val="25000"/>
+                  </a:schemeClr>
+                </a:solidFill>
+              </a:rPr>
+              <a:t>Unstructured</a:t>
+            </a:r>
+            <a:endParaRPr lang="cs-CZ" sz="3200" dirty="0">
+              <a:solidFill>
+                <a:schemeClr val="bg2">
+                  <a:lumMod val="25000"/>
+                </a:schemeClr>
+              </a:solidFill>
+            </a:endParaRPr>
+          </a:p>
+          <a:p>
+            <a:r>
+              <a:rPr lang="cs-CZ" sz="2800" dirty="0">
+                <a:solidFill>
+                  <a:schemeClr val="bg2">
+                    <a:lumMod val="25000"/>
+                  </a:schemeClr>
+                </a:solidFill>
+              </a:rPr>
+              <a:t>Bez struktury. Může být text, audio, video</a:t>
+            </a:r>
+          </a:p>
+        </p:txBody>
+      </p:sp>
+      <p:sp>
+        <p:nvSpPr>
+          <p:cNvPr id="15" name="TextovéPole 14">
+            <a:extLst>
+              <a:ext uri="{FF2B5EF4-FFF2-40B4-BE49-F238E27FC236}">
+                <a16:creationId xmlns:a16="http://schemas.microsoft.com/office/drawing/2014/main" id="{7E25F543-1714-2C56-5016-57AC42B3CB4C}"/>
+              </a:ext>
+            </a:extLst>
+          </p:cNvPr>
+          <p:cNvSpPr txBox="1"/>
+          <p:nvPr/>
+        </p:nvSpPr>
+        <p:spPr>
+          <a:xfrm>
+            <a:off x="7219950" y="3152775"/>
+            <a:ext cx="4649336" cy="1815882"/>
+          </a:xfrm>
+          <a:prstGeom prst="rect">
+            <a:avLst/>
+          </a:prstGeom>
+          <a:noFill/>
+        </p:spPr>
+        <p:txBody>
+          <a:bodyPr wrap="square" rtlCol="0">
+            <a:spAutoFit/>
+          </a:bodyPr>
+          <a:lstStyle/>
+          <a:p>
+            <a:r>
+              <a:rPr lang="cs-CZ" sz="2800" i="1" dirty="0">
+                <a:solidFill>
+                  <a:schemeClr val="bg2">
+                    <a:lumMod val="25000"/>
+                  </a:schemeClr>
+                </a:solidFill>
+              </a:rPr>
+              <a:t>„Bobovi je 19 let, mezi jeho koníčky patří plavání a soutěže v pojídání okurek. Zatímco Lolkovi je 22 a měří 231 cm.“</a:t>
+            </a:r>
+          </a:p>
+        </p:txBody>
+      </p:sp>
+    </p:spTree>
+    <p:extLst>
+      <p:ext uri="{BB962C8B-B14F-4D97-AF65-F5344CB8AC3E}">
+        <p14:creationId xmlns:p14="http://schemas.microsoft.com/office/powerpoint/2010/main" val="3248069928"/>
+      </p:ext>
+    </p:extLst>
+  </p:cSld>
+  <p:clrMapOvr>
+    <a:masterClrMapping/>
+  </p:clrMapOvr>
+  <p:transition spd="slow">
+    <p:push dir="u"/>
+  </p:transition>
+</p:sld>
+</file>
+
+<file path=ppt/slides/slide7.xml><?xml version="1.0" encoding="utf-8"?>
+<p:sld xmlns:a="http://schemas.openxmlformats.org/drawingml/2006/main" xmlns:r="http://schemas.openxmlformats.org/officeDocument/2006/relationships" xmlns:p="http://schemas.openxmlformats.org/presentationml/2006/main">
+  <p:cSld>
+    <p:bg>
+      <p:bgPr>
+        <a:blipFill dpi="0" rotWithShape="1">
+          <a:blip r:embed="rId2">
+            <a:lum/>
+          </a:blip>
+          <a:srcRect/>
+          <a:stretch>
+            <a:fillRect/>
+          </a:stretch>
+        </a:blipFill>
+        <a:effectLst/>
+      </p:bgPr>
+    </p:bg>
+    <p:spTree>
+      <p:nvGrpSpPr>
+        <p:cNvPr id="1" name=""/>
+        <p:cNvGrpSpPr/>
+        <p:nvPr/>
+      </p:nvGrpSpPr>
+      <p:grpSpPr>
+        <a:xfrm>
+          <a:off x="0" y="0"/>
+          <a:ext cx="0" cy="0"/>
+          <a:chOff x="0" y="0"/>
+          <a:chExt cx="0" cy="0"/>
+        </a:xfrm>
+      </p:grpSpPr>
       <p:grpSp>
         <p:nvGrpSpPr>
-          <p:cNvPr id="3" name="Skupina 2">
+          <p:cNvPr id="2" name="Skupina 1">
             <a:extLst>
               <a:ext uri="{FF2B5EF4-FFF2-40B4-BE49-F238E27FC236}">
-                <a16:creationId xmlns:a16="http://schemas.microsoft.com/office/drawing/2014/main" id="{D784FA15-5363-6DD2-7B30-881502B3FE32}"/>
+                <a16:creationId xmlns:a16="http://schemas.microsoft.com/office/drawing/2014/main" id="{B00D79AC-AF91-40B5-D82B-A845D42DDF37}"/>
               </a:ext>
             </a:extLst>
           </p:cNvPr>
@@ -4886,18 +6200,18 @@
         </p:nvGrpSpPr>
         <p:grpSpPr>
           <a:xfrm>
-            <a:off x="333376" y="971549"/>
-            <a:ext cx="6686550" cy="1614993"/>
+            <a:off x="657225" y="1138618"/>
+            <a:ext cx="4827230" cy="2290382"/>
             <a:chOff x="-3626629" y="1189687"/>
             <a:chExt cx="3063891" cy="8708658"/>
           </a:xfrm>
         </p:grpSpPr>
         <p:sp>
           <p:nvSpPr>
-            <p:cNvPr id="4" name="Obdélník: se zakulacenými rohy 3">
+            <p:cNvPr id="3" name="Obdélník: se zakulacenými rohy 2">
               <a:extLst>
                 <a:ext uri="{FF2B5EF4-FFF2-40B4-BE49-F238E27FC236}">
-                  <a16:creationId xmlns:a16="http://schemas.microsoft.com/office/drawing/2014/main" id="{7AAD62A0-9D00-C9AA-7899-FBE13C7B5514}"/>
+                  <a16:creationId xmlns:a16="http://schemas.microsoft.com/office/drawing/2014/main" id="{2DEE0B6D-EB78-DCB3-19C8-E9BF4A1BDCEE}"/>
                 </a:ext>
               </a:extLst>
             </p:cNvPr>
@@ -4960,10 +6274,10 @@
         </p:sp>
         <p:sp>
           <p:nvSpPr>
-            <p:cNvPr id="5" name="TextovéPole 4">
+            <p:cNvPr id="4" name="TextovéPole 3">
               <a:extLst>
                 <a:ext uri="{FF2B5EF4-FFF2-40B4-BE49-F238E27FC236}">
-                  <a16:creationId xmlns:a16="http://schemas.microsoft.com/office/drawing/2014/main" id="{CD5932D5-E877-794B-DF86-856E61504A61}"/>
+                  <a16:creationId xmlns:a16="http://schemas.microsoft.com/office/drawing/2014/main" id="{6FC196BC-E4E7-5183-2669-3013C2C93199}"/>
                 </a:ext>
               </a:extLst>
             </p:cNvPr>
@@ -5014,10 +6328,10 @@
       </p:grpSp>
       <p:grpSp>
         <p:nvGrpSpPr>
-          <p:cNvPr id="6" name="Skupina 5">
+          <p:cNvPr id="5" name="Skupina 4">
             <a:extLst>
               <a:ext uri="{FF2B5EF4-FFF2-40B4-BE49-F238E27FC236}">
-                <a16:creationId xmlns:a16="http://schemas.microsoft.com/office/drawing/2014/main" id="{C4CBBCE7-CADD-EBFC-5C8D-42D9E4DB3083}"/>
+                <a16:creationId xmlns:a16="http://schemas.microsoft.com/office/drawing/2014/main" id="{9835852A-6C35-6BDA-FCBB-9EDD1C958425}"/>
               </a:ext>
             </a:extLst>
           </p:cNvPr>
@@ -5026,7 +6340,7 @@
         </p:nvGrpSpPr>
         <p:grpSpPr>
           <a:xfrm>
-            <a:off x="4657726" y="4714874"/>
+            <a:off x="5619751" y="5038724"/>
             <a:ext cx="6238874" cy="1171577"/>
             <a:chOff x="-3626629" y="1189687"/>
             <a:chExt cx="3063891" cy="8708658"/>
@@ -5034,10 +6348,10 @@
         </p:grpSpPr>
         <p:sp>
           <p:nvSpPr>
-            <p:cNvPr id="7" name="Obdélník: se zakulacenými rohy 6">
+            <p:cNvPr id="6" name="Obdélník: se zakulacenými rohy 5">
               <a:extLst>
                 <a:ext uri="{FF2B5EF4-FFF2-40B4-BE49-F238E27FC236}">
-                  <a16:creationId xmlns:a16="http://schemas.microsoft.com/office/drawing/2014/main" id="{FEF7E6FB-28D6-CE26-F086-88AA62920E73}"/>
+                  <a16:creationId xmlns:a16="http://schemas.microsoft.com/office/drawing/2014/main" id="{868DC17E-3984-ACBB-EDA6-C3CA2E3CFFA3}"/>
                 </a:ext>
               </a:extLst>
             </p:cNvPr>
@@ -5100,10 +6414,10 @@
         </p:sp>
         <p:sp>
           <p:nvSpPr>
-            <p:cNvPr id="8" name="TextovéPole 7">
+            <p:cNvPr id="7" name="TextovéPole 6">
               <a:extLst>
                 <a:ext uri="{FF2B5EF4-FFF2-40B4-BE49-F238E27FC236}">
-                  <a16:creationId xmlns:a16="http://schemas.microsoft.com/office/drawing/2014/main" id="{A425EE5E-42AA-0338-7150-BD284749B028}"/>
+                  <a16:creationId xmlns:a16="http://schemas.microsoft.com/office/drawing/2014/main" id="{71D9989E-7F05-1A73-D228-AF75FAD1CD39}"/>
                 </a:ext>
               </a:extLst>
             </p:cNvPr>
@@ -5152,53 +6466,6 @@
           </p:txBody>
         </p:sp>
       </p:grpSp>
-    </p:spTree>
-    <p:extLst>
-      <p:ext uri="{BB962C8B-B14F-4D97-AF65-F5344CB8AC3E}">
-        <p14:creationId xmlns:p14="http://schemas.microsoft.com/office/powerpoint/2010/main" val="3248069928"/>
-      </p:ext>
-    </p:extLst>
-  </p:cSld>
-  <p:clrMapOvr>
-    <a:masterClrMapping/>
-  </p:clrMapOvr>
-  <p:transition spd="slow">
-    <p:push dir="u"/>
-  </p:transition>
-</p:sld>
-</file>
-
-<file path=ppt/slides/slide7.xml><?xml version="1.0" encoding="utf-8"?>
-<p:sld xmlns:a="http://schemas.openxmlformats.org/drawingml/2006/main" xmlns:r="http://schemas.openxmlformats.org/officeDocument/2006/relationships" xmlns:p="http://schemas.openxmlformats.org/presentationml/2006/main">
-  <p:cSld>
-    <p:bg>
-      <p:bgPr>
-        <a:blipFill dpi="0" rotWithShape="1">
-          <a:blip r:embed="rId2">
-            <a:lum/>
-          </a:blip>
-          <a:srcRect/>
-          <a:stretch>
-            <a:fillRect/>
-          </a:stretch>
-        </a:blipFill>
-        <a:effectLst/>
-      </p:bgPr>
-    </p:bg>
-    <p:spTree>
-      <p:nvGrpSpPr>
-        <p:cNvPr id="1" name=""/>
-        <p:cNvGrpSpPr/>
-        <p:nvPr/>
-      </p:nvGrpSpPr>
-      <p:grpSpPr>
-        <a:xfrm>
-          <a:off x="0" y="0"/>
-          <a:ext cx="0" cy="0"/>
-          <a:chOff x="0" y="0"/>
-          <a:chExt cx="0" cy="0"/>
-        </a:xfrm>
-      </p:grpSpPr>
     </p:spTree>
     <p:extLst>
       <p:ext uri="{BB962C8B-B14F-4D97-AF65-F5344CB8AC3E}">

--- a/klimes.pptx
+++ b/klimes.pptx
@@ -239,7 +239,7 @@
           <a:p>
             <a:fld id="{D009DB19-4C21-440C-A727-546C40E604C7}" type="datetimeFigureOut">
               <a:rPr lang="cs-CZ" smtClean="0"/>
-              <a:t>07.01.2023</a:t>
+              <a:t>14.01.2023</a:t>
             </a:fld>
             <a:endParaRPr lang="cs-CZ"/>
           </a:p>
@@ -416,7 +416,7 @@
           <a:p>
             <a:fld id="{7F4D5948-2C73-43CB-9CA5-AB41306D9F29}" type="datetimeFigureOut">
               <a:rPr lang="cs-CZ" smtClean="0"/>
-              <a:t>07.01.2023</a:t>
+              <a:t>14.01.2023</a:t>
             </a:fld>
             <a:endParaRPr lang="cs-CZ"/>
           </a:p>
@@ -5918,7 +5918,7 @@
                   </a:schemeClr>
                 </a:solidFill>
               </a:rPr>
-              <a:t>tructured</a:t>
+              <a:t>structured</a:t>
             </a:r>
             <a:endParaRPr lang="cs-CZ" sz="3200" dirty="0">
               <a:solidFill>
@@ -6053,7 +6053,7 @@
         <p:spPr>
           <a:xfrm>
             <a:off x="7057020" y="1067427"/>
-            <a:ext cx="4812266" cy="1446550"/>
+            <a:ext cx="4812266" cy="1877437"/>
           </a:xfrm>
           <a:prstGeom prst="rect">
             <a:avLst/>
@@ -6093,7 +6093,7 @@
                   </a:schemeClr>
                 </a:solidFill>
               </a:rPr>
-              <a:t>Bez struktury. Může být text, audio, video</a:t>
+              <a:t>Bez struktury. Může být text, audio, video. Nejčastější a nejsložitější typ na zpracování.</a:t>
             </a:r>
           </a:p>
         </p:txBody>
@@ -6200,7 +6200,7 @@
         </p:nvGrpSpPr>
         <p:grpSpPr>
           <a:xfrm>
-            <a:off x="657225" y="1138618"/>
+            <a:off x="466725" y="1891093"/>
             <a:ext cx="4827230" cy="2290382"/>
             <a:chOff x="-3626629" y="1189687"/>
             <a:chExt cx="3063891" cy="8708658"/>
@@ -6513,6 +6513,386 @@
           <a:chExt cx="0" cy="0"/>
         </a:xfrm>
       </p:grpSpPr>
+      <p:grpSp>
+        <p:nvGrpSpPr>
+          <p:cNvPr id="3" name="Skupina 2">
+            <a:extLst>
+              <a:ext uri="{FF2B5EF4-FFF2-40B4-BE49-F238E27FC236}">
+                <a16:creationId xmlns:a16="http://schemas.microsoft.com/office/drawing/2014/main" id="{031A61AD-8453-47C4-10E9-8678BB4A1AD6}"/>
+              </a:ext>
+            </a:extLst>
+          </p:cNvPr>
+          <p:cNvGrpSpPr/>
+          <p:nvPr/>
+        </p:nvGrpSpPr>
+        <p:grpSpPr>
+          <a:xfrm>
+            <a:off x="352426" y="266699"/>
+            <a:ext cx="6238874" cy="1999632"/>
+            <a:chOff x="-3626629" y="1189687"/>
+            <a:chExt cx="3063891" cy="14863821"/>
+          </a:xfrm>
+        </p:grpSpPr>
+        <p:sp>
+          <p:nvSpPr>
+            <p:cNvPr id="4" name="Obdélník: se zakulacenými rohy 3">
+              <a:extLst>
+                <a:ext uri="{FF2B5EF4-FFF2-40B4-BE49-F238E27FC236}">
+                  <a16:creationId xmlns:a16="http://schemas.microsoft.com/office/drawing/2014/main" id="{2D2514B6-019B-8980-1824-5A523485B3AC}"/>
+                </a:ext>
+              </a:extLst>
+            </p:cNvPr>
+            <p:cNvSpPr/>
+            <p:nvPr userDrawn="1"/>
+          </p:nvSpPr>
+          <p:spPr>
+            <a:xfrm>
+              <a:off x="-3626629" y="1189687"/>
+              <a:ext cx="3063891" cy="14863821"/>
+            </a:xfrm>
+            <a:prstGeom prst="roundRect">
+              <a:avLst>
+                <a:gd name="adj" fmla="val 4378"/>
+              </a:avLst>
+            </a:prstGeom>
+            <a:solidFill>
+              <a:srgbClr val="FFFFFF">
+                <a:alpha val="60000"/>
+              </a:srgbClr>
+            </a:solidFill>
+            <a:ln>
+              <a:solidFill>
+                <a:srgbClr val="EAEAEA"/>
+              </a:solidFill>
+            </a:ln>
+            <a:effectLst>
+              <a:outerShdw blurRad="50800" dist="38100" dir="2700000" algn="tl" rotWithShape="0">
+                <a:prstClr val="black">
+                  <a:alpha val="40000"/>
+                </a:prstClr>
+              </a:outerShdw>
+              <a:softEdge rad="12700"/>
+            </a:effectLst>
+          </p:spPr>
+          <p:style>
+            <a:lnRef idx="2">
+              <a:schemeClr val="accent1">
+                <a:shade val="50000"/>
+              </a:schemeClr>
+            </a:lnRef>
+            <a:fillRef idx="1">
+              <a:schemeClr val="accent1"/>
+            </a:fillRef>
+            <a:effectRef idx="0">
+              <a:schemeClr val="accent1"/>
+            </a:effectRef>
+            <a:fontRef idx="minor">
+              <a:schemeClr val="lt1"/>
+            </a:fontRef>
+          </p:style>
+          <p:txBody>
+            <a:bodyPr rtlCol="0" anchor="ctr"/>
+            <a:lstStyle/>
+            <a:p>
+              <a:pPr algn="ctr"/>
+              <a:endParaRPr lang="cs-CZ" dirty="0"/>
+            </a:p>
+          </p:txBody>
+        </p:sp>
+        <p:sp>
+          <p:nvSpPr>
+            <p:cNvPr id="5" name="TextovéPole 4">
+              <a:extLst>
+                <a:ext uri="{FF2B5EF4-FFF2-40B4-BE49-F238E27FC236}">
+                  <a16:creationId xmlns:a16="http://schemas.microsoft.com/office/drawing/2014/main" id="{BF50F0EA-870A-D220-EF72-45985A174C88}"/>
+                </a:ext>
+              </a:extLst>
+            </p:cNvPr>
+            <p:cNvSpPr txBox="1"/>
+            <p:nvPr userDrawn="1"/>
+          </p:nvSpPr>
+          <p:spPr>
+            <a:xfrm>
+              <a:off x="-3543386" y="2097996"/>
+              <a:ext cx="2897405" cy="13955512"/>
+            </a:xfrm>
+            <a:prstGeom prst="rect">
+              <a:avLst/>
+            </a:prstGeom>
+            <a:noFill/>
+          </p:spPr>
+          <p:txBody>
+            <a:bodyPr wrap="square" rtlCol="0">
+              <a:spAutoFit/>
+            </a:bodyPr>
+            <a:lstStyle/>
+            <a:p>
+              <a:r>
+                <a:rPr lang="pl-PL" sz="3200" dirty="0">
+                  <a:solidFill>
+                    <a:schemeClr val="bg2">
+                      <a:lumMod val="25000"/>
+                    </a:schemeClr>
+                  </a:solidFill>
+                </a:rPr>
+                <a:t>Programy</a:t>
+              </a:r>
+            </a:p>
+            <a:p>
+              <a:r>
+                <a:rPr lang="pl-PL" sz="2800" dirty="0">
+                  <a:solidFill>
+                    <a:schemeClr val="bg2">
+                      <a:lumMod val="25000"/>
+                    </a:schemeClr>
+                  </a:solidFill>
+                </a:rPr>
+                <a:t>Ke zpracování velkého množství dat se používají programy jako hadoop nebo cassandra</a:t>
+              </a:r>
+            </a:p>
+          </p:txBody>
+        </p:sp>
+      </p:grpSp>
+      <p:grpSp>
+        <p:nvGrpSpPr>
+          <p:cNvPr id="6" name="Skupina 5">
+            <a:extLst>
+              <a:ext uri="{FF2B5EF4-FFF2-40B4-BE49-F238E27FC236}">
+                <a16:creationId xmlns:a16="http://schemas.microsoft.com/office/drawing/2014/main" id="{09C349AC-76E4-0F9B-9937-6AD7F7BEE9B1}"/>
+              </a:ext>
+            </a:extLst>
+          </p:cNvPr>
+          <p:cNvGrpSpPr/>
+          <p:nvPr/>
+        </p:nvGrpSpPr>
+        <p:grpSpPr>
+          <a:xfrm>
+            <a:off x="5762626" y="2592037"/>
+            <a:ext cx="6238874" cy="2492076"/>
+            <a:chOff x="-3626629" y="1189680"/>
+            <a:chExt cx="3063891" cy="18524294"/>
+          </a:xfrm>
+        </p:grpSpPr>
+        <p:sp>
+          <p:nvSpPr>
+            <p:cNvPr id="7" name="Obdélník: se zakulacenými rohy 6">
+              <a:extLst>
+                <a:ext uri="{FF2B5EF4-FFF2-40B4-BE49-F238E27FC236}">
+                  <a16:creationId xmlns:a16="http://schemas.microsoft.com/office/drawing/2014/main" id="{F45483A8-A345-C188-E325-4CD0CD484D58}"/>
+                </a:ext>
+              </a:extLst>
+            </p:cNvPr>
+            <p:cNvSpPr/>
+            <p:nvPr userDrawn="1"/>
+          </p:nvSpPr>
+          <p:spPr>
+            <a:xfrm>
+              <a:off x="-3626629" y="1189680"/>
+              <a:ext cx="3063891" cy="18524286"/>
+            </a:xfrm>
+            <a:prstGeom prst="roundRect">
+              <a:avLst>
+                <a:gd name="adj" fmla="val 4378"/>
+              </a:avLst>
+            </a:prstGeom>
+            <a:solidFill>
+              <a:srgbClr val="FFFFFF">
+                <a:alpha val="60000"/>
+              </a:srgbClr>
+            </a:solidFill>
+            <a:ln>
+              <a:solidFill>
+                <a:srgbClr val="EAEAEA"/>
+              </a:solidFill>
+            </a:ln>
+            <a:effectLst>
+              <a:outerShdw blurRad="50800" dist="38100" dir="2700000" algn="tl" rotWithShape="0">
+                <a:prstClr val="black">
+                  <a:alpha val="40000"/>
+                </a:prstClr>
+              </a:outerShdw>
+              <a:softEdge rad="12700"/>
+            </a:effectLst>
+          </p:spPr>
+          <p:style>
+            <a:lnRef idx="2">
+              <a:schemeClr val="accent1">
+                <a:shade val="50000"/>
+              </a:schemeClr>
+            </a:lnRef>
+            <a:fillRef idx="1">
+              <a:schemeClr val="accent1"/>
+            </a:fillRef>
+            <a:effectRef idx="0">
+              <a:schemeClr val="accent1"/>
+            </a:effectRef>
+            <a:fontRef idx="minor">
+              <a:schemeClr val="lt1"/>
+            </a:fontRef>
+          </p:style>
+          <p:txBody>
+            <a:bodyPr rtlCol="0" anchor="ctr"/>
+            <a:lstStyle/>
+            <a:p>
+              <a:pPr algn="ctr"/>
+              <a:endParaRPr lang="cs-CZ" dirty="0"/>
+            </a:p>
+          </p:txBody>
+        </p:sp>
+        <p:sp>
+          <p:nvSpPr>
+            <p:cNvPr id="8" name="TextovéPole 7">
+              <a:extLst>
+                <a:ext uri="{FF2B5EF4-FFF2-40B4-BE49-F238E27FC236}">
+                  <a16:creationId xmlns:a16="http://schemas.microsoft.com/office/drawing/2014/main" id="{49529BE7-E7B7-B44E-2EA6-ADE04C8876B4}"/>
+                </a:ext>
+              </a:extLst>
+            </p:cNvPr>
+            <p:cNvSpPr txBox="1"/>
+            <p:nvPr userDrawn="1"/>
+          </p:nvSpPr>
+          <p:spPr>
+            <a:xfrm>
+              <a:off x="-3543386" y="2097997"/>
+              <a:ext cx="2897405" cy="17615977"/>
+            </a:xfrm>
+            <a:prstGeom prst="rect">
+              <a:avLst/>
+            </a:prstGeom>
+            <a:noFill/>
+          </p:spPr>
+          <p:txBody>
+            <a:bodyPr wrap="square" rtlCol="0">
+              <a:spAutoFit/>
+            </a:bodyPr>
+            <a:lstStyle/>
+            <a:p>
+              <a:r>
+                <a:rPr lang="en-US" sz="3200" dirty="0">
+                  <a:solidFill>
+                    <a:schemeClr val="bg2">
+                      <a:lumMod val="25000"/>
+                    </a:schemeClr>
+                  </a:solidFill>
+                </a:rPr>
+                <a:t>Hadoop – HDFS (Hadoop Distributed File System)</a:t>
+              </a:r>
+              <a:endParaRPr lang="cs-CZ" sz="3200" dirty="0">
+                <a:solidFill>
+                  <a:schemeClr val="bg2">
+                    <a:lumMod val="25000"/>
+                  </a:schemeClr>
+                </a:solidFill>
+              </a:endParaRPr>
+            </a:p>
+            <a:p>
+              <a:r>
+                <a:rPr lang="pl-PL" sz="2800" dirty="0">
+                  <a:solidFill>
+                    <a:schemeClr val="bg2">
+                      <a:lumMod val="25000"/>
+                    </a:schemeClr>
+                  </a:solidFill>
+                </a:rPr>
+                <a:t>Souborový systém, určený k tomu, aby soubory rozdělil na několik částí a ulložil je do několika zařízení</a:t>
+              </a:r>
+            </a:p>
+          </p:txBody>
+        </p:sp>
+      </p:grpSp>
+      <p:cxnSp>
+        <p:nvCxnSpPr>
+          <p:cNvPr id="10" name="Přímá spojnice se šipkou 9">
+            <a:extLst>
+              <a:ext uri="{FF2B5EF4-FFF2-40B4-BE49-F238E27FC236}">
+                <a16:creationId xmlns:a16="http://schemas.microsoft.com/office/drawing/2014/main" id="{46116864-DC08-7557-082E-4DDAAD8D01BF}"/>
+              </a:ext>
+            </a:extLst>
+          </p:cNvPr>
+          <p:cNvCxnSpPr>
+            <a:cxnSpLocks/>
+          </p:cNvCxnSpPr>
+          <p:nvPr/>
+        </p:nvCxnSpPr>
+        <p:spPr>
+          <a:xfrm>
+            <a:off x="4572000" y="1762125"/>
+            <a:ext cx="1266825" cy="1457325"/>
+          </a:xfrm>
+          <a:prstGeom prst="straightConnector1">
+            <a:avLst/>
+          </a:prstGeom>
+          <a:ln w="38100">
+            <a:solidFill>
+              <a:schemeClr val="bg2">
+                <a:lumMod val="25000"/>
+              </a:schemeClr>
+            </a:solidFill>
+            <a:tailEnd type="triangle"/>
+          </a:ln>
+        </p:spPr>
+        <p:style>
+          <a:lnRef idx="1">
+            <a:schemeClr val="dk1"/>
+          </a:lnRef>
+          <a:fillRef idx="0">
+            <a:schemeClr val="dk1"/>
+          </a:fillRef>
+          <a:effectRef idx="0">
+            <a:schemeClr val="dk1"/>
+          </a:effectRef>
+          <a:fontRef idx="minor">
+            <a:schemeClr val="tx1"/>
+          </a:fontRef>
+        </p:style>
+      </p:cxnSp>
+      <p:cxnSp>
+        <p:nvCxnSpPr>
+          <p:cNvPr id="12" name="Přímá spojnice se šipkou 11">
+            <a:extLst>
+              <a:ext uri="{FF2B5EF4-FFF2-40B4-BE49-F238E27FC236}">
+                <a16:creationId xmlns:a16="http://schemas.microsoft.com/office/drawing/2014/main" id="{FEDEFF0E-FDBC-6F3B-0F3A-6FB069E7C5A6}"/>
+              </a:ext>
+            </a:extLst>
+          </p:cNvPr>
+          <p:cNvCxnSpPr>
+            <a:cxnSpLocks/>
+            <a:stCxn id="8" idx="2"/>
+          </p:cNvCxnSpPr>
+          <p:nvPr/>
+        </p:nvCxnSpPr>
+        <p:spPr>
+          <a:xfrm>
+            <a:off x="8882063" y="5084113"/>
+            <a:ext cx="404812" cy="1669112"/>
+          </a:xfrm>
+          <a:prstGeom prst="straightConnector1">
+            <a:avLst/>
+          </a:prstGeom>
+          <a:ln w="38100">
+            <a:solidFill>
+              <a:schemeClr val="bg2">
+                <a:lumMod val="25000"/>
+              </a:schemeClr>
+            </a:solidFill>
+            <a:tailEnd type="triangle"/>
+          </a:ln>
+        </p:spPr>
+        <p:style>
+          <a:lnRef idx="1">
+            <a:schemeClr val="dk1"/>
+          </a:lnRef>
+          <a:fillRef idx="0">
+            <a:schemeClr val="dk1"/>
+          </a:fillRef>
+          <a:effectRef idx="0">
+            <a:schemeClr val="dk1"/>
+          </a:effectRef>
+          <a:fontRef idx="minor">
+            <a:schemeClr val="tx1"/>
+          </a:fontRef>
+        </p:style>
+      </p:cxnSp>
     </p:spTree>
     <p:extLst>
       <p:ext uri="{BB962C8B-B14F-4D97-AF65-F5344CB8AC3E}">
@@ -6560,6 +6940,1112 @@
           <a:chExt cx="0" cy="0"/>
         </a:xfrm>
       </p:grpSpPr>
+      <p:sp>
+        <p:nvSpPr>
+          <p:cNvPr id="2" name="Obdélník: se zakulacenými rohy 1">
+            <a:extLst>
+              <a:ext uri="{FF2B5EF4-FFF2-40B4-BE49-F238E27FC236}">
+                <a16:creationId xmlns:a16="http://schemas.microsoft.com/office/drawing/2014/main" id="{FD40FA22-F48B-B80A-6DF1-C3DB90CA6347}"/>
+              </a:ext>
+            </a:extLst>
+          </p:cNvPr>
+          <p:cNvSpPr/>
+          <p:nvPr/>
+        </p:nvSpPr>
+        <p:spPr>
+          <a:xfrm>
+            <a:off x="1009650" y="134587"/>
+            <a:ext cx="10763250" cy="4970813"/>
+          </a:xfrm>
+          <a:prstGeom prst="roundRect">
+            <a:avLst>
+              <a:gd name="adj" fmla="val 4378"/>
+            </a:avLst>
+          </a:prstGeom>
+          <a:solidFill>
+            <a:srgbClr val="FFFFFF">
+              <a:alpha val="60000"/>
+            </a:srgbClr>
+          </a:solidFill>
+          <a:ln>
+            <a:solidFill>
+              <a:srgbClr val="EAEAEA"/>
+            </a:solidFill>
+          </a:ln>
+          <a:effectLst>
+            <a:outerShdw blurRad="50800" dist="38100" dir="2700000" algn="tl" rotWithShape="0">
+              <a:prstClr val="black">
+                <a:alpha val="40000"/>
+              </a:prstClr>
+            </a:outerShdw>
+            <a:softEdge rad="12700"/>
+          </a:effectLst>
+        </p:spPr>
+        <p:style>
+          <a:lnRef idx="2">
+            <a:schemeClr val="accent1">
+              <a:shade val="50000"/>
+            </a:schemeClr>
+          </a:lnRef>
+          <a:fillRef idx="1">
+            <a:schemeClr val="accent1"/>
+          </a:fillRef>
+          <a:effectRef idx="0">
+            <a:schemeClr val="accent1"/>
+          </a:effectRef>
+          <a:fontRef idx="minor">
+            <a:schemeClr val="lt1"/>
+          </a:fontRef>
+        </p:style>
+        <p:txBody>
+          <a:bodyPr rtlCol="0" anchor="ctr"/>
+          <a:lstStyle/>
+          <a:p>
+            <a:pPr algn="ctr"/>
+            <a:endParaRPr lang="cs-CZ" dirty="0"/>
+          </a:p>
+        </p:txBody>
+      </p:sp>
+      <p:sp>
+        <p:nvSpPr>
+          <p:cNvPr id="3" name="Obdélník: se zakulacenými rohy 2">
+            <a:extLst>
+              <a:ext uri="{FF2B5EF4-FFF2-40B4-BE49-F238E27FC236}">
+                <a16:creationId xmlns:a16="http://schemas.microsoft.com/office/drawing/2014/main" id="{1162FFE7-3D84-095F-5C18-7A2075D92FBF}"/>
+              </a:ext>
+            </a:extLst>
+          </p:cNvPr>
+          <p:cNvSpPr/>
+          <p:nvPr/>
+        </p:nvSpPr>
+        <p:spPr>
+          <a:xfrm>
+            <a:off x="1323975" y="1424605"/>
+            <a:ext cx="1285875" cy="2390775"/>
+          </a:xfrm>
+          <a:prstGeom prst="roundRect">
+            <a:avLst/>
+          </a:prstGeom>
+          <a:ln>
+            <a:noFill/>
+          </a:ln>
+        </p:spPr>
+        <p:style>
+          <a:lnRef idx="2">
+            <a:schemeClr val="accent1">
+              <a:shade val="50000"/>
+            </a:schemeClr>
+          </a:lnRef>
+          <a:fillRef idx="1">
+            <a:schemeClr val="accent1"/>
+          </a:fillRef>
+          <a:effectRef idx="0">
+            <a:schemeClr val="accent1"/>
+          </a:effectRef>
+          <a:fontRef idx="minor">
+            <a:schemeClr val="lt1"/>
+          </a:fontRef>
+        </p:style>
+        <p:txBody>
+          <a:bodyPr rtlCol="0" anchor="ctr"/>
+          <a:lstStyle/>
+          <a:p>
+            <a:pPr algn="ctr"/>
+            <a:r>
+              <a:rPr lang="cs-CZ" dirty="0"/>
+              <a:t>138 MB</a:t>
+            </a:r>
+          </a:p>
+        </p:txBody>
+      </p:sp>
+      <p:cxnSp>
+        <p:nvCxnSpPr>
+          <p:cNvPr id="5" name="Přímá spojnice se šipkou 4">
+            <a:extLst>
+              <a:ext uri="{FF2B5EF4-FFF2-40B4-BE49-F238E27FC236}">
+                <a16:creationId xmlns:a16="http://schemas.microsoft.com/office/drawing/2014/main" id="{6CFEB1AB-E9D5-B2E0-BF7B-07A05E94DD78}"/>
+              </a:ext>
+            </a:extLst>
+          </p:cNvPr>
+          <p:cNvCxnSpPr>
+            <a:cxnSpLocks/>
+          </p:cNvCxnSpPr>
+          <p:nvPr/>
+        </p:nvCxnSpPr>
+        <p:spPr>
+          <a:xfrm>
+            <a:off x="2914650" y="2624137"/>
+            <a:ext cx="981075" cy="0"/>
+          </a:xfrm>
+          <a:prstGeom prst="straightConnector1">
+            <a:avLst/>
+          </a:prstGeom>
+          <a:ln w="38100">
+            <a:solidFill>
+              <a:schemeClr val="bg2">
+                <a:lumMod val="25000"/>
+              </a:schemeClr>
+            </a:solidFill>
+            <a:tailEnd type="triangle"/>
+          </a:ln>
+        </p:spPr>
+        <p:style>
+          <a:lnRef idx="1">
+            <a:schemeClr val="dk1"/>
+          </a:lnRef>
+          <a:fillRef idx="0">
+            <a:schemeClr val="dk1"/>
+          </a:fillRef>
+          <a:effectRef idx="0">
+            <a:schemeClr val="dk1"/>
+          </a:effectRef>
+          <a:fontRef idx="minor">
+            <a:schemeClr val="tx1"/>
+          </a:fontRef>
+        </p:style>
+      </p:cxnSp>
+      <p:sp>
+        <p:nvSpPr>
+          <p:cNvPr id="8" name="Obdélník: se zakulacenými rohy 7">
+            <a:extLst>
+              <a:ext uri="{FF2B5EF4-FFF2-40B4-BE49-F238E27FC236}">
+                <a16:creationId xmlns:a16="http://schemas.microsoft.com/office/drawing/2014/main" id="{CBC6A3F4-4796-66E8-EAA4-16C0246D3EFC}"/>
+              </a:ext>
+            </a:extLst>
+          </p:cNvPr>
+          <p:cNvSpPr/>
+          <p:nvPr/>
+        </p:nvSpPr>
+        <p:spPr>
+          <a:xfrm>
+            <a:off x="4400551" y="1463324"/>
+            <a:ext cx="1609726" cy="704232"/>
+          </a:xfrm>
+          <a:prstGeom prst="roundRect">
+            <a:avLst/>
+          </a:prstGeom>
+          <a:solidFill>
+            <a:srgbClr val="FFC000"/>
+          </a:solidFill>
+          <a:ln>
+            <a:noFill/>
+          </a:ln>
+        </p:spPr>
+        <p:style>
+          <a:lnRef idx="2">
+            <a:schemeClr val="accent1">
+              <a:shade val="50000"/>
+            </a:schemeClr>
+          </a:lnRef>
+          <a:fillRef idx="1">
+            <a:schemeClr val="accent1"/>
+          </a:fillRef>
+          <a:effectRef idx="0">
+            <a:schemeClr val="accent1"/>
+          </a:effectRef>
+          <a:fontRef idx="minor">
+            <a:schemeClr val="lt1"/>
+          </a:fontRef>
+        </p:style>
+        <p:txBody>
+          <a:bodyPr rtlCol="0" anchor="ctr"/>
+          <a:lstStyle/>
+          <a:p>
+            <a:pPr algn="ctr"/>
+            <a:r>
+              <a:rPr lang="cs-CZ" dirty="0"/>
+              <a:t>64 MB</a:t>
+            </a:r>
+          </a:p>
+        </p:txBody>
+      </p:sp>
+      <p:sp>
+        <p:nvSpPr>
+          <p:cNvPr id="10" name="Obdélník: se zakulacenými rohy 9">
+            <a:extLst>
+              <a:ext uri="{FF2B5EF4-FFF2-40B4-BE49-F238E27FC236}">
+                <a16:creationId xmlns:a16="http://schemas.microsoft.com/office/drawing/2014/main" id="{C841415B-83BE-105D-28A2-BF84E53D9744}"/>
+              </a:ext>
+            </a:extLst>
+          </p:cNvPr>
+          <p:cNvSpPr/>
+          <p:nvPr/>
+        </p:nvSpPr>
+        <p:spPr>
+          <a:xfrm>
+            <a:off x="4400550" y="2267876"/>
+            <a:ext cx="1609726" cy="704232"/>
+          </a:xfrm>
+          <a:prstGeom prst="roundRect">
+            <a:avLst/>
+          </a:prstGeom>
+          <a:solidFill>
+            <a:srgbClr val="92D050"/>
+          </a:solidFill>
+          <a:ln>
+            <a:noFill/>
+          </a:ln>
+        </p:spPr>
+        <p:style>
+          <a:lnRef idx="2">
+            <a:schemeClr val="accent1">
+              <a:shade val="50000"/>
+            </a:schemeClr>
+          </a:lnRef>
+          <a:fillRef idx="1">
+            <a:schemeClr val="accent1"/>
+          </a:fillRef>
+          <a:effectRef idx="0">
+            <a:schemeClr val="accent1"/>
+          </a:effectRef>
+          <a:fontRef idx="minor">
+            <a:schemeClr val="lt1"/>
+          </a:fontRef>
+        </p:style>
+        <p:txBody>
+          <a:bodyPr rtlCol="0" anchor="ctr"/>
+          <a:lstStyle/>
+          <a:p>
+            <a:pPr algn="ctr"/>
+            <a:r>
+              <a:rPr lang="cs-CZ" dirty="0"/>
+              <a:t>64 MB</a:t>
+            </a:r>
+          </a:p>
+        </p:txBody>
+      </p:sp>
+      <p:sp>
+        <p:nvSpPr>
+          <p:cNvPr id="11" name="Obdélník: se zakulacenými rohy 10">
+            <a:extLst>
+              <a:ext uri="{FF2B5EF4-FFF2-40B4-BE49-F238E27FC236}">
+                <a16:creationId xmlns:a16="http://schemas.microsoft.com/office/drawing/2014/main" id="{363D4AD6-3A96-1800-67D7-6C1BA8B64AD7}"/>
+              </a:ext>
+            </a:extLst>
+          </p:cNvPr>
+          <p:cNvSpPr/>
+          <p:nvPr/>
+        </p:nvSpPr>
+        <p:spPr>
+          <a:xfrm>
+            <a:off x="4400550" y="3072428"/>
+            <a:ext cx="1609726" cy="704232"/>
+          </a:xfrm>
+          <a:prstGeom prst="roundRect">
+            <a:avLst/>
+          </a:prstGeom>
+          <a:solidFill>
+            <a:srgbClr val="FF0000"/>
+          </a:solidFill>
+          <a:ln>
+            <a:noFill/>
+          </a:ln>
+        </p:spPr>
+        <p:style>
+          <a:lnRef idx="2">
+            <a:schemeClr val="accent1">
+              <a:shade val="50000"/>
+            </a:schemeClr>
+          </a:lnRef>
+          <a:fillRef idx="1">
+            <a:schemeClr val="accent1"/>
+          </a:fillRef>
+          <a:effectRef idx="0">
+            <a:schemeClr val="accent1"/>
+          </a:effectRef>
+          <a:fontRef idx="minor">
+            <a:schemeClr val="lt1"/>
+          </a:fontRef>
+        </p:style>
+        <p:txBody>
+          <a:bodyPr rtlCol="0" anchor="ctr"/>
+          <a:lstStyle/>
+          <a:p>
+            <a:pPr algn="ctr"/>
+            <a:r>
+              <a:rPr lang="cs-CZ" dirty="0"/>
+              <a:t>10 MB</a:t>
+            </a:r>
+          </a:p>
+        </p:txBody>
+      </p:sp>
+      <p:cxnSp>
+        <p:nvCxnSpPr>
+          <p:cNvPr id="12" name="Přímá spojnice se šipkou 11">
+            <a:extLst>
+              <a:ext uri="{FF2B5EF4-FFF2-40B4-BE49-F238E27FC236}">
+                <a16:creationId xmlns:a16="http://schemas.microsoft.com/office/drawing/2014/main" id="{FF4304FD-410A-7BA7-545D-41622D887548}"/>
+              </a:ext>
+            </a:extLst>
+          </p:cNvPr>
+          <p:cNvCxnSpPr>
+            <a:cxnSpLocks/>
+            <a:endCxn id="17" idx="1"/>
+          </p:cNvCxnSpPr>
+          <p:nvPr/>
+        </p:nvCxnSpPr>
+        <p:spPr>
+          <a:xfrm flipV="1">
+            <a:off x="6257925" y="853415"/>
+            <a:ext cx="2266951" cy="942047"/>
+          </a:xfrm>
+          <a:prstGeom prst="straightConnector1">
+            <a:avLst/>
+          </a:prstGeom>
+          <a:ln w="38100">
+            <a:solidFill>
+              <a:schemeClr val="bg2">
+                <a:lumMod val="25000"/>
+              </a:schemeClr>
+            </a:solidFill>
+            <a:tailEnd type="triangle"/>
+          </a:ln>
+        </p:spPr>
+        <p:style>
+          <a:lnRef idx="1">
+            <a:schemeClr val="dk1"/>
+          </a:lnRef>
+          <a:fillRef idx="0">
+            <a:schemeClr val="dk1"/>
+          </a:fillRef>
+          <a:effectRef idx="0">
+            <a:schemeClr val="dk1"/>
+          </a:effectRef>
+          <a:fontRef idx="minor">
+            <a:schemeClr val="tx1"/>
+          </a:fontRef>
+        </p:style>
+      </p:cxnSp>
+      <p:sp>
+        <p:nvSpPr>
+          <p:cNvPr id="14" name="Obdélník: se zakulacenými rohy 13">
+            <a:extLst>
+              <a:ext uri="{FF2B5EF4-FFF2-40B4-BE49-F238E27FC236}">
+                <a16:creationId xmlns:a16="http://schemas.microsoft.com/office/drawing/2014/main" id="{0F4AD7CC-11CD-71C3-C0AB-3EFF2A399E34}"/>
+              </a:ext>
+            </a:extLst>
+          </p:cNvPr>
+          <p:cNvSpPr/>
+          <p:nvPr/>
+        </p:nvSpPr>
+        <p:spPr>
+          <a:xfrm>
+            <a:off x="8429625" y="390525"/>
+            <a:ext cx="2971800" cy="1409700"/>
+          </a:xfrm>
+          <a:prstGeom prst="roundRect">
+            <a:avLst/>
+          </a:prstGeom>
+          <a:noFill/>
+          <a:ln w="38100">
+            <a:solidFill>
+              <a:schemeClr val="tx1">
+                <a:lumMod val="85000"/>
+                <a:lumOff val="15000"/>
+              </a:schemeClr>
+            </a:solidFill>
+          </a:ln>
+        </p:spPr>
+        <p:style>
+          <a:lnRef idx="2">
+            <a:schemeClr val="accent1">
+              <a:shade val="50000"/>
+            </a:schemeClr>
+          </a:lnRef>
+          <a:fillRef idx="1">
+            <a:schemeClr val="accent1"/>
+          </a:fillRef>
+          <a:effectRef idx="0">
+            <a:schemeClr val="accent1"/>
+          </a:effectRef>
+          <a:fontRef idx="minor">
+            <a:schemeClr val="lt1"/>
+          </a:fontRef>
+        </p:style>
+        <p:txBody>
+          <a:bodyPr rtlCol="0" anchor="ctr"/>
+          <a:lstStyle/>
+          <a:p>
+            <a:pPr algn="ctr"/>
+            <a:endParaRPr lang="cs-CZ"/>
+          </a:p>
+        </p:txBody>
+      </p:sp>
+      <p:sp>
+        <p:nvSpPr>
+          <p:cNvPr id="15" name="Obdélník: se zakulacenými rohy 14">
+            <a:extLst>
+              <a:ext uri="{FF2B5EF4-FFF2-40B4-BE49-F238E27FC236}">
+                <a16:creationId xmlns:a16="http://schemas.microsoft.com/office/drawing/2014/main" id="{68D44473-2B20-0134-8863-13DA87DA4DEE}"/>
+              </a:ext>
+            </a:extLst>
+          </p:cNvPr>
+          <p:cNvSpPr/>
+          <p:nvPr/>
+        </p:nvSpPr>
+        <p:spPr>
+          <a:xfrm>
+            <a:off x="8429625" y="1915142"/>
+            <a:ext cx="2971800" cy="1409700"/>
+          </a:xfrm>
+          <a:prstGeom prst="roundRect">
+            <a:avLst/>
+          </a:prstGeom>
+          <a:noFill/>
+          <a:ln w="38100">
+            <a:solidFill>
+              <a:schemeClr val="tx1">
+                <a:lumMod val="85000"/>
+                <a:lumOff val="15000"/>
+              </a:schemeClr>
+            </a:solidFill>
+          </a:ln>
+        </p:spPr>
+        <p:style>
+          <a:lnRef idx="2">
+            <a:schemeClr val="accent1">
+              <a:shade val="50000"/>
+            </a:schemeClr>
+          </a:lnRef>
+          <a:fillRef idx="1">
+            <a:schemeClr val="accent1"/>
+          </a:fillRef>
+          <a:effectRef idx="0">
+            <a:schemeClr val="accent1"/>
+          </a:effectRef>
+          <a:fontRef idx="minor">
+            <a:schemeClr val="lt1"/>
+          </a:fontRef>
+        </p:style>
+        <p:txBody>
+          <a:bodyPr rtlCol="0" anchor="ctr"/>
+          <a:lstStyle/>
+          <a:p>
+            <a:pPr algn="ctr"/>
+            <a:endParaRPr lang="cs-CZ"/>
+          </a:p>
+        </p:txBody>
+      </p:sp>
+      <p:sp>
+        <p:nvSpPr>
+          <p:cNvPr id="16" name="Obdélník: se zakulacenými rohy 15">
+            <a:extLst>
+              <a:ext uri="{FF2B5EF4-FFF2-40B4-BE49-F238E27FC236}">
+                <a16:creationId xmlns:a16="http://schemas.microsoft.com/office/drawing/2014/main" id="{E85CB4B4-F158-7FE1-A640-C110A0571A16}"/>
+              </a:ext>
+            </a:extLst>
+          </p:cNvPr>
+          <p:cNvSpPr/>
+          <p:nvPr/>
+        </p:nvSpPr>
+        <p:spPr>
+          <a:xfrm>
+            <a:off x="8429625" y="3439759"/>
+            <a:ext cx="2971800" cy="1409700"/>
+          </a:xfrm>
+          <a:prstGeom prst="roundRect">
+            <a:avLst/>
+          </a:prstGeom>
+          <a:noFill/>
+          <a:ln w="38100">
+            <a:solidFill>
+              <a:schemeClr val="tx1">
+                <a:lumMod val="85000"/>
+                <a:lumOff val="15000"/>
+              </a:schemeClr>
+            </a:solidFill>
+          </a:ln>
+        </p:spPr>
+        <p:style>
+          <a:lnRef idx="2">
+            <a:schemeClr val="accent1">
+              <a:shade val="50000"/>
+            </a:schemeClr>
+          </a:lnRef>
+          <a:fillRef idx="1">
+            <a:schemeClr val="accent1"/>
+          </a:fillRef>
+          <a:effectRef idx="0">
+            <a:schemeClr val="accent1"/>
+          </a:effectRef>
+          <a:fontRef idx="minor">
+            <a:schemeClr val="lt1"/>
+          </a:fontRef>
+        </p:style>
+        <p:txBody>
+          <a:bodyPr rtlCol="0" anchor="ctr"/>
+          <a:lstStyle/>
+          <a:p>
+            <a:pPr algn="ctr"/>
+            <a:endParaRPr lang="cs-CZ"/>
+          </a:p>
+        </p:txBody>
+      </p:sp>
+      <p:sp>
+        <p:nvSpPr>
+          <p:cNvPr id="17" name="Obdélník: se zakulacenými rohy 16">
+            <a:extLst>
+              <a:ext uri="{FF2B5EF4-FFF2-40B4-BE49-F238E27FC236}">
+                <a16:creationId xmlns:a16="http://schemas.microsoft.com/office/drawing/2014/main" id="{86643814-A6E9-A0F7-9F92-1F04CFDAA2BA}"/>
+              </a:ext>
+            </a:extLst>
+          </p:cNvPr>
+          <p:cNvSpPr/>
+          <p:nvPr/>
+        </p:nvSpPr>
+        <p:spPr>
+          <a:xfrm>
+            <a:off x="8524876" y="501299"/>
+            <a:ext cx="1609726" cy="704232"/>
+          </a:xfrm>
+          <a:prstGeom prst="roundRect">
+            <a:avLst/>
+          </a:prstGeom>
+          <a:solidFill>
+            <a:srgbClr val="FFC000"/>
+          </a:solidFill>
+          <a:ln>
+            <a:noFill/>
+          </a:ln>
+        </p:spPr>
+        <p:style>
+          <a:lnRef idx="2">
+            <a:schemeClr val="accent1">
+              <a:shade val="50000"/>
+            </a:schemeClr>
+          </a:lnRef>
+          <a:fillRef idx="1">
+            <a:schemeClr val="accent1"/>
+          </a:fillRef>
+          <a:effectRef idx="0">
+            <a:schemeClr val="accent1"/>
+          </a:effectRef>
+          <a:fontRef idx="minor">
+            <a:schemeClr val="lt1"/>
+          </a:fontRef>
+        </p:style>
+        <p:txBody>
+          <a:bodyPr rtlCol="0" anchor="ctr"/>
+          <a:lstStyle/>
+          <a:p>
+            <a:pPr algn="ctr"/>
+            <a:r>
+              <a:rPr lang="cs-CZ" dirty="0"/>
+              <a:t>64 MB</a:t>
+            </a:r>
+          </a:p>
+        </p:txBody>
+      </p:sp>
+      <p:sp>
+        <p:nvSpPr>
+          <p:cNvPr id="18" name="Obdélník: se zakulacenými rohy 17">
+            <a:extLst>
+              <a:ext uri="{FF2B5EF4-FFF2-40B4-BE49-F238E27FC236}">
+                <a16:creationId xmlns:a16="http://schemas.microsoft.com/office/drawing/2014/main" id="{6E9F5571-825C-CFDF-2BEB-36F6E7C62801}"/>
+              </a:ext>
+            </a:extLst>
+          </p:cNvPr>
+          <p:cNvSpPr/>
+          <p:nvPr/>
+        </p:nvSpPr>
+        <p:spPr>
+          <a:xfrm>
+            <a:off x="8586787" y="2056163"/>
+            <a:ext cx="1609726" cy="704232"/>
+          </a:xfrm>
+          <a:prstGeom prst="roundRect">
+            <a:avLst/>
+          </a:prstGeom>
+          <a:solidFill>
+            <a:srgbClr val="FFC000"/>
+          </a:solidFill>
+          <a:ln>
+            <a:noFill/>
+          </a:ln>
+        </p:spPr>
+        <p:style>
+          <a:lnRef idx="2">
+            <a:schemeClr val="accent1">
+              <a:shade val="50000"/>
+            </a:schemeClr>
+          </a:lnRef>
+          <a:fillRef idx="1">
+            <a:schemeClr val="accent1"/>
+          </a:fillRef>
+          <a:effectRef idx="0">
+            <a:schemeClr val="accent1"/>
+          </a:effectRef>
+          <a:fontRef idx="minor">
+            <a:schemeClr val="lt1"/>
+          </a:fontRef>
+        </p:style>
+        <p:txBody>
+          <a:bodyPr rtlCol="0" anchor="ctr"/>
+          <a:lstStyle/>
+          <a:p>
+            <a:pPr algn="ctr"/>
+            <a:r>
+              <a:rPr lang="cs-CZ" dirty="0"/>
+              <a:t>64 MB</a:t>
+            </a:r>
+          </a:p>
+        </p:txBody>
+      </p:sp>
+      <p:sp>
+        <p:nvSpPr>
+          <p:cNvPr id="20" name="Obdélník: se zakulacenými rohy 19">
+            <a:extLst>
+              <a:ext uri="{FF2B5EF4-FFF2-40B4-BE49-F238E27FC236}">
+                <a16:creationId xmlns:a16="http://schemas.microsoft.com/office/drawing/2014/main" id="{37D9795E-6359-1F6F-95FE-903C9547751A}"/>
+              </a:ext>
+            </a:extLst>
+          </p:cNvPr>
+          <p:cNvSpPr/>
+          <p:nvPr/>
+        </p:nvSpPr>
+        <p:spPr>
+          <a:xfrm>
+            <a:off x="9610724" y="2479586"/>
+            <a:ext cx="1609726" cy="704232"/>
+          </a:xfrm>
+          <a:prstGeom prst="roundRect">
+            <a:avLst/>
+          </a:prstGeom>
+          <a:solidFill>
+            <a:srgbClr val="92D050"/>
+          </a:solidFill>
+          <a:ln>
+            <a:noFill/>
+          </a:ln>
+        </p:spPr>
+        <p:style>
+          <a:lnRef idx="2">
+            <a:schemeClr val="accent1">
+              <a:shade val="50000"/>
+            </a:schemeClr>
+          </a:lnRef>
+          <a:fillRef idx="1">
+            <a:schemeClr val="accent1"/>
+          </a:fillRef>
+          <a:effectRef idx="0">
+            <a:schemeClr val="accent1"/>
+          </a:effectRef>
+          <a:fontRef idx="minor">
+            <a:schemeClr val="lt1"/>
+          </a:fontRef>
+        </p:style>
+        <p:txBody>
+          <a:bodyPr rtlCol="0" anchor="ctr"/>
+          <a:lstStyle/>
+          <a:p>
+            <a:pPr algn="ctr"/>
+            <a:r>
+              <a:rPr lang="cs-CZ" dirty="0"/>
+              <a:t>64 MB</a:t>
+            </a:r>
+          </a:p>
+        </p:txBody>
+      </p:sp>
+      <p:sp>
+        <p:nvSpPr>
+          <p:cNvPr id="21" name="Obdélník: se zakulacenými rohy 20">
+            <a:extLst>
+              <a:ext uri="{FF2B5EF4-FFF2-40B4-BE49-F238E27FC236}">
+                <a16:creationId xmlns:a16="http://schemas.microsoft.com/office/drawing/2014/main" id="{510808F1-DB5F-0897-2F20-BAFD5529F992}"/>
+              </a:ext>
+            </a:extLst>
+          </p:cNvPr>
+          <p:cNvSpPr/>
+          <p:nvPr/>
+        </p:nvSpPr>
+        <p:spPr>
+          <a:xfrm>
+            <a:off x="9544049" y="3952743"/>
+            <a:ext cx="1609726" cy="704232"/>
+          </a:xfrm>
+          <a:prstGeom prst="roundRect">
+            <a:avLst/>
+          </a:prstGeom>
+          <a:solidFill>
+            <a:srgbClr val="92D050"/>
+          </a:solidFill>
+          <a:ln>
+            <a:noFill/>
+          </a:ln>
+        </p:spPr>
+        <p:style>
+          <a:lnRef idx="2">
+            <a:schemeClr val="accent1">
+              <a:shade val="50000"/>
+            </a:schemeClr>
+          </a:lnRef>
+          <a:fillRef idx="1">
+            <a:schemeClr val="accent1"/>
+          </a:fillRef>
+          <a:effectRef idx="0">
+            <a:schemeClr val="accent1"/>
+          </a:effectRef>
+          <a:fontRef idx="minor">
+            <a:schemeClr val="lt1"/>
+          </a:fontRef>
+        </p:style>
+        <p:txBody>
+          <a:bodyPr rtlCol="0" anchor="ctr"/>
+          <a:lstStyle/>
+          <a:p>
+            <a:pPr algn="ctr"/>
+            <a:r>
+              <a:rPr lang="cs-CZ" dirty="0"/>
+              <a:t>64 MB</a:t>
+            </a:r>
+          </a:p>
+        </p:txBody>
+      </p:sp>
+      <p:sp>
+        <p:nvSpPr>
+          <p:cNvPr id="22" name="Obdélník: se zakulacenými rohy 21">
+            <a:extLst>
+              <a:ext uri="{FF2B5EF4-FFF2-40B4-BE49-F238E27FC236}">
+                <a16:creationId xmlns:a16="http://schemas.microsoft.com/office/drawing/2014/main" id="{FF5FF5C8-D9BF-C61F-93A1-DF91436C304C}"/>
+              </a:ext>
+            </a:extLst>
+          </p:cNvPr>
+          <p:cNvSpPr/>
+          <p:nvPr/>
+        </p:nvSpPr>
+        <p:spPr>
+          <a:xfrm>
+            <a:off x="8524876" y="3543169"/>
+            <a:ext cx="1609726" cy="704232"/>
+          </a:xfrm>
+          <a:prstGeom prst="roundRect">
+            <a:avLst/>
+          </a:prstGeom>
+          <a:solidFill>
+            <a:srgbClr val="FF0000"/>
+          </a:solidFill>
+          <a:ln>
+            <a:noFill/>
+          </a:ln>
+        </p:spPr>
+        <p:style>
+          <a:lnRef idx="2">
+            <a:schemeClr val="accent1">
+              <a:shade val="50000"/>
+            </a:schemeClr>
+          </a:lnRef>
+          <a:fillRef idx="1">
+            <a:schemeClr val="accent1"/>
+          </a:fillRef>
+          <a:effectRef idx="0">
+            <a:schemeClr val="accent1"/>
+          </a:effectRef>
+          <a:fontRef idx="minor">
+            <a:schemeClr val="lt1"/>
+          </a:fontRef>
+        </p:style>
+        <p:txBody>
+          <a:bodyPr rtlCol="0" anchor="ctr"/>
+          <a:lstStyle/>
+          <a:p>
+            <a:pPr algn="ctr"/>
+            <a:r>
+              <a:rPr lang="cs-CZ" dirty="0"/>
+              <a:t>10 MB</a:t>
+            </a:r>
+          </a:p>
+        </p:txBody>
+      </p:sp>
+      <p:sp>
+        <p:nvSpPr>
+          <p:cNvPr id="23" name="Obdélník: se zakulacenými rohy 22">
+            <a:extLst>
+              <a:ext uri="{FF2B5EF4-FFF2-40B4-BE49-F238E27FC236}">
+                <a16:creationId xmlns:a16="http://schemas.microsoft.com/office/drawing/2014/main" id="{52E4FBC3-BAF8-3E4D-75E9-151889D050E8}"/>
+              </a:ext>
+            </a:extLst>
+          </p:cNvPr>
+          <p:cNvSpPr/>
+          <p:nvPr/>
+        </p:nvSpPr>
+        <p:spPr>
+          <a:xfrm>
+            <a:off x="9591674" y="939825"/>
+            <a:ext cx="1609726" cy="704232"/>
+          </a:xfrm>
+          <a:prstGeom prst="roundRect">
+            <a:avLst/>
+          </a:prstGeom>
+          <a:solidFill>
+            <a:srgbClr val="FF0000"/>
+          </a:solidFill>
+          <a:ln>
+            <a:noFill/>
+          </a:ln>
+        </p:spPr>
+        <p:style>
+          <a:lnRef idx="2">
+            <a:schemeClr val="accent1">
+              <a:shade val="50000"/>
+            </a:schemeClr>
+          </a:lnRef>
+          <a:fillRef idx="1">
+            <a:schemeClr val="accent1"/>
+          </a:fillRef>
+          <a:effectRef idx="0">
+            <a:schemeClr val="accent1"/>
+          </a:effectRef>
+          <a:fontRef idx="minor">
+            <a:schemeClr val="lt1"/>
+          </a:fontRef>
+        </p:style>
+        <p:txBody>
+          <a:bodyPr rtlCol="0" anchor="ctr"/>
+          <a:lstStyle/>
+          <a:p>
+            <a:pPr algn="ctr"/>
+            <a:r>
+              <a:rPr lang="cs-CZ" dirty="0"/>
+              <a:t>10 MB</a:t>
+            </a:r>
+          </a:p>
+        </p:txBody>
+      </p:sp>
+      <p:cxnSp>
+        <p:nvCxnSpPr>
+          <p:cNvPr id="26" name="Přímá spojnice se šipkou 25">
+            <a:extLst>
+              <a:ext uri="{FF2B5EF4-FFF2-40B4-BE49-F238E27FC236}">
+                <a16:creationId xmlns:a16="http://schemas.microsoft.com/office/drawing/2014/main" id="{CAAADC02-8FC5-50A0-45CC-9E70A4137B20}"/>
+              </a:ext>
+            </a:extLst>
+          </p:cNvPr>
+          <p:cNvCxnSpPr>
+            <a:cxnSpLocks/>
+            <a:endCxn id="18" idx="1"/>
+          </p:cNvCxnSpPr>
+          <p:nvPr/>
+        </p:nvCxnSpPr>
+        <p:spPr>
+          <a:xfrm>
+            <a:off x="6257925" y="1795462"/>
+            <a:ext cx="2328862" cy="612817"/>
+          </a:xfrm>
+          <a:prstGeom prst="straightConnector1">
+            <a:avLst/>
+          </a:prstGeom>
+          <a:ln w="38100">
+            <a:solidFill>
+              <a:schemeClr val="bg2">
+                <a:lumMod val="25000"/>
+              </a:schemeClr>
+            </a:solidFill>
+            <a:tailEnd type="triangle"/>
+          </a:ln>
+        </p:spPr>
+        <p:style>
+          <a:lnRef idx="1">
+            <a:schemeClr val="dk1"/>
+          </a:lnRef>
+          <a:fillRef idx="0">
+            <a:schemeClr val="dk1"/>
+          </a:fillRef>
+          <a:effectRef idx="0">
+            <a:schemeClr val="dk1"/>
+          </a:effectRef>
+          <a:fontRef idx="minor">
+            <a:schemeClr val="tx1"/>
+          </a:fontRef>
+        </p:style>
+      </p:cxnSp>
+      <p:cxnSp>
+        <p:nvCxnSpPr>
+          <p:cNvPr id="29" name="Přímá spojnice se šipkou 28">
+            <a:extLst>
+              <a:ext uri="{FF2B5EF4-FFF2-40B4-BE49-F238E27FC236}">
+                <a16:creationId xmlns:a16="http://schemas.microsoft.com/office/drawing/2014/main" id="{30A740F9-E9AA-37C0-53CD-E63E3AA74152}"/>
+              </a:ext>
+            </a:extLst>
+          </p:cNvPr>
+          <p:cNvCxnSpPr>
+            <a:cxnSpLocks/>
+            <a:endCxn id="20" idx="1"/>
+          </p:cNvCxnSpPr>
+          <p:nvPr/>
+        </p:nvCxnSpPr>
+        <p:spPr>
+          <a:xfrm>
+            <a:off x="6296026" y="2582420"/>
+            <a:ext cx="3314698" cy="249282"/>
+          </a:xfrm>
+          <a:prstGeom prst="straightConnector1">
+            <a:avLst/>
+          </a:prstGeom>
+          <a:ln w="38100">
+            <a:solidFill>
+              <a:schemeClr val="bg2">
+                <a:lumMod val="25000"/>
+              </a:schemeClr>
+            </a:solidFill>
+            <a:tailEnd type="triangle"/>
+          </a:ln>
+        </p:spPr>
+        <p:style>
+          <a:lnRef idx="1">
+            <a:schemeClr val="dk1"/>
+          </a:lnRef>
+          <a:fillRef idx="0">
+            <a:schemeClr val="dk1"/>
+          </a:fillRef>
+          <a:effectRef idx="0">
+            <a:schemeClr val="dk1"/>
+          </a:effectRef>
+          <a:fontRef idx="minor">
+            <a:schemeClr val="tx1"/>
+          </a:fontRef>
+        </p:style>
+      </p:cxnSp>
+      <p:cxnSp>
+        <p:nvCxnSpPr>
+          <p:cNvPr id="32" name="Přímá spojnice se šipkou 31">
+            <a:extLst>
+              <a:ext uri="{FF2B5EF4-FFF2-40B4-BE49-F238E27FC236}">
+                <a16:creationId xmlns:a16="http://schemas.microsoft.com/office/drawing/2014/main" id="{151C0D6F-7744-0A02-1B08-526080F01E49}"/>
+              </a:ext>
+            </a:extLst>
+          </p:cNvPr>
+          <p:cNvCxnSpPr>
+            <a:cxnSpLocks/>
+            <a:endCxn id="21" idx="1"/>
+          </p:cNvCxnSpPr>
+          <p:nvPr/>
+        </p:nvCxnSpPr>
+        <p:spPr>
+          <a:xfrm>
+            <a:off x="6288880" y="2572894"/>
+            <a:ext cx="3255169" cy="1731965"/>
+          </a:xfrm>
+          <a:prstGeom prst="straightConnector1">
+            <a:avLst/>
+          </a:prstGeom>
+          <a:ln w="38100">
+            <a:solidFill>
+              <a:schemeClr val="bg2">
+                <a:lumMod val="25000"/>
+              </a:schemeClr>
+            </a:solidFill>
+            <a:tailEnd type="triangle"/>
+          </a:ln>
+        </p:spPr>
+        <p:style>
+          <a:lnRef idx="1">
+            <a:schemeClr val="dk1"/>
+          </a:lnRef>
+          <a:fillRef idx="0">
+            <a:schemeClr val="dk1"/>
+          </a:fillRef>
+          <a:effectRef idx="0">
+            <a:schemeClr val="dk1"/>
+          </a:effectRef>
+          <a:fontRef idx="minor">
+            <a:schemeClr val="tx1"/>
+          </a:fontRef>
+        </p:style>
+      </p:cxnSp>
+      <p:cxnSp>
+        <p:nvCxnSpPr>
+          <p:cNvPr id="34" name="Přímá spojnice se šipkou 33">
+            <a:extLst>
+              <a:ext uri="{FF2B5EF4-FFF2-40B4-BE49-F238E27FC236}">
+                <a16:creationId xmlns:a16="http://schemas.microsoft.com/office/drawing/2014/main" id="{609E17BA-4DEF-7180-C4E2-55CF063712C3}"/>
+              </a:ext>
+            </a:extLst>
+          </p:cNvPr>
+          <p:cNvCxnSpPr>
+            <a:cxnSpLocks/>
+            <a:endCxn id="23" idx="1"/>
+          </p:cNvCxnSpPr>
+          <p:nvPr/>
+        </p:nvCxnSpPr>
+        <p:spPr>
+          <a:xfrm flipV="1">
+            <a:off x="6286498" y="1291941"/>
+            <a:ext cx="3305176" cy="2129692"/>
+          </a:xfrm>
+          <a:prstGeom prst="straightConnector1">
+            <a:avLst/>
+          </a:prstGeom>
+          <a:ln w="38100">
+            <a:solidFill>
+              <a:schemeClr val="bg2">
+                <a:lumMod val="25000"/>
+              </a:schemeClr>
+            </a:solidFill>
+            <a:tailEnd type="triangle"/>
+          </a:ln>
+        </p:spPr>
+        <p:style>
+          <a:lnRef idx="1">
+            <a:schemeClr val="dk1"/>
+          </a:lnRef>
+          <a:fillRef idx="0">
+            <a:schemeClr val="dk1"/>
+          </a:fillRef>
+          <a:effectRef idx="0">
+            <a:schemeClr val="dk1"/>
+          </a:effectRef>
+          <a:fontRef idx="minor">
+            <a:schemeClr val="tx1"/>
+          </a:fontRef>
+        </p:style>
+      </p:cxnSp>
+      <p:cxnSp>
+        <p:nvCxnSpPr>
+          <p:cNvPr id="37" name="Přímá spojnice se šipkou 36">
+            <a:extLst>
+              <a:ext uri="{FF2B5EF4-FFF2-40B4-BE49-F238E27FC236}">
+                <a16:creationId xmlns:a16="http://schemas.microsoft.com/office/drawing/2014/main" id="{9D62AF6A-CA34-DBEB-F00A-038203DCE8BC}"/>
+              </a:ext>
+            </a:extLst>
+          </p:cNvPr>
+          <p:cNvCxnSpPr>
+            <a:cxnSpLocks/>
+            <a:endCxn id="22" idx="1"/>
+          </p:cNvCxnSpPr>
+          <p:nvPr/>
+        </p:nvCxnSpPr>
+        <p:spPr>
+          <a:xfrm>
+            <a:off x="6319836" y="3434731"/>
+            <a:ext cx="2205040" cy="460554"/>
+          </a:xfrm>
+          <a:prstGeom prst="straightConnector1">
+            <a:avLst/>
+          </a:prstGeom>
+          <a:ln w="38100">
+            <a:solidFill>
+              <a:schemeClr val="bg2">
+                <a:lumMod val="25000"/>
+              </a:schemeClr>
+            </a:solidFill>
+            <a:tailEnd type="triangle"/>
+          </a:ln>
+        </p:spPr>
+        <p:style>
+          <a:lnRef idx="1">
+            <a:schemeClr val="dk1"/>
+          </a:lnRef>
+          <a:fillRef idx="0">
+            <a:schemeClr val="dk1"/>
+          </a:fillRef>
+          <a:effectRef idx="0">
+            <a:schemeClr val="dk1"/>
+          </a:effectRef>
+          <a:fontRef idx="minor">
+            <a:schemeClr val="tx1"/>
+          </a:fontRef>
+        </p:style>
+      </p:cxnSp>
     </p:spTree>
     <p:extLst>
       <p:ext uri="{BB962C8B-B14F-4D97-AF65-F5344CB8AC3E}">

--- a/klimes.pptx
+++ b/klimes.pptx
@@ -239,7 +239,7 @@
           <a:p>
             <a:fld id="{D009DB19-4C21-440C-A727-546C40E604C7}" type="datetimeFigureOut">
               <a:rPr lang="cs-CZ" smtClean="0"/>
-              <a:t>14.01.2023</a:t>
+              <a:t>16.01.2023</a:t>
             </a:fld>
             <a:endParaRPr lang="cs-CZ"/>
           </a:p>
@@ -416,7 +416,7 @@
           <a:p>
             <a:fld id="{7F4D5948-2C73-43CB-9CA5-AB41306D9F29}" type="datetimeFigureOut">
               <a:rPr lang="cs-CZ" smtClean="0"/>
-              <a:t>14.01.2023</a:t>
+              <a:t>16.01.2023</a:t>
             </a:fld>
             <a:endParaRPr lang="cs-CZ"/>
           </a:p>
@@ -2293,6 +2293,202 @@
           <a:chExt cx="0" cy="0"/>
         </a:xfrm>
       </p:grpSpPr>
+      <p:grpSp>
+        <p:nvGrpSpPr>
+          <p:cNvPr id="2" name="Skupina 1">
+            <a:extLst>
+              <a:ext uri="{FF2B5EF4-FFF2-40B4-BE49-F238E27FC236}">
+                <a16:creationId xmlns:a16="http://schemas.microsoft.com/office/drawing/2014/main" id="{0E3A7CBF-E679-494B-7604-44E2D9F7E0CA}"/>
+              </a:ext>
+            </a:extLst>
+          </p:cNvPr>
+          <p:cNvGrpSpPr/>
+          <p:nvPr/>
+        </p:nvGrpSpPr>
+        <p:grpSpPr>
+          <a:xfrm>
+            <a:off x="2976563" y="1533524"/>
+            <a:ext cx="6238874" cy="3162302"/>
+            <a:chOff x="-3626629" y="1189687"/>
+            <a:chExt cx="3063891" cy="14863821"/>
+          </a:xfrm>
+        </p:grpSpPr>
+        <p:sp>
+          <p:nvSpPr>
+            <p:cNvPr id="3" name="Obdélník: se zakulacenými rohy 2">
+              <a:extLst>
+                <a:ext uri="{FF2B5EF4-FFF2-40B4-BE49-F238E27FC236}">
+                  <a16:creationId xmlns:a16="http://schemas.microsoft.com/office/drawing/2014/main" id="{B83EC159-8488-EC5C-4705-A6FF36C18902}"/>
+                </a:ext>
+              </a:extLst>
+            </p:cNvPr>
+            <p:cNvSpPr/>
+            <p:nvPr userDrawn="1"/>
+          </p:nvSpPr>
+          <p:spPr>
+            <a:xfrm>
+              <a:off x="-3626629" y="1189687"/>
+              <a:ext cx="3063891" cy="14863821"/>
+            </a:xfrm>
+            <a:prstGeom prst="roundRect">
+              <a:avLst>
+                <a:gd name="adj" fmla="val 4378"/>
+              </a:avLst>
+            </a:prstGeom>
+            <a:solidFill>
+              <a:srgbClr val="FFFFFF">
+                <a:alpha val="60000"/>
+              </a:srgbClr>
+            </a:solidFill>
+            <a:ln>
+              <a:solidFill>
+                <a:srgbClr val="EAEAEA"/>
+              </a:solidFill>
+            </a:ln>
+            <a:effectLst>
+              <a:outerShdw blurRad="50800" dist="38100" dir="2700000" algn="tl" rotWithShape="0">
+                <a:prstClr val="black">
+                  <a:alpha val="40000"/>
+                </a:prstClr>
+              </a:outerShdw>
+              <a:softEdge rad="12700"/>
+            </a:effectLst>
+          </p:spPr>
+          <p:style>
+            <a:lnRef idx="2">
+              <a:schemeClr val="accent1">
+                <a:shade val="50000"/>
+              </a:schemeClr>
+            </a:lnRef>
+            <a:fillRef idx="1">
+              <a:schemeClr val="accent1"/>
+            </a:fillRef>
+            <a:effectRef idx="0">
+              <a:schemeClr val="accent1"/>
+            </a:effectRef>
+            <a:fontRef idx="minor">
+              <a:schemeClr val="lt1"/>
+            </a:fontRef>
+          </p:style>
+          <p:txBody>
+            <a:bodyPr rtlCol="0" anchor="ctr"/>
+            <a:lstStyle/>
+            <a:p>
+              <a:pPr algn="ctr"/>
+              <a:endParaRPr lang="cs-CZ" dirty="0"/>
+            </a:p>
+          </p:txBody>
+        </p:sp>
+        <p:sp>
+          <p:nvSpPr>
+            <p:cNvPr id="4" name="TextovéPole 3">
+              <a:extLst>
+                <a:ext uri="{FF2B5EF4-FFF2-40B4-BE49-F238E27FC236}">
+                  <a16:creationId xmlns:a16="http://schemas.microsoft.com/office/drawing/2014/main" id="{513CD07B-77C9-64CE-E2AC-C58937C9979D}"/>
+                </a:ext>
+              </a:extLst>
+            </p:cNvPr>
+            <p:cNvSpPr txBox="1"/>
+            <p:nvPr userDrawn="1"/>
+          </p:nvSpPr>
+          <p:spPr>
+            <a:xfrm>
+              <a:off x="-3497564" y="1660790"/>
+              <a:ext cx="2897405" cy="8847395"/>
+            </a:xfrm>
+            <a:prstGeom prst="rect">
+              <a:avLst/>
+            </a:prstGeom>
+            <a:noFill/>
+          </p:spPr>
+          <p:txBody>
+            <a:bodyPr wrap="square" rtlCol="0">
+              <a:spAutoFit/>
+            </a:bodyPr>
+            <a:lstStyle/>
+            <a:p>
+              <a:r>
+                <a:rPr lang="pl-PL" sz="3200" dirty="0">
+                  <a:solidFill>
+                    <a:schemeClr val="bg2">
+                      <a:lumMod val="25000"/>
+                    </a:schemeClr>
+                  </a:solidFill>
+                </a:rPr>
+                <a:t>MapReduce</a:t>
+              </a:r>
+              <a:endParaRPr lang="pl-PL" sz="2800" dirty="0">
+                <a:solidFill>
+                  <a:schemeClr val="bg2">
+                    <a:lumMod val="25000"/>
+                  </a:schemeClr>
+                </a:solidFill>
+              </a:endParaRPr>
+            </a:p>
+            <a:p>
+              <a:pPr marL="457200" indent="-457200">
+                <a:buFontTx/>
+                <a:buChar char="-"/>
+              </a:pPr>
+              <a:r>
+                <a:rPr lang="pl-PL" sz="2800" dirty="0">
+                  <a:solidFill>
+                    <a:schemeClr val="bg2">
+                      <a:lumMod val="25000"/>
+                    </a:schemeClr>
+                  </a:solidFill>
+                </a:rPr>
+                <a:t>Zpracovává data distribuovaně a paralerně</a:t>
+              </a:r>
+            </a:p>
+            <a:p>
+              <a:pPr marL="457200" indent="-457200">
+                <a:buFontTx/>
+                <a:buChar char="-"/>
+              </a:pPr>
+              <a:r>
+                <a:rPr lang="pl-PL" sz="2800" dirty="0">
+                  <a:solidFill>
+                    <a:schemeClr val="bg2">
+                      <a:lumMod val="25000"/>
+                    </a:schemeClr>
+                  </a:solidFill>
+                </a:rPr>
+                <a:t>Má 3 fáze: mapper, shuffle, reducer</a:t>
+              </a:r>
+            </a:p>
+            <a:p>
+              <a:pPr marL="457200" indent="-457200">
+                <a:buFontTx/>
+                <a:buChar char="-"/>
+              </a:pPr>
+              <a:r>
+                <a:rPr lang="pl-PL" sz="2800" dirty="0">
+                  <a:solidFill>
+                    <a:schemeClr val="bg2">
+                      <a:lumMod val="25000"/>
+                    </a:schemeClr>
+                  </a:solidFill>
+                </a:rPr>
+                <a:t>Za plánování a sledování úloh je odpovědný YARN</a:t>
+              </a:r>
+            </a:p>
+            <a:p>
+              <a:pPr marL="457200" indent="-457200">
+                <a:buFontTx/>
+                <a:buChar char="-"/>
+              </a:pPr>
+              <a:endParaRPr lang="pl-PL" sz="3200" dirty="0">
+                <a:solidFill>
+                  <a:schemeClr val="bg2">
+                    <a:lumMod val="25000"/>
+                  </a:schemeClr>
+                </a:solidFill>
+              </a:endParaRPr>
+            </a:p>
+          </p:txBody>
+        </p:sp>
+      </p:grpSp>
     </p:spTree>
     <p:extLst>
       <p:ext uri="{BB962C8B-B14F-4D97-AF65-F5344CB8AC3E}">
@@ -2340,6 +2536,557 @@
           <a:chExt cx="0" cy="0"/>
         </a:xfrm>
       </p:grpSpPr>
+      <p:grpSp>
+        <p:nvGrpSpPr>
+          <p:cNvPr id="2" name="Skupina 1">
+            <a:extLst>
+              <a:ext uri="{FF2B5EF4-FFF2-40B4-BE49-F238E27FC236}">
+                <a16:creationId xmlns:a16="http://schemas.microsoft.com/office/drawing/2014/main" id="{C2EBA3B5-3BD5-57E1-7719-598F01695B31}"/>
+              </a:ext>
+            </a:extLst>
+          </p:cNvPr>
+          <p:cNvGrpSpPr/>
+          <p:nvPr/>
+        </p:nvGrpSpPr>
+        <p:grpSpPr>
+          <a:xfrm>
+            <a:off x="690563" y="561974"/>
+            <a:ext cx="6238874" cy="1990615"/>
+            <a:chOff x="-3626629" y="1189687"/>
+            <a:chExt cx="3063891" cy="18165877"/>
+          </a:xfrm>
+        </p:grpSpPr>
+        <p:sp>
+          <p:nvSpPr>
+            <p:cNvPr id="3" name="Obdélník: se zakulacenými rohy 2">
+              <a:extLst>
+                <a:ext uri="{FF2B5EF4-FFF2-40B4-BE49-F238E27FC236}">
+                  <a16:creationId xmlns:a16="http://schemas.microsoft.com/office/drawing/2014/main" id="{93B967FD-C99F-D576-BD9A-13128BF82CAD}"/>
+                </a:ext>
+              </a:extLst>
+            </p:cNvPr>
+            <p:cNvSpPr/>
+            <p:nvPr userDrawn="1"/>
+          </p:nvSpPr>
+          <p:spPr>
+            <a:xfrm>
+              <a:off x="-3626629" y="1189687"/>
+              <a:ext cx="3063891" cy="14863821"/>
+            </a:xfrm>
+            <a:prstGeom prst="roundRect">
+              <a:avLst>
+                <a:gd name="adj" fmla="val 4378"/>
+              </a:avLst>
+            </a:prstGeom>
+            <a:solidFill>
+              <a:srgbClr val="FFFFFF">
+                <a:alpha val="60000"/>
+              </a:srgbClr>
+            </a:solidFill>
+            <a:ln>
+              <a:solidFill>
+                <a:srgbClr val="EAEAEA"/>
+              </a:solidFill>
+            </a:ln>
+            <a:effectLst>
+              <a:outerShdw blurRad="50800" dist="38100" dir="2700000" algn="tl" rotWithShape="0">
+                <a:prstClr val="black">
+                  <a:alpha val="40000"/>
+                </a:prstClr>
+              </a:outerShdw>
+              <a:softEdge rad="12700"/>
+            </a:effectLst>
+          </p:spPr>
+          <p:style>
+            <a:lnRef idx="2">
+              <a:schemeClr val="accent1">
+                <a:shade val="50000"/>
+              </a:schemeClr>
+            </a:lnRef>
+            <a:fillRef idx="1">
+              <a:schemeClr val="accent1"/>
+            </a:fillRef>
+            <a:effectRef idx="0">
+              <a:schemeClr val="accent1"/>
+            </a:effectRef>
+            <a:fontRef idx="minor">
+              <a:schemeClr val="lt1"/>
+            </a:fontRef>
+          </p:style>
+          <p:txBody>
+            <a:bodyPr rtlCol="0" anchor="ctr"/>
+            <a:lstStyle/>
+            <a:p>
+              <a:pPr algn="ctr"/>
+              <a:endParaRPr lang="cs-CZ" dirty="0"/>
+            </a:p>
+          </p:txBody>
+        </p:sp>
+        <p:sp>
+          <p:nvSpPr>
+            <p:cNvPr id="4" name="TextovéPole 3">
+              <a:extLst>
+                <a:ext uri="{FF2B5EF4-FFF2-40B4-BE49-F238E27FC236}">
+                  <a16:creationId xmlns:a16="http://schemas.microsoft.com/office/drawing/2014/main" id="{1D9894A5-E80E-786A-ACDB-F84CD002EDC0}"/>
+                </a:ext>
+              </a:extLst>
+            </p:cNvPr>
+            <p:cNvSpPr txBox="1"/>
+            <p:nvPr userDrawn="1"/>
+          </p:nvSpPr>
+          <p:spPr>
+            <a:xfrm>
+              <a:off x="-3497564" y="1660786"/>
+              <a:ext cx="2897405" cy="17694778"/>
+            </a:xfrm>
+            <a:prstGeom prst="rect">
+              <a:avLst/>
+            </a:prstGeom>
+            <a:noFill/>
+          </p:spPr>
+          <p:txBody>
+            <a:bodyPr wrap="square" rtlCol="0">
+              <a:spAutoFit/>
+            </a:bodyPr>
+            <a:lstStyle/>
+            <a:p>
+              <a:r>
+                <a:rPr lang="pl-PL" sz="3200" dirty="0">
+                  <a:solidFill>
+                    <a:schemeClr val="bg2">
+                      <a:lumMod val="25000"/>
+                    </a:schemeClr>
+                  </a:solidFill>
+                </a:rPr>
+                <a:t>Mapper</a:t>
+              </a:r>
+            </a:p>
+            <a:p>
+              <a:r>
+                <a:rPr lang="pl-PL" sz="2800" dirty="0">
+                  <a:solidFill>
+                    <a:schemeClr val="bg2">
+                      <a:lumMod val="25000"/>
+                    </a:schemeClr>
+                  </a:solidFill>
+                </a:rPr>
+                <a:t>1. fáze, Získá všechny objekty z dat a</a:t>
+              </a:r>
+            </a:p>
+            <a:p>
+              <a:r>
+                <a:rPr lang="pl-PL" sz="2800" dirty="0">
+                  <a:solidFill>
+                    <a:schemeClr val="bg2">
+                      <a:lumMod val="25000"/>
+                    </a:schemeClr>
+                  </a:solidFill>
+                </a:rPr>
+                <a:t>posílá je do Shuffle</a:t>
+              </a:r>
+            </a:p>
+            <a:p>
+              <a:pPr marL="457200" indent="-457200">
+                <a:buFontTx/>
+                <a:buChar char="-"/>
+              </a:pPr>
+              <a:endParaRPr lang="pl-PL" sz="3200" dirty="0">
+                <a:solidFill>
+                  <a:schemeClr val="bg2">
+                    <a:lumMod val="25000"/>
+                  </a:schemeClr>
+                </a:solidFill>
+              </a:endParaRPr>
+            </a:p>
+          </p:txBody>
+        </p:sp>
+      </p:grpSp>
+      <p:grpSp>
+        <p:nvGrpSpPr>
+          <p:cNvPr id="5" name="Skupina 4">
+            <a:extLst>
+              <a:ext uri="{FF2B5EF4-FFF2-40B4-BE49-F238E27FC236}">
+                <a16:creationId xmlns:a16="http://schemas.microsoft.com/office/drawing/2014/main" id="{7D449197-7267-8B01-64BC-263F66C7E44F}"/>
+              </a:ext>
+            </a:extLst>
+          </p:cNvPr>
+          <p:cNvGrpSpPr/>
+          <p:nvPr/>
+        </p:nvGrpSpPr>
+        <p:grpSpPr>
+          <a:xfrm>
+            <a:off x="5110163" y="2604212"/>
+            <a:ext cx="6238874" cy="1628776"/>
+            <a:chOff x="-3626629" y="1189687"/>
+            <a:chExt cx="3063891" cy="14863821"/>
+          </a:xfrm>
+        </p:grpSpPr>
+        <p:sp>
+          <p:nvSpPr>
+            <p:cNvPr id="6" name="Obdélník: se zakulacenými rohy 5">
+              <a:extLst>
+                <a:ext uri="{FF2B5EF4-FFF2-40B4-BE49-F238E27FC236}">
+                  <a16:creationId xmlns:a16="http://schemas.microsoft.com/office/drawing/2014/main" id="{6996C831-C74E-23CF-468C-43E6D54EA3AB}"/>
+                </a:ext>
+              </a:extLst>
+            </p:cNvPr>
+            <p:cNvSpPr/>
+            <p:nvPr userDrawn="1"/>
+          </p:nvSpPr>
+          <p:spPr>
+            <a:xfrm>
+              <a:off x="-3626629" y="1189687"/>
+              <a:ext cx="3063891" cy="14863821"/>
+            </a:xfrm>
+            <a:prstGeom prst="roundRect">
+              <a:avLst>
+                <a:gd name="adj" fmla="val 4378"/>
+              </a:avLst>
+            </a:prstGeom>
+            <a:solidFill>
+              <a:srgbClr val="FFFFFF">
+                <a:alpha val="60000"/>
+              </a:srgbClr>
+            </a:solidFill>
+            <a:ln>
+              <a:solidFill>
+                <a:srgbClr val="EAEAEA"/>
+              </a:solidFill>
+            </a:ln>
+            <a:effectLst>
+              <a:outerShdw blurRad="50800" dist="38100" dir="2700000" algn="tl" rotWithShape="0">
+                <a:prstClr val="black">
+                  <a:alpha val="40000"/>
+                </a:prstClr>
+              </a:outerShdw>
+              <a:softEdge rad="12700"/>
+            </a:effectLst>
+          </p:spPr>
+          <p:style>
+            <a:lnRef idx="2">
+              <a:schemeClr val="accent1">
+                <a:shade val="50000"/>
+              </a:schemeClr>
+            </a:lnRef>
+            <a:fillRef idx="1">
+              <a:schemeClr val="accent1"/>
+            </a:fillRef>
+            <a:effectRef idx="0">
+              <a:schemeClr val="accent1"/>
+            </a:effectRef>
+            <a:fontRef idx="minor">
+              <a:schemeClr val="lt1"/>
+            </a:fontRef>
+          </p:style>
+          <p:txBody>
+            <a:bodyPr rtlCol="0" anchor="ctr"/>
+            <a:lstStyle/>
+            <a:p>
+              <a:pPr algn="ctr"/>
+              <a:endParaRPr lang="cs-CZ" dirty="0"/>
+            </a:p>
+          </p:txBody>
+        </p:sp>
+        <p:sp>
+          <p:nvSpPr>
+            <p:cNvPr id="7" name="TextovéPole 6">
+              <a:extLst>
+                <a:ext uri="{FF2B5EF4-FFF2-40B4-BE49-F238E27FC236}">
+                  <a16:creationId xmlns:a16="http://schemas.microsoft.com/office/drawing/2014/main" id="{65994021-42E7-CA4F-80C5-AA8CC4C218BB}"/>
+                </a:ext>
+              </a:extLst>
+            </p:cNvPr>
+            <p:cNvSpPr txBox="1"/>
+            <p:nvPr userDrawn="1"/>
+          </p:nvSpPr>
+          <p:spPr>
+            <a:xfrm>
+              <a:off x="-3497564" y="1660786"/>
+              <a:ext cx="2897405" cy="13200870"/>
+            </a:xfrm>
+            <a:prstGeom prst="rect">
+              <a:avLst/>
+            </a:prstGeom>
+            <a:noFill/>
+          </p:spPr>
+          <p:txBody>
+            <a:bodyPr wrap="square" rtlCol="0">
+              <a:spAutoFit/>
+            </a:bodyPr>
+            <a:lstStyle/>
+            <a:p>
+              <a:r>
+                <a:rPr lang="pl-PL" sz="3200" dirty="0">
+                  <a:solidFill>
+                    <a:schemeClr val="bg2">
+                      <a:lumMod val="25000"/>
+                    </a:schemeClr>
+                  </a:solidFill>
+                </a:rPr>
+                <a:t>Shuffle</a:t>
+              </a:r>
+            </a:p>
+            <a:p>
+              <a:r>
+                <a:rPr lang="pl-PL" sz="2800" dirty="0">
+                  <a:solidFill>
+                    <a:schemeClr val="bg2">
+                      <a:lumMod val="25000"/>
+                    </a:schemeClr>
+                  </a:solidFill>
+                </a:rPr>
+                <a:t>2. fáze, seskupí všechny objekty s podobnými vlastnostmi</a:t>
+              </a:r>
+              <a:endParaRPr lang="pl-PL" sz="3200" dirty="0">
+                <a:solidFill>
+                  <a:schemeClr val="bg2">
+                    <a:lumMod val="25000"/>
+                  </a:schemeClr>
+                </a:solidFill>
+              </a:endParaRPr>
+            </a:p>
+          </p:txBody>
+        </p:sp>
+      </p:grpSp>
+      <p:grpSp>
+        <p:nvGrpSpPr>
+          <p:cNvPr id="8" name="Skupina 7">
+            <a:extLst>
+              <a:ext uri="{FF2B5EF4-FFF2-40B4-BE49-F238E27FC236}">
+                <a16:creationId xmlns:a16="http://schemas.microsoft.com/office/drawing/2014/main" id="{54001E25-BAD9-5820-5B32-5561F96B59A7}"/>
+              </a:ext>
+            </a:extLst>
+          </p:cNvPr>
+          <p:cNvGrpSpPr/>
+          <p:nvPr/>
+        </p:nvGrpSpPr>
+        <p:grpSpPr>
+          <a:xfrm>
+            <a:off x="3214688" y="4667250"/>
+            <a:ext cx="6238874" cy="1628776"/>
+            <a:chOff x="-3626629" y="1189687"/>
+            <a:chExt cx="3063891" cy="14863821"/>
+          </a:xfrm>
+        </p:grpSpPr>
+        <p:sp>
+          <p:nvSpPr>
+            <p:cNvPr id="9" name="Obdélník: se zakulacenými rohy 8">
+              <a:extLst>
+                <a:ext uri="{FF2B5EF4-FFF2-40B4-BE49-F238E27FC236}">
+                  <a16:creationId xmlns:a16="http://schemas.microsoft.com/office/drawing/2014/main" id="{016977FD-C7EB-7A80-45E5-01A5FFF22356}"/>
+                </a:ext>
+              </a:extLst>
+            </p:cNvPr>
+            <p:cNvSpPr/>
+            <p:nvPr userDrawn="1"/>
+          </p:nvSpPr>
+          <p:spPr>
+            <a:xfrm>
+              <a:off x="-3626629" y="1189687"/>
+              <a:ext cx="3063891" cy="14863821"/>
+            </a:xfrm>
+            <a:prstGeom prst="roundRect">
+              <a:avLst>
+                <a:gd name="adj" fmla="val 4378"/>
+              </a:avLst>
+            </a:prstGeom>
+            <a:solidFill>
+              <a:srgbClr val="FFFFFF">
+                <a:alpha val="60000"/>
+              </a:srgbClr>
+            </a:solidFill>
+            <a:ln>
+              <a:solidFill>
+                <a:srgbClr val="EAEAEA"/>
+              </a:solidFill>
+            </a:ln>
+            <a:effectLst>
+              <a:outerShdw blurRad="50800" dist="38100" dir="2700000" algn="tl" rotWithShape="0">
+                <a:prstClr val="black">
+                  <a:alpha val="40000"/>
+                </a:prstClr>
+              </a:outerShdw>
+              <a:softEdge rad="12700"/>
+            </a:effectLst>
+          </p:spPr>
+          <p:style>
+            <a:lnRef idx="2">
+              <a:schemeClr val="accent1">
+                <a:shade val="50000"/>
+              </a:schemeClr>
+            </a:lnRef>
+            <a:fillRef idx="1">
+              <a:schemeClr val="accent1"/>
+            </a:fillRef>
+            <a:effectRef idx="0">
+              <a:schemeClr val="accent1"/>
+            </a:effectRef>
+            <a:fontRef idx="minor">
+              <a:schemeClr val="lt1"/>
+            </a:fontRef>
+          </p:style>
+          <p:txBody>
+            <a:bodyPr rtlCol="0" anchor="ctr"/>
+            <a:lstStyle/>
+            <a:p>
+              <a:pPr algn="ctr"/>
+              <a:endParaRPr lang="cs-CZ" dirty="0"/>
+            </a:p>
+          </p:txBody>
+        </p:sp>
+        <p:sp>
+          <p:nvSpPr>
+            <p:cNvPr id="10" name="TextovéPole 9">
+              <a:extLst>
+                <a:ext uri="{FF2B5EF4-FFF2-40B4-BE49-F238E27FC236}">
+                  <a16:creationId xmlns:a16="http://schemas.microsoft.com/office/drawing/2014/main" id="{41864843-1EF1-638E-E2BB-AFF66D5B6B89}"/>
+                </a:ext>
+              </a:extLst>
+            </p:cNvPr>
+            <p:cNvSpPr txBox="1"/>
+            <p:nvPr userDrawn="1"/>
+          </p:nvSpPr>
+          <p:spPr>
+            <a:xfrm>
+              <a:off x="-3497564" y="1660786"/>
+              <a:ext cx="2897405" cy="13200870"/>
+            </a:xfrm>
+            <a:prstGeom prst="rect">
+              <a:avLst/>
+            </a:prstGeom>
+            <a:noFill/>
+          </p:spPr>
+          <p:txBody>
+            <a:bodyPr wrap="square" rtlCol="0">
+              <a:spAutoFit/>
+            </a:bodyPr>
+            <a:lstStyle/>
+            <a:p>
+              <a:r>
+                <a:rPr lang="pl-PL" sz="3200" dirty="0">
+                  <a:solidFill>
+                    <a:schemeClr val="bg2">
+                      <a:lumMod val="25000"/>
+                    </a:schemeClr>
+                  </a:solidFill>
+                </a:rPr>
+                <a:t>Reducer</a:t>
+              </a:r>
+            </a:p>
+            <a:p>
+              <a:r>
+                <a:rPr lang="pl-PL" sz="2800" dirty="0">
+                  <a:solidFill>
+                    <a:schemeClr val="bg2">
+                      <a:lumMod val="25000"/>
+                    </a:schemeClr>
+                  </a:solidFill>
+                </a:rPr>
+                <a:t>3. fáze, sečte všechny objekty ve skupině</a:t>
+              </a:r>
+              <a:endParaRPr lang="pl-PL" sz="3200" dirty="0">
+                <a:solidFill>
+                  <a:schemeClr val="bg2">
+                    <a:lumMod val="25000"/>
+                  </a:schemeClr>
+                </a:solidFill>
+              </a:endParaRPr>
+            </a:p>
+          </p:txBody>
+        </p:sp>
+      </p:grpSp>
+      <p:cxnSp>
+        <p:nvCxnSpPr>
+          <p:cNvPr id="11" name="Přímá spojnice se šipkou 10">
+            <a:extLst>
+              <a:ext uri="{FF2B5EF4-FFF2-40B4-BE49-F238E27FC236}">
+                <a16:creationId xmlns:a16="http://schemas.microsoft.com/office/drawing/2014/main" id="{6852BBD6-FC2D-F9D5-7718-512631E5E214}"/>
+              </a:ext>
+            </a:extLst>
+          </p:cNvPr>
+          <p:cNvCxnSpPr>
+            <a:cxnSpLocks/>
+          </p:cNvCxnSpPr>
+          <p:nvPr/>
+        </p:nvCxnSpPr>
+        <p:spPr>
+          <a:xfrm>
+            <a:off x="3895725" y="1943100"/>
+            <a:ext cx="1477248" cy="1000125"/>
+          </a:xfrm>
+          <a:prstGeom prst="straightConnector1">
+            <a:avLst/>
+          </a:prstGeom>
+          <a:ln w="38100">
+            <a:solidFill>
+              <a:schemeClr val="bg2">
+                <a:lumMod val="25000"/>
+              </a:schemeClr>
+            </a:solidFill>
+            <a:tailEnd type="triangle"/>
+          </a:ln>
+        </p:spPr>
+        <p:style>
+          <a:lnRef idx="1">
+            <a:schemeClr val="dk1"/>
+          </a:lnRef>
+          <a:fillRef idx="0">
+            <a:schemeClr val="dk1"/>
+          </a:fillRef>
+          <a:effectRef idx="0">
+            <a:schemeClr val="dk1"/>
+          </a:effectRef>
+          <a:fontRef idx="minor">
+            <a:schemeClr val="tx1"/>
+          </a:fontRef>
+        </p:style>
+      </p:cxnSp>
+      <p:cxnSp>
+        <p:nvCxnSpPr>
+          <p:cNvPr id="14" name="Přímá spojnice se šipkou 13">
+            <a:extLst>
+              <a:ext uri="{FF2B5EF4-FFF2-40B4-BE49-F238E27FC236}">
+                <a16:creationId xmlns:a16="http://schemas.microsoft.com/office/drawing/2014/main" id="{82694544-2D81-B0BA-259F-E2A88B3E6822}"/>
+              </a:ext>
+            </a:extLst>
+          </p:cNvPr>
+          <p:cNvCxnSpPr>
+            <a:cxnSpLocks/>
+          </p:cNvCxnSpPr>
+          <p:nvPr/>
+        </p:nvCxnSpPr>
+        <p:spPr>
+          <a:xfrm flipH="1">
+            <a:off x="5110163" y="3914776"/>
+            <a:ext cx="262810" cy="1066799"/>
+          </a:xfrm>
+          <a:prstGeom prst="straightConnector1">
+            <a:avLst/>
+          </a:prstGeom>
+          <a:ln w="38100">
+            <a:solidFill>
+              <a:schemeClr val="bg2">
+                <a:lumMod val="25000"/>
+              </a:schemeClr>
+            </a:solidFill>
+            <a:tailEnd type="triangle"/>
+          </a:ln>
+        </p:spPr>
+        <p:style>
+          <a:lnRef idx="1">
+            <a:schemeClr val="dk1"/>
+          </a:lnRef>
+          <a:fillRef idx="0">
+            <a:schemeClr val="dk1"/>
+          </a:fillRef>
+          <a:effectRef idx="0">
+            <a:schemeClr val="dk1"/>
+          </a:effectRef>
+          <a:fontRef idx="minor">
+            <a:schemeClr val="tx1"/>
+          </a:fontRef>
+        </p:style>
+      </p:cxnSp>
     </p:spTree>
     <p:extLst>
       <p:ext uri="{BB962C8B-B14F-4D97-AF65-F5344CB8AC3E}">
@@ -2387,6 +3134,1812 @@
           <a:chExt cx="0" cy="0"/>
         </a:xfrm>
       </p:grpSpPr>
+      <p:sp>
+        <p:nvSpPr>
+          <p:cNvPr id="2" name="Obdélník: se zakulacenými rohy 1">
+            <a:extLst>
+              <a:ext uri="{FF2B5EF4-FFF2-40B4-BE49-F238E27FC236}">
+                <a16:creationId xmlns:a16="http://schemas.microsoft.com/office/drawing/2014/main" id="{865D0212-371A-4B2D-3022-18712D7BC4F9}"/>
+              </a:ext>
+            </a:extLst>
+          </p:cNvPr>
+          <p:cNvSpPr/>
+          <p:nvPr/>
+        </p:nvSpPr>
+        <p:spPr>
+          <a:xfrm>
+            <a:off x="714375" y="563212"/>
+            <a:ext cx="11334750" cy="4970813"/>
+          </a:xfrm>
+          <a:prstGeom prst="roundRect">
+            <a:avLst>
+              <a:gd name="adj" fmla="val 4378"/>
+            </a:avLst>
+          </a:prstGeom>
+          <a:solidFill>
+            <a:srgbClr val="FFFFFF">
+              <a:alpha val="60000"/>
+            </a:srgbClr>
+          </a:solidFill>
+          <a:ln>
+            <a:solidFill>
+              <a:srgbClr val="EAEAEA"/>
+            </a:solidFill>
+          </a:ln>
+          <a:effectLst>
+            <a:outerShdw blurRad="50800" dist="38100" dir="2700000" algn="tl" rotWithShape="0">
+              <a:prstClr val="black">
+                <a:alpha val="40000"/>
+              </a:prstClr>
+            </a:outerShdw>
+            <a:softEdge rad="12700"/>
+          </a:effectLst>
+        </p:spPr>
+        <p:style>
+          <a:lnRef idx="2">
+            <a:schemeClr val="accent1">
+              <a:shade val="50000"/>
+            </a:schemeClr>
+          </a:lnRef>
+          <a:fillRef idx="1">
+            <a:schemeClr val="accent1"/>
+          </a:fillRef>
+          <a:effectRef idx="0">
+            <a:schemeClr val="accent1"/>
+          </a:effectRef>
+          <a:fontRef idx="minor">
+            <a:schemeClr val="lt1"/>
+          </a:fontRef>
+        </p:style>
+        <p:txBody>
+          <a:bodyPr rtlCol="0" anchor="ctr"/>
+          <a:lstStyle/>
+          <a:p>
+            <a:pPr algn="ctr"/>
+            <a:endParaRPr lang="cs-CZ" dirty="0"/>
+          </a:p>
+        </p:txBody>
+      </p:sp>
+      <p:sp>
+        <p:nvSpPr>
+          <p:cNvPr id="3" name="Obdélník: se zakulacenými rohy 2">
+            <a:extLst>
+              <a:ext uri="{FF2B5EF4-FFF2-40B4-BE49-F238E27FC236}">
+                <a16:creationId xmlns:a16="http://schemas.microsoft.com/office/drawing/2014/main" id="{19AFF3AB-B59C-244B-B2B7-EECA63CA6CBF}"/>
+              </a:ext>
+            </a:extLst>
+          </p:cNvPr>
+          <p:cNvSpPr/>
+          <p:nvPr/>
+        </p:nvSpPr>
+        <p:spPr>
+          <a:xfrm>
+            <a:off x="1085850" y="819150"/>
+            <a:ext cx="2085975" cy="4362450"/>
+          </a:xfrm>
+          <a:prstGeom prst="roundRect">
+            <a:avLst/>
+          </a:prstGeom>
+          <a:noFill/>
+          <a:ln w="38100">
+            <a:solidFill>
+              <a:schemeClr val="tx1">
+                <a:lumMod val="85000"/>
+                <a:lumOff val="15000"/>
+              </a:schemeClr>
+            </a:solidFill>
+          </a:ln>
+        </p:spPr>
+        <p:style>
+          <a:lnRef idx="2">
+            <a:schemeClr val="accent1">
+              <a:shade val="50000"/>
+            </a:schemeClr>
+          </a:lnRef>
+          <a:fillRef idx="1">
+            <a:schemeClr val="accent1"/>
+          </a:fillRef>
+          <a:effectRef idx="0">
+            <a:schemeClr val="accent1"/>
+          </a:effectRef>
+          <a:fontRef idx="minor">
+            <a:schemeClr val="lt1"/>
+          </a:fontRef>
+        </p:style>
+        <p:txBody>
+          <a:bodyPr rtlCol="0" anchor="ctr"/>
+          <a:lstStyle/>
+          <a:p>
+            <a:pPr algn="ctr"/>
+            <a:endParaRPr lang="cs-CZ"/>
+          </a:p>
+        </p:txBody>
+      </p:sp>
+      <p:sp>
+        <p:nvSpPr>
+          <p:cNvPr id="4" name="TextovéPole 3">
+            <a:extLst>
+              <a:ext uri="{FF2B5EF4-FFF2-40B4-BE49-F238E27FC236}">
+                <a16:creationId xmlns:a16="http://schemas.microsoft.com/office/drawing/2014/main" id="{C0FF0ECF-ABB1-5815-43EF-2AD896347073}"/>
+              </a:ext>
+            </a:extLst>
+          </p:cNvPr>
+          <p:cNvSpPr txBox="1"/>
+          <p:nvPr/>
+        </p:nvSpPr>
+        <p:spPr>
+          <a:xfrm>
+            <a:off x="1600199" y="4572983"/>
+            <a:ext cx="1057275" cy="523220"/>
+          </a:xfrm>
+          <a:prstGeom prst="rect">
+            <a:avLst/>
+          </a:prstGeom>
+          <a:noFill/>
+        </p:spPr>
+        <p:txBody>
+          <a:bodyPr wrap="square" rtlCol="0">
+            <a:spAutoFit/>
+          </a:bodyPr>
+          <a:lstStyle/>
+          <a:p>
+            <a:r>
+              <a:rPr lang="cs-CZ" sz="2800" dirty="0"/>
+              <a:t>HFDS</a:t>
+            </a:r>
+          </a:p>
+        </p:txBody>
+      </p:sp>
+      <p:sp>
+        <p:nvSpPr>
+          <p:cNvPr id="5" name="Obdélník: se zakulacenými rohy 4">
+            <a:extLst>
+              <a:ext uri="{FF2B5EF4-FFF2-40B4-BE49-F238E27FC236}">
+                <a16:creationId xmlns:a16="http://schemas.microsoft.com/office/drawing/2014/main" id="{E65A07CC-3109-47A7-C20B-97A8DCFC80DF}"/>
+              </a:ext>
+            </a:extLst>
+          </p:cNvPr>
+          <p:cNvSpPr/>
+          <p:nvPr/>
+        </p:nvSpPr>
+        <p:spPr>
+          <a:xfrm>
+            <a:off x="1343025" y="1379955"/>
+            <a:ext cx="1600200" cy="695325"/>
+          </a:xfrm>
+          <a:prstGeom prst="roundRect">
+            <a:avLst/>
+          </a:prstGeom>
+        </p:spPr>
+        <p:style>
+          <a:lnRef idx="2">
+            <a:schemeClr val="accent1">
+              <a:shade val="50000"/>
+            </a:schemeClr>
+          </a:lnRef>
+          <a:fillRef idx="1">
+            <a:schemeClr val="accent1"/>
+          </a:fillRef>
+          <a:effectRef idx="0">
+            <a:schemeClr val="accent1"/>
+          </a:effectRef>
+          <a:fontRef idx="minor">
+            <a:schemeClr val="lt1"/>
+          </a:fontRef>
+        </p:style>
+        <p:txBody>
+          <a:bodyPr rtlCol="0" anchor="ctr"/>
+          <a:lstStyle/>
+          <a:p>
+            <a:pPr algn="ctr"/>
+            <a:r>
+              <a:rPr lang="cs-CZ" dirty="0"/>
+              <a:t>ABCA</a:t>
+            </a:r>
+          </a:p>
+        </p:txBody>
+      </p:sp>
+      <p:sp>
+        <p:nvSpPr>
+          <p:cNvPr id="6" name="Obdélník: se zakulacenými rohy 5">
+            <a:extLst>
+              <a:ext uri="{FF2B5EF4-FFF2-40B4-BE49-F238E27FC236}">
+                <a16:creationId xmlns:a16="http://schemas.microsoft.com/office/drawing/2014/main" id="{8BAEA22A-010B-1456-7831-47A7405571E1}"/>
+              </a:ext>
+            </a:extLst>
+          </p:cNvPr>
+          <p:cNvSpPr/>
+          <p:nvPr/>
+        </p:nvSpPr>
+        <p:spPr>
+          <a:xfrm>
+            <a:off x="1328736" y="2554537"/>
+            <a:ext cx="1600200" cy="695325"/>
+          </a:xfrm>
+          <a:prstGeom prst="roundRect">
+            <a:avLst/>
+          </a:prstGeom>
+        </p:spPr>
+        <p:style>
+          <a:lnRef idx="2">
+            <a:schemeClr val="accent1">
+              <a:shade val="50000"/>
+            </a:schemeClr>
+          </a:lnRef>
+          <a:fillRef idx="1">
+            <a:schemeClr val="accent1"/>
+          </a:fillRef>
+          <a:effectRef idx="0">
+            <a:schemeClr val="accent1"/>
+          </a:effectRef>
+          <a:fontRef idx="minor">
+            <a:schemeClr val="lt1"/>
+          </a:fontRef>
+        </p:style>
+        <p:txBody>
+          <a:bodyPr rtlCol="0" anchor="ctr"/>
+          <a:lstStyle/>
+          <a:p>
+            <a:pPr algn="ctr"/>
+            <a:r>
+              <a:rPr lang="cs-CZ" dirty="0"/>
+              <a:t>BBAC</a:t>
+            </a:r>
+          </a:p>
+        </p:txBody>
+      </p:sp>
+      <p:sp>
+        <p:nvSpPr>
+          <p:cNvPr id="7" name="Obdélník: se zakulacenými rohy 6">
+            <a:extLst>
+              <a:ext uri="{FF2B5EF4-FFF2-40B4-BE49-F238E27FC236}">
+                <a16:creationId xmlns:a16="http://schemas.microsoft.com/office/drawing/2014/main" id="{11E2AEDA-05F2-C35B-80A2-98F92EF47461}"/>
+              </a:ext>
+            </a:extLst>
+          </p:cNvPr>
+          <p:cNvSpPr/>
+          <p:nvPr/>
+        </p:nvSpPr>
+        <p:spPr>
+          <a:xfrm>
+            <a:off x="1328736" y="3807040"/>
+            <a:ext cx="1600200" cy="695325"/>
+          </a:xfrm>
+          <a:prstGeom prst="roundRect">
+            <a:avLst/>
+          </a:prstGeom>
+        </p:spPr>
+        <p:style>
+          <a:lnRef idx="2">
+            <a:schemeClr val="accent1">
+              <a:shade val="50000"/>
+            </a:schemeClr>
+          </a:lnRef>
+          <a:fillRef idx="1">
+            <a:schemeClr val="accent1"/>
+          </a:fillRef>
+          <a:effectRef idx="0">
+            <a:schemeClr val="accent1"/>
+          </a:effectRef>
+          <a:fontRef idx="minor">
+            <a:schemeClr val="lt1"/>
+          </a:fontRef>
+        </p:style>
+        <p:txBody>
+          <a:bodyPr rtlCol="0" anchor="ctr"/>
+          <a:lstStyle/>
+          <a:p>
+            <a:pPr algn="ctr"/>
+            <a:r>
+              <a:rPr lang="cs-CZ" dirty="0"/>
+              <a:t>CCAB</a:t>
+            </a:r>
+          </a:p>
+        </p:txBody>
+      </p:sp>
+      <p:sp>
+        <p:nvSpPr>
+          <p:cNvPr id="8" name="TextovéPole 7">
+            <a:extLst>
+              <a:ext uri="{FF2B5EF4-FFF2-40B4-BE49-F238E27FC236}">
+                <a16:creationId xmlns:a16="http://schemas.microsoft.com/office/drawing/2014/main" id="{0D505D4B-655B-3C7B-E507-22C67A5C82E0}"/>
+              </a:ext>
+            </a:extLst>
+          </p:cNvPr>
+          <p:cNvSpPr txBox="1"/>
+          <p:nvPr/>
+        </p:nvSpPr>
+        <p:spPr>
+          <a:xfrm>
+            <a:off x="4210049" y="563212"/>
+            <a:ext cx="1390651" cy="523220"/>
+          </a:xfrm>
+          <a:prstGeom prst="rect">
+            <a:avLst/>
+          </a:prstGeom>
+          <a:noFill/>
+        </p:spPr>
+        <p:txBody>
+          <a:bodyPr wrap="square" rtlCol="0">
+            <a:spAutoFit/>
+          </a:bodyPr>
+          <a:lstStyle/>
+          <a:p>
+            <a:r>
+              <a:rPr lang="cs-CZ" sz="2800" dirty="0" err="1"/>
+              <a:t>Mapper</a:t>
+            </a:r>
+            <a:endParaRPr lang="cs-CZ" sz="2800" dirty="0"/>
+          </a:p>
+        </p:txBody>
+      </p:sp>
+      <p:sp>
+        <p:nvSpPr>
+          <p:cNvPr id="9" name="TextovéPole 8">
+            <a:extLst>
+              <a:ext uri="{FF2B5EF4-FFF2-40B4-BE49-F238E27FC236}">
+                <a16:creationId xmlns:a16="http://schemas.microsoft.com/office/drawing/2014/main" id="{A179A77F-EE8D-5648-2D59-9959D5874B05}"/>
+              </a:ext>
+            </a:extLst>
+          </p:cNvPr>
+          <p:cNvSpPr txBox="1"/>
+          <p:nvPr/>
+        </p:nvSpPr>
+        <p:spPr>
+          <a:xfrm>
+            <a:off x="6753227" y="591205"/>
+            <a:ext cx="1390651" cy="523220"/>
+          </a:xfrm>
+          <a:prstGeom prst="rect">
+            <a:avLst/>
+          </a:prstGeom>
+          <a:noFill/>
+        </p:spPr>
+        <p:txBody>
+          <a:bodyPr wrap="square" rtlCol="0">
+            <a:spAutoFit/>
+          </a:bodyPr>
+          <a:lstStyle/>
+          <a:p>
+            <a:r>
+              <a:rPr lang="cs-CZ" sz="2800" dirty="0" err="1"/>
+              <a:t>Shuffle</a:t>
+            </a:r>
+            <a:endParaRPr lang="cs-CZ" sz="2800" dirty="0"/>
+          </a:p>
+        </p:txBody>
+      </p:sp>
+      <p:sp>
+        <p:nvSpPr>
+          <p:cNvPr id="10" name="TextovéPole 9">
+            <a:extLst>
+              <a:ext uri="{FF2B5EF4-FFF2-40B4-BE49-F238E27FC236}">
+                <a16:creationId xmlns:a16="http://schemas.microsoft.com/office/drawing/2014/main" id="{A1B53295-066B-44E6-3699-CC73133B3C1E}"/>
+              </a:ext>
+            </a:extLst>
+          </p:cNvPr>
+          <p:cNvSpPr txBox="1"/>
+          <p:nvPr/>
+        </p:nvSpPr>
+        <p:spPr>
+          <a:xfrm>
+            <a:off x="8972555" y="591205"/>
+            <a:ext cx="1390651" cy="523220"/>
+          </a:xfrm>
+          <a:prstGeom prst="rect">
+            <a:avLst/>
+          </a:prstGeom>
+          <a:noFill/>
+        </p:spPr>
+        <p:txBody>
+          <a:bodyPr wrap="square" rtlCol="0">
+            <a:spAutoFit/>
+          </a:bodyPr>
+          <a:lstStyle/>
+          <a:p>
+            <a:r>
+              <a:rPr lang="cs-CZ" sz="2800" dirty="0" err="1"/>
+              <a:t>Reducer</a:t>
+            </a:r>
+            <a:endParaRPr lang="cs-CZ" sz="2800" dirty="0"/>
+          </a:p>
+        </p:txBody>
+      </p:sp>
+      <p:sp>
+        <p:nvSpPr>
+          <p:cNvPr id="11" name="Obdélník: se zakulacenými rohy 10">
+            <a:extLst>
+              <a:ext uri="{FF2B5EF4-FFF2-40B4-BE49-F238E27FC236}">
+                <a16:creationId xmlns:a16="http://schemas.microsoft.com/office/drawing/2014/main" id="{ED7E3C71-2A3C-78F3-92F4-8C0E0B19EF9B}"/>
+              </a:ext>
+            </a:extLst>
+          </p:cNvPr>
+          <p:cNvSpPr/>
+          <p:nvPr/>
+        </p:nvSpPr>
+        <p:spPr>
+          <a:xfrm>
+            <a:off x="4105274" y="1009650"/>
+            <a:ext cx="1600200" cy="1257300"/>
+          </a:xfrm>
+          <a:prstGeom prst="roundRect">
+            <a:avLst/>
+          </a:prstGeom>
+        </p:spPr>
+        <p:style>
+          <a:lnRef idx="2">
+            <a:schemeClr val="accent1">
+              <a:shade val="50000"/>
+            </a:schemeClr>
+          </a:lnRef>
+          <a:fillRef idx="1">
+            <a:schemeClr val="accent1"/>
+          </a:fillRef>
+          <a:effectRef idx="0">
+            <a:schemeClr val="accent1"/>
+          </a:effectRef>
+          <a:fontRef idx="minor">
+            <a:schemeClr val="lt1"/>
+          </a:fontRef>
+        </p:style>
+        <p:txBody>
+          <a:bodyPr rtlCol="0" anchor="ctr"/>
+          <a:lstStyle/>
+          <a:p>
+            <a:pPr algn="ctr"/>
+            <a:r>
+              <a:rPr lang="cs-CZ" dirty="0"/>
+              <a:t>A, 1</a:t>
+            </a:r>
+            <a:br>
+              <a:rPr lang="cs-CZ" dirty="0"/>
+            </a:br>
+            <a:r>
+              <a:rPr lang="cs-CZ" dirty="0"/>
+              <a:t>B, 1</a:t>
+            </a:r>
+          </a:p>
+          <a:p>
+            <a:pPr algn="ctr"/>
+            <a:r>
+              <a:rPr lang="cs-CZ" dirty="0"/>
+              <a:t>C, 1</a:t>
+            </a:r>
+          </a:p>
+          <a:p>
+            <a:pPr algn="ctr"/>
+            <a:r>
+              <a:rPr lang="cs-CZ" dirty="0"/>
+              <a:t>A, 1</a:t>
+            </a:r>
+          </a:p>
+        </p:txBody>
+      </p:sp>
+      <p:sp>
+        <p:nvSpPr>
+          <p:cNvPr id="12" name="Obdélník: se zakulacenými rohy 11">
+            <a:extLst>
+              <a:ext uri="{FF2B5EF4-FFF2-40B4-BE49-F238E27FC236}">
+                <a16:creationId xmlns:a16="http://schemas.microsoft.com/office/drawing/2014/main" id="{556770CD-D860-C8E0-FAEE-E07CD5A6CCE0}"/>
+              </a:ext>
+            </a:extLst>
+          </p:cNvPr>
+          <p:cNvSpPr/>
+          <p:nvPr/>
+        </p:nvSpPr>
+        <p:spPr>
+          <a:xfrm>
+            <a:off x="4105274" y="2273549"/>
+            <a:ext cx="1600200" cy="1257300"/>
+          </a:xfrm>
+          <a:prstGeom prst="roundRect">
+            <a:avLst/>
+          </a:prstGeom>
+        </p:spPr>
+        <p:style>
+          <a:lnRef idx="2">
+            <a:schemeClr val="accent1">
+              <a:shade val="50000"/>
+            </a:schemeClr>
+          </a:lnRef>
+          <a:fillRef idx="1">
+            <a:schemeClr val="accent1"/>
+          </a:fillRef>
+          <a:effectRef idx="0">
+            <a:schemeClr val="accent1"/>
+          </a:effectRef>
+          <a:fontRef idx="minor">
+            <a:schemeClr val="lt1"/>
+          </a:fontRef>
+        </p:style>
+        <p:txBody>
+          <a:bodyPr rtlCol="0" anchor="ctr"/>
+          <a:lstStyle/>
+          <a:p>
+            <a:pPr algn="ctr"/>
+            <a:r>
+              <a:rPr lang="cs-CZ" dirty="0"/>
+              <a:t>B, 1</a:t>
+            </a:r>
+            <a:br>
+              <a:rPr lang="cs-CZ" dirty="0"/>
+            </a:br>
+            <a:r>
+              <a:rPr lang="cs-CZ" dirty="0"/>
+              <a:t>B, 1</a:t>
+            </a:r>
+          </a:p>
+          <a:p>
+            <a:pPr algn="ctr"/>
+            <a:r>
+              <a:rPr lang="cs-CZ" dirty="0"/>
+              <a:t>A, 1</a:t>
+            </a:r>
+          </a:p>
+          <a:p>
+            <a:pPr algn="ctr"/>
+            <a:r>
+              <a:rPr lang="cs-CZ" dirty="0"/>
+              <a:t>C, 1</a:t>
+            </a:r>
+          </a:p>
+        </p:txBody>
+      </p:sp>
+      <p:sp>
+        <p:nvSpPr>
+          <p:cNvPr id="13" name="Obdélník: se zakulacenými rohy 12">
+            <a:extLst>
+              <a:ext uri="{FF2B5EF4-FFF2-40B4-BE49-F238E27FC236}">
+                <a16:creationId xmlns:a16="http://schemas.microsoft.com/office/drawing/2014/main" id="{D94494C2-A621-8B0F-6EE8-CA31F69C5C5F}"/>
+              </a:ext>
+            </a:extLst>
+          </p:cNvPr>
+          <p:cNvSpPr/>
+          <p:nvPr/>
+        </p:nvSpPr>
+        <p:spPr>
+          <a:xfrm>
+            <a:off x="4105274" y="3526052"/>
+            <a:ext cx="1600200" cy="1257300"/>
+          </a:xfrm>
+          <a:prstGeom prst="roundRect">
+            <a:avLst/>
+          </a:prstGeom>
+        </p:spPr>
+        <p:style>
+          <a:lnRef idx="2">
+            <a:schemeClr val="accent1">
+              <a:shade val="50000"/>
+            </a:schemeClr>
+          </a:lnRef>
+          <a:fillRef idx="1">
+            <a:schemeClr val="accent1"/>
+          </a:fillRef>
+          <a:effectRef idx="0">
+            <a:schemeClr val="accent1"/>
+          </a:effectRef>
+          <a:fontRef idx="minor">
+            <a:schemeClr val="lt1"/>
+          </a:fontRef>
+        </p:style>
+        <p:txBody>
+          <a:bodyPr rtlCol="0" anchor="ctr"/>
+          <a:lstStyle/>
+          <a:p>
+            <a:pPr algn="ctr"/>
+            <a:r>
+              <a:rPr lang="cs-CZ" dirty="0"/>
+              <a:t>C, 1</a:t>
+            </a:r>
+            <a:br>
+              <a:rPr lang="cs-CZ" dirty="0"/>
+            </a:br>
+            <a:r>
+              <a:rPr lang="cs-CZ" dirty="0"/>
+              <a:t>C, 1</a:t>
+            </a:r>
+          </a:p>
+          <a:p>
+            <a:pPr algn="ctr"/>
+            <a:r>
+              <a:rPr lang="cs-CZ" dirty="0"/>
+              <a:t>A, 1</a:t>
+            </a:r>
+          </a:p>
+          <a:p>
+            <a:pPr algn="ctr"/>
+            <a:r>
+              <a:rPr lang="cs-CZ" dirty="0"/>
+              <a:t>B, 1</a:t>
+            </a:r>
+          </a:p>
+        </p:txBody>
+      </p:sp>
+      <p:sp>
+        <p:nvSpPr>
+          <p:cNvPr id="14" name="Obdélník: se zakulacenými rohy 13">
+            <a:extLst>
+              <a:ext uri="{FF2B5EF4-FFF2-40B4-BE49-F238E27FC236}">
+                <a16:creationId xmlns:a16="http://schemas.microsoft.com/office/drawing/2014/main" id="{3DDF5B93-9E6C-9791-3555-DB9B48F98CA7}"/>
+              </a:ext>
+            </a:extLst>
+          </p:cNvPr>
+          <p:cNvSpPr/>
+          <p:nvPr/>
+        </p:nvSpPr>
+        <p:spPr>
+          <a:xfrm>
+            <a:off x="6534151" y="1095376"/>
+            <a:ext cx="1600200" cy="1179638"/>
+          </a:xfrm>
+          <a:prstGeom prst="roundRect">
+            <a:avLst/>
+          </a:prstGeom>
+        </p:spPr>
+        <p:style>
+          <a:lnRef idx="2">
+            <a:schemeClr val="accent1">
+              <a:shade val="50000"/>
+            </a:schemeClr>
+          </a:lnRef>
+          <a:fillRef idx="1">
+            <a:schemeClr val="accent1"/>
+          </a:fillRef>
+          <a:effectRef idx="0">
+            <a:schemeClr val="accent1"/>
+          </a:effectRef>
+          <a:fontRef idx="minor">
+            <a:schemeClr val="lt1"/>
+          </a:fontRef>
+        </p:style>
+        <p:txBody>
+          <a:bodyPr rtlCol="0" anchor="ctr"/>
+          <a:lstStyle/>
+          <a:p>
+            <a:pPr algn="ctr"/>
+            <a:r>
+              <a:rPr lang="cs-CZ" dirty="0"/>
+              <a:t>A, 1</a:t>
+            </a:r>
+          </a:p>
+          <a:p>
+            <a:pPr algn="ctr"/>
+            <a:r>
+              <a:rPr lang="cs-CZ" dirty="0"/>
+              <a:t>A, 1</a:t>
+            </a:r>
+          </a:p>
+          <a:p>
+            <a:pPr algn="ctr"/>
+            <a:r>
+              <a:rPr lang="cs-CZ" dirty="0"/>
+              <a:t>A, 1</a:t>
+            </a:r>
+          </a:p>
+          <a:p>
+            <a:pPr algn="ctr"/>
+            <a:r>
+              <a:rPr lang="cs-CZ" dirty="0"/>
+              <a:t>A, 1</a:t>
+            </a:r>
+          </a:p>
+        </p:txBody>
+      </p:sp>
+      <p:sp>
+        <p:nvSpPr>
+          <p:cNvPr id="15" name="Obdélník: se zakulacenými rohy 14">
+            <a:extLst>
+              <a:ext uri="{FF2B5EF4-FFF2-40B4-BE49-F238E27FC236}">
+                <a16:creationId xmlns:a16="http://schemas.microsoft.com/office/drawing/2014/main" id="{174DA469-66E5-6A08-0F97-0F0E57C4C91E}"/>
+              </a:ext>
+            </a:extLst>
+          </p:cNvPr>
+          <p:cNvSpPr/>
+          <p:nvPr/>
+        </p:nvSpPr>
+        <p:spPr>
+          <a:xfrm>
+            <a:off x="6534151" y="2284463"/>
+            <a:ext cx="1600200" cy="1257300"/>
+          </a:xfrm>
+          <a:prstGeom prst="roundRect">
+            <a:avLst/>
+          </a:prstGeom>
+        </p:spPr>
+        <p:style>
+          <a:lnRef idx="2">
+            <a:schemeClr val="accent1">
+              <a:shade val="50000"/>
+            </a:schemeClr>
+          </a:lnRef>
+          <a:fillRef idx="1">
+            <a:schemeClr val="accent1"/>
+          </a:fillRef>
+          <a:effectRef idx="0">
+            <a:schemeClr val="accent1"/>
+          </a:effectRef>
+          <a:fontRef idx="minor">
+            <a:schemeClr val="lt1"/>
+          </a:fontRef>
+        </p:style>
+        <p:txBody>
+          <a:bodyPr rtlCol="0" anchor="ctr"/>
+          <a:lstStyle/>
+          <a:p>
+            <a:pPr algn="ctr"/>
+            <a:r>
+              <a:rPr lang="cs-CZ" dirty="0"/>
+              <a:t>B, 1</a:t>
+            </a:r>
+            <a:br>
+              <a:rPr lang="cs-CZ" dirty="0"/>
+            </a:br>
+            <a:r>
+              <a:rPr lang="cs-CZ" dirty="0"/>
+              <a:t>B, 1</a:t>
+            </a:r>
+          </a:p>
+          <a:p>
+            <a:pPr algn="ctr"/>
+            <a:r>
+              <a:rPr lang="cs-CZ" dirty="0"/>
+              <a:t>B, 1</a:t>
+            </a:r>
+          </a:p>
+          <a:p>
+            <a:pPr algn="ctr"/>
+            <a:r>
+              <a:rPr lang="cs-CZ" dirty="0"/>
+              <a:t>B, 1</a:t>
+            </a:r>
+          </a:p>
+        </p:txBody>
+      </p:sp>
+      <p:sp>
+        <p:nvSpPr>
+          <p:cNvPr id="16" name="Obdélník: se zakulacenými rohy 15">
+            <a:extLst>
+              <a:ext uri="{FF2B5EF4-FFF2-40B4-BE49-F238E27FC236}">
+                <a16:creationId xmlns:a16="http://schemas.microsoft.com/office/drawing/2014/main" id="{AA97C660-DDBB-8CAD-F7B3-04A11DD9031B}"/>
+              </a:ext>
+            </a:extLst>
+          </p:cNvPr>
+          <p:cNvSpPr/>
+          <p:nvPr/>
+        </p:nvSpPr>
+        <p:spPr>
+          <a:xfrm>
+            <a:off x="6543678" y="3526052"/>
+            <a:ext cx="1600200" cy="1257300"/>
+          </a:xfrm>
+          <a:prstGeom prst="roundRect">
+            <a:avLst/>
+          </a:prstGeom>
+        </p:spPr>
+        <p:style>
+          <a:lnRef idx="2">
+            <a:schemeClr val="accent1">
+              <a:shade val="50000"/>
+            </a:schemeClr>
+          </a:lnRef>
+          <a:fillRef idx="1">
+            <a:schemeClr val="accent1"/>
+          </a:fillRef>
+          <a:effectRef idx="0">
+            <a:schemeClr val="accent1"/>
+          </a:effectRef>
+          <a:fontRef idx="minor">
+            <a:schemeClr val="lt1"/>
+          </a:fontRef>
+        </p:style>
+        <p:txBody>
+          <a:bodyPr rtlCol="0" anchor="ctr"/>
+          <a:lstStyle/>
+          <a:p>
+            <a:pPr algn="ctr"/>
+            <a:r>
+              <a:rPr lang="cs-CZ" dirty="0"/>
+              <a:t>C, 1</a:t>
+            </a:r>
+            <a:br>
+              <a:rPr lang="cs-CZ" dirty="0"/>
+            </a:br>
+            <a:r>
+              <a:rPr lang="cs-CZ" dirty="0"/>
+              <a:t>C, 1</a:t>
+            </a:r>
+          </a:p>
+          <a:p>
+            <a:pPr algn="ctr"/>
+            <a:r>
+              <a:rPr lang="cs-CZ" dirty="0"/>
+              <a:t>C, 1</a:t>
+            </a:r>
+          </a:p>
+          <a:p>
+            <a:pPr algn="ctr"/>
+            <a:r>
+              <a:rPr lang="cs-CZ" dirty="0"/>
+              <a:t>C, 1</a:t>
+            </a:r>
+          </a:p>
+        </p:txBody>
+      </p:sp>
+      <p:sp>
+        <p:nvSpPr>
+          <p:cNvPr id="17" name="Obdélník: se zakulacenými rohy 16">
+            <a:extLst>
+              <a:ext uri="{FF2B5EF4-FFF2-40B4-BE49-F238E27FC236}">
+                <a16:creationId xmlns:a16="http://schemas.microsoft.com/office/drawing/2014/main" id="{34804E2A-AD34-93B0-523D-6C3442DFA4B1}"/>
+              </a:ext>
+            </a:extLst>
+          </p:cNvPr>
+          <p:cNvSpPr/>
+          <p:nvPr/>
+        </p:nvSpPr>
+        <p:spPr>
+          <a:xfrm>
+            <a:off x="8867780" y="1379955"/>
+            <a:ext cx="1600200" cy="695325"/>
+          </a:xfrm>
+          <a:prstGeom prst="roundRect">
+            <a:avLst/>
+          </a:prstGeom>
+        </p:spPr>
+        <p:style>
+          <a:lnRef idx="2">
+            <a:schemeClr val="accent1">
+              <a:shade val="50000"/>
+            </a:schemeClr>
+          </a:lnRef>
+          <a:fillRef idx="1">
+            <a:schemeClr val="accent1"/>
+          </a:fillRef>
+          <a:effectRef idx="0">
+            <a:schemeClr val="accent1"/>
+          </a:effectRef>
+          <a:fontRef idx="minor">
+            <a:schemeClr val="lt1"/>
+          </a:fontRef>
+        </p:style>
+        <p:txBody>
+          <a:bodyPr rtlCol="0" anchor="ctr"/>
+          <a:lstStyle/>
+          <a:p>
+            <a:pPr algn="ctr"/>
+            <a:r>
+              <a:rPr lang="cs-CZ" dirty="0"/>
+              <a:t>A, 4</a:t>
+            </a:r>
+          </a:p>
+        </p:txBody>
+      </p:sp>
+      <p:sp>
+        <p:nvSpPr>
+          <p:cNvPr id="18" name="Obdélník: se zakulacenými rohy 17">
+            <a:extLst>
+              <a:ext uri="{FF2B5EF4-FFF2-40B4-BE49-F238E27FC236}">
+                <a16:creationId xmlns:a16="http://schemas.microsoft.com/office/drawing/2014/main" id="{4B5635F5-8060-617E-AD4F-CA90AFCA225B}"/>
+              </a:ext>
+            </a:extLst>
+          </p:cNvPr>
+          <p:cNvSpPr/>
+          <p:nvPr/>
+        </p:nvSpPr>
+        <p:spPr>
+          <a:xfrm>
+            <a:off x="8867780" y="2621795"/>
+            <a:ext cx="1600200" cy="695325"/>
+          </a:xfrm>
+          <a:prstGeom prst="roundRect">
+            <a:avLst/>
+          </a:prstGeom>
+        </p:spPr>
+        <p:style>
+          <a:lnRef idx="2">
+            <a:schemeClr val="accent1">
+              <a:shade val="50000"/>
+            </a:schemeClr>
+          </a:lnRef>
+          <a:fillRef idx="1">
+            <a:schemeClr val="accent1"/>
+          </a:fillRef>
+          <a:effectRef idx="0">
+            <a:schemeClr val="accent1"/>
+          </a:effectRef>
+          <a:fontRef idx="minor">
+            <a:schemeClr val="lt1"/>
+          </a:fontRef>
+        </p:style>
+        <p:txBody>
+          <a:bodyPr rtlCol="0" anchor="ctr"/>
+          <a:lstStyle/>
+          <a:p>
+            <a:pPr algn="ctr"/>
+            <a:r>
+              <a:rPr lang="cs-CZ" dirty="0"/>
+              <a:t>B, 4</a:t>
+            </a:r>
+          </a:p>
+        </p:txBody>
+      </p:sp>
+      <p:sp>
+        <p:nvSpPr>
+          <p:cNvPr id="19" name="Obdélník: se zakulacenými rohy 18">
+            <a:extLst>
+              <a:ext uri="{FF2B5EF4-FFF2-40B4-BE49-F238E27FC236}">
+                <a16:creationId xmlns:a16="http://schemas.microsoft.com/office/drawing/2014/main" id="{4C42DAF5-575C-8741-A705-A467DEF639A9}"/>
+              </a:ext>
+            </a:extLst>
+          </p:cNvPr>
+          <p:cNvSpPr/>
+          <p:nvPr/>
+        </p:nvSpPr>
+        <p:spPr>
+          <a:xfrm>
+            <a:off x="8867780" y="3904355"/>
+            <a:ext cx="1600200" cy="695325"/>
+          </a:xfrm>
+          <a:prstGeom prst="roundRect">
+            <a:avLst/>
+          </a:prstGeom>
+        </p:spPr>
+        <p:style>
+          <a:lnRef idx="2">
+            <a:schemeClr val="accent1">
+              <a:shade val="50000"/>
+            </a:schemeClr>
+          </a:lnRef>
+          <a:fillRef idx="1">
+            <a:schemeClr val="accent1"/>
+          </a:fillRef>
+          <a:effectRef idx="0">
+            <a:schemeClr val="accent1"/>
+          </a:effectRef>
+          <a:fontRef idx="minor">
+            <a:schemeClr val="lt1"/>
+          </a:fontRef>
+        </p:style>
+        <p:txBody>
+          <a:bodyPr rtlCol="0" anchor="ctr"/>
+          <a:lstStyle/>
+          <a:p>
+            <a:pPr algn="ctr"/>
+            <a:r>
+              <a:rPr lang="cs-CZ" dirty="0"/>
+              <a:t>C, 4</a:t>
+            </a:r>
+          </a:p>
+        </p:txBody>
+      </p:sp>
+      <p:cxnSp>
+        <p:nvCxnSpPr>
+          <p:cNvPr id="20" name="Přímá spojnice se šipkou 19">
+            <a:extLst>
+              <a:ext uri="{FF2B5EF4-FFF2-40B4-BE49-F238E27FC236}">
+                <a16:creationId xmlns:a16="http://schemas.microsoft.com/office/drawing/2014/main" id="{4BCEAC55-EFDF-CD46-EDA6-F5167A2B815F}"/>
+              </a:ext>
+            </a:extLst>
+          </p:cNvPr>
+          <p:cNvCxnSpPr>
+            <a:cxnSpLocks/>
+          </p:cNvCxnSpPr>
+          <p:nvPr/>
+        </p:nvCxnSpPr>
+        <p:spPr>
+          <a:xfrm>
+            <a:off x="2562224" y="1736326"/>
+            <a:ext cx="1733551" cy="109"/>
+          </a:xfrm>
+          <a:prstGeom prst="straightConnector1">
+            <a:avLst/>
+          </a:prstGeom>
+          <a:ln w="38100">
+            <a:solidFill>
+              <a:schemeClr val="bg2">
+                <a:lumMod val="25000"/>
+              </a:schemeClr>
+            </a:solidFill>
+            <a:tailEnd type="triangle"/>
+          </a:ln>
+        </p:spPr>
+        <p:style>
+          <a:lnRef idx="1">
+            <a:schemeClr val="dk1"/>
+          </a:lnRef>
+          <a:fillRef idx="0">
+            <a:schemeClr val="dk1"/>
+          </a:fillRef>
+          <a:effectRef idx="0">
+            <a:schemeClr val="dk1"/>
+          </a:effectRef>
+          <a:fontRef idx="minor">
+            <a:schemeClr val="tx1"/>
+          </a:fontRef>
+        </p:style>
+      </p:cxnSp>
+      <p:cxnSp>
+        <p:nvCxnSpPr>
+          <p:cNvPr id="23" name="Přímá spojnice se šipkou 22">
+            <a:extLst>
+              <a:ext uri="{FF2B5EF4-FFF2-40B4-BE49-F238E27FC236}">
+                <a16:creationId xmlns:a16="http://schemas.microsoft.com/office/drawing/2014/main" id="{FDF41B31-23DD-A6B7-DE2E-6ECDEF7920FE}"/>
+              </a:ext>
+            </a:extLst>
+          </p:cNvPr>
+          <p:cNvCxnSpPr>
+            <a:cxnSpLocks/>
+          </p:cNvCxnSpPr>
+          <p:nvPr/>
+        </p:nvCxnSpPr>
+        <p:spPr>
+          <a:xfrm>
+            <a:off x="2600323" y="2893038"/>
+            <a:ext cx="1733551" cy="109"/>
+          </a:xfrm>
+          <a:prstGeom prst="straightConnector1">
+            <a:avLst/>
+          </a:prstGeom>
+          <a:ln w="38100">
+            <a:solidFill>
+              <a:schemeClr val="bg2">
+                <a:lumMod val="25000"/>
+              </a:schemeClr>
+            </a:solidFill>
+            <a:tailEnd type="triangle"/>
+          </a:ln>
+        </p:spPr>
+        <p:style>
+          <a:lnRef idx="1">
+            <a:schemeClr val="dk1"/>
+          </a:lnRef>
+          <a:fillRef idx="0">
+            <a:schemeClr val="dk1"/>
+          </a:fillRef>
+          <a:effectRef idx="0">
+            <a:schemeClr val="dk1"/>
+          </a:effectRef>
+          <a:fontRef idx="minor">
+            <a:schemeClr val="tx1"/>
+          </a:fontRef>
+        </p:style>
+      </p:cxnSp>
+      <p:cxnSp>
+        <p:nvCxnSpPr>
+          <p:cNvPr id="24" name="Přímá spojnice se šipkou 23">
+            <a:extLst>
+              <a:ext uri="{FF2B5EF4-FFF2-40B4-BE49-F238E27FC236}">
+                <a16:creationId xmlns:a16="http://schemas.microsoft.com/office/drawing/2014/main" id="{948A6641-A73E-BEF0-3E06-CFC4CF74073A}"/>
+              </a:ext>
+            </a:extLst>
+          </p:cNvPr>
+          <p:cNvCxnSpPr>
+            <a:cxnSpLocks/>
+          </p:cNvCxnSpPr>
+          <p:nvPr/>
+        </p:nvCxnSpPr>
+        <p:spPr>
+          <a:xfrm>
+            <a:off x="2576513" y="4172469"/>
+            <a:ext cx="1733551" cy="109"/>
+          </a:xfrm>
+          <a:prstGeom prst="straightConnector1">
+            <a:avLst/>
+          </a:prstGeom>
+          <a:ln w="38100">
+            <a:solidFill>
+              <a:schemeClr val="bg2">
+                <a:lumMod val="25000"/>
+              </a:schemeClr>
+            </a:solidFill>
+            <a:tailEnd type="triangle"/>
+          </a:ln>
+        </p:spPr>
+        <p:style>
+          <a:lnRef idx="1">
+            <a:schemeClr val="dk1"/>
+          </a:lnRef>
+          <a:fillRef idx="0">
+            <a:schemeClr val="dk1"/>
+          </a:fillRef>
+          <a:effectRef idx="0">
+            <a:schemeClr val="dk1"/>
+          </a:effectRef>
+          <a:fontRef idx="minor">
+            <a:schemeClr val="tx1"/>
+          </a:fontRef>
+        </p:style>
+      </p:cxnSp>
+      <p:cxnSp>
+        <p:nvCxnSpPr>
+          <p:cNvPr id="25" name="Přímá spojnice se šipkou 24">
+            <a:extLst>
+              <a:ext uri="{FF2B5EF4-FFF2-40B4-BE49-F238E27FC236}">
+                <a16:creationId xmlns:a16="http://schemas.microsoft.com/office/drawing/2014/main" id="{720EB965-11A6-DEDD-23CD-D33CE5F63213}"/>
+              </a:ext>
+            </a:extLst>
+          </p:cNvPr>
+          <p:cNvCxnSpPr>
+            <a:cxnSpLocks/>
+          </p:cNvCxnSpPr>
+          <p:nvPr/>
+        </p:nvCxnSpPr>
+        <p:spPr>
+          <a:xfrm>
+            <a:off x="5124449" y="1243751"/>
+            <a:ext cx="1971676" cy="52044"/>
+          </a:xfrm>
+          <a:prstGeom prst="straightConnector1">
+            <a:avLst/>
+          </a:prstGeom>
+          <a:ln w="38100">
+            <a:solidFill>
+              <a:schemeClr val="bg2">
+                <a:lumMod val="25000"/>
+              </a:schemeClr>
+            </a:solidFill>
+            <a:tailEnd type="triangle"/>
+          </a:ln>
+        </p:spPr>
+        <p:style>
+          <a:lnRef idx="1">
+            <a:schemeClr val="dk1"/>
+          </a:lnRef>
+          <a:fillRef idx="0">
+            <a:schemeClr val="dk1"/>
+          </a:fillRef>
+          <a:effectRef idx="0">
+            <a:schemeClr val="dk1"/>
+          </a:effectRef>
+          <a:fontRef idx="minor">
+            <a:schemeClr val="tx1"/>
+          </a:fontRef>
+        </p:style>
+      </p:cxnSp>
+      <p:cxnSp>
+        <p:nvCxnSpPr>
+          <p:cNvPr id="27" name="Přímá spojnice se šipkou 26">
+            <a:extLst>
+              <a:ext uri="{FF2B5EF4-FFF2-40B4-BE49-F238E27FC236}">
+                <a16:creationId xmlns:a16="http://schemas.microsoft.com/office/drawing/2014/main" id="{F030B2AF-BED8-8488-6E39-27D02B9A4A75}"/>
+              </a:ext>
+            </a:extLst>
+          </p:cNvPr>
+          <p:cNvCxnSpPr>
+            <a:cxnSpLocks/>
+          </p:cNvCxnSpPr>
+          <p:nvPr/>
+        </p:nvCxnSpPr>
+        <p:spPr>
+          <a:xfrm flipV="1">
+            <a:off x="5133978" y="1560863"/>
+            <a:ext cx="1962147" cy="514417"/>
+          </a:xfrm>
+          <a:prstGeom prst="straightConnector1">
+            <a:avLst/>
+          </a:prstGeom>
+          <a:ln w="38100">
+            <a:solidFill>
+              <a:schemeClr val="bg2">
+                <a:lumMod val="25000"/>
+              </a:schemeClr>
+            </a:solidFill>
+            <a:tailEnd type="triangle"/>
+          </a:ln>
+        </p:spPr>
+        <p:style>
+          <a:lnRef idx="1">
+            <a:schemeClr val="dk1"/>
+          </a:lnRef>
+          <a:fillRef idx="0">
+            <a:schemeClr val="dk1"/>
+          </a:fillRef>
+          <a:effectRef idx="0">
+            <a:schemeClr val="dk1"/>
+          </a:effectRef>
+          <a:fontRef idx="minor">
+            <a:schemeClr val="tx1"/>
+          </a:fontRef>
+        </p:style>
+      </p:cxnSp>
+      <p:cxnSp>
+        <p:nvCxnSpPr>
+          <p:cNvPr id="29" name="Přímá spojnice se šipkou 28">
+            <a:extLst>
+              <a:ext uri="{FF2B5EF4-FFF2-40B4-BE49-F238E27FC236}">
+                <a16:creationId xmlns:a16="http://schemas.microsoft.com/office/drawing/2014/main" id="{BF0B66A0-FC66-3175-4179-2363997B7CC5}"/>
+              </a:ext>
+            </a:extLst>
+          </p:cNvPr>
+          <p:cNvCxnSpPr>
+            <a:cxnSpLocks/>
+          </p:cNvCxnSpPr>
+          <p:nvPr/>
+        </p:nvCxnSpPr>
+        <p:spPr>
+          <a:xfrm flipV="1">
+            <a:off x="5172078" y="1811763"/>
+            <a:ext cx="1924047" cy="1259593"/>
+          </a:xfrm>
+          <a:prstGeom prst="straightConnector1">
+            <a:avLst/>
+          </a:prstGeom>
+          <a:ln w="38100">
+            <a:solidFill>
+              <a:schemeClr val="bg2">
+                <a:lumMod val="25000"/>
+              </a:schemeClr>
+            </a:solidFill>
+            <a:tailEnd type="triangle"/>
+          </a:ln>
+        </p:spPr>
+        <p:style>
+          <a:lnRef idx="1">
+            <a:schemeClr val="dk1"/>
+          </a:lnRef>
+          <a:fillRef idx="0">
+            <a:schemeClr val="dk1"/>
+          </a:fillRef>
+          <a:effectRef idx="0">
+            <a:schemeClr val="dk1"/>
+          </a:effectRef>
+          <a:fontRef idx="minor">
+            <a:schemeClr val="tx1"/>
+          </a:fontRef>
+        </p:style>
+      </p:cxnSp>
+      <p:cxnSp>
+        <p:nvCxnSpPr>
+          <p:cNvPr id="34" name="Přímá spojnice se šipkou 33">
+            <a:extLst>
+              <a:ext uri="{FF2B5EF4-FFF2-40B4-BE49-F238E27FC236}">
+                <a16:creationId xmlns:a16="http://schemas.microsoft.com/office/drawing/2014/main" id="{A585D30B-75D5-00BF-5964-FD6BC09EE763}"/>
+              </a:ext>
+            </a:extLst>
+          </p:cNvPr>
+          <p:cNvCxnSpPr>
+            <a:cxnSpLocks/>
+          </p:cNvCxnSpPr>
+          <p:nvPr/>
+        </p:nvCxnSpPr>
+        <p:spPr>
+          <a:xfrm flipV="1">
+            <a:off x="5191132" y="2110501"/>
+            <a:ext cx="1904993" cy="2211893"/>
+          </a:xfrm>
+          <a:prstGeom prst="straightConnector1">
+            <a:avLst/>
+          </a:prstGeom>
+          <a:ln w="38100">
+            <a:solidFill>
+              <a:schemeClr val="bg2">
+                <a:lumMod val="25000"/>
+              </a:schemeClr>
+            </a:solidFill>
+            <a:tailEnd type="triangle"/>
+          </a:ln>
+        </p:spPr>
+        <p:style>
+          <a:lnRef idx="1">
+            <a:schemeClr val="dk1"/>
+          </a:lnRef>
+          <a:fillRef idx="0">
+            <a:schemeClr val="dk1"/>
+          </a:fillRef>
+          <a:effectRef idx="0">
+            <a:schemeClr val="dk1"/>
+          </a:effectRef>
+          <a:fontRef idx="minor">
+            <a:schemeClr val="tx1"/>
+          </a:fontRef>
+        </p:style>
+      </p:cxnSp>
+      <p:cxnSp>
+        <p:nvCxnSpPr>
+          <p:cNvPr id="36" name="Přímá spojnice se šipkou 35">
+            <a:extLst>
+              <a:ext uri="{FF2B5EF4-FFF2-40B4-BE49-F238E27FC236}">
+                <a16:creationId xmlns:a16="http://schemas.microsoft.com/office/drawing/2014/main" id="{2AD17BB1-137E-88BE-67D3-78902D7EF205}"/>
+              </a:ext>
+            </a:extLst>
+          </p:cNvPr>
+          <p:cNvCxnSpPr>
+            <a:cxnSpLocks/>
+          </p:cNvCxnSpPr>
+          <p:nvPr/>
+        </p:nvCxnSpPr>
+        <p:spPr>
+          <a:xfrm>
+            <a:off x="5181608" y="1519041"/>
+            <a:ext cx="1914517" cy="998809"/>
+          </a:xfrm>
+          <a:prstGeom prst="straightConnector1">
+            <a:avLst/>
+          </a:prstGeom>
+          <a:ln w="38100">
+            <a:solidFill>
+              <a:schemeClr val="bg2">
+                <a:lumMod val="25000"/>
+              </a:schemeClr>
+            </a:solidFill>
+            <a:tailEnd type="triangle"/>
+          </a:ln>
+        </p:spPr>
+        <p:style>
+          <a:lnRef idx="1">
+            <a:schemeClr val="dk1"/>
+          </a:lnRef>
+          <a:fillRef idx="0">
+            <a:schemeClr val="dk1"/>
+          </a:fillRef>
+          <a:effectRef idx="0">
+            <a:schemeClr val="dk1"/>
+          </a:effectRef>
+          <a:fontRef idx="minor">
+            <a:schemeClr val="tx1"/>
+          </a:fontRef>
+        </p:style>
+      </p:cxnSp>
+      <p:cxnSp>
+        <p:nvCxnSpPr>
+          <p:cNvPr id="38" name="Přímá spojnice se šipkou 37">
+            <a:extLst>
+              <a:ext uri="{FF2B5EF4-FFF2-40B4-BE49-F238E27FC236}">
+                <a16:creationId xmlns:a16="http://schemas.microsoft.com/office/drawing/2014/main" id="{DC8BF184-15DF-7E9C-952C-3F97509BB216}"/>
+              </a:ext>
+            </a:extLst>
+          </p:cNvPr>
+          <p:cNvCxnSpPr>
+            <a:cxnSpLocks/>
+          </p:cNvCxnSpPr>
+          <p:nvPr/>
+        </p:nvCxnSpPr>
+        <p:spPr>
+          <a:xfrm>
+            <a:off x="5148264" y="2504706"/>
+            <a:ext cx="1947861" cy="289842"/>
+          </a:xfrm>
+          <a:prstGeom prst="straightConnector1">
+            <a:avLst/>
+          </a:prstGeom>
+          <a:ln w="38100">
+            <a:solidFill>
+              <a:schemeClr val="bg2">
+                <a:lumMod val="25000"/>
+              </a:schemeClr>
+            </a:solidFill>
+            <a:tailEnd type="triangle"/>
+          </a:ln>
+        </p:spPr>
+        <p:style>
+          <a:lnRef idx="1">
+            <a:schemeClr val="dk1"/>
+          </a:lnRef>
+          <a:fillRef idx="0">
+            <a:schemeClr val="dk1"/>
+          </a:fillRef>
+          <a:effectRef idx="0">
+            <a:schemeClr val="dk1"/>
+          </a:effectRef>
+          <a:fontRef idx="minor">
+            <a:schemeClr val="tx1"/>
+          </a:fontRef>
+        </p:style>
+      </p:cxnSp>
+      <p:cxnSp>
+        <p:nvCxnSpPr>
+          <p:cNvPr id="40" name="Přímá spojnice se šipkou 39">
+            <a:extLst>
+              <a:ext uri="{FF2B5EF4-FFF2-40B4-BE49-F238E27FC236}">
+                <a16:creationId xmlns:a16="http://schemas.microsoft.com/office/drawing/2014/main" id="{1DCA0221-FF39-7FCA-0732-D218B2D6E44E}"/>
+              </a:ext>
+            </a:extLst>
+          </p:cNvPr>
+          <p:cNvCxnSpPr>
+            <a:cxnSpLocks/>
+          </p:cNvCxnSpPr>
+          <p:nvPr/>
+        </p:nvCxnSpPr>
+        <p:spPr>
+          <a:xfrm>
+            <a:off x="5153035" y="2774256"/>
+            <a:ext cx="1943090" cy="271192"/>
+          </a:xfrm>
+          <a:prstGeom prst="straightConnector1">
+            <a:avLst/>
+          </a:prstGeom>
+          <a:ln w="38100">
+            <a:solidFill>
+              <a:schemeClr val="bg2">
+                <a:lumMod val="25000"/>
+              </a:schemeClr>
+            </a:solidFill>
+            <a:tailEnd type="triangle"/>
+          </a:ln>
+        </p:spPr>
+        <p:style>
+          <a:lnRef idx="1">
+            <a:schemeClr val="dk1"/>
+          </a:lnRef>
+          <a:fillRef idx="0">
+            <a:schemeClr val="dk1"/>
+          </a:fillRef>
+          <a:effectRef idx="0">
+            <a:schemeClr val="dk1"/>
+          </a:effectRef>
+          <a:fontRef idx="minor">
+            <a:schemeClr val="tx1"/>
+          </a:fontRef>
+        </p:style>
+      </p:cxnSp>
+      <p:cxnSp>
+        <p:nvCxnSpPr>
+          <p:cNvPr id="42" name="Přímá spojnice se šipkou 41">
+            <a:extLst>
+              <a:ext uri="{FF2B5EF4-FFF2-40B4-BE49-F238E27FC236}">
+                <a16:creationId xmlns:a16="http://schemas.microsoft.com/office/drawing/2014/main" id="{8B33DCDB-E8A0-1E68-A780-2F71A3844D0A}"/>
+              </a:ext>
+            </a:extLst>
+          </p:cNvPr>
+          <p:cNvCxnSpPr>
+            <a:cxnSpLocks/>
+          </p:cNvCxnSpPr>
+          <p:nvPr/>
+        </p:nvCxnSpPr>
+        <p:spPr>
+          <a:xfrm flipV="1">
+            <a:off x="5172078" y="3322256"/>
+            <a:ext cx="1924047" cy="1253361"/>
+          </a:xfrm>
+          <a:prstGeom prst="straightConnector1">
+            <a:avLst/>
+          </a:prstGeom>
+          <a:ln w="38100">
+            <a:solidFill>
+              <a:schemeClr val="bg2">
+                <a:lumMod val="25000"/>
+              </a:schemeClr>
+            </a:solidFill>
+            <a:tailEnd type="triangle"/>
+          </a:ln>
+        </p:spPr>
+        <p:style>
+          <a:lnRef idx="1">
+            <a:schemeClr val="dk1"/>
+          </a:lnRef>
+          <a:fillRef idx="0">
+            <a:schemeClr val="dk1"/>
+          </a:fillRef>
+          <a:effectRef idx="0">
+            <a:schemeClr val="dk1"/>
+          </a:effectRef>
+          <a:fontRef idx="minor">
+            <a:schemeClr val="tx1"/>
+          </a:fontRef>
+        </p:style>
+      </p:cxnSp>
+      <p:cxnSp>
+        <p:nvCxnSpPr>
+          <p:cNvPr id="44" name="Přímá spojnice se šipkou 43">
+            <a:extLst>
+              <a:ext uri="{FF2B5EF4-FFF2-40B4-BE49-F238E27FC236}">
+                <a16:creationId xmlns:a16="http://schemas.microsoft.com/office/drawing/2014/main" id="{A29DB65C-5319-5AB8-56AE-EAD5DE434CD4}"/>
+              </a:ext>
+            </a:extLst>
+          </p:cNvPr>
+          <p:cNvCxnSpPr>
+            <a:cxnSpLocks/>
+          </p:cNvCxnSpPr>
+          <p:nvPr/>
+        </p:nvCxnSpPr>
+        <p:spPr>
+          <a:xfrm>
+            <a:off x="5148271" y="1809727"/>
+            <a:ext cx="1900222" cy="1958878"/>
+          </a:xfrm>
+          <a:prstGeom prst="straightConnector1">
+            <a:avLst/>
+          </a:prstGeom>
+          <a:ln w="38100">
+            <a:solidFill>
+              <a:schemeClr val="bg2">
+                <a:lumMod val="25000"/>
+              </a:schemeClr>
+            </a:solidFill>
+            <a:tailEnd type="triangle"/>
+          </a:ln>
+        </p:spPr>
+        <p:style>
+          <a:lnRef idx="1">
+            <a:schemeClr val="dk1"/>
+          </a:lnRef>
+          <a:fillRef idx="0">
+            <a:schemeClr val="dk1"/>
+          </a:fillRef>
+          <a:effectRef idx="0">
+            <a:schemeClr val="dk1"/>
+          </a:effectRef>
+          <a:fontRef idx="minor">
+            <a:schemeClr val="tx1"/>
+          </a:fontRef>
+        </p:style>
+      </p:cxnSp>
+      <p:cxnSp>
+        <p:nvCxnSpPr>
+          <p:cNvPr id="46" name="Přímá spojnice se šipkou 45">
+            <a:extLst>
+              <a:ext uri="{FF2B5EF4-FFF2-40B4-BE49-F238E27FC236}">
+                <a16:creationId xmlns:a16="http://schemas.microsoft.com/office/drawing/2014/main" id="{6128D0D2-5C43-7E51-1413-D25C5DC07750}"/>
+              </a:ext>
+            </a:extLst>
+          </p:cNvPr>
+          <p:cNvCxnSpPr>
+            <a:cxnSpLocks/>
+          </p:cNvCxnSpPr>
+          <p:nvPr/>
+        </p:nvCxnSpPr>
+        <p:spPr>
+          <a:xfrm>
+            <a:off x="5172078" y="3316869"/>
+            <a:ext cx="1943101" cy="708142"/>
+          </a:xfrm>
+          <a:prstGeom prst="straightConnector1">
+            <a:avLst/>
+          </a:prstGeom>
+          <a:ln w="38100">
+            <a:solidFill>
+              <a:schemeClr val="bg2">
+                <a:lumMod val="25000"/>
+              </a:schemeClr>
+            </a:solidFill>
+            <a:tailEnd type="triangle"/>
+          </a:ln>
+        </p:spPr>
+        <p:style>
+          <a:lnRef idx="1">
+            <a:schemeClr val="dk1"/>
+          </a:lnRef>
+          <a:fillRef idx="0">
+            <a:schemeClr val="dk1"/>
+          </a:fillRef>
+          <a:effectRef idx="0">
+            <a:schemeClr val="dk1"/>
+          </a:effectRef>
+          <a:fontRef idx="minor">
+            <a:schemeClr val="tx1"/>
+          </a:fontRef>
+        </p:style>
+      </p:cxnSp>
+      <p:cxnSp>
+        <p:nvCxnSpPr>
+          <p:cNvPr id="48" name="Přímá spojnice se šipkou 47">
+            <a:extLst>
+              <a:ext uri="{FF2B5EF4-FFF2-40B4-BE49-F238E27FC236}">
+                <a16:creationId xmlns:a16="http://schemas.microsoft.com/office/drawing/2014/main" id="{E9C1583E-1D29-5812-1545-3DA5831A0B4B}"/>
+              </a:ext>
+            </a:extLst>
+          </p:cNvPr>
+          <p:cNvCxnSpPr>
+            <a:cxnSpLocks/>
+          </p:cNvCxnSpPr>
+          <p:nvPr/>
+        </p:nvCxnSpPr>
+        <p:spPr>
+          <a:xfrm>
+            <a:off x="5200650" y="3767373"/>
+            <a:ext cx="1914529" cy="573409"/>
+          </a:xfrm>
+          <a:prstGeom prst="straightConnector1">
+            <a:avLst/>
+          </a:prstGeom>
+          <a:ln w="38100">
+            <a:solidFill>
+              <a:schemeClr val="bg2">
+                <a:lumMod val="25000"/>
+              </a:schemeClr>
+            </a:solidFill>
+            <a:tailEnd type="triangle"/>
+          </a:ln>
+        </p:spPr>
+        <p:style>
+          <a:lnRef idx="1">
+            <a:schemeClr val="dk1"/>
+          </a:lnRef>
+          <a:fillRef idx="0">
+            <a:schemeClr val="dk1"/>
+          </a:fillRef>
+          <a:effectRef idx="0">
+            <a:schemeClr val="dk1"/>
+          </a:effectRef>
+          <a:fontRef idx="minor">
+            <a:schemeClr val="tx1"/>
+          </a:fontRef>
+        </p:style>
+      </p:cxnSp>
+      <p:cxnSp>
+        <p:nvCxnSpPr>
+          <p:cNvPr id="50" name="Přímá spojnice se šipkou 49">
+            <a:extLst>
+              <a:ext uri="{FF2B5EF4-FFF2-40B4-BE49-F238E27FC236}">
+                <a16:creationId xmlns:a16="http://schemas.microsoft.com/office/drawing/2014/main" id="{D3EF088C-082B-528A-98DA-75B4CC92F4D0}"/>
+              </a:ext>
+            </a:extLst>
+          </p:cNvPr>
+          <p:cNvCxnSpPr>
+            <a:cxnSpLocks/>
+          </p:cNvCxnSpPr>
+          <p:nvPr/>
+        </p:nvCxnSpPr>
+        <p:spPr>
+          <a:xfrm>
+            <a:off x="5181607" y="4062975"/>
+            <a:ext cx="1857369" cy="495943"/>
+          </a:xfrm>
+          <a:prstGeom prst="straightConnector1">
+            <a:avLst/>
+          </a:prstGeom>
+          <a:ln w="38100">
+            <a:solidFill>
+              <a:schemeClr val="bg2">
+                <a:lumMod val="25000"/>
+              </a:schemeClr>
+            </a:solidFill>
+            <a:tailEnd type="triangle"/>
+          </a:ln>
+        </p:spPr>
+        <p:style>
+          <a:lnRef idx="1">
+            <a:schemeClr val="dk1"/>
+          </a:lnRef>
+          <a:fillRef idx="0">
+            <a:schemeClr val="dk1"/>
+          </a:fillRef>
+          <a:effectRef idx="0">
+            <a:schemeClr val="dk1"/>
+          </a:effectRef>
+          <a:fontRef idx="minor">
+            <a:schemeClr val="tx1"/>
+          </a:fontRef>
+        </p:style>
+      </p:cxnSp>
+      <p:cxnSp>
+        <p:nvCxnSpPr>
+          <p:cNvPr id="52" name="Přímá spojnice se šipkou 51">
+            <a:extLst>
+              <a:ext uri="{FF2B5EF4-FFF2-40B4-BE49-F238E27FC236}">
+                <a16:creationId xmlns:a16="http://schemas.microsoft.com/office/drawing/2014/main" id="{83339235-54EF-7E5A-D7C1-271F2E3C2E27}"/>
+              </a:ext>
+            </a:extLst>
+          </p:cNvPr>
+          <p:cNvCxnSpPr>
+            <a:cxnSpLocks/>
+          </p:cNvCxnSpPr>
+          <p:nvPr/>
+        </p:nvCxnSpPr>
+        <p:spPr>
+          <a:xfrm>
+            <a:off x="7572368" y="1737908"/>
+            <a:ext cx="1733551" cy="109"/>
+          </a:xfrm>
+          <a:prstGeom prst="straightConnector1">
+            <a:avLst/>
+          </a:prstGeom>
+          <a:ln w="38100">
+            <a:solidFill>
+              <a:schemeClr val="bg2">
+                <a:lumMod val="25000"/>
+              </a:schemeClr>
+            </a:solidFill>
+            <a:tailEnd type="triangle"/>
+          </a:ln>
+        </p:spPr>
+        <p:style>
+          <a:lnRef idx="1">
+            <a:schemeClr val="dk1"/>
+          </a:lnRef>
+          <a:fillRef idx="0">
+            <a:schemeClr val="dk1"/>
+          </a:fillRef>
+          <a:effectRef idx="0">
+            <a:schemeClr val="dk1"/>
+          </a:effectRef>
+          <a:fontRef idx="minor">
+            <a:schemeClr val="tx1"/>
+          </a:fontRef>
+        </p:style>
+      </p:cxnSp>
+      <p:cxnSp>
+        <p:nvCxnSpPr>
+          <p:cNvPr id="53" name="Přímá spojnice se šipkou 52">
+            <a:extLst>
+              <a:ext uri="{FF2B5EF4-FFF2-40B4-BE49-F238E27FC236}">
+                <a16:creationId xmlns:a16="http://schemas.microsoft.com/office/drawing/2014/main" id="{37C7CCCD-B45A-9704-542A-CE20C37D0CCD}"/>
+              </a:ext>
+            </a:extLst>
+          </p:cNvPr>
+          <p:cNvCxnSpPr>
+            <a:cxnSpLocks/>
+          </p:cNvCxnSpPr>
+          <p:nvPr/>
+        </p:nvCxnSpPr>
+        <p:spPr>
+          <a:xfrm>
+            <a:off x="7574747" y="2953645"/>
+            <a:ext cx="1733551" cy="109"/>
+          </a:xfrm>
+          <a:prstGeom prst="straightConnector1">
+            <a:avLst/>
+          </a:prstGeom>
+          <a:ln w="38100">
+            <a:solidFill>
+              <a:schemeClr val="bg2">
+                <a:lumMod val="25000"/>
+              </a:schemeClr>
+            </a:solidFill>
+            <a:tailEnd type="triangle"/>
+          </a:ln>
+        </p:spPr>
+        <p:style>
+          <a:lnRef idx="1">
+            <a:schemeClr val="dk1"/>
+          </a:lnRef>
+          <a:fillRef idx="0">
+            <a:schemeClr val="dk1"/>
+          </a:fillRef>
+          <a:effectRef idx="0">
+            <a:schemeClr val="dk1"/>
+          </a:effectRef>
+          <a:fontRef idx="minor">
+            <a:schemeClr val="tx1"/>
+          </a:fontRef>
+        </p:style>
+      </p:cxnSp>
+      <p:cxnSp>
+        <p:nvCxnSpPr>
+          <p:cNvPr id="54" name="Přímá spojnice se šipkou 53">
+            <a:extLst>
+              <a:ext uri="{FF2B5EF4-FFF2-40B4-BE49-F238E27FC236}">
+                <a16:creationId xmlns:a16="http://schemas.microsoft.com/office/drawing/2014/main" id="{DA13D7C7-6E7A-487E-AB46-120D2F10E79D}"/>
+              </a:ext>
+            </a:extLst>
+          </p:cNvPr>
+          <p:cNvCxnSpPr>
+            <a:cxnSpLocks/>
+          </p:cNvCxnSpPr>
+          <p:nvPr/>
+        </p:nvCxnSpPr>
+        <p:spPr>
+          <a:xfrm>
+            <a:off x="7572381" y="4252017"/>
+            <a:ext cx="1733551" cy="109"/>
+          </a:xfrm>
+          <a:prstGeom prst="straightConnector1">
+            <a:avLst/>
+          </a:prstGeom>
+          <a:ln w="38100">
+            <a:solidFill>
+              <a:schemeClr val="bg2">
+                <a:lumMod val="25000"/>
+              </a:schemeClr>
+            </a:solidFill>
+            <a:tailEnd type="triangle"/>
+          </a:ln>
+        </p:spPr>
+        <p:style>
+          <a:lnRef idx="1">
+            <a:schemeClr val="dk1"/>
+          </a:lnRef>
+          <a:fillRef idx="0">
+            <a:schemeClr val="dk1"/>
+          </a:fillRef>
+          <a:effectRef idx="0">
+            <a:schemeClr val="dk1"/>
+          </a:effectRef>
+          <a:fontRef idx="minor">
+            <a:schemeClr val="tx1"/>
+          </a:fontRef>
+        </p:style>
+      </p:cxnSp>
     </p:spTree>
     <p:extLst>
       <p:ext uri="{BB962C8B-B14F-4D97-AF65-F5344CB8AC3E}">
@@ -6794,7 +9347,7 @@
                     </a:schemeClr>
                   </a:solidFill>
                 </a:rPr>
-                <a:t>Souborový systém, určený k tomu, aby soubory rozdělil na několik částí a ulložil je do několika zařízení</a:t>
+                <a:t>Souborový systém, určený k tomu, aby soubory rozdělil na několik částí a uložil je do několika zařízení</a:t>
               </a:r>
             </a:p>
           </p:txBody>

--- a/klimes.pptx
+++ b/klimes.pptx
@@ -5,10 +5,10 @@
     <p:sldMasterId id="2147483648" r:id="rId1"/>
   </p:sldMasterIdLst>
   <p:notesMasterIdLst>
-    <p:notesMasterId r:id="rId27"/>
+    <p:notesMasterId r:id="rId22"/>
   </p:notesMasterIdLst>
   <p:handoutMasterIdLst>
-    <p:handoutMasterId r:id="rId28"/>
+    <p:handoutMasterId r:id="rId23"/>
   </p:handoutMasterIdLst>
   <p:sldIdLst>
     <p:sldId id="256" r:id="rId2"/>
@@ -31,11 +31,6 @@
     <p:sldId id="273" r:id="rId19"/>
     <p:sldId id="274" r:id="rId20"/>
     <p:sldId id="275" r:id="rId21"/>
-    <p:sldId id="276" r:id="rId22"/>
-    <p:sldId id="277" r:id="rId23"/>
-    <p:sldId id="278" r:id="rId24"/>
-    <p:sldId id="279" r:id="rId25"/>
-    <p:sldId id="280" r:id="rId26"/>
   </p:sldIdLst>
   <p:sldSz cx="12192000" cy="6858000"/>
   <p:notesSz cx="6858000" cy="9144000"/>
@@ -239,7 +234,7 @@
           <a:p>
             <a:fld id="{D009DB19-4C21-440C-A727-546C40E604C7}" type="datetimeFigureOut">
               <a:rPr lang="cs-CZ" smtClean="0"/>
-              <a:t>16.01.2023</a:t>
+              <a:t>17.01.2023</a:t>
             </a:fld>
             <a:endParaRPr lang="cs-CZ"/>
           </a:p>
@@ -416,7 +411,7 @@
           <a:p>
             <a:fld id="{7F4D5948-2C73-43CB-9CA5-AB41306D9F29}" type="datetimeFigureOut">
               <a:rPr lang="cs-CZ" smtClean="0"/>
-              <a:t>16.01.2023</a:t>
+              <a:t>17.01.2023</a:t>
             </a:fld>
             <a:endParaRPr lang="cs-CZ"/>
           </a:p>
@@ -990,7 +985,7 @@
           <p:spPr>
             <a:xfrm>
               <a:off x="-3415553" y="1353671"/>
-              <a:ext cx="2662517" cy="2739211"/>
+              <a:ext cx="2662517" cy="3354765"/>
             </a:xfrm>
             <a:prstGeom prst="rect">
               <a:avLst/>
@@ -1032,8 +1027,26 @@
                     </a:schemeClr>
                   </a:solidFill>
                 </a:rPr>
-                <a:t>1. Úvod</a:t>
+                <a:t>1. </a:t>
               </a:r>
+              <a:r>
+                <a:rPr lang="cs-CZ" sz="2000" dirty="0">
+                  <a:solidFill>
+                    <a:schemeClr val="bg2">
+                      <a:lumMod val="25000"/>
+                    </a:schemeClr>
+                  </a:solidFill>
+                  <a:hlinkClick r:id="rId3" action="ppaction://hlinksldjump"/>
+                </a:rPr>
+                <a:t>Úvod</a:t>
+              </a:r>
+              <a:endParaRPr lang="cs-CZ" sz="2000" dirty="0">
+                <a:solidFill>
+                  <a:schemeClr val="bg2">
+                    <a:lumMod val="25000"/>
+                  </a:schemeClr>
+                </a:solidFill>
+              </a:endParaRPr>
             </a:p>
             <a:p>
               <a:r>
@@ -1044,8 +1057,26 @@
                     </a:schemeClr>
                   </a:solidFill>
                 </a:rPr>
-                <a:t>2. Využití</a:t>
+                <a:t>2. </a:t>
               </a:r>
+              <a:r>
+                <a:rPr lang="cs-CZ" sz="2000" dirty="0">
+                  <a:solidFill>
+                    <a:schemeClr val="bg2">
+                      <a:lumMod val="25000"/>
+                    </a:schemeClr>
+                  </a:solidFill>
+                  <a:hlinkClick r:id="rId4" action="ppaction://hlinksldjump"/>
+                </a:rPr>
+                <a:t>Využití</a:t>
+              </a:r>
+              <a:endParaRPr lang="cs-CZ" sz="2000" dirty="0">
+                <a:solidFill>
+                  <a:schemeClr val="bg2">
+                    <a:lumMod val="25000"/>
+                  </a:schemeClr>
+                </a:solidFill>
+              </a:endParaRPr>
             </a:p>
             <a:p>
               <a:r>
@@ -1056,8 +1087,26 @@
                     </a:schemeClr>
                   </a:solidFill>
                 </a:rPr>
-                <a:t>3. Vlastnosti dat</a:t>
+                <a:t>3. </a:t>
               </a:r>
+              <a:r>
+                <a:rPr lang="cs-CZ" sz="2000" dirty="0">
+                  <a:solidFill>
+                    <a:schemeClr val="bg2">
+                      <a:lumMod val="25000"/>
+                    </a:schemeClr>
+                  </a:solidFill>
+                  <a:hlinkClick r:id="rId5" action="ppaction://hlinksldjump"/>
+                </a:rPr>
+                <a:t>Vlastnosti dat</a:t>
+              </a:r>
+              <a:endParaRPr lang="cs-CZ" sz="2000" dirty="0">
+                <a:solidFill>
+                  <a:schemeClr val="bg2">
+                    <a:lumMod val="25000"/>
+                  </a:schemeClr>
+                </a:solidFill>
+              </a:endParaRPr>
             </a:p>
             <a:p>
               <a:r>
@@ -1068,8 +1117,26 @@
                     </a:schemeClr>
                   </a:solidFill>
                 </a:rPr>
-                <a:t>4. Způsob zpracování</a:t>
+                <a:t>4. </a:t>
               </a:r>
+              <a:r>
+                <a:rPr lang="cs-CZ" sz="2000" dirty="0">
+                  <a:solidFill>
+                    <a:schemeClr val="bg2">
+                      <a:lumMod val="25000"/>
+                    </a:schemeClr>
+                  </a:solidFill>
+                  <a:hlinkClick r:id="rId6" action="ppaction://hlinksldjump"/>
+                </a:rPr>
+                <a:t>Způsob zpracování</a:t>
+              </a:r>
+              <a:endParaRPr lang="cs-CZ" sz="2000" dirty="0">
+                <a:solidFill>
+                  <a:schemeClr val="bg2">
+                    <a:lumMod val="25000"/>
+                  </a:schemeClr>
+                </a:solidFill>
+              </a:endParaRPr>
             </a:p>
             <a:p>
               <a:r>
@@ -1080,8 +1147,26 @@
                     </a:schemeClr>
                   </a:solidFill>
                 </a:rPr>
-                <a:t>5. Použitá literatura</a:t>
+                <a:t>5. </a:t>
               </a:r>
+              <a:r>
+                <a:rPr lang="cs-CZ" sz="2000" dirty="0">
+                  <a:solidFill>
+                    <a:schemeClr val="bg2">
+                      <a:lumMod val="25000"/>
+                    </a:schemeClr>
+                  </a:solidFill>
+                  <a:hlinkClick r:id="rId7" action="ppaction://hlinksldjump"/>
+                </a:rPr>
+                <a:t>Příklady využití</a:t>
+              </a:r>
+              <a:endParaRPr lang="cs-CZ" sz="2000" dirty="0">
+                <a:solidFill>
+                  <a:schemeClr val="bg2">
+                    <a:lumMod val="25000"/>
+                  </a:schemeClr>
+                </a:solidFill>
+              </a:endParaRPr>
             </a:p>
             <a:p>
               <a:r>
@@ -1094,15 +1179,17 @@
                 </a:rPr>
                 <a:t>6. </a:t>
               </a:r>
+            </a:p>
+            <a:p>
               <a:r>
-                <a:rPr lang="cs-CZ" sz="2000" dirty="0" err="1">
+                <a:rPr lang="cs-CZ" sz="2000" dirty="0">
                   <a:solidFill>
                     <a:schemeClr val="bg2">
                       <a:lumMod val="25000"/>
                     </a:schemeClr>
                   </a:solidFill>
                 </a:rPr>
-                <a:t>Github</a:t>
+                <a:t>7. </a:t>
               </a:r>
               <a:r>
                 <a:rPr lang="cs-CZ" sz="2000" dirty="0">
@@ -1111,8 +1198,39 @@
                       <a:lumMod val="25000"/>
                     </a:schemeClr>
                   </a:solidFill>
+                  <a:hlinkClick r:id="rId8" action="ppaction://hlinksldjump"/>
                 </a:rPr>
-                <a:t> </a:t>
+                <a:t>Použitá literatura</a:t>
+              </a:r>
+              <a:endParaRPr lang="cs-CZ" sz="2000" dirty="0">
+                <a:solidFill>
+                  <a:schemeClr val="bg2">
+                    <a:lumMod val="25000"/>
+                  </a:schemeClr>
+                </a:solidFill>
+              </a:endParaRPr>
+            </a:p>
+            <a:p>
+              <a:r>
+                <a:rPr lang="cs-CZ" sz="2000" dirty="0">
+                  <a:solidFill>
+                    <a:schemeClr val="bg2">
+                      <a:lumMod val="25000"/>
+                    </a:schemeClr>
+                  </a:solidFill>
+                </a:rPr>
+                <a:t>8. </a:t>
+              </a:r>
+              <a:r>
+                <a:rPr lang="cs-CZ" sz="2000" dirty="0">
+                  <a:solidFill>
+                    <a:schemeClr val="bg2">
+                      <a:lumMod val="25000"/>
+                    </a:schemeClr>
+                  </a:solidFill>
+                  <a:hlinkClick r:id="rId9" action="ppaction://hlinksldjump"/>
+                </a:rPr>
+                <a:t>Github </a:t>
               </a:r>
               <a:r>
                 <a:rPr lang="cs-CZ" sz="2000" dirty="0" err="1">
@@ -1121,6 +1239,7 @@
                       <a:lumMod val="25000"/>
                     </a:schemeClr>
                   </a:solidFill>
+                  <a:hlinkClick r:id="rId9" action="ppaction://hlinksldjump"/>
                 </a:rPr>
                 <a:t>repozitář</a:t>
               </a:r>
@@ -1151,13 +1270,13 @@
           <p:nvPr userDrawn="1"/>
         </p:nvPicPr>
         <p:blipFill>
-          <a:blip r:embed="rId3">
+          <a:blip r:embed="rId10">
             <a:extLst>
               <a:ext uri="{28A0092B-C50C-407E-A947-70E740481C1C}">
                 <a14:useLocalDpi xmlns:a14="http://schemas.microsoft.com/office/drawing/2010/main" val="0"/>
               </a:ext>
               <a:ext uri="{96DAC541-7B7A-43D3-8B79-37D633B846F1}">
-                <asvg:svgBlip xmlns:asvg="http://schemas.microsoft.com/office/drawing/2016/SVG/main" r:embed="rId4"/>
+                <asvg:svgBlip xmlns:asvg="http://schemas.microsoft.com/office/drawing/2016/SVG/main" r:embed="rId11"/>
               </a:ext>
             </a:extLst>
           </a:blip>
@@ -1191,13 +1310,13 @@
           <p:nvPr userDrawn="1"/>
         </p:nvPicPr>
         <p:blipFill>
-          <a:blip r:embed="rId5">
+          <a:blip r:embed="rId12">
             <a:extLst>
               <a:ext uri="{28A0092B-C50C-407E-A947-70E740481C1C}">
                 <a14:useLocalDpi xmlns:a14="http://schemas.microsoft.com/office/drawing/2010/main" val="0"/>
               </a:ext>
               <a:ext uri="{96DAC541-7B7A-43D3-8B79-37D633B846F1}">
-                <asvg:svgBlip xmlns:asvg="http://schemas.microsoft.com/office/drawing/2016/SVG/main" r:embed="rId6"/>
+                <asvg:svgBlip xmlns:asvg="http://schemas.microsoft.com/office/drawing/2016/SVG/main" r:embed="rId13"/>
               </a:ext>
             </a:extLst>
           </a:blip>
@@ -1230,13 +1349,13 @@
           <p:nvPr userDrawn="1"/>
         </p:nvPicPr>
         <p:blipFill>
-          <a:blip r:embed="rId7">
+          <a:blip r:embed="rId14">
             <a:extLst>
               <a:ext uri="{28A0092B-C50C-407E-A947-70E740481C1C}">
                 <a14:useLocalDpi xmlns:a14="http://schemas.microsoft.com/office/drawing/2010/main" val="0"/>
               </a:ext>
               <a:ext uri="{96DAC541-7B7A-43D3-8B79-37D633B846F1}">
-                <asvg:svgBlip xmlns:asvg="http://schemas.microsoft.com/office/drawing/2016/SVG/main" r:embed="rId8"/>
+                <asvg:svgBlip xmlns:asvg="http://schemas.microsoft.com/office/drawing/2016/SVG/main" r:embed="rId15"/>
               </a:ext>
             </a:extLst>
           </a:blip>
@@ -4987,6 +5106,387 @@
           <a:chExt cx="0" cy="0"/>
         </a:xfrm>
       </p:grpSpPr>
+      <p:sp>
+        <p:nvSpPr>
+          <p:cNvPr id="2" name="Obdélník: se zakulacenými rohy 1">
+            <a:extLst>
+              <a:ext uri="{FF2B5EF4-FFF2-40B4-BE49-F238E27FC236}">
+                <a16:creationId xmlns:a16="http://schemas.microsoft.com/office/drawing/2014/main" id="{2469457E-09F7-0E3E-732A-4659AF6D1563}"/>
+              </a:ext>
+            </a:extLst>
+          </p:cNvPr>
+          <p:cNvSpPr/>
+          <p:nvPr/>
+        </p:nvSpPr>
+        <p:spPr>
+          <a:xfrm>
+            <a:off x="453558" y="179994"/>
+            <a:ext cx="3874434" cy="720000"/>
+          </a:xfrm>
+          <a:prstGeom prst="roundRect">
+            <a:avLst/>
+          </a:prstGeom>
+          <a:solidFill>
+            <a:srgbClr val="FFFFFF">
+              <a:alpha val="60000"/>
+            </a:srgbClr>
+          </a:solidFill>
+          <a:ln>
+            <a:solidFill>
+              <a:srgbClr val="EAEAEA"/>
+            </a:solidFill>
+          </a:ln>
+          <a:effectLst>
+            <a:outerShdw blurRad="50800" dist="38100" dir="2700000" algn="tl" rotWithShape="0">
+              <a:prstClr val="black">
+                <a:alpha val="40000"/>
+              </a:prstClr>
+            </a:outerShdw>
+            <a:softEdge rad="12700"/>
+          </a:effectLst>
+        </p:spPr>
+        <p:style>
+          <a:lnRef idx="2">
+            <a:schemeClr val="accent1">
+              <a:shade val="50000"/>
+            </a:schemeClr>
+          </a:lnRef>
+          <a:fillRef idx="1">
+            <a:schemeClr val="accent1"/>
+          </a:fillRef>
+          <a:effectRef idx="0">
+            <a:schemeClr val="accent1"/>
+          </a:effectRef>
+          <a:fontRef idx="minor">
+            <a:schemeClr val="lt1"/>
+          </a:fontRef>
+        </p:style>
+        <p:txBody>
+          <a:bodyPr rtlCol="0" anchor="ctr"/>
+          <a:lstStyle/>
+          <a:p>
+            <a:pPr algn="ctr"/>
+            <a:r>
+              <a:rPr lang="cs-CZ" sz="2400" dirty="0">
+                <a:solidFill>
+                  <a:schemeClr val="bg2">
+                    <a:lumMod val="25000"/>
+                  </a:schemeClr>
+                </a:solidFill>
+              </a:rPr>
+              <a:t>Příklady využití</a:t>
+            </a:r>
+          </a:p>
+        </p:txBody>
+      </p:sp>
+      <p:grpSp>
+        <p:nvGrpSpPr>
+          <p:cNvPr id="3" name="Skupina 2">
+            <a:extLst>
+              <a:ext uri="{FF2B5EF4-FFF2-40B4-BE49-F238E27FC236}">
+                <a16:creationId xmlns:a16="http://schemas.microsoft.com/office/drawing/2014/main" id="{0EF06C76-ECD2-1EEE-B603-C92A89B783E5}"/>
+              </a:ext>
+            </a:extLst>
+          </p:cNvPr>
+          <p:cNvGrpSpPr/>
+          <p:nvPr/>
+        </p:nvGrpSpPr>
+        <p:grpSpPr>
+          <a:xfrm>
+            <a:off x="291636" y="2542666"/>
+            <a:ext cx="4975689" cy="3298637"/>
+            <a:chOff x="-3626629" y="1189678"/>
+            <a:chExt cx="3063891" cy="30102574"/>
+          </a:xfrm>
+        </p:grpSpPr>
+        <p:sp>
+          <p:nvSpPr>
+            <p:cNvPr id="4" name="Obdélník: se zakulacenými rohy 3">
+              <a:extLst>
+                <a:ext uri="{FF2B5EF4-FFF2-40B4-BE49-F238E27FC236}">
+                  <a16:creationId xmlns:a16="http://schemas.microsoft.com/office/drawing/2014/main" id="{7C9E1F2A-ED61-E456-0EE7-DF441C512885}"/>
+                </a:ext>
+              </a:extLst>
+            </p:cNvPr>
+            <p:cNvSpPr/>
+            <p:nvPr userDrawn="1"/>
+          </p:nvSpPr>
+          <p:spPr>
+            <a:xfrm>
+              <a:off x="-3626629" y="1189678"/>
+              <a:ext cx="3063891" cy="27806076"/>
+            </a:xfrm>
+            <a:prstGeom prst="roundRect">
+              <a:avLst>
+                <a:gd name="adj" fmla="val 4378"/>
+              </a:avLst>
+            </a:prstGeom>
+            <a:solidFill>
+              <a:srgbClr val="FFFFFF">
+                <a:alpha val="60000"/>
+              </a:srgbClr>
+            </a:solidFill>
+            <a:ln>
+              <a:solidFill>
+                <a:srgbClr val="EAEAEA"/>
+              </a:solidFill>
+            </a:ln>
+            <a:effectLst>
+              <a:outerShdw blurRad="50800" dist="38100" dir="2700000" algn="tl" rotWithShape="0">
+                <a:prstClr val="black">
+                  <a:alpha val="40000"/>
+                </a:prstClr>
+              </a:outerShdw>
+              <a:softEdge rad="12700"/>
+            </a:effectLst>
+          </p:spPr>
+          <p:style>
+            <a:lnRef idx="2">
+              <a:schemeClr val="accent1">
+                <a:shade val="50000"/>
+              </a:schemeClr>
+            </a:lnRef>
+            <a:fillRef idx="1">
+              <a:schemeClr val="accent1"/>
+            </a:fillRef>
+            <a:effectRef idx="0">
+              <a:schemeClr val="accent1"/>
+            </a:effectRef>
+            <a:fontRef idx="minor">
+              <a:schemeClr val="lt1"/>
+            </a:fontRef>
+          </p:style>
+          <p:txBody>
+            <a:bodyPr rtlCol="0" anchor="ctr"/>
+            <a:lstStyle/>
+            <a:p>
+              <a:pPr algn="ctr"/>
+              <a:endParaRPr lang="cs-CZ" dirty="0"/>
+            </a:p>
+          </p:txBody>
+        </p:sp>
+        <p:sp>
+          <p:nvSpPr>
+            <p:cNvPr id="5" name="TextovéPole 4">
+              <a:extLst>
+                <a:ext uri="{FF2B5EF4-FFF2-40B4-BE49-F238E27FC236}">
+                  <a16:creationId xmlns:a16="http://schemas.microsoft.com/office/drawing/2014/main" id="{D3D6422D-BD2D-2786-D552-4A6BD0C53C6B}"/>
+                </a:ext>
+              </a:extLst>
+            </p:cNvPr>
+            <p:cNvSpPr txBox="1"/>
+            <p:nvPr userDrawn="1"/>
+          </p:nvSpPr>
+          <p:spPr>
+            <a:xfrm>
+              <a:off x="-3543386" y="3486167"/>
+              <a:ext cx="2897405" cy="27806085"/>
+            </a:xfrm>
+            <a:prstGeom prst="rect">
+              <a:avLst/>
+            </a:prstGeom>
+            <a:noFill/>
+          </p:spPr>
+          <p:txBody>
+            <a:bodyPr wrap="square" rtlCol="0">
+              <a:spAutoFit/>
+            </a:bodyPr>
+            <a:lstStyle/>
+            <a:p>
+              <a:r>
+                <a:rPr lang="pl-PL" sz="3200" dirty="0">
+                  <a:solidFill>
+                    <a:schemeClr val="bg2">
+                      <a:lumMod val="25000"/>
+                    </a:schemeClr>
+                  </a:solidFill>
+                </a:rPr>
+                <a:t>Také využívají data k trénování nástrojů využívající strojové učení</a:t>
+              </a:r>
+            </a:p>
+            <a:p>
+              <a:r>
+                <a:rPr lang="pl-PL" sz="3200" dirty="0">
+                  <a:solidFill>
+                    <a:schemeClr val="bg2">
+                      <a:lumMod val="25000"/>
+                    </a:schemeClr>
+                  </a:solidFill>
+                </a:rPr>
+                <a:t>(např. Rozpoznávání obsahu obrázku)</a:t>
+              </a:r>
+              <a:endParaRPr lang="pl-PL" sz="2800" dirty="0">
+                <a:solidFill>
+                  <a:schemeClr val="bg2">
+                    <a:lumMod val="25000"/>
+                  </a:schemeClr>
+                </a:solidFill>
+              </a:endParaRPr>
+            </a:p>
+            <a:p>
+              <a:pPr marL="457200" indent="-457200">
+                <a:buFontTx/>
+                <a:buChar char="-"/>
+              </a:pPr>
+              <a:endParaRPr lang="pl-PL" sz="3200" dirty="0">
+                <a:solidFill>
+                  <a:schemeClr val="bg2">
+                    <a:lumMod val="25000"/>
+                  </a:schemeClr>
+                </a:solidFill>
+              </a:endParaRPr>
+            </a:p>
+          </p:txBody>
+        </p:sp>
+      </p:grpSp>
+      <p:grpSp>
+        <p:nvGrpSpPr>
+          <p:cNvPr id="6" name="Skupina 5">
+            <a:extLst>
+              <a:ext uri="{FF2B5EF4-FFF2-40B4-BE49-F238E27FC236}">
+                <a16:creationId xmlns:a16="http://schemas.microsoft.com/office/drawing/2014/main" id="{E2D2C711-B0D8-43CF-00BB-5CDC627BB334}"/>
+              </a:ext>
+            </a:extLst>
+          </p:cNvPr>
+          <p:cNvGrpSpPr/>
+          <p:nvPr/>
+        </p:nvGrpSpPr>
+        <p:grpSpPr>
+          <a:xfrm>
+            <a:off x="5530386" y="1019173"/>
+            <a:ext cx="6238874" cy="3298637"/>
+            <a:chOff x="-3626629" y="1189678"/>
+            <a:chExt cx="3063891" cy="30102574"/>
+          </a:xfrm>
+        </p:grpSpPr>
+        <p:sp>
+          <p:nvSpPr>
+            <p:cNvPr id="7" name="Obdélník: se zakulacenými rohy 6">
+              <a:extLst>
+                <a:ext uri="{FF2B5EF4-FFF2-40B4-BE49-F238E27FC236}">
+                  <a16:creationId xmlns:a16="http://schemas.microsoft.com/office/drawing/2014/main" id="{A6D85835-394F-3B00-0C93-023E7A47284D}"/>
+                </a:ext>
+              </a:extLst>
+            </p:cNvPr>
+            <p:cNvSpPr/>
+            <p:nvPr userDrawn="1"/>
+          </p:nvSpPr>
+          <p:spPr>
+            <a:xfrm>
+              <a:off x="-3626629" y="1189678"/>
+              <a:ext cx="3063891" cy="27806076"/>
+            </a:xfrm>
+            <a:prstGeom prst="roundRect">
+              <a:avLst>
+                <a:gd name="adj" fmla="val 4378"/>
+              </a:avLst>
+            </a:prstGeom>
+            <a:solidFill>
+              <a:srgbClr val="FFFFFF">
+                <a:alpha val="60000"/>
+              </a:srgbClr>
+            </a:solidFill>
+            <a:ln>
+              <a:solidFill>
+                <a:srgbClr val="EAEAEA"/>
+              </a:solidFill>
+            </a:ln>
+            <a:effectLst>
+              <a:outerShdw blurRad="50800" dist="38100" dir="2700000" algn="tl" rotWithShape="0">
+                <a:prstClr val="black">
+                  <a:alpha val="40000"/>
+                </a:prstClr>
+              </a:outerShdw>
+              <a:softEdge rad="12700"/>
+            </a:effectLst>
+          </p:spPr>
+          <p:style>
+            <a:lnRef idx="2">
+              <a:schemeClr val="accent1">
+                <a:shade val="50000"/>
+              </a:schemeClr>
+            </a:lnRef>
+            <a:fillRef idx="1">
+              <a:schemeClr val="accent1"/>
+            </a:fillRef>
+            <a:effectRef idx="0">
+              <a:schemeClr val="accent1"/>
+            </a:effectRef>
+            <a:fontRef idx="minor">
+              <a:schemeClr val="lt1"/>
+            </a:fontRef>
+          </p:style>
+          <p:txBody>
+            <a:bodyPr rtlCol="0" anchor="ctr"/>
+            <a:lstStyle/>
+            <a:p>
+              <a:pPr algn="ctr"/>
+              <a:endParaRPr lang="cs-CZ" dirty="0"/>
+            </a:p>
+          </p:txBody>
+        </p:sp>
+        <p:sp>
+          <p:nvSpPr>
+            <p:cNvPr id="8" name="TextovéPole 7">
+              <a:extLst>
+                <a:ext uri="{FF2B5EF4-FFF2-40B4-BE49-F238E27FC236}">
+                  <a16:creationId xmlns:a16="http://schemas.microsoft.com/office/drawing/2014/main" id="{AA53E2B4-59F9-D560-B043-2247FDBD8BD2}"/>
+                </a:ext>
+              </a:extLst>
+            </p:cNvPr>
+            <p:cNvSpPr txBox="1"/>
+            <p:nvPr userDrawn="1"/>
+          </p:nvSpPr>
+          <p:spPr>
+            <a:xfrm>
+              <a:off x="-3543386" y="3486167"/>
+              <a:ext cx="2897405" cy="27806085"/>
+            </a:xfrm>
+            <a:prstGeom prst="rect">
+              <a:avLst/>
+            </a:prstGeom>
+            <a:noFill/>
+          </p:spPr>
+          <p:txBody>
+            <a:bodyPr wrap="square" rtlCol="0">
+              <a:spAutoFit/>
+            </a:bodyPr>
+            <a:lstStyle/>
+            <a:p>
+              <a:r>
+                <a:rPr lang="pl-PL" sz="3200" dirty="0">
+                  <a:solidFill>
+                    <a:schemeClr val="bg2">
+                      <a:lumMod val="25000"/>
+                    </a:schemeClr>
+                  </a:solidFill>
+                </a:rPr>
+                <a:t>Google a facebook využívají data k nabízení relevantnějších reklam. Facebook, stejně jako další soc. Sítě, využívá data k doporučování relevantnějších výsledků</a:t>
+              </a:r>
+              <a:endParaRPr lang="pl-PL" sz="2800" dirty="0">
+                <a:solidFill>
+                  <a:schemeClr val="bg2">
+                    <a:lumMod val="25000"/>
+                  </a:schemeClr>
+                </a:solidFill>
+              </a:endParaRPr>
+            </a:p>
+            <a:p>
+              <a:pPr marL="457200" indent="-457200">
+                <a:buFontTx/>
+                <a:buChar char="-"/>
+              </a:pPr>
+              <a:endParaRPr lang="pl-PL" sz="3200" dirty="0">
+                <a:solidFill>
+                  <a:schemeClr val="bg2">
+                    <a:lumMod val="25000"/>
+                  </a:schemeClr>
+                </a:solidFill>
+              </a:endParaRPr>
+            </a:p>
+          </p:txBody>
+        </p:sp>
+      </p:grpSp>
     </p:spTree>
     <p:extLst>
       <p:ext uri="{BB962C8B-B14F-4D97-AF65-F5344CB8AC3E}">
@@ -5034,6 +5534,192 @@
           <a:chExt cx="0" cy="0"/>
         </a:xfrm>
       </p:grpSpPr>
+      <p:grpSp>
+        <p:nvGrpSpPr>
+          <p:cNvPr id="2" name="Skupina 1">
+            <a:extLst>
+              <a:ext uri="{FF2B5EF4-FFF2-40B4-BE49-F238E27FC236}">
+                <a16:creationId xmlns:a16="http://schemas.microsoft.com/office/drawing/2014/main" id="{6F1A8C3D-5692-F9A3-DADE-A09BF7D56C99}"/>
+              </a:ext>
+            </a:extLst>
+          </p:cNvPr>
+          <p:cNvGrpSpPr/>
+          <p:nvPr/>
+        </p:nvGrpSpPr>
+        <p:grpSpPr>
+          <a:xfrm>
+            <a:off x="5157788" y="833818"/>
+            <a:ext cx="5934075" cy="3833432"/>
+            <a:chOff x="-3626629" y="1189687"/>
+            <a:chExt cx="3063891" cy="9777622"/>
+          </a:xfrm>
+        </p:grpSpPr>
+        <p:sp>
+          <p:nvSpPr>
+            <p:cNvPr id="3" name="Obdélník: se zakulacenými rohy 2">
+              <a:extLst>
+                <a:ext uri="{FF2B5EF4-FFF2-40B4-BE49-F238E27FC236}">
+                  <a16:creationId xmlns:a16="http://schemas.microsoft.com/office/drawing/2014/main" id="{611F55A5-2611-25CA-F7A2-ED31DFDADCF2}"/>
+                </a:ext>
+              </a:extLst>
+            </p:cNvPr>
+            <p:cNvSpPr/>
+            <p:nvPr userDrawn="1"/>
+          </p:nvSpPr>
+          <p:spPr>
+            <a:xfrm>
+              <a:off x="-3626629" y="1189687"/>
+              <a:ext cx="3063891" cy="9777622"/>
+            </a:xfrm>
+            <a:prstGeom prst="roundRect">
+              <a:avLst>
+                <a:gd name="adj" fmla="val 4378"/>
+              </a:avLst>
+            </a:prstGeom>
+            <a:solidFill>
+              <a:srgbClr val="FFFFFF">
+                <a:alpha val="60000"/>
+              </a:srgbClr>
+            </a:solidFill>
+            <a:ln>
+              <a:solidFill>
+                <a:srgbClr val="EAEAEA"/>
+              </a:solidFill>
+            </a:ln>
+            <a:effectLst>
+              <a:outerShdw blurRad="50800" dist="38100" dir="2700000" algn="tl" rotWithShape="0">
+                <a:prstClr val="black">
+                  <a:alpha val="40000"/>
+                </a:prstClr>
+              </a:outerShdw>
+              <a:softEdge rad="12700"/>
+            </a:effectLst>
+          </p:spPr>
+          <p:style>
+            <a:lnRef idx="2">
+              <a:schemeClr val="accent1">
+                <a:shade val="50000"/>
+              </a:schemeClr>
+            </a:lnRef>
+            <a:fillRef idx="1">
+              <a:schemeClr val="accent1"/>
+            </a:fillRef>
+            <a:effectRef idx="0">
+              <a:schemeClr val="accent1"/>
+            </a:effectRef>
+            <a:fontRef idx="minor">
+              <a:schemeClr val="lt1"/>
+            </a:fontRef>
+          </p:style>
+          <p:txBody>
+            <a:bodyPr rtlCol="0" anchor="ctr"/>
+            <a:lstStyle/>
+            <a:p>
+              <a:pPr algn="ctr"/>
+              <a:endParaRPr lang="cs-CZ" dirty="0"/>
+            </a:p>
+          </p:txBody>
+        </p:sp>
+        <p:sp>
+          <p:nvSpPr>
+            <p:cNvPr id="4" name="TextovéPole 3">
+              <a:extLst>
+                <a:ext uri="{FF2B5EF4-FFF2-40B4-BE49-F238E27FC236}">
+                  <a16:creationId xmlns:a16="http://schemas.microsoft.com/office/drawing/2014/main" id="{158D1E8D-5CAB-B7FE-6975-B5F1B2930747}"/>
+                </a:ext>
+              </a:extLst>
+            </p:cNvPr>
+            <p:cNvSpPr txBox="1"/>
+            <p:nvPr userDrawn="1"/>
+          </p:nvSpPr>
+          <p:spPr>
+            <a:xfrm>
+              <a:off x="-3541149" y="1583390"/>
+              <a:ext cx="2897405" cy="9184741"/>
+            </a:xfrm>
+            <a:prstGeom prst="rect">
+              <a:avLst/>
+            </a:prstGeom>
+            <a:noFill/>
+          </p:spPr>
+          <p:txBody>
+            <a:bodyPr wrap="square" rtlCol="0">
+              <a:spAutoFit/>
+            </a:bodyPr>
+            <a:lstStyle/>
+            <a:p>
+              <a:r>
+                <a:rPr lang="pl-PL" sz="3200" dirty="0">
+                  <a:solidFill>
+                    <a:schemeClr val="bg2">
+                      <a:lumMod val="25000"/>
+                    </a:schemeClr>
+                  </a:solidFill>
+                </a:rPr>
+                <a:t>Zneužití</a:t>
+              </a:r>
+            </a:p>
+            <a:p>
+              <a:r>
+                <a:rPr lang="pl-PL" sz="2800" dirty="0">
+                  <a:solidFill>
+                    <a:schemeClr val="bg2">
+                      <a:lumMod val="25000"/>
+                    </a:schemeClr>
+                  </a:solidFill>
+                </a:rPr>
+                <a:t>V roce 2016 společnost Cambridge Analytica využila data z facebooku k ovlivnění prezidentských voleb v USA, nebo hlasování Británie o vystoupení z evropské unie. Data získala pomocí propojování facebook aplikací s profily uživatelů</a:t>
+              </a:r>
+            </a:p>
+          </p:txBody>
+        </p:sp>
+      </p:grpSp>
+      <p:cxnSp>
+        <p:nvCxnSpPr>
+          <p:cNvPr id="5" name="Přímá spojnice se šipkou 4">
+            <a:extLst>
+              <a:ext uri="{FF2B5EF4-FFF2-40B4-BE49-F238E27FC236}">
+                <a16:creationId xmlns:a16="http://schemas.microsoft.com/office/drawing/2014/main" id="{B6751146-AED2-EC15-1B19-157B3ECC051A}"/>
+              </a:ext>
+            </a:extLst>
+          </p:cNvPr>
+          <p:cNvCxnSpPr>
+            <a:cxnSpLocks/>
+          </p:cNvCxnSpPr>
+          <p:nvPr/>
+        </p:nvCxnSpPr>
+        <p:spPr>
+          <a:xfrm flipH="1">
+            <a:off x="4467225" y="4392981"/>
+            <a:ext cx="4153773" cy="2341194"/>
+          </a:xfrm>
+          <a:prstGeom prst="straightConnector1">
+            <a:avLst/>
+          </a:prstGeom>
+          <a:ln w="38100">
+            <a:solidFill>
+              <a:schemeClr val="bg2">
+                <a:lumMod val="25000"/>
+              </a:schemeClr>
+            </a:solidFill>
+            <a:tailEnd type="triangle"/>
+          </a:ln>
+        </p:spPr>
+        <p:style>
+          <a:lnRef idx="1">
+            <a:schemeClr val="dk1"/>
+          </a:lnRef>
+          <a:fillRef idx="0">
+            <a:schemeClr val="dk1"/>
+          </a:fillRef>
+          <a:effectRef idx="0">
+            <a:schemeClr val="dk1"/>
+          </a:effectRef>
+          <a:fontRef idx="minor">
+            <a:schemeClr val="tx1"/>
+          </a:fontRef>
+        </p:style>
+      </p:cxnSp>
     </p:spTree>
     <p:extLst>
       <p:ext uri="{BB962C8B-B14F-4D97-AF65-F5344CB8AC3E}">
@@ -5081,6 +5767,332 @@
           <a:chExt cx="0" cy="0"/>
         </a:xfrm>
       </p:grpSpPr>
+      <p:grpSp>
+        <p:nvGrpSpPr>
+          <p:cNvPr id="10" name="Skupina 9">
+            <a:extLst>
+              <a:ext uri="{FF2B5EF4-FFF2-40B4-BE49-F238E27FC236}">
+                <a16:creationId xmlns:a16="http://schemas.microsoft.com/office/drawing/2014/main" id="{2992C025-18B3-A006-47DF-2EF782E19486}"/>
+              </a:ext>
+            </a:extLst>
+          </p:cNvPr>
+          <p:cNvGrpSpPr/>
+          <p:nvPr/>
+        </p:nvGrpSpPr>
+        <p:grpSpPr>
+          <a:xfrm>
+            <a:off x="5905499" y="3732544"/>
+            <a:ext cx="5934075" cy="2633282"/>
+            <a:chOff x="-3626629" y="1189687"/>
+            <a:chExt cx="3063891" cy="9777622"/>
+          </a:xfrm>
+        </p:grpSpPr>
+        <p:sp>
+          <p:nvSpPr>
+            <p:cNvPr id="11" name="Obdélník: se zakulacenými rohy 10">
+              <a:extLst>
+                <a:ext uri="{FF2B5EF4-FFF2-40B4-BE49-F238E27FC236}">
+                  <a16:creationId xmlns:a16="http://schemas.microsoft.com/office/drawing/2014/main" id="{D015C761-8C5C-6974-7B41-7CF8122037CC}"/>
+                </a:ext>
+              </a:extLst>
+            </p:cNvPr>
+            <p:cNvSpPr/>
+            <p:nvPr userDrawn="1"/>
+          </p:nvSpPr>
+          <p:spPr>
+            <a:xfrm>
+              <a:off x="-3626629" y="1189687"/>
+              <a:ext cx="3063891" cy="9777622"/>
+            </a:xfrm>
+            <a:prstGeom prst="roundRect">
+              <a:avLst>
+                <a:gd name="adj" fmla="val 4378"/>
+              </a:avLst>
+            </a:prstGeom>
+            <a:solidFill>
+              <a:srgbClr val="FFFFFF">
+                <a:alpha val="60000"/>
+              </a:srgbClr>
+            </a:solidFill>
+            <a:ln>
+              <a:solidFill>
+                <a:srgbClr val="EAEAEA"/>
+              </a:solidFill>
+            </a:ln>
+            <a:effectLst>
+              <a:outerShdw blurRad="50800" dist="38100" dir="2700000" algn="tl" rotWithShape="0">
+                <a:prstClr val="black">
+                  <a:alpha val="40000"/>
+                </a:prstClr>
+              </a:outerShdw>
+              <a:softEdge rad="12700"/>
+            </a:effectLst>
+          </p:spPr>
+          <p:style>
+            <a:lnRef idx="2">
+              <a:schemeClr val="accent1">
+                <a:shade val="50000"/>
+              </a:schemeClr>
+            </a:lnRef>
+            <a:fillRef idx="1">
+              <a:schemeClr val="accent1"/>
+            </a:fillRef>
+            <a:effectRef idx="0">
+              <a:schemeClr val="accent1"/>
+            </a:effectRef>
+            <a:fontRef idx="minor">
+              <a:schemeClr val="lt1"/>
+            </a:fontRef>
+          </p:style>
+          <p:txBody>
+            <a:bodyPr rtlCol="0" anchor="ctr"/>
+            <a:lstStyle/>
+            <a:p>
+              <a:pPr algn="ctr"/>
+              <a:endParaRPr lang="cs-CZ" dirty="0"/>
+            </a:p>
+          </p:txBody>
+        </p:sp>
+        <p:sp>
+          <p:nvSpPr>
+            <p:cNvPr id="12" name="TextovéPole 11">
+              <a:extLst>
+                <a:ext uri="{FF2B5EF4-FFF2-40B4-BE49-F238E27FC236}">
+                  <a16:creationId xmlns:a16="http://schemas.microsoft.com/office/drawing/2014/main" id="{EEC1C52C-0E2A-B411-8F2C-995B803B8474}"/>
+                </a:ext>
+              </a:extLst>
+            </p:cNvPr>
+            <p:cNvSpPr txBox="1"/>
+            <p:nvPr userDrawn="1"/>
+          </p:nvSpPr>
+          <p:spPr>
+            <a:xfrm>
+              <a:off x="-3541149" y="1583390"/>
+              <a:ext cx="2897405" cy="8571023"/>
+            </a:xfrm>
+            <a:prstGeom prst="rect">
+              <a:avLst/>
+            </a:prstGeom>
+            <a:noFill/>
+          </p:spPr>
+          <p:txBody>
+            <a:bodyPr wrap="square" rtlCol="0">
+              <a:spAutoFit/>
+            </a:bodyPr>
+            <a:lstStyle/>
+            <a:p>
+              <a:r>
+                <a:rPr lang="pl-PL" sz="3200" dirty="0">
+                  <a:solidFill>
+                    <a:schemeClr val="bg2">
+                      <a:lumMod val="25000"/>
+                    </a:schemeClr>
+                  </a:solidFill>
+                </a:rPr>
+                <a:t>Sledovací cookies</a:t>
+              </a:r>
+            </a:p>
+            <a:p>
+              <a:r>
+                <a:rPr lang="pl-PL" sz="2800" dirty="0">
+                  <a:solidFill>
+                    <a:schemeClr val="bg2">
+                      <a:lumMod val="25000"/>
+                    </a:schemeClr>
+                  </a:solidFill>
+                </a:rPr>
+                <a:t>Některé stránky ukládají do počítače cookies, jejíž účel je získat informace, o tom, jaké stránky uživatel navštěvuje</a:t>
+              </a:r>
+            </a:p>
+          </p:txBody>
+        </p:sp>
+      </p:grpSp>
+      <p:grpSp>
+        <p:nvGrpSpPr>
+          <p:cNvPr id="2" name="Skupina 1">
+            <a:extLst>
+              <a:ext uri="{FF2B5EF4-FFF2-40B4-BE49-F238E27FC236}">
+                <a16:creationId xmlns:a16="http://schemas.microsoft.com/office/drawing/2014/main" id="{7CDD18ED-F2BD-541C-7AF1-C3D49316846F}"/>
+              </a:ext>
+            </a:extLst>
+          </p:cNvPr>
+          <p:cNvGrpSpPr/>
+          <p:nvPr/>
+        </p:nvGrpSpPr>
+        <p:grpSpPr>
+          <a:xfrm>
+            <a:off x="633413" y="186118"/>
+            <a:ext cx="5934075" cy="2633282"/>
+            <a:chOff x="-3626629" y="1189687"/>
+            <a:chExt cx="3063891" cy="9777622"/>
+          </a:xfrm>
+        </p:grpSpPr>
+        <p:sp>
+          <p:nvSpPr>
+            <p:cNvPr id="3" name="Obdélník: se zakulacenými rohy 2">
+              <a:extLst>
+                <a:ext uri="{FF2B5EF4-FFF2-40B4-BE49-F238E27FC236}">
+                  <a16:creationId xmlns:a16="http://schemas.microsoft.com/office/drawing/2014/main" id="{65647B5B-927C-E70A-999B-22D08BB856C5}"/>
+                </a:ext>
+              </a:extLst>
+            </p:cNvPr>
+            <p:cNvSpPr/>
+            <p:nvPr userDrawn="1"/>
+          </p:nvSpPr>
+          <p:spPr>
+            <a:xfrm>
+              <a:off x="-3626629" y="1189687"/>
+              <a:ext cx="3063891" cy="9777622"/>
+            </a:xfrm>
+            <a:prstGeom prst="roundRect">
+              <a:avLst>
+                <a:gd name="adj" fmla="val 4378"/>
+              </a:avLst>
+            </a:prstGeom>
+            <a:solidFill>
+              <a:srgbClr val="FFFFFF">
+                <a:alpha val="60000"/>
+              </a:srgbClr>
+            </a:solidFill>
+            <a:ln>
+              <a:solidFill>
+                <a:srgbClr val="EAEAEA"/>
+              </a:solidFill>
+            </a:ln>
+            <a:effectLst>
+              <a:outerShdw blurRad="50800" dist="38100" dir="2700000" algn="tl" rotWithShape="0">
+                <a:prstClr val="black">
+                  <a:alpha val="40000"/>
+                </a:prstClr>
+              </a:outerShdw>
+              <a:softEdge rad="12700"/>
+            </a:effectLst>
+          </p:spPr>
+          <p:style>
+            <a:lnRef idx="2">
+              <a:schemeClr val="accent1">
+                <a:shade val="50000"/>
+              </a:schemeClr>
+            </a:lnRef>
+            <a:fillRef idx="1">
+              <a:schemeClr val="accent1"/>
+            </a:fillRef>
+            <a:effectRef idx="0">
+              <a:schemeClr val="accent1"/>
+            </a:effectRef>
+            <a:fontRef idx="minor">
+              <a:schemeClr val="lt1"/>
+            </a:fontRef>
+          </p:style>
+          <p:txBody>
+            <a:bodyPr rtlCol="0" anchor="ctr"/>
+            <a:lstStyle/>
+            <a:p>
+              <a:pPr algn="ctr"/>
+              <a:endParaRPr lang="cs-CZ" dirty="0"/>
+            </a:p>
+          </p:txBody>
+        </p:sp>
+        <p:sp>
+          <p:nvSpPr>
+            <p:cNvPr id="4" name="TextovéPole 3">
+              <a:extLst>
+                <a:ext uri="{FF2B5EF4-FFF2-40B4-BE49-F238E27FC236}">
+                  <a16:creationId xmlns:a16="http://schemas.microsoft.com/office/drawing/2014/main" id="{9D79160C-32F9-83F1-1087-75983E083A58}"/>
+                </a:ext>
+              </a:extLst>
+            </p:cNvPr>
+            <p:cNvSpPr txBox="1"/>
+            <p:nvPr userDrawn="1"/>
+          </p:nvSpPr>
+          <p:spPr>
+            <a:xfrm>
+              <a:off x="-3541149" y="1583390"/>
+              <a:ext cx="2897405" cy="5887654"/>
+            </a:xfrm>
+            <a:prstGeom prst="rect">
+              <a:avLst/>
+            </a:prstGeom>
+            <a:noFill/>
+          </p:spPr>
+          <p:txBody>
+            <a:bodyPr wrap="square" rtlCol="0">
+              <a:spAutoFit/>
+            </a:bodyPr>
+            <a:lstStyle/>
+            <a:p>
+              <a:r>
+                <a:rPr lang="pl-PL" sz="3200" dirty="0">
+                  <a:solidFill>
+                    <a:schemeClr val="bg2">
+                      <a:lumMod val="25000"/>
+                    </a:schemeClr>
+                  </a:solidFill>
+                </a:rPr>
+                <a:t>Data mining</a:t>
+              </a:r>
+            </a:p>
+            <a:p>
+              <a:r>
+                <a:rPr lang="pl-PL" sz="2800" dirty="0">
+                  <a:solidFill>
+                    <a:schemeClr val="bg2">
+                      <a:lumMod val="25000"/>
+                    </a:schemeClr>
+                  </a:solidFill>
+                </a:rPr>
+                <a:t>Je získávání velkých dat. Data vznikají přímo používáním dané služby, a nebo jsou využity další sledovací prvky</a:t>
+              </a:r>
+            </a:p>
+          </p:txBody>
+        </p:sp>
+      </p:grpSp>
+      <p:cxnSp>
+        <p:nvCxnSpPr>
+          <p:cNvPr id="5" name="Přímá spojnice se šipkou 4">
+            <a:extLst>
+              <a:ext uri="{FF2B5EF4-FFF2-40B4-BE49-F238E27FC236}">
+                <a16:creationId xmlns:a16="http://schemas.microsoft.com/office/drawing/2014/main" id="{85FAF6A7-388D-9CEE-FD53-AAD508854E56}"/>
+              </a:ext>
+            </a:extLst>
+          </p:cNvPr>
+          <p:cNvCxnSpPr>
+            <a:cxnSpLocks/>
+          </p:cNvCxnSpPr>
+          <p:nvPr/>
+        </p:nvCxnSpPr>
+        <p:spPr>
+          <a:xfrm>
+            <a:off x="3019425" y="2266950"/>
+            <a:ext cx="3076575" cy="1905000"/>
+          </a:xfrm>
+          <a:prstGeom prst="straightConnector1">
+            <a:avLst/>
+          </a:prstGeom>
+          <a:ln w="38100">
+            <a:solidFill>
+              <a:schemeClr val="bg2">
+                <a:lumMod val="25000"/>
+              </a:schemeClr>
+            </a:solidFill>
+            <a:tailEnd type="triangle"/>
+          </a:ln>
+        </p:spPr>
+        <p:style>
+          <a:lnRef idx="1">
+            <a:schemeClr val="dk1"/>
+          </a:lnRef>
+          <a:fillRef idx="0">
+            <a:schemeClr val="dk1"/>
+          </a:fillRef>
+          <a:effectRef idx="0">
+            <a:schemeClr val="dk1"/>
+          </a:effectRef>
+          <a:fontRef idx="minor">
+            <a:schemeClr val="tx1"/>
+          </a:fontRef>
+        </p:style>
+      </p:cxnSp>
     </p:spTree>
     <p:extLst>
       <p:ext uri="{BB962C8B-B14F-4D97-AF65-F5344CB8AC3E}">
@@ -5269,6 +6281,729 @@
           <a:chExt cx="0" cy="0"/>
         </a:xfrm>
       </p:grpSpPr>
+      <p:grpSp>
+        <p:nvGrpSpPr>
+          <p:cNvPr id="5" name="Skupina 4">
+            <a:extLst>
+              <a:ext uri="{FF2B5EF4-FFF2-40B4-BE49-F238E27FC236}">
+                <a16:creationId xmlns:a16="http://schemas.microsoft.com/office/drawing/2014/main" id="{3A575D52-6B66-89AC-A2E1-8808394E39E1}"/>
+              </a:ext>
+            </a:extLst>
+          </p:cNvPr>
+          <p:cNvGrpSpPr/>
+          <p:nvPr/>
+        </p:nvGrpSpPr>
+        <p:grpSpPr>
+          <a:xfrm>
+            <a:off x="2981325" y="106922"/>
+            <a:ext cx="8690963" cy="6627253"/>
+            <a:chOff x="-3626629" y="1189687"/>
+            <a:chExt cx="3063891" cy="7293471"/>
+          </a:xfrm>
+        </p:grpSpPr>
+        <p:sp>
+          <p:nvSpPr>
+            <p:cNvPr id="6" name="Obdélník: se zakulacenými rohy 5">
+              <a:extLst>
+                <a:ext uri="{FF2B5EF4-FFF2-40B4-BE49-F238E27FC236}">
+                  <a16:creationId xmlns:a16="http://schemas.microsoft.com/office/drawing/2014/main" id="{FB9C9FF6-EB8B-6830-6B07-45B8268F2463}"/>
+                </a:ext>
+              </a:extLst>
+            </p:cNvPr>
+            <p:cNvSpPr/>
+            <p:nvPr userDrawn="1"/>
+          </p:nvSpPr>
+          <p:spPr>
+            <a:xfrm>
+              <a:off x="-3626629" y="1189687"/>
+              <a:ext cx="3063891" cy="7293471"/>
+            </a:xfrm>
+            <a:prstGeom prst="roundRect">
+              <a:avLst>
+                <a:gd name="adj" fmla="val 1848"/>
+              </a:avLst>
+            </a:prstGeom>
+            <a:solidFill>
+              <a:srgbClr val="FFFFFF">
+                <a:alpha val="60000"/>
+              </a:srgbClr>
+            </a:solidFill>
+            <a:ln>
+              <a:solidFill>
+                <a:srgbClr val="EAEAEA"/>
+              </a:solidFill>
+            </a:ln>
+            <a:effectLst>
+              <a:outerShdw blurRad="50800" dist="38100" dir="2700000" algn="tl" rotWithShape="0">
+                <a:prstClr val="black">
+                  <a:alpha val="40000"/>
+                </a:prstClr>
+              </a:outerShdw>
+              <a:softEdge rad="12700"/>
+            </a:effectLst>
+          </p:spPr>
+          <p:style>
+            <a:lnRef idx="2">
+              <a:schemeClr val="accent1">
+                <a:shade val="50000"/>
+              </a:schemeClr>
+            </a:lnRef>
+            <a:fillRef idx="1">
+              <a:schemeClr val="accent1"/>
+            </a:fillRef>
+            <a:effectRef idx="0">
+              <a:schemeClr val="accent1"/>
+            </a:effectRef>
+            <a:fontRef idx="minor">
+              <a:schemeClr val="lt1"/>
+            </a:fontRef>
+          </p:style>
+          <p:txBody>
+            <a:bodyPr rtlCol="0" anchor="ctr"/>
+            <a:lstStyle/>
+            <a:p>
+              <a:pPr algn="ctr"/>
+              <a:endParaRPr lang="cs-CZ" dirty="0"/>
+            </a:p>
+          </p:txBody>
+        </p:sp>
+        <p:sp>
+          <p:nvSpPr>
+            <p:cNvPr id="7" name="TextovéPole 6">
+              <a:extLst>
+                <a:ext uri="{FF2B5EF4-FFF2-40B4-BE49-F238E27FC236}">
+                  <a16:creationId xmlns:a16="http://schemas.microsoft.com/office/drawing/2014/main" id="{5F011D8E-8C76-2C1D-A767-F0476DFAB324}"/>
+                </a:ext>
+              </a:extLst>
+            </p:cNvPr>
+            <p:cNvSpPr txBox="1"/>
+            <p:nvPr userDrawn="1"/>
+          </p:nvSpPr>
+          <p:spPr>
+            <a:xfrm>
+              <a:off x="-3581351" y="1541769"/>
+              <a:ext cx="2960923" cy="6740457"/>
+            </a:xfrm>
+            <a:prstGeom prst="rect">
+              <a:avLst/>
+            </a:prstGeom>
+            <a:noFill/>
+          </p:spPr>
+          <p:txBody>
+            <a:bodyPr wrap="square" rtlCol="0">
+              <a:spAutoFit/>
+            </a:bodyPr>
+            <a:lstStyle/>
+            <a:p>
+              <a:pPr algn="just"/>
+              <a:r>
+                <a:rPr lang="pl-PL" sz="2800" dirty="0">
+                  <a:solidFill>
+                    <a:schemeClr val="bg2">
+                      <a:lumMod val="25000"/>
+                    </a:schemeClr>
+                  </a:solidFill>
+                </a:rPr>
+                <a:t>POUŽITÁ LITERATURA</a:t>
+              </a:r>
+            </a:p>
+            <a:p>
+              <a:pPr algn="just"/>
+              <a:endParaRPr lang="pl-PL" sz="2800" dirty="0">
+                <a:solidFill>
+                  <a:schemeClr val="bg2">
+                    <a:lumMod val="25000"/>
+                  </a:schemeClr>
+                </a:solidFill>
+              </a:endParaRPr>
+            </a:p>
+            <a:p>
+              <a:r>
+                <a:rPr lang="en-US" sz="1400" b="0" i="1" dirty="0">
+                  <a:solidFill>
+                    <a:schemeClr val="bg2">
+                      <a:lumMod val="25000"/>
+                    </a:schemeClr>
+                  </a:solidFill>
+                  <a:effectLst/>
+                  <a:latin typeface="Open Sans" panose="020B0606030504020204" pitchFamily="34" charset="0"/>
+                </a:rPr>
+                <a:t>YouTube: Big Data In 5 Minutes | What Is Big Data?| Introduction To Big Data |Big Data Explained |</a:t>
+              </a:r>
+              <a:r>
+                <a:rPr lang="en-US" sz="1400" b="0" i="1" dirty="0" err="1">
+                  <a:solidFill>
+                    <a:schemeClr val="bg2">
+                      <a:lumMod val="25000"/>
+                    </a:schemeClr>
+                  </a:solidFill>
+                  <a:effectLst/>
+                  <a:latin typeface="Open Sans" panose="020B0606030504020204" pitchFamily="34" charset="0"/>
+                </a:rPr>
+                <a:t>Simplilearn</a:t>
+              </a:r>
+              <a:r>
+                <a:rPr lang="en-US" sz="1400" b="0" i="0" dirty="0">
+                  <a:solidFill>
+                    <a:schemeClr val="bg2">
+                      <a:lumMod val="25000"/>
+                    </a:schemeClr>
+                  </a:solidFill>
+                  <a:effectLst/>
+                  <a:latin typeface="Open Sans" panose="020B0606030504020204" pitchFamily="34" charset="0"/>
+                </a:rPr>
+                <a:t> [online]. [cit. 2023-01-05]. </a:t>
+              </a:r>
+              <a:r>
+                <a:rPr lang="en-US" sz="1400" b="0" i="0" dirty="0" err="1">
+                  <a:solidFill>
+                    <a:schemeClr val="bg2">
+                      <a:lumMod val="25000"/>
+                    </a:schemeClr>
+                  </a:solidFill>
+                  <a:effectLst/>
+                  <a:latin typeface="Open Sans" panose="020B0606030504020204" pitchFamily="34" charset="0"/>
+                </a:rPr>
+                <a:t>Dostupné</a:t>
+              </a:r>
+              <a:r>
+                <a:rPr lang="en-US" sz="1400" b="0" i="0" dirty="0">
+                  <a:solidFill>
+                    <a:schemeClr val="bg2">
+                      <a:lumMod val="25000"/>
+                    </a:schemeClr>
+                  </a:solidFill>
+                  <a:effectLst/>
+                  <a:latin typeface="Open Sans" panose="020B0606030504020204" pitchFamily="34" charset="0"/>
+                </a:rPr>
+                <a:t> z: </a:t>
+              </a:r>
+              <a:r>
+                <a:rPr lang="en-US" sz="1400" b="0" i="0" dirty="0">
+                  <a:solidFill>
+                    <a:schemeClr val="bg2">
+                      <a:lumMod val="25000"/>
+                    </a:schemeClr>
+                  </a:solidFill>
+                  <a:effectLst/>
+                  <a:latin typeface="Open Sans" panose="020B0606030504020204" pitchFamily="34" charset="0"/>
+                  <a:hlinkClick r:id="rId3"/>
+                </a:rPr>
+                <a:t>https://www.youtube.com/watch?v=bAyrObl7TYE&amp;ab_channel=Simplilearn</a:t>
+              </a:r>
+              <a:endParaRPr lang="cs-CZ" sz="1400" b="0" i="0" dirty="0">
+                <a:solidFill>
+                  <a:schemeClr val="bg2">
+                    <a:lumMod val="25000"/>
+                  </a:schemeClr>
+                </a:solidFill>
+                <a:effectLst/>
+                <a:latin typeface="Open Sans" panose="020B0606030504020204" pitchFamily="34" charset="0"/>
+              </a:endParaRPr>
+            </a:p>
+            <a:p>
+              <a:endParaRPr lang="cs-CZ" sz="1400" dirty="0">
+                <a:solidFill>
+                  <a:schemeClr val="bg2">
+                    <a:lumMod val="25000"/>
+                  </a:schemeClr>
+                </a:solidFill>
+                <a:latin typeface="Open Sans" panose="020B0606030504020204" pitchFamily="34" charset="0"/>
+              </a:endParaRPr>
+            </a:p>
+            <a:p>
+              <a:r>
+                <a:rPr lang="it-IT" sz="1400" b="0" i="1" dirty="0">
+                  <a:solidFill>
+                    <a:schemeClr val="bg2">
+                      <a:lumMod val="25000"/>
+                    </a:schemeClr>
+                  </a:solidFill>
+                  <a:effectLst/>
+                  <a:latin typeface="Open Sans" panose="020B0606030504020204" pitchFamily="34" charset="0"/>
+                </a:rPr>
+                <a:t>Wikipedia: Big data</a:t>
+              </a:r>
+              <a:r>
+                <a:rPr lang="it-IT" sz="1400" b="0" i="0" dirty="0">
+                  <a:solidFill>
+                    <a:schemeClr val="bg2">
+                      <a:lumMod val="25000"/>
+                    </a:schemeClr>
+                  </a:solidFill>
+                  <a:effectLst/>
+                  <a:latin typeface="Open Sans" panose="020B0606030504020204" pitchFamily="34" charset="0"/>
+                </a:rPr>
+                <a:t> [online]. [cit. 2023-01-06]. Dostupné z: </a:t>
+              </a:r>
+              <a:r>
+                <a:rPr lang="it-IT" sz="1400" b="0" i="0" dirty="0">
+                  <a:solidFill>
+                    <a:schemeClr val="bg2">
+                      <a:lumMod val="25000"/>
+                    </a:schemeClr>
+                  </a:solidFill>
+                  <a:effectLst/>
+                  <a:latin typeface="Open Sans" panose="020B0606030504020204" pitchFamily="34" charset="0"/>
+                  <a:hlinkClick r:id="rId4"/>
+                </a:rPr>
+                <a:t>https://en.wikipedia.org/wiki/Big_data</a:t>
+              </a:r>
+              <a:endParaRPr lang="cs-CZ" sz="1400" dirty="0">
+                <a:solidFill>
+                  <a:schemeClr val="bg2">
+                    <a:lumMod val="25000"/>
+                  </a:schemeClr>
+                </a:solidFill>
+                <a:latin typeface="Open Sans" panose="020B0606030504020204" pitchFamily="34" charset="0"/>
+              </a:endParaRPr>
+            </a:p>
+            <a:p>
+              <a:endParaRPr lang="cs-CZ" sz="1400" b="0" i="0" dirty="0">
+                <a:solidFill>
+                  <a:schemeClr val="bg2">
+                    <a:lumMod val="25000"/>
+                  </a:schemeClr>
+                </a:solidFill>
+                <a:effectLst/>
+                <a:latin typeface="Open Sans" panose="020B0606030504020204" pitchFamily="34" charset="0"/>
+              </a:endParaRPr>
+            </a:p>
+            <a:p>
+              <a:r>
+                <a:rPr lang="en-US" sz="1400" b="0" i="1" dirty="0">
+                  <a:solidFill>
+                    <a:schemeClr val="bg2">
+                      <a:lumMod val="25000"/>
+                    </a:schemeClr>
+                  </a:solidFill>
+                  <a:effectLst/>
+                  <a:latin typeface="Open Sans" panose="020B0606030504020204" pitchFamily="34" charset="0"/>
+                </a:rPr>
+                <a:t>Oracle: What is Big Data?</a:t>
+              </a:r>
+              <a:r>
+                <a:rPr lang="en-US" sz="1400" b="0" i="0" dirty="0">
+                  <a:solidFill>
+                    <a:schemeClr val="bg2">
+                      <a:lumMod val="25000"/>
+                    </a:schemeClr>
+                  </a:solidFill>
+                  <a:effectLst/>
+                  <a:latin typeface="Open Sans" panose="020B0606030504020204" pitchFamily="34" charset="0"/>
+                </a:rPr>
+                <a:t> [online]. [cit. 2023-01-06]. </a:t>
+              </a:r>
+              <a:r>
+                <a:rPr lang="en-US" sz="1400" b="0" i="0" dirty="0" err="1">
+                  <a:solidFill>
+                    <a:schemeClr val="bg2">
+                      <a:lumMod val="25000"/>
+                    </a:schemeClr>
+                  </a:solidFill>
+                  <a:effectLst/>
+                  <a:latin typeface="Open Sans" panose="020B0606030504020204" pitchFamily="34" charset="0"/>
+                </a:rPr>
+                <a:t>Dostupné</a:t>
+              </a:r>
+              <a:r>
+                <a:rPr lang="en-US" sz="1400" b="0" i="0" dirty="0">
+                  <a:solidFill>
+                    <a:schemeClr val="bg2">
+                      <a:lumMod val="25000"/>
+                    </a:schemeClr>
+                  </a:solidFill>
+                  <a:effectLst/>
+                  <a:latin typeface="Open Sans" panose="020B0606030504020204" pitchFamily="34" charset="0"/>
+                </a:rPr>
+                <a:t> z: </a:t>
+              </a:r>
+              <a:r>
+                <a:rPr lang="en-US" sz="1400" b="0" i="0" dirty="0">
+                  <a:solidFill>
+                    <a:schemeClr val="bg2">
+                      <a:lumMod val="25000"/>
+                    </a:schemeClr>
+                  </a:solidFill>
+                  <a:effectLst/>
+                  <a:latin typeface="Open Sans" panose="020B0606030504020204" pitchFamily="34" charset="0"/>
+                  <a:hlinkClick r:id="rId5"/>
+                </a:rPr>
+                <a:t>https://www.oracle.com/big-data/what-is-big-data/</a:t>
+              </a:r>
+              <a:endParaRPr lang="cs-CZ" sz="1400" b="0" i="0" dirty="0">
+                <a:solidFill>
+                  <a:schemeClr val="bg2">
+                    <a:lumMod val="25000"/>
+                  </a:schemeClr>
+                </a:solidFill>
+                <a:effectLst/>
+                <a:latin typeface="Open Sans" panose="020B0606030504020204" pitchFamily="34" charset="0"/>
+              </a:endParaRPr>
+            </a:p>
+            <a:p>
+              <a:endParaRPr lang="cs-CZ" sz="1400" dirty="0">
+                <a:solidFill>
+                  <a:schemeClr val="bg2">
+                    <a:lumMod val="25000"/>
+                  </a:schemeClr>
+                </a:solidFill>
+                <a:latin typeface="Open Sans" panose="020B0606030504020204" pitchFamily="34" charset="0"/>
+              </a:endParaRPr>
+            </a:p>
+            <a:p>
+              <a:r>
+                <a:rPr lang="en-US" sz="1400" b="0" i="1" dirty="0">
+                  <a:solidFill>
+                    <a:schemeClr val="bg2">
+                      <a:lumMod val="25000"/>
+                    </a:schemeClr>
+                  </a:solidFill>
+                  <a:effectLst/>
+                  <a:latin typeface="Open Sans" panose="020B0606030504020204" pitchFamily="34" charset="0"/>
+                </a:rPr>
+                <a:t>Michael </a:t>
+              </a:r>
+              <a:r>
+                <a:rPr lang="en-US" sz="1400" b="0" i="1" dirty="0" err="1">
+                  <a:solidFill>
+                    <a:schemeClr val="bg2">
+                      <a:lumMod val="25000"/>
+                    </a:schemeClr>
+                  </a:solidFill>
+                  <a:effectLst/>
+                  <a:latin typeface="Open Sans" panose="020B0606030504020204" pitchFamily="34" charset="0"/>
+                </a:rPr>
+                <a:t>Gramlich</a:t>
+              </a:r>
+              <a:r>
+                <a:rPr lang="en-US" sz="1400" b="0" i="1" dirty="0">
+                  <a:solidFill>
+                    <a:schemeClr val="bg2">
+                      <a:lumMod val="25000"/>
+                    </a:schemeClr>
+                  </a:solidFill>
+                  <a:effectLst/>
+                  <a:latin typeface="Open Sans" panose="020B0606030504020204" pitchFamily="34" charset="0"/>
+                </a:rPr>
+                <a:t>: What is structured, semi structured and unstructured data?</a:t>
+              </a:r>
+              <a:r>
+                <a:rPr lang="en-US" sz="1400" b="0" i="0" dirty="0">
+                  <a:solidFill>
+                    <a:schemeClr val="bg2">
+                      <a:lumMod val="25000"/>
+                    </a:schemeClr>
+                  </a:solidFill>
+                  <a:effectLst/>
+                  <a:latin typeface="Open Sans" panose="020B0606030504020204" pitchFamily="34" charset="0"/>
+                </a:rPr>
+                <a:t> [online]. [cit. 2023-01-14]. </a:t>
+              </a:r>
+              <a:r>
+                <a:rPr lang="en-US" sz="1400" b="0" i="0" dirty="0" err="1">
+                  <a:solidFill>
+                    <a:schemeClr val="bg2">
+                      <a:lumMod val="25000"/>
+                    </a:schemeClr>
+                  </a:solidFill>
+                  <a:effectLst/>
+                  <a:latin typeface="Open Sans" panose="020B0606030504020204" pitchFamily="34" charset="0"/>
+                </a:rPr>
+                <a:t>Dostupné</a:t>
+              </a:r>
+              <a:r>
+                <a:rPr lang="en-US" sz="1400" b="0" i="0" dirty="0">
+                  <a:solidFill>
+                    <a:schemeClr val="bg2">
+                      <a:lumMod val="25000"/>
+                    </a:schemeClr>
+                  </a:solidFill>
+                  <a:effectLst/>
+                  <a:latin typeface="Open Sans" panose="020B0606030504020204" pitchFamily="34" charset="0"/>
+                </a:rPr>
+                <a:t> z: </a:t>
+              </a:r>
+              <a:r>
+                <a:rPr lang="en-US" sz="1400" b="0" i="0" dirty="0">
+                  <a:solidFill>
+                    <a:schemeClr val="bg2">
+                      <a:lumMod val="25000"/>
+                    </a:schemeClr>
+                  </a:solidFill>
+                  <a:effectLst/>
+                  <a:latin typeface="Open Sans" panose="020B0606030504020204" pitchFamily="34" charset="0"/>
+                  <a:hlinkClick r:id="rId6"/>
+                </a:rPr>
+                <a:t>https://www.michael-gramlich.com/what-is-structured-semi-structured-and-unstructured-data/</a:t>
+              </a:r>
+              <a:endParaRPr lang="cs-CZ" sz="1400" b="0" i="0" dirty="0">
+                <a:solidFill>
+                  <a:schemeClr val="bg2">
+                    <a:lumMod val="25000"/>
+                  </a:schemeClr>
+                </a:solidFill>
+                <a:effectLst/>
+                <a:latin typeface="Open Sans" panose="020B0606030504020204" pitchFamily="34" charset="0"/>
+              </a:endParaRPr>
+            </a:p>
+            <a:p>
+              <a:endParaRPr lang="cs-CZ" sz="1400" dirty="0">
+                <a:solidFill>
+                  <a:schemeClr val="bg2">
+                    <a:lumMod val="25000"/>
+                  </a:schemeClr>
+                </a:solidFill>
+                <a:latin typeface="Open Sans" panose="020B0606030504020204" pitchFamily="34" charset="0"/>
+              </a:endParaRPr>
+            </a:p>
+            <a:p>
+              <a:r>
+                <a:rPr lang="en-US" sz="1400" b="0" i="1" dirty="0" err="1">
+                  <a:solidFill>
+                    <a:schemeClr val="bg2">
+                      <a:lumMod val="25000"/>
+                    </a:schemeClr>
+                  </a:solidFill>
+                  <a:effectLst/>
+                  <a:latin typeface="Open Sans" panose="020B0606030504020204" pitchFamily="34" charset="0"/>
+                </a:rPr>
+                <a:t>Educba</a:t>
+              </a:r>
+              <a:r>
+                <a:rPr lang="en-US" sz="1400" b="0" i="1" dirty="0">
+                  <a:solidFill>
+                    <a:schemeClr val="bg2">
+                      <a:lumMod val="25000"/>
+                    </a:schemeClr>
+                  </a:solidFill>
+                  <a:effectLst/>
+                  <a:latin typeface="Open Sans" panose="020B0606030504020204" pitchFamily="34" charset="0"/>
+                </a:rPr>
+                <a:t>: How MapReduce Works?</a:t>
+              </a:r>
+              <a:r>
+                <a:rPr lang="en-US" sz="1400" b="0" i="0" dirty="0">
+                  <a:solidFill>
+                    <a:schemeClr val="bg2">
+                      <a:lumMod val="25000"/>
+                    </a:schemeClr>
+                  </a:solidFill>
+                  <a:effectLst/>
+                  <a:latin typeface="Open Sans" panose="020B0606030504020204" pitchFamily="34" charset="0"/>
+                </a:rPr>
+                <a:t> [online]. [cit. 2023-01-16]. </a:t>
+              </a:r>
+              <a:r>
+                <a:rPr lang="en-US" sz="1400" b="0" i="0" dirty="0" err="1">
+                  <a:solidFill>
+                    <a:schemeClr val="bg2">
+                      <a:lumMod val="25000"/>
+                    </a:schemeClr>
+                  </a:solidFill>
+                  <a:effectLst/>
+                  <a:latin typeface="Open Sans" panose="020B0606030504020204" pitchFamily="34" charset="0"/>
+                </a:rPr>
+                <a:t>Dostupné</a:t>
+              </a:r>
+              <a:r>
+                <a:rPr lang="en-US" sz="1400" b="0" i="0" dirty="0">
+                  <a:solidFill>
+                    <a:schemeClr val="bg2">
+                      <a:lumMod val="25000"/>
+                    </a:schemeClr>
+                  </a:solidFill>
+                  <a:effectLst/>
+                  <a:latin typeface="Open Sans" panose="020B0606030504020204" pitchFamily="34" charset="0"/>
+                </a:rPr>
+                <a:t> z: </a:t>
+              </a:r>
+              <a:r>
+                <a:rPr lang="en-US" sz="1400" b="0" i="0" dirty="0">
+                  <a:solidFill>
+                    <a:schemeClr val="bg2">
+                      <a:lumMod val="25000"/>
+                    </a:schemeClr>
+                  </a:solidFill>
+                  <a:effectLst/>
+                  <a:latin typeface="Open Sans" panose="020B0606030504020204" pitchFamily="34" charset="0"/>
+                  <a:hlinkClick r:id="rId7"/>
+                </a:rPr>
+                <a:t>https://www.educba.com/how-mapreduce-work/</a:t>
+              </a:r>
+              <a:endParaRPr lang="cs-CZ" sz="1400" b="0" i="0" dirty="0">
+                <a:solidFill>
+                  <a:schemeClr val="bg2">
+                    <a:lumMod val="25000"/>
+                  </a:schemeClr>
+                </a:solidFill>
+                <a:effectLst/>
+                <a:latin typeface="Open Sans" panose="020B0606030504020204" pitchFamily="34" charset="0"/>
+              </a:endParaRPr>
+            </a:p>
+            <a:p>
+              <a:endParaRPr lang="cs-CZ" sz="1400" dirty="0">
+                <a:solidFill>
+                  <a:schemeClr val="bg2">
+                    <a:lumMod val="25000"/>
+                  </a:schemeClr>
+                </a:solidFill>
+                <a:latin typeface="Open Sans" panose="020B0606030504020204" pitchFamily="34" charset="0"/>
+              </a:endParaRPr>
+            </a:p>
+            <a:p>
+              <a:r>
+                <a:rPr lang="cs-CZ" sz="1400" b="0" i="1" dirty="0">
+                  <a:solidFill>
+                    <a:schemeClr val="bg2">
+                      <a:lumMod val="25000"/>
+                    </a:schemeClr>
+                  </a:solidFill>
+                  <a:effectLst/>
+                  <a:latin typeface="Open Sans" panose="020B0606030504020204" pitchFamily="34" charset="0"/>
+                </a:rPr>
+                <a:t>YouTube: Ví o nás všechno! | KOVY</a:t>
+              </a:r>
+              <a:r>
+                <a:rPr lang="cs-CZ" sz="1400" b="0" i="0" dirty="0">
+                  <a:solidFill>
+                    <a:schemeClr val="bg2">
+                      <a:lumMod val="25000"/>
+                    </a:schemeClr>
+                  </a:solidFill>
+                  <a:effectLst/>
+                  <a:latin typeface="Open Sans" panose="020B0606030504020204" pitchFamily="34" charset="0"/>
+                </a:rPr>
+                <a:t> [online]. [cit. 2023-01-17]. Dostupné z: </a:t>
+              </a:r>
+              <a:r>
+                <a:rPr lang="cs-CZ" sz="1400" b="0" i="0" dirty="0">
+                  <a:solidFill>
+                    <a:schemeClr val="bg2">
+                      <a:lumMod val="25000"/>
+                    </a:schemeClr>
+                  </a:solidFill>
+                  <a:effectLst/>
+                  <a:latin typeface="Open Sans" panose="020B0606030504020204" pitchFamily="34" charset="0"/>
+                  <a:hlinkClick r:id="rId8"/>
+                </a:rPr>
+                <a:t>https://www.youtube.com/watch?v=qoc-obC8z94&amp;ab_channel=Kovy</a:t>
+              </a:r>
+              <a:endParaRPr lang="cs-CZ" sz="1400" b="0" i="0" dirty="0">
+                <a:solidFill>
+                  <a:schemeClr val="bg2">
+                    <a:lumMod val="25000"/>
+                  </a:schemeClr>
+                </a:solidFill>
+                <a:effectLst/>
+                <a:latin typeface="Open Sans" panose="020B0606030504020204" pitchFamily="34" charset="0"/>
+              </a:endParaRPr>
+            </a:p>
+            <a:p>
+              <a:endParaRPr lang="cs-CZ" sz="1400" dirty="0">
+                <a:solidFill>
+                  <a:schemeClr val="bg2">
+                    <a:lumMod val="25000"/>
+                  </a:schemeClr>
+                </a:solidFill>
+                <a:latin typeface="Open Sans" panose="020B0606030504020204" pitchFamily="34" charset="0"/>
+              </a:endParaRPr>
+            </a:p>
+            <a:p>
+              <a:r>
+                <a:rPr lang="cs-CZ" sz="1400" b="0" i="1" dirty="0">
+                  <a:solidFill>
+                    <a:schemeClr val="bg2">
+                      <a:lumMod val="25000"/>
+                    </a:schemeClr>
+                  </a:solidFill>
+                  <a:effectLst/>
+                  <a:latin typeface="Open Sans" panose="020B0606030504020204" pitchFamily="34" charset="0"/>
+                </a:rPr>
+                <a:t>Wikipedie: Data </a:t>
+              </a:r>
+              <a:r>
+                <a:rPr lang="cs-CZ" sz="1400" b="0" i="1" dirty="0" err="1">
+                  <a:solidFill>
+                    <a:schemeClr val="bg2">
+                      <a:lumMod val="25000"/>
+                    </a:schemeClr>
+                  </a:solidFill>
+                  <a:effectLst/>
+                  <a:latin typeface="Open Sans" panose="020B0606030504020204" pitchFamily="34" charset="0"/>
+                </a:rPr>
+                <a:t>mining</a:t>
+              </a:r>
+              <a:r>
+                <a:rPr lang="cs-CZ" sz="1400" b="0" i="0" dirty="0">
+                  <a:solidFill>
+                    <a:schemeClr val="bg2">
+                      <a:lumMod val="25000"/>
+                    </a:schemeClr>
+                  </a:solidFill>
+                  <a:effectLst/>
+                  <a:latin typeface="Open Sans" panose="020B0606030504020204" pitchFamily="34" charset="0"/>
+                </a:rPr>
+                <a:t> [online]. [cit. 2023-01-17]. Dostupné z: </a:t>
+              </a:r>
+              <a:r>
+                <a:rPr lang="cs-CZ" sz="1400" b="0" i="0" dirty="0">
+                  <a:solidFill>
+                    <a:schemeClr val="bg2">
+                      <a:lumMod val="25000"/>
+                    </a:schemeClr>
+                  </a:solidFill>
+                  <a:effectLst/>
+                  <a:latin typeface="Open Sans" panose="020B0606030504020204" pitchFamily="34" charset="0"/>
+                  <a:hlinkClick r:id="rId9"/>
+                </a:rPr>
+                <a:t>https://cs.wikipedia.org/wiki/Data_mining</a:t>
+              </a:r>
+              <a:endParaRPr lang="cs-CZ" sz="1400" b="0" i="0" dirty="0">
+                <a:solidFill>
+                  <a:schemeClr val="bg2">
+                    <a:lumMod val="25000"/>
+                  </a:schemeClr>
+                </a:solidFill>
+                <a:effectLst/>
+                <a:latin typeface="Open Sans" panose="020B0606030504020204" pitchFamily="34" charset="0"/>
+              </a:endParaRPr>
+            </a:p>
+            <a:p>
+              <a:endParaRPr lang="cs-CZ" sz="1400" dirty="0">
+                <a:solidFill>
+                  <a:schemeClr val="bg2">
+                    <a:lumMod val="25000"/>
+                  </a:schemeClr>
+                </a:solidFill>
+                <a:latin typeface="Open Sans" panose="020B0606030504020204" pitchFamily="34" charset="0"/>
+              </a:endParaRPr>
+            </a:p>
+            <a:p>
+              <a:endParaRPr lang="cs-CZ" sz="1400" b="0" i="0" dirty="0">
+                <a:solidFill>
+                  <a:schemeClr val="bg2">
+                    <a:lumMod val="25000"/>
+                  </a:schemeClr>
+                </a:solidFill>
+                <a:effectLst/>
+                <a:latin typeface="Open Sans" panose="020B0606030504020204" pitchFamily="34" charset="0"/>
+              </a:endParaRPr>
+            </a:p>
+            <a:p>
+              <a:endParaRPr lang="cs-CZ" sz="1400" b="0" i="0" dirty="0">
+                <a:solidFill>
+                  <a:schemeClr val="bg2">
+                    <a:lumMod val="25000"/>
+                  </a:schemeClr>
+                </a:solidFill>
+                <a:effectLst/>
+                <a:latin typeface="Open Sans" panose="020B0606030504020204" pitchFamily="34" charset="0"/>
+              </a:endParaRPr>
+            </a:p>
+          </p:txBody>
+        </p:sp>
+      </p:grpSp>
     </p:spTree>
     <p:extLst>
       <p:ext uri="{BB962C8B-B14F-4D97-AF65-F5344CB8AC3E}">
@@ -5686,621 +7421,12 @@
           <a:chExt cx="0" cy="0"/>
         </a:xfrm>
       </p:grpSpPr>
-    </p:spTree>
-    <p:extLst>
-      <p:ext uri="{BB962C8B-B14F-4D97-AF65-F5344CB8AC3E}">
-        <p14:creationId xmlns:p14="http://schemas.microsoft.com/office/powerpoint/2010/main" val="997040659"/>
-      </p:ext>
-    </p:extLst>
-  </p:cSld>
-  <p:clrMapOvr>
-    <a:masterClrMapping/>
-  </p:clrMapOvr>
-  <p:transition spd="slow">
-    <p:push dir="u"/>
-  </p:transition>
-</p:sld>
-</file>
-
-<file path=ppt/slides/slide21.xml><?xml version="1.0" encoding="utf-8"?>
-<p:sld xmlns:a="http://schemas.openxmlformats.org/drawingml/2006/main" xmlns:r="http://schemas.openxmlformats.org/officeDocument/2006/relationships" xmlns:p="http://schemas.openxmlformats.org/presentationml/2006/main">
-  <p:cSld>
-    <p:bg>
-      <p:bgPr>
-        <a:blipFill dpi="0" rotWithShape="1">
-          <a:blip r:embed="rId2">
-            <a:lum/>
-          </a:blip>
-          <a:srcRect/>
-          <a:stretch>
-            <a:fillRect/>
-          </a:stretch>
-        </a:blipFill>
-        <a:effectLst/>
-      </p:bgPr>
-    </p:bg>
-    <p:spTree>
-      <p:nvGrpSpPr>
-        <p:cNvPr id="1" name=""/>
-        <p:cNvGrpSpPr/>
-        <p:nvPr/>
-      </p:nvGrpSpPr>
-      <p:grpSpPr>
-        <a:xfrm>
-          <a:off x="0" y="0"/>
-          <a:ext cx="0" cy="0"/>
-          <a:chOff x="0" y="0"/>
-          <a:chExt cx="0" cy="0"/>
-        </a:xfrm>
-      </p:grpSpPr>
-    </p:spTree>
-    <p:extLst>
-      <p:ext uri="{BB962C8B-B14F-4D97-AF65-F5344CB8AC3E}">
-        <p14:creationId xmlns:p14="http://schemas.microsoft.com/office/powerpoint/2010/main" val="3257622874"/>
-      </p:ext>
-    </p:extLst>
-  </p:cSld>
-  <p:clrMapOvr>
-    <a:masterClrMapping/>
-  </p:clrMapOvr>
-  <p:transition spd="slow">
-    <p:push dir="u"/>
-  </p:transition>
-</p:sld>
-</file>
-
-<file path=ppt/slides/slide22.xml><?xml version="1.0" encoding="utf-8"?>
-<p:sld xmlns:a="http://schemas.openxmlformats.org/drawingml/2006/main" xmlns:r="http://schemas.openxmlformats.org/officeDocument/2006/relationships" xmlns:p="http://schemas.openxmlformats.org/presentationml/2006/main">
-  <p:cSld>
-    <p:bg>
-      <p:bgPr>
-        <a:blipFill dpi="0" rotWithShape="1">
-          <a:blip r:embed="rId2">
-            <a:lum/>
-          </a:blip>
-          <a:srcRect/>
-          <a:stretch>
-            <a:fillRect/>
-          </a:stretch>
-        </a:blipFill>
-        <a:effectLst/>
-      </p:bgPr>
-    </p:bg>
-    <p:spTree>
-      <p:nvGrpSpPr>
-        <p:cNvPr id="1" name=""/>
-        <p:cNvGrpSpPr/>
-        <p:nvPr/>
-      </p:nvGrpSpPr>
-      <p:grpSpPr>
-        <a:xfrm>
-          <a:off x="0" y="0"/>
-          <a:ext cx="0" cy="0"/>
-          <a:chOff x="0" y="0"/>
-          <a:chExt cx="0" cy="0"/>
-        </a:xfrm>
-      </p:grpSpPr>
-    </p:spTree>
-    <p:extLst>
-      <p:ext uri="{BB962C8B-B14F-4D97-AF65-F5344CB8AC3E}">
-        <p14:creationId xmlns:p14="http://schemas.microsoft.com/office/powerpoint/2010/main" val="2189060106"/>
-      </p:ext>
-    </p:extLst>
-  </p:cSld>
-  <p:clrMapOvr>
-    <a:masterClrMapping/>
-  </p:clrMapOvr>
-  <p:transition spd="slow">
-    <p:push dir="u"/>
-  </p:transition>
-</p:sld>
-</file>
-
-<file path=ppt/slides/slide23.xml><?xml version="1.0" encoding="utf-8"?>
-<p:sld xmlns:a="http://schemas.openxmlformats.org/drawingml/2006/main" xmlns:r="http://schemas.openxmlformats.org/officeDocument/2006/relationships" xmlns:p="http://schemas.openxmlformats.org/presentationml/2006/main">
-  <p:cSld>
-    <p:bg>
-      <p:bgPr>
-        <a:blipFill dpi="0" rotWithShape="1">
-          <a:blip r:embed="rId2">
-            <a:lum/>
-          </a:blip>
-          <a:srcRect/>
-          <a:stretch>
-            <a:fillRect/>
-          </a:stretch>
-        </a:blipFill>
-        <a:effectLst/>
-      </p:bgPr>
-    </p:bg>
-    <p:spTree>
-      <p:nvGrpSpPr>
-        <p:cNvPr id="1" name=""/>
-        <p:cNvGrpSpPr/>
-        <p:nvPr/>
-      </p:nvGrpSpPr>
-      <p:grpSpPr>
-        <a:xfrm>
-          <a:off x="0" y="0"/>
-          <a:ext cx="0" cy="0"/>
-          <a:chOff x="0" y="0"/>
-          <a:chExt cx="0" cy="0"/>
-        </a:xfrm>
-      </p:grpSpPr>
-    </p:spTree>
-    <p:extLst>
-      <p:ext uri="{BB962C8B-B14F-4D97-AF65-F5344CB8AC3E}">
-        <p14:creationId xmlns:p14="http://schemas.microsoft.com/office/powerpoint/2010/main" val="4271638426"/>
-      </p:ext>
-    </p:extLst>
-  </p:cSld>
-  <p:clrMapOvr>
-    <a:masterClrMapping/>
-  </p:clrMapOvr>
-  <p:transition spd="slow">
-    <p:push dir="u"/>
-  </p:transition>
-</p:sld>
-</file>
-
-<file path=ppt/slides/slide24.xml><?xml version="1.0" encoding="utf-8"?>
-<p:sld xmlns:a="http://schemas.openxmlformats.org/drawingml/2006/main" xmlns:r="http://schemas.openxmlformats.org/officeDocument/2006/relationships" xmlns:p="http://schemas.openxmlformats.org/presentationml/2006/main">
-  <p:cSld>
-    <p:bg>
-      <p:bgPr>
-        <a:blipFill dpi="0" rotWithShape="1">
-          <a:blip r:embed="rId2">
-            <a:lum/>
-          </a:blip>
-          <a:srcRect/>
-          <a:stretch>
-            <a:fillRect/>
-          </a:stretch>
-        </a:blipFill>
-        <a:effectLst/>
-      </p:bgPr>
-    </p:bg>
-    <p:spTree>
-      <p:nvGrpSpPr>
-        <p:cNvPr id="1" name=""/>
-        <p:cNvGrpSpPr/>
-        <p:nvPr/>
-      </p:nvGrpSpPr>
-      <p:grpSpPr>
-        <a:xfrm>
-          <a:off x="0" y="0"/>
-          <a:ext cx="0" cy="0"/>
-          <a:chOff x="0" y="0"/>
-          <a:chExt cx="0" cy="0"/>
-        </a:xfrm>
-      </p:grpSpPr>
       <p:grpSp>
         <p:nvGrpSpPr>
           <p:cNvPr id="2" name="Skupina 1">
             <a:extLst>
               <a:ext uri="{FF2B5EF4-FFF2-40B4-BE49-F238E27FC236}">
-                <a16:creationId xmlns:a16="http://schemas.microsoft.com/office/drawing/2014/main" id="{243C7F3D-B880-6A98-B2E1-739E512E7F5D}"/>
-              </a:ext>
-            </a:extLst>
-          </p:cNvPr>
-          <p:cNvGrpSpPr/>
-          <p:nvPr/>
-        </p:nvGrpSpPr>
-        <p:grpSpPr>
-          <a:xfrm>
-            <a:off x="2971800" y="849872"/>
-            <a:ext cx="8690963" cy="5646177"/>
-            <a:chOff x="-3626629" y="1189687"/>
-            <a:chExt cx="3063891" cy="7293471"/>
-          </a:xfrm>
-        </p:grpSpPr>
-        <p:sp>
-          <p:nvSpPr>
-            <p:cNvPr id="3" name="Obdélník: se zakulacenými rohy 2">
-              <a:extLst>
-                <a:ext uri="{FF2B5EF4-FFF2-40B4-BE49-F238E27FC236}">
-                  <a16:creationId xmlns:a16="http://schemas.microsoft.com/office/drawing/2014/main" id="{1D74A4F7-AA50-610C-9838-FFD21BFA7E46}"/>
-                </a:ext>
-              </a:extLst>
-            </p:cNvPr>
-            <p:cNvSpPr/>
-            <p:nvPr userDrawn="1"/>
-          </p:nvSpPr>
-          <p:spPr>
-            <a:xfrm>
-              <a:off x="-3626629" y="1189687"/>
-              <a:ext cx="3063891" cy="7293471"/>
-            </a:xfrm>
-            <a:prstGeom prst="roundRect">
-              <a:avLst>
-                <a:gd name="adj" fmla="val 1848"/>
-              </a:avLst>
-            </a:prstGeom>
-            <a:solidFill>
-              <a:srgbClr val="FFFFFF">
-                <a:alpha val="60000"/>
-              </a:srgbClr>
-            </a:solidFill>
-            <a:ln>
-              <a:solidFill>
-                <a:srgbClr val="EAEAEA"/>
-              </a:solidFill>
-            </a:ln>
-            <a:effectLst>
-              <a:outerShdw blurRad="50800" dist="38100" dir="2700000" algn="tl" rotWithShape="0">
-                <a:prstClr val="black">
-                  <a:alpha val="40000"/>
-                </a:prstClr>
-              </a:outerShdw>
-              <a:softEdge rad="12700"/>
-            </a:effectLst>
-          </p:spPr>
-          <p:style>
-            <a:lnRef idx="2">
-              <a:schemeClr val="accent1">
-                <a:shade val="50000"/>
-              </a:schemeClr>
-            </a:lnRef>
-            <a:fillRef idx="1">
-              <a:schemeClr val="accent1"/>
-            </a:fillRef>
-            <a:effectRef idx="0">
-              <a:schemeClr val="accent1"/>
-            </a:effectRef>
-            <a:fontRef idx="minor">
-              <a:schemeClr val="lt1"/>
-            </a:fontRef>
-          </p:style>
-          <p:txBody>
-            <a:bodyPr rtlCol="0" anchor="ctr"/>
-            <a:lstStyle/>
-            <a:p>
-              <a:pPr algn="ctr"/>
-              <a:endParaRPr lang="cs-CZ" dirty="0"/>
-            </a:p>
-          </p:txBody>
-        </p:sp>
-        <p:sp>
-          <p:nvSpPr>
-            <p:cNvPr id="4" name="TextovéPole 3">
-              <a:extLst>
-                <a:ext uri="{FF2B5EF4-FFF2-40B4-BE49-F238E27FC236}">
-                  <a16:creationId xmlns:a16="http://schemas.microsoft.com/office/drawing/2014/main" id="{9DAEAAFA-FA86-BA57-632C-EFE5FC69FBFA}"/>
-                </a:ext>
-              </a:extLst>
-            </p:cNvPr>
-            <p:cNvSpPr txBox="1"/>
-            <p:nvPr userDrawn="1"/>
-          </p:nvSpPr>
-          <p:spPr>
-            <a:xfrm>
-              <a:off x="-3581351" y="1541769"/>
-              <a:ext cx="2960923" cy="3737173"/>
-            </a:xfrm>
-            <a:prstGeom prst="rect">
-              <a:avLst/>
-            </a:prstGeom>
-            <a:noFill/>
-          </p:spPr>
-          <p:txBody>
-            <a:bodyPr wrap="square" rtlCol="0">
-              <a:spAutoFit/>
-            </a:bodyPr>
-            <a:lstStyle/>
-            <a:p>
-              <a:pPr algn="just"/>
-              <a:r>
-                <a:rPr lang="pl-PL" sz="2800" dirty="0">
-                  <a:solidFill>
-                    <a:schemeClr val="bg2">
-                      <a:lumMod val="25000"/>
-                    </a:schemeClr>
-                  </a:solidFill>
-                </a:rPr>
-                <a:t>POUŽITÁ LITERATURA</a:t>
-              </a:r>
-            </a:p>
-            <a:p>
-              <a:pPr algn="just"/>
-              <a:endParaRPr lang="pl-PL" sz="2800" dirty="0">
-                <a:solidFill>
-                  <a:schemeClr val="bg2">
-                    <a:lumMod val="25000"/>
-                  </a:schemeClr>
-                </a:solidFill>
-              </a:endParaRPr>
-            </a:p>
-            <a:p>
-              <a:r>
-                <a:rPr lang="en-US" sz="1400" b="0" i="1" dirty="0">
-                  <a:solidFill>
-                    <a:schemeClr val="bg2">
-                      <a:lumMod val="25000"/>
-                    </a:schemeClr>
-                  </a:solidFill>
-                  <a:effectLst/>
-                  <a:latin typeface="Open Sans" panose="020B0606030504020204" pitchFamily="34" charset="0"/>
-                </a:rPr>
-                <a:t>YouTube: Big Data In 5 Minutes | What Is Big Data?| Introduction To Big Data |Big Data Explained |</a:t>
-              </a:r>
-              <a:r>
-                <a:rPr lang="en-US" sz="1400" b="0" i="1" dirty="0" err="1">
-                  <a:solidFill>
-                    <a:schemeClr val="bg2">
-                      <a:lumMod val="25000"/>
-                    </a:schemeClr>
-                  </a:solidFill>
-                  <a:effectLst/>
-                  <a:latin typeface="Open Sans" panose="020B0606030504020204" pitchFamily="34" charset="0"/>
-                </a:rPr>
-                <a:t>Simplilearn</a:t>
-              </a:r>
-              <a:r>
-                <a:rPr lang="en-US" sz="1400" b="0" i="0" dirty="0">
-                  <a:solidFill>
-                    <a:schemeClr val="bg2">
-                      <a:lumMod val="25000"/>
-                    </a:schemeClr>
-                  </a:solidFill>
-                  <a:effectLst/>
-                  <a:latin typeface="Open Sans" panose="020B0606030504020204" pitchFamily="34" charset="0"/>
-                </a:rPr>
-                <a:t> [online]. [cit. 2023-01-05]. </a:t>
-              </a:r>
-              <a:r>
-                <a:rPr lang="en-US" sz="1400" b="0" i="0" dirty="0" err="1">
-                  <a:solidFill>
-                    <a:schemeClr val="bg2">
-                      <a:lumMod val="25000"/>
-                    </a:schemeClr>
-                  </a:solidFill>
-                  <a:effectLst/>
-                  <a:latin typeface="Open Sans" panose="020B0606030504020204" pitchFamily="34" charset="0"/>
-                </a:rPr>
-                <a:t>Dostupné</a:t>
-              </a:r>
-              <a:r>
-                <a:rPr lang="en-US" sz="1400" b="0" i="0" dirty="0">
-                  <a:solidFill>
-                    <a:schemeClr val="bg2">
-                      <a:lumMod val="25000"/>
-                    </a:schemeClr>
-                  </a:solidFill>
-                  <a:effectLst/>
-                  <a:latin typeface="Open Sans" panose="020B0606030504020204" pitchFamily="34" charset="0"/>
-                </a:rPr>
-                <a:t> z: </a:t>
-              </a:r>
-              <a:r>
-                <a:rPr lang="en-US" sz="1400" b="0" i="0" dirty="0">
-                  <a:solidFill>
-                    <a:schemeClr val="bg2">
-                      <a:lumMod val="25000"/>
-                    </a:schemeClr>
-                  </a:solidFill>
-                  <a:effectLst/>
-                  <a:latin typeface="Open Sans" panose="020B0606030504020204" pitchFamily="34" charset="0"/>
-                  <a:hlinkClick r:id="rId3"/>
-                </a:rPr>
-                <a:t>https://www.youtube.com/watch?v=bAyrObl7TYE&amp;ab_channel=Simplilearn</a:t>
-              </a:r>
-              <a:endParaRPr lang="cs-CZ" sz="1400" b="0" i="0" dirty="0">
-                <a:solidFill>
-                  <a:schemeClr val="bg2">
-                    <a:lumMod val="25000"/>
-                  </a:schemeClr>
-                </a:solidFill>
-                <a:effectLst/>
-                <a:latin typeface="Open Sans" panose="020B0606030504020204" pitchFamily="34" charset="0"/>
-              </a:endParaRPr>
-            </a:p>
-            <a:p>
-              <a:endParaRPr lang="cs-CZ" sz="1400" dirty="0">
-                <a:solidFill>
-                  <a:schemeClr val="bg2">
-                    <a:lumMod val="25000"/>
-                  </a:schemeClr>
-                </a:solidFill>
-                <a:latin typeface="Open Sans" panose="020B0606030504020204" pitchFamily="34" charset="0"/>
-              </a:endParaRPr>
-            </a:p>
-            <a:p>
-              <a:r>
-                <a:rPr lang="it-IT" sz="1400" b="0" i="1" dirty="0">
-                  <a:solidFill>
-                    <a:schemeClr val="bg2">
-                      <a:lumMod val="25000"/>
-                    </a:schemeClr>
-                  </a:solidFill>
-                  <a:effectLst/>
-                  <a:latin typeface="Open Sans" panose="020B0606030504020204" pitchFamily="34" charset="0"/>
-                </a:rPr>
-                <a:t>Wikipedia: Big data</a:t>
-              </a:r>
-              <a:r>
-                <a:rPr lang="it-IT" sz="1400" b="0" i="0" dirty="0">
-                  <a:solidFill>
-                    <a:schemeClr val="bg2">
-                      <a:lumMod val="25000"/>
-                    </a:schemeClr>
-                  </a:solidFill>
-                  <a:effectLst/>
-                  <a:latin typeface="Open Sans" panose="020B0606030504020204" pitchFamily="34" charset="0"/>
-                </a:rPr>
-                <a:t> [online]. [cit. 2023-01-06]. Dostupné z: </a:t>
-              </a:r>
-              <a:r>
-                <a:rPr lang="it-IT" sz="1400" b="0" i="0" dirty="0">
-                  <a:solidFill>
-                    <a:schemeClr val="bg2">
-                      <a:lumMod val="25000"/>
-                    </a:schemeClr>
-                  </a:solidFill>
-                  <a:effectLst/>
-                  <a:latin typeface="Open Sans" panose="020B0606030504020204" pitchFamily="34" charset="0"/>
-                  <a:hlinkClick r:id="rId4"/>
-                </a:rPr>
-                <a:t>https://en.wikipedia.org/wiki/Big_data</a:t>
-              </a:r>
-              <a:endParaRPr lang="cs-CZ" sz="1400" dirty="0">
-                <a:solidFill>
-                  <a:schemeClr val="bg2">
-                    <a:lumMod val="25000"/>
-                  </a:schemeClr>
-                </a:solidFill>
-                <a:latin typeface="Open Sans" panose="020B0606030504020204" pitchFamily="34" charset="0"/>
-              </a:endParaRPr>
-            </a:p>
-            <a:p>
-              <a:endParaRPr lang="cs-CZ" sz="1400" b="0" i="0" dirty="0">
-                <a:solidFill>
-                  <a:schemeClr val="bg2">
-                    <a:lumMod val="25000"/>
-                  </a:schemeClr>
-                </a:solidFill>
-                <a:effectLst/>
-                <a:latin typeface="Open Sans" panose="020B0606030504020204" pitchFamily="34" charset="0"/>
-              </a:endParaRPr>
-            </a:p>
-            <a:p>
-              <a:r>
-                <a:rPr lang="en-US" sz="1400" b="0" i="1" dirty="0">
-                  <a:solidFill>
-                    <a:schemeClr val="bg2">
-                      <a:lumMod val="25000"/>
-                    </a:schemeClr>
-                  </a:solidFill>
-                  <a:effectLst/>
-                  <a:latin typeface="Open Sans" panose="020B0606030504020204" pitchFamily="34" charset="0"/>
-                </a:rPr>
-                <a:t>Oracle: What is Big Data?</a:t>
-              </a:r>
-              <a:r>
-                <a:rPr lang="en-US" sz="1400" b="0" i="0" dirty="0">
-                  <a:solidFill>
-                    <a:schemeClr val="bg2">
-                      <a:lumMod val="25000"/>
-                    </a:schemeClr>
-                  </a:solidFill>
-                  <a:effectLst/>
-                  <a:latin typeface="Open Sans" panose="020B0606030504020204" pitchFamily="34" charset="0"/>
-                </a:rPr>
-                <a:t> [online]. [cit. 2023-01-06]. </a:t>
-              </a:r>
-              <a:r>
-                <a:rPr lang="en-US" sz="1400" b="0" i="0" dirty="0" err="1">
-                  <a:solidFill>
-                    <a:schemeClr val="bg2">
-                      <a:lumMod val="25000"/>
-                    </a:schemeClr>
-                  </a:solidFill>
-                  <a:effectLst/>
-                  <a:latin typeface="Open Sans" panose="020B0606030504020204" pitchFamily="34" charset="0"/>
-                </a:rPr>
-                <a:t>Dostupné</a:t>
-              </a:r>
-              <a:r>
-                <a:rPr lang="en-US" sz="1400" b="0" i="0" dirty="0">
-                  <a:solidFill>
-                    <a:schemeClr val="bg2">
-                      <a:lumMod val="25000"/>
-                    </a:schemeClr>
-                  </a:solidFill>
-                  <a:effectLst/>
-                  <a:latin typeface="Open Sans" panose="020B0606030504020204" pitchFamily="34" charset="0"/>
-                </a:rPr>
-                <a:t> z: </a:t>
-              </a:r>
-              <a:r>
-                <a:rPr lang="en-US" sz="1400" b="0" i="0" dirty="0">
-                  <a:solidFill>
-                    <a:schemeClr val="bg2">
-                      <a:lumMod val="25000"/>
-                    </a:schemeClr>
-                  </a:solidFill>
-                  <a:effectLst/>
-                  <a:latin typeface="Open Sans" panose="020B0606030504020204" pitchFamily="34" charset="0"/>
-                  <a:hlinkClick r:id="rId5"/>
-                </a:rPr>
-                <a:t>https://www.oracle.com/big-data/what-is-big-data/</a:t>
-              </a:r>
-              <a:endParaRPr lang="cs-CZ" sz="1400" b="0" i="0" dirty="0">
-                <a:solidFill>
-                  <a:schemeClr val="bg2">
-                    <a:lumMod val="25000"/>
-                  </a:schemeClr>
-                </a:solidFill>
-                <a:effectLst/>
-                <a:latin typeface="Open Sans" panose="020B0606030504020204" pitchFamily="34" charset="0"/>
-              </a:endParaRPr>
-            </a:p>
-            <a:p>
-              <a:endParaRPr lang="cs-CZ" sz="1400" b="0" i="0" dirty="0">
-                <a:solidFill>
-                  <a:schemeClr val="bg2">
-                    <a:lumMod val="25000"/>
-                  </a:schemeClr>
-                </a:solidFill>
-                <a:effectLst/>
-                <a:latin typeface="Open Sans" panose="020B0606030504020204" pitchFamily="34" charset="0"/>
-              </a:endParaRPr>
-            </a:p>
-          </p:txBody>
-        </p:sp>
-      </p:grpSp>
-    </p:spTree>
-    <p:extLst>
-      <p:ext uri="{BB962C8B-B14F-4D97-AF65-F5344CB8AC3E}">
-        <p14:creationId xmlns:p14="http://schemas.microsoft.com/office/powerpoint/2010/main" val="4064314355"/>
-      </p:ext>
-    </p:extLst>
-  </p:cSld>
-  <p:clrMapOvr>
-    <a:masterClrMapping/>
-  </p:clrMapOvr>
-  <p:transition spd="slow">
-    <p:push dir="u"/>
-  </p:transition>
-</p:sld>
-</file>
-
-<file path=ppt/slides/slide25.xml><?xml version="1.0" encoding="utf-8"?>
-<p:sld xmlns:a="http://schemas.openxmlformats.org/drawingml/2006/main" xmlns:r="http://schemas.openxmlformats.org/officeDocument/2006/relationships" xmlns:p="http://schemas.openxmlformats.org/presentationml/2006/main">
-  <p:cSld>
-    <p:bg>
-      <p:bgPr>
-        <a:blipFill dpi="0" rotWithShape="1">
-          <a:blip r:embed="rId2">
-            <a:lum/>
-          </a:blip>
-          <a:srcRect/>
-          <a:stretch>
-            <a:fillRect/>
-          </a:stretch>
-        </a:blipFill>
-        <a:effectLst/>
-      </p:bgPr>
-    </p:bg>
-    <p:spTree>
-      <p:nvGrpSpPr>
-        <p:cNvPr id="1" name=""/>
-        <p:cNvGrpSpPr/>
-        <p:nvPr/>
-      </p:nvGrpSpPr>
-      <p:grpSpPr>
-        <a:xfrm>
-          <a:off x="0" y="0"/>
-          <a:ext cx="0" cy="0"/>
-          <a:chOff x="0" y="0"/>
-          <a:chExt cx="0" cy="0"/>
-        </a:xfrm>
-      </p:grpSpPr>
-      <p:grpSp>
-        <p:nvGrpSpPr>
-          <p:cNvPr id="5" name="Skupina 4">
-            <a:extLst>
-              <a:ext uri="{FF2B5EF4-FFF2-40B4-BE49-F238E27FC236}">
-                <a16:creationId xmlns:a16="http://schemas.microsoft.com/office/drawing/2014/main" id="{8B5C1CC7-2FEE-3C80-6E56-DDC43ED86EFE}"/>
+                <a16:creationId xmlns:a16="http://schemas.microsoft.com/office/drawing/2014/main" id="{D77729FA-0621-51F8-7054-A17B4EB0C552}"/>
               </a:ext>
             </a:extLst>
           </p:cNvPr>
@@ -6317,10 +7443,10 @@
         </p:grpSpPr>
         <p:sp>
           <p:nvSpPr>
-            <p:cNvPr id="6" name="Obdélník: se zakulacenými rohy 5">
+            <p:cNvPr id="3" name="Obdélník: se zakulacenými rohy 2">
               <a:extLst>
                 <a:ext uri="{FF2B5EF4-FFF2-40B4-BE49-F238E27FC236}">
-                  <a16:creationId xmlns:a16="http://schemas.microsoft.com/office/drawing/2014/main" id="{83AE37F6-7BDA-4386-B460-AF900265508D}"/>
+                  <a16:creationId xmlns:a16="http://schemas.microsoft.com/office/drawing/2014/main" id="{75365A74-851F-0BC9-E6D0-651781807CA8}"/>
                 </a:ext>
               </a:extLst>
             </p:cNvPr>
@@ -6383,10 +7509,10 @@
         </p:sp>
         <p:sp>
           <p:nvSpPr>
-            <p:cNvPr id="7" name="TextovéPole 6">
+            <p:cNvPr id="4" name="TextovéPole 3">
               <a:extLst>
                 <a:ext uri="{FF2B5EF4-FFF2-40B4-BE49-F238E27FC236}">
-                  <a16:creationId xmlns:a16="http://schemas.microsoft.com/office/drawing/2014/main" id="{EFA29BE0-2BB6-EE50-B403-FC9C173C55C1}"/>
+                  <a16:creationId xmlns:a16="http://schemas.microsoft.com/office/drawing/2014/main" id="{6E0F7760-5E5D-E0F5-5370-4420D501B5E7}"/>
                 </a:ext>
               </a:extLst>
             </p:cNvPr>
@@ -6464,7 +7590,7 @@
     </p:spTree>
     <p:extLst>
       <p:ext uri="{BB962C8B-B14F-4D97-AF65-F5344CB8AC3E}">
-        <p14:creationId xmlns:p14="http://schemas.microsoft.com/office/powerpoint/2010/main" val="706460327"/>
+        <p14:creationId xmlns:p14="http://schemas.microsoft.com/office/powerpoint/2010/main" val="997040659"/>
       </p:ext>
     </p:extLst>
   </p:cSld>
@@ -6522,7 +7648,7 @@
         </p:nvGrpSpPr>
         <p:grpSpPr>
           <a:xfrm>
-            <a:off x="3181350" y="2305049"/>
+            <a:off x="3600450" y="3571874"/>
             <a:ext cx="8082351" cy="2781301"/>
             <a:chOff x="-3626629" y="1189687"/>
             <a:chExt cx="3063891" cy="7293471"/>
@@ -6608,8 +7734,8 @@
           </p:nvSpPr>
           <p:spPr>
             <a:xfrm>
-              <a:off x="-3543386" y="1629516"/>
-              <a:ext cx="2897405" cy="5891755"/>
+              <a:off x="-3543386" y="1461478"/>
+              <a:ext cx="2897405" cy="7021680"/>
             </a:xfrm>
             <a:prstGeom prst="rect">
               <a:avLst/>
@@ -6630,7 +7756,7 @@
                     </a:schemeClr>
                   </a:solidFill>
                 </a:rPr>
-                <a:t>Využívají se ve zdravotnictví, genomice, meteorologii, konektomice a marketingu</a:t>
+                <a:t>Využívají se ve zdravotnictví, genomice, meteorologii, konektomice a marketingu a v mnoha dalších odvětvích.</a:t>
               </a:r>
             </a:p>
             <a:p>
@@ -6652,6 +7778,134 @@
                   </a:solidFill>
                 </a:rPr>
                 <a:t>Případy pro využití: Prediktivní údržba, Provozní efektivita, Strojové učení, Podpora inovací</a:t>
+              </a:r>
+            </a:p>
+          </p:txBody>
+        </p:sp>
+      </p:grpSp>
+      <p:grpSp>
+        <p:nvGrpSpPr>
+          <p:cNvPr id="5" name="Skupina 4">
+            <a:extLst>
+              <a:ext uri="{FF2B5EF4-FFF2-40B4-BE49-F238E27FC236}">
+                <a16:creationId xmlns:a16="http://schemas.microsoft.com/office/drawing/2014/main" id="{3CBBA7CB-C062-F610-0FD0-8271CAF9C9B1}"/>
+              </a:ext>
+            </a:extLst>
+          </p:cNvPr>
+          <p:cNvGrpSpPr/>
+          <p:nvPr/>
+        </p:nvGrpSpPr>
+        <p:grpSpPr>
+          <a:xfrm>
+            <a:off x="1095890" y="409575"/>
+            <a:ext cx="5448299" cy="2667001"/>
+            <a:chOff x="-3626629" y="1189687"/>
+            <a:chExt cx="3063891" cy="7293471"/>
+          </a:xfrm>
+        </p:grpSpPr>
+        <p:sp>
+          <p:nvSpPr>
+            <p:cNvPr id="6" name="Obdélník: se zakulacenými rohy 5">
+              <a:extLst>
+                <a:ext uri="{FF2B5EF4-FFF2-40B4-BE49-F238E27FC236}">
+                  <a16:creationId xmlns:a16="http://schemas.microsoft.com/office/drawing/2014/main" id="{9DB2839D-FAE8-21B5-9872-315016FA65CF}"/>
+                </a:ext>
+              </a:extLst>
+            </p:cNvPr>
+            <p:cNvSpPr/>
+            <p:nvPr userDrawn="1"/>
+          </p:nvSpPr>
+          <p:spPr>
+            <a:xfrm>
+              <a:off x="-3626629" y="1189687"/>
+              <a:ext cx="3063891" cy="7293471"/>
+            </a:xfrm>
+            <a:prstGeom prst="roundRect">
+              <a:avLst>
+                <a:gd name="adj" fmla="val 4378"/>
+              </a:avLst>
+            </a:prstGeom>
+            <a:solidFill>
+              <a:srgbClr val="FFFFFF">
+                <a:alpha val="60000"/>
+              </a:srgbClr>
+            </a:solidFill>
+            <a:ln>
+              <a:solidFill>
+                <a:srgbClr val="EAEAEA"/>
+              </a:solidFill>
+            </a:ln>
+            <a:effectLst>
+              <a:outerShdw blurRad="50800" dist="38100" dir="2700000" algn="tl" rotWithShape="0">
+                <a:prstClr val="black">
+                  <a:alpha val="40000"/>
+                </a:prstClr>
+              </a:outerShdw>
+              <a:softEdge rad="12700"/>
+            </a:effectLst>
+          </p:spPr>
+          <p:style>
+            <a:lnRef idx="2">
+              <a:schemeClr val="accent1">
+                <a:shade val="50000"/>
+              </a:schemeClr>
+            </a:lnRef>
+            <a:fillRef idx="1">
+              <a:schemeClr val="accent1"/>
+            </a:fillRef>
+            <a:effectRef idx="0">
+              <a:schemeClr val="accent1"/>
+            </a:effectRef>
+            <a:fontRef idx="minor">
+              <a:schemeClr val="lt1"/>
+            </a:fontRef>
+          </p:style>
+          <p:txBody>
+            <a:bodyPr rtlCol="0" anchor="ctr"/>
+            <a:lstStyle/>
+            <a:p>
+              <a:pPr algn="ctr"/>
+              <a:endParaRPr lang="cs-CZ" dirty="0"/>
+            </a:p>
+          </p:txBody>
+        </p:sp>
+        <p:sp>
+          <p:nvSpPr>
+            <p:cNvPr id="7" name="TextovéPole 6">
+              <a:extLst>
+                <a:ext uri="{FF2B5EF4-FFF2-40B4-BE49-F238E27FC236}">
+                  <a16:creationId xmlns:a16="http://schemas.microsoft.com/office/drawing/2014/main" id="{AEA33F92-C31C-729D-F7DC-2C0471B4CC52}"/>
+                </a:ext>
+              </a:extLst>
+            </p:cNvPr>
+            <p:cNvSpPr txBox="1"/>
+            <p:nvPr userDrawn="1"/>
+          </p:nvSpPr>
+          <p:spPr>
+            <a:xfrm>
+              <a:off x="-3543386" y="1629516"/>
+              <a:ext cx="2897405" cy="6144259"/>
+            </a:xfrm>
+            <a:prstGeom prst="rect">
+              <a:avLst/>
+            </a:prstGeom>
+            <a:noFill/>
+          </p:spPr>
+          <p:txBody>
+            <a:bodyPr wrap="square" rtlCol="0">
+              <a:spAutoFit/>
+            </a:bodyPr>
+            <a:lstStyle/>
+            <a:p>
+              <a:r>
+                <a:rPr lang="pl-PL" sz="2800" dirty="0">
+                  <a:solidFill>
+                    <a:schemeClr val="bg2">
+                      <a:lumMod val="25000"/>
+                    </a:schemeClr>
+                  </a:solidFill>
+                </a:rPr>
+                <a:t>Správná analýza těchto dat nám může dát důležité informace o vztahu mezi dvěmi veličinami, které nelze vyjádřit matematickou rovnicí.</a:t>
               </a:r>
             </a:p>
           </p:txBody>

--- a/klimes.pptx
+++ b/klimes.pptx
@@ -234,7 +234,7 @@
           <a:p>
             <a:fld id="{D009DB19-4C21-440C-A727-546C40E604C7}" type="datetimeFigureOut">
               <a:rPr lang="cs-CZ" smtClean="0"/>
-              <a:t>17.01.2023</a:t>
+              <a:t>18.01.2023</a:t>
             </a:fld>
             <a:endParaRPr lang="cs-CZ"/>
           </a:p>
@@ -411,7 +411,7 @@
           <a:p>
             <a:fld id="{7F4D5948-2C73-43CB-9CA5-AB41306D9F29}" type="datetimeFigureOut">
               <a:rPr lang="cs-CZ" smtClean="0"/>
-              <a:t>17.01.2023</a:t>
+              <a:t>18.01.2023</a:t>
             </a:fld>
             <a:endParaRPr lang="cs-CZ"/>
           </a:p>
@@ -722,7 +722,7 @@
           <a:bodyPr/>
           <a:lstStyle/>
           <a:p>
-            <a:endParaRPr lang="cs-CZ"/>
+            <a:endParaRPr lang="cs-CZ" dirty="0"/>
           </a:p>
         </p:txBody>
       </p:sp>
@@ -762,6 +762,1199 @@
 </p:notes>
 </file>
 
+<file path=ppt/notesSlides/notesSlide10.xml><?xml version="1.0" encoding="utf-8"?>
+<p:notes xmlns:a="http://schemas.openxmlformats.org/drawingml/2006/main" xmlns:r="http://schemas.openxmlformats.org/officeDocument/2006/relationships" xmlns:p="http://schemas.openxmlformats.org/presentationml/2006/main">
+  <p:cSld>
+    <p:spTree>
+      <p:nvGrpSpPr>
+        <p:cNvPr id="1" name=""/>
+        <p:cNvGrpSpPr/>
+        <p:nvPr/>
+      </p:nvGrpSpPr>
+      <p:grpSpPr>
+        <a:xfrm>
+          <a:off x="0" y="0"/>
+          <a:ext cx="0" cy="0"/>
+          <a:chOff x="0" y="0"/>
+          <a:chExt cx="0" cy="0"/>
+        </a:xfrm>
+      </p:grpSpPr>
+      <p:sp>
+        <p:nvSpPr>
+          <p:cNvPr id="2" name="Zástupný symbol pro obrázek snímku 1"/>
+          <p:cNvSpPr>
+            <a:spLocks noGrp="1" noRot="1" noChangeAspect="1"/>
+          </p:cNvSpPr>
+          <p:nvPr>
+            <p:ph type="sldImg"/>
+          </p:nvPr>
+        </p:nvSpPr>
+        <p:spPr/>
+      </p:sp>
+      <p:sp>
+        <p:nvSpPr>
+          <p:cNvPr id="3" name="Zástupný symbol pro poznámky 2"/>
+          <p:cNvSpPr>
+            <a:spLocks noGrp="1"/>
+          </p:cNvSpPr>
+          <p:nvPr>
+            <p:ph type="body" idx="1"/>
+          </p:nvPr>
+        </p:nvSpPr>
+        <p:spPr/>
+        <p:txBody>
+          <a:bodyPr/>
+          <a:lstStyle/>
+          <a:p>
+            <a:r>
+              <a:rPr lang="cs-CZ" dirty="0"/>
+              <a:t>Data zdroje: Navštěvované stránky, příspěvky, lajky…</a:t>
+            </a:r>
+          </a:p>
+        </p:txBody>
+      </p:sp>
+      <p:sp>
+        <p:nvSpPr>
+          <p:cNvPr id="4" name="Zástupný symbol pro číslo snímku 3"/>
+          <p:cNvSpPr>
+            <a:spLocks noGrp="1"/>
+          </p:cNvSpPr>
+          <p:nvPr>
+            <p:ph type="sldNum" sz="quarter" idx="5"/>
+          </p:nvPr>
+        </p:nvSpPr>
+        <p:spPr/>
+        <p:txBody>
+          <a:bodyPr/>
+          <a:lstStyle/>
+          <a:p>
+            <a:fld id="{7818C811-EA92-4AF8-BD8C-65860AE540A1}" type="slidenum">
+              <a:rPr lang="cs-CZ" smtClean="0"/>
+              <a:t>13</a:t>
+            </a:fld>
+            <a:endParaRPr lang="cs-CZ"/>
+          </a:p>
+        </p:txBody>
+      </p:sp>
+    </p:spTree>
+    <p:extLst>
+      <p:ext uri="{BB962C8B-B14F-4D97-AF65-F5344CB8AC3E}">
+        <p14:creationId xmlns:p14="http://schemas.microsoft.com/office/powerpoint/2010/main" val="3425514536"/>
+      </p:ext>
+    </p:extLst>
+  </p:cSld>
+  <p:clrMapOvr>
+    <a:masterClrMapping/>
+  </p:clrMapOvr>
+</p:notes>
+</file>
+
+<file path=ppt/notesSlides/notesSlide11.xml><?xml version="1.0" encoding="utf-8"?>
+<p:notes xmlns:a="http://schemas.openxmlformats.org/drawingml/2006/main" xmlns:r="http://schemas.openxmlformats.org/officeDocument/2006/relationships" xmlns:p="http://schemas.openxmlformats.org/presentationml/2006/main">
+  <p:cSld>
+    <p:spTree>
+      <p:nvGrpSpPr>
+        <p:cNvPr id="1" name=""/>
+        <p:cNvGrpSpPr/>
+        <p:nvPr/>
+      </p:nvGrpSpPr>
+      <p:grpSpPr>
+        <a:xfrm>
+          <a:off x="0" y="0"/>
+          <a:ext cx="0" cy="0"/>
+          <a:chOff x="0" y="0"/>
+          <a:chExt cx="0" cy="0"/>
+        </a:xfrm>
+      </p:grpSpPr>
+      <p:sp>
+        <p:nvSpPr>
+          <p:cNvPr id="2" name="Zástupný symbol pro obrázek snímku 1"/>
+          <p:cNvSpPr>
+            <a:spLocks noGrp="1" noRot="1" noChangeAspect="1"/>
+          </p:cNvSpPr>
+          <p:nvPr>
+            <p:ph type="sldImg"/>
+          </p:nvPr>
+        </p:nvSpPr>
+        <p:spPr/>
+      </p:sp>
+      <p:sp>
+        <p:nvSpPr>
+          <p:cNvPr id="3" name="Zástupný symbol pro poznámky 2"/>
+          <p:cNvSpPr>
+            <a:spLocks noGrp="1"/>
+          </p:cNvSpPr>
+          <p:nvPr>
+            <p:ph type="body" idx="1"/>
+          </p:nvPr>
+        </p:nvSpPr>
+        <p:spPr/>
+        <p:txBody>
+          <a:bodyPr/>
+          <a:lstStyle/>
+          <a:p>
+            <a:endParaRPr lang="cs-CZ" dirty="0"/>
+          </a:p>
+        </p:txBody>
+      </p:sp>
+      <p:sp>
+        <p:nvSpPr>
+          <p:cNvPr id="4" name="Zástupný symbol pro číslo snímku 3"/>
+          <p:cNvSpPr>
+            <a:spLocks noGrp="1"/>
+          </p:cNvSpPr>
+          <p:nvPr>
+            <p:ph type="sldNum" sz="quarter" idx="5"/>
+          </p:nvPr>
+        </p:nvSpPr>
+        <p:spPr/>
+        <p:txBody>
+          <a:bodyPr/>
+          <a:lstStyle/>
+          <a:p>
+            <a:fld id="{7818C811-EA92-4AF8-BD8C-65860AE540A1}" type="slidenum">
+              <a:rPr lang="cs-CZ" smtClean="0"/>
+              <a:t>14</a:t>
+            </a:fld>
+            <a:endParaRPr lang="cs-CZ"/>
+          </a:p>
+        </p:txBody>
+      </p:sp>
+    </p:spTree>
+    <p:extLst>
+      <p:ext uri="{BB962C8B-B14F-4D97-AF65-F5344CB8AC3E}">
+        <p14:creationId xmlns:p14="http://schemas.microsoft.com/office/powerpoint/2010/main" val="3379102548"/>
+      </p:ext>
+    </p:extLst>
+  </p:cSld>
+  <p:clrMapOvr>
+    <a:masterClrMapping/>
+  </p:clrMapOvr>
+</p:notes>
+</file>
+
+<file path=ppt/notesSlides/notesSlide12.xml><?xml version="1.0" encoding="utf-8"?>
+<p:notes xmlns:a="http://schemas.openxmlformats.org/drawingml/2006/main" xmlns:r="http://schemas.openxmlformats.org/officeDocument/2006/relationships" xmlns:p="http://schemas.openxmlformats.org/presentationml/2006/main">
+  <p:cSld>
+    <p:spTree>
+      <p:nvGrpSpPr>
+        <p:cNvPr id="1" name=""/>
+        <p:cNvGrpSpPr/>
+        <p:nvPr/>
+      </p:nvGrpSpPr>
+      <p:grpSpPr>
+        <a:xfrm>
+          <a:off x="0" y="0"/>
+          <a:ext cx="0" cy="0"/>
+          <a:chOff x="0" y="0"/>
+          <a:chExt cx="0" cy="0"/>
+        </a:xfrm>
+      </p:grpSpPr>
+      <p:sp>
+        <p:nvSpPr>
+          <p:cNvPr id="2" name="Zástupný symbol pro obrázek snímku 1"/>
+          <p:cNvSpPr>
+            <a:spLocks noGrp="1" noRot="1" noChangeAspect="1"/>
+          </p:cNvSpPr>
+          <p:nvPr>
+            <p:ph type="sldImg"/>
+          </p:nvPr>
+        </p:nvSpPr>
+        <p:spPr/>
+      </p:sp>
+      <p:sp>
+        <p:nvSpPr>
+          <p:cNvPr id="3" name="Zástupný symbol pro poznámky 2"/>
+          <p:cNvSpPr>
+            <a:spLocks noGrp="1"/>
+          </p:cNvSpPr>
+          <p:nvPr>
+            <p:ph type="body" idx="1"/>
+          </p:nvPr>
+        </p:nvSpPr>
+        <p:spPr/>
+        <p:txBody>
+          <a:bodyPr/>
+          <a:lstStyle/>
+          <a:p>
+            <a:r>
+              <a:rPr lang="cs-CZ" dirty="0"/>
+              <a:t>Rozšíření do chromu – </a:t>
+            </a:r>
+            <a:r>
+              <a:rPr lang="cs-CZ" dirty="0" err="1"/>
+              <a:t>privacy</a:t>
+            </a:r>
+            <a:r>
+              <a:rPr lang="cs-CZ" dirty="0"/>
+              <a:t> </a:t>
+            </a:r>
+            <a:r>
+              <a:rPr lang="cs-CZ" dirty="0" err="1"/>
+              <a:t>badger</a:t>
+            </a:r>
+            <a:endParaRPr lang="cs-CZ" dirty="0"/>
+          </a:p>
+        </p:txBody>
+      </p:sp>
+      <p:sp>
+        <p:nvSpPr>
+          <p:cNvPr id="4" name="Zástupný symbol pro číslo snímku 3"/>
+          <p:cNvSpPr>
+            <a:spLocks noGrp="1"/>
+          </p:cNvSpPr>
+          <p:nvPr>
+            <p:ph type="sldNum" sz="quarter" idx="5"/>
+          </p:nvPr>
+        </p:nvSpPr>
+        <p:spPr/>
+        <p:txBody>
+          <a:bodyPr/>
+          <a:lstStyle/>
+          <a:p>
+            <a:fld id="{7818C811-EA92-4AF8-BD8C-65860AE540A1}" type="slidenum">
+              <a:rPr lang="cs-CZ" smtClean="0"/>
+              <a:t>15</a:t>
+            </a:fld>
+            <a:endParaRPr lang="cs-CZ"/>
+          </a:p>
+        </p:txBody>
+      </p:sp>
+    </p:spTree>
+    <p:extLst>
+      <p:ext uri="{BB962C8B-B14F-4D97-AF65-F5344CB8AC3E}">
+        <p14:creationId xmlns:p14="http://schemas.microsoft.com/office/powerpoint/2010/main" val="2105251739"/>
+      </p:ext>
+    </p:extLst>
+  </p:cSld>
+  <p:clrMapOvr>
+    <a:masterClrMapping/>
+  </p:clrMapOvr>
+</p:notes>
+</file>
+
+<file path=ppt/notesSlides/notesSlide13.xml><?xml version="1.0" encoding="utf-8"?>
+<p:notes xmlns:a="http://schemas.openxmlformats.org/drawingml/2006/main" xmlns:r="http://schemas.openxmlformats.org/officeDocument/2006/relationships" xmlns:p="http://schemas.openxmlformats.org/presentationml/2006/main">
+  <p:cSld>
+    <p:spTree>
+      <p:nvGrpSpPr>
+        <p:cNvPr id="1" name=""/>
+        <p:cNvGrpSpPr/>
+        <p:nvPr/>
+      </p:nvGrpSpPr>
+      <p:grpSpPr>
+        <a:xfrm>
+          <a:off x="0" y="0"/>
+          <a:ext cx="0" cy="0"/>
+          <a:chOff x="0" y="0"/>
+          <a:chExt cx="0" cy="0"/>
+        </a:xfrm>
+      </p:grpSpPr>
+      <p:sp>
+        <p:nvSpPr>
+          <p:cNvPr id="2" name="Zástupný symbol pro obrázek snímku 1"/>
+          <p:cNvSpPr>
+            <a:spLocks noGrp="1" noRot="1" noChangeAspect="1"/>
+          </p:cNvSpPr>
+          <p:nvPr>
+            <p:ph type="sldImg"/>
+          </p:nvPr>
+        </p:nvSpPr>
+        <p:spPr/>
+      </p:sp>
+      <p:sp>
+        <p:nvSpPr>
+          <p:cNvPr id="3" name="Zástupný symbol pro poznámky 2"/>
+          <p:cNvSpPr>
+            <a:spLocks noGrp="1"/>
+          </p:cNvSpPr>
+          <p:nvPr>
+            <p:ph type="body" idx="1"/>
+          </p:nvPr>
+        </p:nvSpPr>
+        <p:spPr/>
+        <p:txBody>
+          <a:bodyPr/>
+          <a:lstStyle/>
+          <a:p>
+            <a:endParaRPr lang="cs-CZ" dirty="0"/>
+          </a:p>
+        </p:txBody>
+      </p:sp>
+      <p:sp>
+        <p:nvSpPr>
+          <p:cNvPr id="4" name="Zástupný symbol pro číslo snímku 3"/>
+          <p:cNvSpPr>
+            <a:spLocks noGrp="1"/>
+          </p:cNvSpPr>
+          <p:nvPr>
+            <p:ph type="sldNum" sz="quarter" idx="5"/>
+          </p:nvPr>
+        </p:nvSpPr>
+        <p:spPr/>
+        <p:txBody>
+          <a:bodyPr/>
+          <a:lstStyle/>
+          <a:p>
+            <a:fld id="{7818C811-EA92-4AF8-BD8C-65860AE540A1}" type="slidenum">
+              <a:rPr lang="cs-CZ" smtClean="0"/>
+              <a:t>16</a:t>
+            </a:fld>
+            <a:endParaRPr lang="cs-CZ"/>
+          </a:p>
+        </p:txBody>
+      </p:sp>
+    </p:spTree>
+    <p:extLst>
+      <p:ext uri="{BB962C8B-B14F-4D97-AF65-F5344CB8AC3E}">
+        <p14:creationId xmlns:p14="http://schemas.microsoft.com/office/powerpoint/2010/main" val="1100143282"/>
+      </p:ext>
+    </p:extLst>
+  </p:cSld>
+  <p:clrMapOvr>
+    <a:masterClrMapping/>
+  </p:clrMapOvr>
+</p:notes>
+</file>
+
+<file path=ppt/notesSlides/notesSlide14.xml><?xml version="1.0" encoding="utf-8"?>
+<p:notes xmlns:a="http://schemas.openxmlformats.org/drawingml/2006/main" xmlns:r="http://schemas.openxmlformats.org/officeDocument/2006/relationships" xmlns:p="http://schemas.openxmlformats.org/presentationml/2006/main">
+  <p:cSld>
+    <p:spTree>
+      <p:nvGrpSpPr>
+        <p:cNvPr id="1" name=""/>
+        <p:cNvGrpSpPr/>
+        <p:nvPr/>
+      </p:nvGrpSpPr>
+      <p:grpSpPr>
+        <a:xfrm>
+          <a:off x="0" y="0"/>
+          <a:ext cx="0" cy="0"/>
+          <a:chOff x="0" y="0"/>
+          <a:chExt cx="0" cy="0"/>
+        </a:xfrm>
+      </p:grpSpPr>
+      <p:sp>
+        <p:nvSpPr>
+          <p:cNvPr id="2" name="Zástupný symbol pro obrázek snímku 1"/>
+          <p:cNvSpPr>
+            <a:spLocks noGrp="1" noRot="1" noChangeAspect="1"/>
+          </p:cNvSpPr>
+          <p:nvPr>
+            <p:ph type="sldImg"/>
+          </p:nvPr>
+        </p:nvSpPr>
+        <p:spPr/>
+      </p:sp>
+      <p:sp>
+        <p:nvSpPr>
+          <p:cNvPr id="3" name="Zástupný symbol pro poznámky 2"/>
+          <p:cNvSpPr>
+            <a:spLocks noGrp="1"/>
+          </p:cNvSpPr>
+          <p:nvPr>
+            <p:ph type="body" idx="1"/>
+          </p:nvPr>
+        </p:nvSpPr>
+        <p:spPr/>
+        <p:txBody>
+          <a:bodyPr/>
+          <a:lstStyle/>
+          <a:p>
+            <a:r>
+              <a:rPr lang="cs-CZ" dirty="0"/>
+              <a:t>Grafické elementy nezmíněné v použité literatuře byli vytvořeny autorem prezentace.</a:t>
+            </a:r>
+          </a:p>
+        </p:txBody>
+      </p:sp>
+      <p:sp>
+        <p:nvSpPr>
+          <p:cNvPr id="4" name="Zástupný symbol pro číslo snímku 3"/>
+          <p:cNvSpPr>
+            <a:spLocks noGrp="1"/>
+          </p:cNvSpPr>
+          <p:nvPr>
+            <p:ph type="sldNum" sz="quarter" idx="5"/>
+          </p:nvPr>
+        </p:nvSpPr>
+        <p:spPr/>
+        <p:txBody>
+          <a:bodyPr/>
+          <a:lstStyle/>
+          <a:p>
+            <a:fld id="{7818C811-EA92-4AF8-BD8C-65860AE540A1}" type="slidenum">
+              <a:rPr lang="cs-CZ" smtClean="0"/>
+              <a:t>19</a:t>
+            </a:fld>
+            <a:endParaRPr lang="cs-CZ"/>
+          </a:p>
+        </p:txBody>
+      </p:sp>
+    </p:spTree>
+    <p:extLst>
+      <p:ext uri="{BB962C8B-B14F-4D97-AF65-F5344CB8AC3E}">
+        <p14:creationId xmlns:p14="http://schemas.microsoft.com/office/powerpoint/2010/main" val="4178736945"/>
+      </p:ext>
+    </p:extLst>
+  </p:cSld>
+  <p:clrMapOvr>
+    <a:masterClrMapping/>
+  </p:clrMapOvr>
+</p:notes>
+</file>
+
+<file path=ppt/notesSlides/notesSlide2.xml><?xml version="1.0" encoding="utf-8"?>
+<p:notes xmlns:a="http://schemas.openxmlformats.org/drawingml/2006/main" xmlns:r="http://schemas.openxmlformats.org/officeDocument/2006/relationships" xmlns:p="http://schemas.openxmlformats.org/presentationml/2006/main">
+  <p:cSld>
+    <p:spTree>
+      <p:nvGrpSpPr>
+        <p:cNvPr id="1" name=""/>
+        <p:cNvGrpSpPr/>
+        <p:nvPr/>
+      </p:nvGrpSpPr>
+      <p:grpSpPr>
+        <a:xfrm>
+          <a:off x="0" y="0"/>
+          <a:ext cx="0" cy="0"/>
+          <a:chOff x="0" y="0"/>
+          <a:chExt cx="0" cy="0"/>
+        </a:xfrm>
+      </p:grpSpPr>
+      <p:sp>
+        <p:nvSpPr>
+          <p:cNvPr id="2" name="Zástupný symbol pro obrázek snímku 1"/>
+          <p:cNvSpPr>
+            <a:spLocks noGrp="1" noRot="1" noChangeAspect="1"/>
+          </p:cNvSpPr>
+          <p:nvPr>
+            <p:ph type="sldImg"/>
+          </p:nvPr>
+        </p:nvSpPr>
+        <p:spPr/>
+      </p:sp>
+      <p:sp>
+        <p:nvSpPr>
+          <p:cNvPr id="3" name="Zástupný symbol pro poznámky 2"/>
+          <p:cNvSpPr>
+            <a:spLocks noGrp="1"/>
+          </p:cNvSpPr>
+          <p:nvPr>
+            <p:ph type="body" idx="1"/>
+          </p:nvPr>
+        </p:nvSpPr>
+        <p:spPr/>
+        <p:txBody>
+          <a:bodyPr/>
+          <a:lstStyle/>
+          <a:p>
+            <a:endParaRPr lang="cs-CZ" dirty="0"/>
+          </a:p>
+        </p:txBody>
+      </p:sp>
+      <p:sp>
+        <p:nvSpPr>
+          <p:cNvPr id="4" name="Zástupný symbol pro číslo snímku 3"/>
+          <p:cNvSpPr>
+            <a:spLocks noGrp="1"/>
+          </p:cNvSpPr>
+          <p:nvPr>
+            <p:ph type="sldNum" sz="quarter" idx="5"/>
+          </p:nvPr>
+        </p:nvSpPr>
+        <p:spPr/>
+        <p:txBody>
+          <a:bodyPr/>
+          <a:lstStyle/>
+          <a:p>
+            <a:fld id="{7818C811-EA92-4AF8-BD8C-65860AE540A1}" type="slidenum">
+              <a:rPr lang="cs-CZ" smtClean="0"/>
+              <a:t>2</a:t>
+            </a:fld>
+            <a:endParaRPr lang="cs-CZ"/>
+          </a:p>
+        </p:txBody>
+      </p:sp>
+    </p:spTree>
+    <p:extLst>
+      <p:ext uri="{BB962C8B-B14F-4D97-AF65-F5344CB8AC3E}">
+        <p14:creationId xmlns:p14="http://schemas.microsoft.com/office/powerpoint/2010/main" val="86528344"/>
+      </p:ext>
+    </p:extLst>
+  </p:cSld>
+  <p:clrMapOvr>
+    <a:masterClrMapping/>
+  </p:clrMapOvr>
+</p:notes>
+</file>
+
+<file path=ppt/notesSlides/notesSlide3.xml><?xml version="1.0" encoding="utf-8"?>
+<p:notes xmlns:a="http://schemas.openxmlformats.org/drawingml/2006/main" xmlns:r="http://schemas.openxmlformats.org/officeDocument/2006/relationships" xmlns:p="http://schemas.openxmlformats.org/presentationml/2006/main">
+  <p:cSld>
+    <p:spTree>
+      <p:nvGrpSpPr>
+        <p:cNvPr id="1" name=""/>
+        <p:cNvGrpSpPr/>
+        <p:nvPr/>
+      </p:nvGrpSpPr>
+      <p:grpSpPr>
+        <a:xfrm>
+          <a:off x="0" y="0"/>
+          <a:ext cx="0" cy="0"/>
+          <a:chOff x="0" y="0"/>
+          <a:chExt cx="0" cy="0"/>
+        </a:xfrm>
+      </p:grpSpPr>
+      <p:sp>
+        <p:nvSpPr>
+          <p:cNvPr id="2" name="Zástupný symbol pro obrázek snímku 1"/>
+          <p:cNvSpPr>
+            <a:spLocks noGrp="1" noRot="1" noChangeAspect="1"/>
+          </p:cNvSpPr>
+          <p:nvPr>
+            <p:ph type="sldImg"/>
+          </p:nvPr>
+        </p:nvSpPr>
+        <p:spPr/>
+      </p:sp>
+      <p:sp>
+        <p:nvSpPr>
+          <p:cNvPr id="3" name="Zástupný symbol pro poznámky 2"/>
+          <p:cNvSpPr>
+            <a:spLocks noGrp="1"/>
+          </p:cNvSpPr>
+          <p:nvPr>
+            <p:ph type="body" idx="1"/>
+          </p:nvPr>
+        </p:nvSpPr>
+        <p:spPr/>
+        <p:txBody>
+          <a:bodyPr/>
+          <a:lstStyle/>
+          <a:p>
+            <a:r>
+              <a:rPr lang="cs-CZ" dirty="0"/>
+              <a:t>Nelze vyjádřit mat. rovnicí, Př: barva stránek a počet prodaných kusů</a:t>
+            </a:r>
+          </a:p>
+          <a:p>
+            <a:r>
+              <a:rPr lang="cs-CZ" dirty="0"/>
+              <a:t>Meteorologie: předpověď počasí</a:t>
+            </a:r>
+          </a:p>
+          <a:p>
+            <a:r>
+              <a:rPr lang="cs-CZ" dirty="0" err="1"/>
+              <a:t>Konektomice</a:t>
+            </a:r>
+            <a:r>
+              <a:rPr lang="cs-CZ" dirty="0"/>
+              <a:t>: zkoumání DNA</a:t>
+            </a:r>
+          </a:p>
+        </p:txBody>
+      </p:sp>
+      <p:sp>
+        <p:nvSpPr>
+          <p:cNvPr id="4" name="Zástupný symbol pro číslo snímku 3"/>
+          <p:cNvSpPr>
+            <a:spLocks noGrp="1"/>
+          </p:cNvSpPr>
+          <p:nvPr>
+            <p:ph type="sldNum" sz="quarter" idx="5"/>
+          </p:nvPr>
+        </p:nvSpPr>
+        <p:spPr/>
+        <p:txBody>
+          <a:bodyPr/>
+          <a:lstStyle/>
+          <a:p>
+            <a:fld id="{7818C811-EA92-4AF8-BD8C-65860AE540A1}" type="slidenum">
+              <a:rPr lang="cs-CZ" smtClean="0"/>
+              <a:t>3</a:t>
+            </a:fld>
+            <a:endParaRPr lang="cs-CZ"/>
+          </a:p>
+        </p:txBody>
+      </p:sp>
+    </p:spTree>
+    <p:extLst>
+      <p:ext uri="{BB962C8B-B14F-4D97-AF65-F5344CB8AC3E}">
+        <p14:creationId xmlns:p14="http://schemas.microsoft.com/office/powerpoint/2010/main" val="1124489693"/>
+      </p:ext>
+    </p:extLst>
+  </p:cSld>
+  <p:clrMapOvr>
+    <a:masterClrMapping/>
+  </p:clrMapOvr>
+</p:notes>
+</file>
+
+<file path=ppt/notesSlides/notesSlide4.xml><?xml version="1.0" encoding="utf-8"?>
+<p:notes xmlns:a="http://schemas.openxmlformats.org/drawingml/2006/main" xmlns:r="http://schemas.openxmlformats.org/officeDocument/2006/relationships" xmlns:p="http://schemas.openxmlformats.org/presentationml/2006/main">
+  <p:cSld>
+    <p:spTree>
+      <p:nvGrpSpPr>
+        <p:cNvPr id="1" name=""/>
+        <p:cNvGrpSpPr/>
+        <p:nvPr/>
+      </p:nvGrpSpPr>
+      <p:grpSpPr>
+        <a:xfrm>
+          <a:off x="0" y="0"/>
+          <a:ext cx="0" cy="0"/>
+          <a:chOff x="0" y="0"/>
+          <a:chExt cx="0" cy="0"/>
+        </a:xfrm>
+      </p:grpSpPr>
+      <p:sp>
+        <p:nvSpPr>
+          <p:cNvPr id="2" name="Zástupný symbol pro obrázek snímku 1"/>
+          <p:cNvSpPr>
+            <a:spLocks noGrp="1" noRot="1" noChangeAspect="1"/>
+          </p:cNvSpPr>
+          <p:nvPr>
+            <p:ph type="sldImg"/>
+          </p:nvPr>
+        </p:nvSpPr>
+        <p:spPr/>
+      </p:sp>
+      <p:sp>
+        <p:nvSpPr>
+          <p:cNvPr id="3" name="Zástupný symbol pro poznámky 2"/>
+          <p:cNvSpPr>
+            <a:spLocks noGrp="1"/>
+          </p:cNvSpPr>
+          <p:nvPr>
+            <p:ph type="body" idx="1"/>
+          </p:nvPr>
+        </p:nvSpPr>
+        <p:spPr/>
+        <p:txBody>
+          <a:bodyPr/>
+          <a:lstStyle/>
+          <a:p>
+            <a:r>
+              <a:rPr lang="cs-CZ" dirty="0"/>
+              <a:t>Nesmí být prázdná políčka v řádku, jinak </a:t>
+            </a:r>
+            <a:r>
+              <a:rPr lang="cs-CZ" dirty="0" err="1"/>
+              <a:t>semi-structured</a:t>
+            </a:r>
+            <a:endParaRPr lang="cs-CZ" dirty="0"/>
+          </a:p>
+        </p:txBody>
+      </p:sp>
+      <p:sp>
+        <p:nvSpPr>
+          <p:cNvPr id="4" name="Zástupný symbol pro číslo snímku 3"/>
+          <p:cNvSpPr>
+            <a:spLocks noGrp="1"/>
+          </p:cNvSpPr>
+          <p:nvPr>
+            <p:ph type="sldNum" sz="quarter" idx="5"/>
+          </p:nvPr>
+        </p:nvSpPr>
+        <p:spPr/>
+        <p:txBody>
+          <a:bodyPr/>
+          <a:lstStyle/>
+          <a:p>
+            <a:fld id="{7818C811-EA92-4AF8-BD8C-65860AE540A1}" type="slidenum">
+              <a:rPr lang="cs-CZ" smtClean="0"/>
+              <a:t>5</a:t>
+            </a:fld>
+            <a:endParaRPr lang="cs-CZ"/>
+          </a:p>
+        </p:txBody>
+      </p:sp>
+    </p:spTree>
+    <p:extLst>
+      <p:ext uri="{BB962C8B-B14F-4D97-AF65-F5344CB8AC3E}">
+        <p14:creationId xmlns:p14="http://schemas.microsoft.com/office/powerpoint/2010/main" val="453034346"/>
+      </p:ext>
+    </p:extLst>
+  </p:cSld>
+  <p:clrMapOvr>
+    <a:masterClrMapping/>
+  </p:clrMapOvr>
+</p:notes>
+</file>
+
+<file path=ppt/notesSlides/notesSlide5.xml><?xml version="1.0" encoding="utf-8"?>
+<p:notes xmlns:a="http://schemas.openxmlformats.org/drawingml/2006/main" xmlns:r="http://schemas.openxmlformats.org/officeDocument/2006/relationships" xmlns:p="http://schemas.openxmlformats.org/presentationml/2006/main">
+  <p:cSld>
+    <p:spTree>
+      <p:nvGrpSpPr>
+        <p:cNvPr id="1" name=""/>
+        <p:cNvGrpSpPr/>
+        <p:nvPr/>
+      </p:nvGrpSpPr>
+      <p:grpSpPr>
+        <a:xfrm>
+          <a:off x="0" y="0"/>
+          <a:ext cx="0" cy="0"/>
+          <a:chOff x="0" y="0"/>
+          <a:chExt cx="0" cy="0"/>
+        </a:xfrm>
+      </p:grpSpPr>
+      <p:sp>
+        <p:nvSpPr>
+          <p:cNvPr id="2" name="Zástupný symbol pro obrázek snímku 1"/>
+          <p:cNvSpPr>
+            <a:spLocks noGrp="1" noRot="1" noChangeAspect="1"/>
+          </p:cNvSpPr>
+          <p:nvPr>
+            <p:ph type="sldImg"/>
+          </p:nvPr>
+        </p:nvSpPr>
+        <p:spPr/>
+      </p:sp>
+      <p:sp>
+        <p:nvSpPr>
+          <p:cNvPr id="3" name="Zástupný symbol pro poznámky 2"/>
+          <p:cNvSpPr>
+            <a:spLocks noGrp="1"/>
+          </p:cNvSpPr>
+          <p:nvPr>
+            <p:ph type="body" idx="1"/>
+          </p:nvPr>
+        </p:nvSpPr>
+        <p:spPr/>
+        <p:txBody>
+          <a:bodyPr/>
+          <a:lstStyle/>
+          <a:p>
+            <a:r>
+              <a:rPr lang="cs-CZ" dirty="0"/>
+              <a:t>Semi-</a:t>
+            </a:r>
+            <a:r>
+              <a:rPr lang="cs-CZ" dirty="0" err="1"/>
+              <a:t>structured</a:t>
+            </a:r>
+            <a:r>
+              <a:rPr lang="cs-CZ" dirty="0"/>
+              <a:t> formáty: JSON, XML, HTML</a:t>
+            </a:r>
+          </a:p>
+        </p:txBody>
+      </p:sp>
+      <p:sp>
+        <p:nvSpPr>
+          <p:cNvPr id="4" name="Zástupný symbol pro číslo snímku 3"/>
+          <p:cNvSpPr>
+            <a:spLocks noGrp="1"/>
+          </p:cNvSpPr>
+          <p:nvPr>
+            <p:ph type="sldNum" sz="quarter" idx="5"/>
+          </p:nvPr>
+        </p:nvSpPr>
+        <p:spPr/>
+        <p:txBody>
+          <a:bodyPr/>
+          <a:lstStyle/>
+          <a:p>
+            <a:fld id="{7818C811-EA92-4AF8-BD8C-65860AE540A1}" type="slidenum">
+              <a:rPr lang="cs-CZ" smtClean="0"/>
+              <a:t>6</a:t>
+            </a:fld>
+            <a:endParaRPr lang="cs-CZ"/>
+          </a:p>
+        </p:txBody>
+      </p:sp>
+    </p:spTree>
+    <p:extLst>
+      <p:ext uri="{BB962C8B-B14F-4D97-AF65-F5344CB8AC3E}">
+        <p14:creationId xmlns:p14="http://schemas.microsoft.com/office/powerpoint/2010/main" val="124319804"/>
+      </p:ext>
+    </p:extLst>
+  </p:cSld>
+  <p:clrMapOvr>
+    <a:masterClrMapping/>
+  </p:clrMapOvr>
+</p:notes>
+</file>
+
+<file path=ppt/notesSlides/notesSlide6.xml><?xml version="1.0" encoding="utf-8"?>
+<p:notes xmlns:a="http://schemas.openxmlformats.org/drawingml/2006/main" xmlns:r="http://schemas.openxmlformats.org/officeDocument/2006/relationships" xmlns:p="http://schemas.openxmlformats.org/presentationml/2006/main">
+  <p:cSld>
+    <p:spTree>
+      <p:nvGrpSpPr>
+        <p:cNvPr id="1" name=""/>
+        <p:cNvGrpSpPr/>
+        <p:nvPr/>
+      </p:nvGrpSpPr>
+      <p:grpSpPr>
+        <a:xfrm>
+          <a:off x="0" y="0"/>
+          <a:ext cx="0" cy="0"/>
+          <a:chOff x="0" y="0"/>
+          <a:chExt cx="0" cy="0"/>
+        </a:xfrm>
+      </p:grpSpPr>
+      <p:sp>
+        <p:nvSpPr>
+          <p:cNvPr id="2" name="Zástupný symbol pro obrázek snímku 1"/>
+          <p:cNvSpPr>
+            <a:spLocks noGrp="1" noRot="1" noChangeAspect="1"/>
+          </p:cNvSpPr>
+          <p:nvPr>
+            <p:ph type="sldImg"/>
+          </p:nvPr>
+        </p:nvSpPr>
+        <p:spPr/>
+      </p:sp>
+      <p:sp>
+        <p:nvSpPr>
+          <p:cNvPr id="3" name="Zástupný symbol pro poznámky 2"/>
+          <p:cNvSpPr>
+            <a:spLocks noGrp="1"/>
+          </p:cNvSpPr>
+          <p:nvPr>
+            <p:ph type="body" idx="1"/>
+          </p:nvPr>
+        </p:nvSpPr>
+        <p:spPr/>
+        <p:txBody>
+          <a:bodyPr/>
+          <a:lstStyle/>
+          <a:p>
+            <a:r>
+              <a:rPr lang="cs-CZ" dirty="0"/>
+              <a:t>Pravdivost: Př. Počet uživatelů Facebooku</a:t>
+            </a:r>
+          </a:p>
+        </p:txBody>
+      </p:sp>
+      <p:sp>
+        <p:nvSpPr>
+          <p:cNvPr id="4" name="Zástupný symbol pro číslo snímku 3"/>
+          <p:cNvSpPr>
+            <a:spLocks noGrp="1"/>
+          </p:cNvSpPr>
+          <p:nvPr>
+            <p:ph type="sldNum" sz="quarter" idx="5"/>
+          </p:nvPr>
+        </p:nvSpPr>
+        <p:spPr/>
+        <p:txBody>
+          <a:bodyPr/>
+          <a:lstStyle/>
+          <a:p>
+            <a:fld id="{7818C811-EA92-4AF8-BD8C-65860AE540A1}" type="slidenum">
+              <a:rPr lang="cs-CZ" smtClean="0"/>
+              <a:t>7</a:t>
+            </a:fld>
+            <a:endParaRPr lang="cs-CZ"/>
+          </a:p>
+        </p:txBody>
+      </p:sp>
+    </p:spTree>
+    <p:extLst>
+      <p:ext uri="{BB962C8B-B14F-4D97-AF65-F5344CB8AC3E}">
+        <p14:creationId xmlns:p14="http://schemas.microsoft.com/office/powerpoint/2010/main" val="1932011157"/>
+      </p:ext>
+    </p:extLst>
+  </p:cSld>
+  <p:clrMapOvr>
+    <a:masterClrMapping/>
+  </p:clrMapOvr>
+</p:notes>
+</file>
+
+<file path=ppt/notesSlides/notesSlide7.xml><?xml version="1.0" encoding="utf-8"?>
+<p:notes xmlns:a="http://schemas.openxmlformats.org/drawingml/2006/main" xmlns:r="http://schemas.openxmlformats.org/officeDocument/2006/relationships" xmlns:p="http://schemas.openxmlformats.org/presentationml/2006/main">
+  <p:cSld>
+    <p:spTree>
+      <p:nvGrpSpPr>
+        <p:cNvPr id="1" name=""/>
+        <p:cNvGrpSpPr/>
+        <p:nvPr/>
+      </p:nvGrpSpPr>
+      <p:grpSpPr>
+        <a:xfrm>
+          <a:off x="0" y="0"/>
+          <a:ext cx="0" cy="0"/>
+          <a:chOff x="0" y="0"/>
+          <a:chExt cx="0" cy="0"/>
+        </a:xfrm>
+      </p:grpSpPr>
+      <p:sp>
+        <p:nvSpPr>
+          <p:cNvPr id="2" name="Zástupný symbol pro obrázek snímku 1"/>
+          <p:cNvSpPr>
+            <a:spLocks noGrp="1" noRot="1" noChangeAspect="1"/>
+          </p:cNvSpPr>
+          <p:nvPr>
+            <p:ph type="sldImg"/>
+          </p:nvPr>
+        </p:nvSpPr>
+        <p:spPr/>
+      </p:sp>
+      <p:sp>
+        <p:nvSpPr>
+          <p:cNvPr id="3" name="Zástupný symbol pro poznámky 2"/>
+          <p:cNvSpPr>
+            <a:spLocks noGrp="1"/>
+          </p:cNvSpPr>
+          <p:nvPr>
+            <p:ph type="body" idx="1"/>
+          </p:nvPr>
+        </p:nvSpPr>
+        <p:spPr/>
+        <p:txBody>
+          <a:bodyPr/>
+          <a:lstStyle/>
+          <a:p>
+            <a:r>
+              <a:rPr lang="cs-CZ" dirty="0"/>
+              <a:t>Další programy: </a:t>
+            </a:r>
+            <a:r>
+              <a:rPr lang="cs-CZ" dirty="0" err="1"/>
+              <a:t>MongoDB</a:t>
+            </a:r>
+            <a:r>
+              <a:rPr lang="cs-CZ" dirty="0"/>
+              <a:t>, </a:t>
+            </a:r>
+            <a:r>
+              <a:rPr lang="cs-CZ" dirty="0" err="1"/>
+              <a:t>apache</a:t>
+            </a:r>
+            <a:r>
+              <a:rPr lang="cs-CZ" dirty="0"/>
+              <a:t> </a:t>
+            </a:r>
+            <a:r>
+              <a:rPr lang="cs-CZ" dirty="0" err="1"/>
+              <a:t>sparks</a:t>
+            </a:r>
+            <a:endParaRPr lang="cs-CZ" dirty="0"/>
+          </a:p>
+        </p:txBody>
+      </p:sp>
+      <p:sp>
+        <p:nvSpPr>
+          <p:cNvPr id="4" name="Zástupný symbol pro číslo snímku 3"/>
+          <p:cNvSpPr>
+            <a:spLocks noGrp="1"/>
+          </p:cNvSpPr>
+          <p:nvPr>
+            <p:ph type="sldNum" sz="quarter" idx="5"/>
+          </p:nvPr>
+        </p:nvSpPr>
+        <p:spPr/>
+        <p:txBody>
+          <a:bodyPr/>
+          <a:lstStyle/>
+          <a:p>
+            <a:fld id="{7818C811-EA92-4AF8-BD8C-65860AE540A1}" type="slidenum">
+              <a:rPr lang="cs-CZ" smtClean="0"/>
+              <a:t>8</a:t>
+            </a:fld>
+            <a:endParaRPr lang="cs-CZ"/>
+          </a:p>
+        </p:txBody>
+      </p:sp>
+    </p:spTree>
+    <p:extLst>
+      <p:ext uri="{BB962C8B-B14F-4D97-AF65-F5344CB8AC3E}">
+        <p14:creationId xmlns:p14="http://schemas.microsoft.com/office/powerpoint/2010/main" val="1676899440"/>
+      </p:ext>
+    </p:extLst>
+  </p:cSld>
+  <p:clrMapOvr>
+    <a:masterClrMapping/>
+  </p:clrMapOvr>
+</p:notes>
+</file>
+
+<file path=ppt/notesSlides/notesSlide8.xml><?xml version="1.0" encoding="utf-8"?>
+<p:notes xmlns:a="http://schemas.openxmlformats.org/drawingml/2006/main" xmlns:r="http://schemas.openxmlformats.org/officeDocument/2006/relationships" xmlns:p="http://schemas.openxmlformats.org/presentationml/2006/main">
+  <p:cSld>
+    <p:spTree>
+      <p:nvGrpSpPr>
+        <p:cNvPr id="1" name=""/>
+        <p:cNvGrpSpPr/>
+        <p:nvPr/>
+      </p:nvGrpSpPr>
+      <p:grpSpPr>
+        <a:xfrm>
+          <a:off x="0" y="0"/>
+          <a:ext cx="0" cy="0"/>
+          <a:chOff x="0" y="0"/>
+          <a:chExt cx="0" cy="0"/>
+        </a:xfrm>
+      </p:grpSpPr>
+      <p:sp>
+        <p:nvSpPr>
+          <p:cNvPr id="2" name="Zástupný symbol pro obrázek snímku 1"/>
+          <p:cNvSpPr>
+            <a:spLocks noGrp="1" noRot="1" noChangeAspect="1"/>
+          </p:cNvSpPr>
+          <p:nvPr>
+            <p:ph type="sldImg"/>
+          </p:nvPr>
+        </p:nvSpPr>
+        <p:spPr/>
+      </p:sp>
+      <p:sp>
+        <p:nvSpPr>
+          <p:cNvPr id="3" name="Zástupný symbol pro poznámky 2"/>
+          <p:cNvSpPr>
+            <a:spLocks noGrp="1"/>
+          </p:cNvSpPr>
+          <p:nvPr>
+            <p:ph type="body" idx="1"/>
+          </p:nvPr>
+        </p:nvSpPr>
+        <p:spPr/>
+        <p:txBody>
+          <a:bodyPr/>
+          <a:lstStyle/>
+          <a:p>
+            <a:r>
+              <a:rPr lang="cs-CZ" dirty="0"/>
+              <a:t>Jeden šedý </a:t>
+            </a:r>
+            <a:r>
+              <a:rPr lang="cs-CZ" dirty="0" err="1"/>
+              <a:t>obdelník</a:t>
+            </a:r>
+            <a:r>
+              <a:rPr lang="cs-CZ" dirty="0"/>
+              <a:t> = zařízení</a:t>
+            </a:r>
+          </a:p>
+        </p:txBody>
+      </p:sp>
+      <p:sp>
+        <p:nvSpPr>
+          <p:cNvPr id="4" name="Zástupný symbol pro číslo snímku 3"/>
+          <p:cNvSpPr>
+            <a:spLocks noGrp="1"/>
+          </p:cNvSpPr>
+          <p:nvPr>
+            <p:ph type="sldNum" sz="quarter" idx="5"/>
+          </p:nvPr>
+        </p:nvSpPr>
+        <p:spPr/>
+        <p:txBody>
+          <a:bodyPr/>
+          <a:lstStyle/>
+          <a:p>
+            <a:fld id="{7818C811-EA92-4AF8-BD8C-65860AE540A1}" type="slidenum">
+              <a:rPr lang="cs-CZ" smtClean="0"/>
+              <a:t>9</a:t>
+            </a:fld>
+            <a:endParaRPr lang="cs-CZ"/>
+          </a:p>
+        </p:txBody>
+      </p:sp>
+    </p:spTree>
+    <p:extLst>
+      <p:ext uri="{BB962C8B-B14F-4D97-AF65-F5344CB8AC3E}">
+        <p14:creationId xmlns:p14="http://schemas.microsoft.com/office/powerpoint/2010/main" val="711087330"/>
+      </p:ext>
+    </p:extLst>
+  </p:cSld>
+  <p:clrMapOvr>
+    <a:masterClrMapping/>
+  </p:clrMapOvr>
+</p:notes>
+</file>
+
+<file path=ppt/notesSlides/notesSlide9.xml><?xml version="1.0" encoding="utf-8"?>
+<p:notes xmlns:a="http://schemas.openxmlformats.org/drawingml/2006/main" xmlns:r="http://schemas.openxmlformats.org/officeDocument/2006/relationships" xmlns:p="http://schemas.openxmlformats.org/presentationml/2006/main">
+  <p:cSld>
+    <p:spTree>
+      <p:nvGrpSpPr>
+        <p:cNvPr id="1" name=""/>
+        <p:cNvGrpSpPr/>
+        <p:nvPr/>
+      </p:nvGrpSpPr>
+      <p:grpSpPr>
+        <a:xfrm>
+          <a:off x="0" y="0"/>
+          <a:ext cx="0" cy="0"/>
+          <a:chOff x="0" y="0"/>
+          <a:chExt cx="0" cy="0"/>
+        </a:xfrm>
+      </p:grpSpPr>
+      <p:sp>
+        <p:nvSpPr>
+          <p:cNvPr id="2" name="Zástupný symbol pro obrázek snímku 1"/>
+          <p:cNvSpPr>
+            <a:spLocks noGrp="1" noRot="1" noChangeAspect="1"/>
+          </p:cNvSpPr>
+          <p:nvPr>
+            <p:ph type="sldImg"/>
+          </p:nvPr>
+        </p:nvSpPr>
+        <p:spPr/>
+      </p:sp>
+      <p:sp>
+        <p:nvSpPr>
+          <p:cNvPr id="3" name="Zástupný symbol pro poznámky 2"/>
+          <p:cNvSpPr>
+            <a:spLocks noGrp="1"/>
+          </p:cNvSpPr>
+          <p:nvPr>
+            <p:ph type="body" idx="1"/>
+          </p:nvPr>
+        </p:nvSpPr>
+        <p:spPr/>
+        <p:txBody>
+          <a:bodyPr/>
+          <a:lstStyle/>
+          <a:p>
+            <a:r>
+              <a:rPr lang="cs-CZ" dirty="0"/>
+              <a:t>Jakoby počítání objektů</a:t>
+            </a:r>
+          </a:p>
+        </p:txBody>
+      </p:sp>
+      <p:sp>
+        <p:nvSpPr>
+          <p:cNvPr id="4" name="Zástupný symbol pro číslo snímku 3"/>
+          <p:cNvSpPr>
+            <a:spLocks noGrp="1"/>
+          </p:cNvSpPr>
+          <p:nvPr>
+            <p:ph type="sldNum" sz="quarter" idx="5"/>
+          </p:nvPr>
+        </p:nvSpPr>
+        <p:spPr/>
+        <p:txBody>
+          <a:bodyPr/>
+          <a:lstStyle/>
+          <a:p>
+            <a:fld id="{7818C811-EA92-4AF8-BD8C-65860AE540A1}" type="slidenum">
+              <a:rPr lang="cs-CZ" smtClean="0"/>
+              <a:t>10</a:t>
+            </a:fld>
+            <a:endParaRPr lang="cs-CZ"/>
+          </a:p>
+        </p:txBody>
+      </p:sp>
+    </p:spTree>
+    <p:extLst>
+      <p:ext uri="{BB962C8B-B14F-4D97-AF65-F5344CB8AC3E}">
+        <p14:creationId xmlns:p14="http://schemas.microsoft.com/office/powerpoint/2010/main" val="9176021"/>
+      </p:ext>
+    </p:extLst>
+  </p:cSld>
+  <p:clrMapOvr>
+    <a:masterClrMapping/>
+  </p:clrMapOvr>
+</p:notes>
+</file>
+
 <file path=ppt/slideLayouts/slideLayout1.xml><?xml version="1.0" encoding="utf-8"?>
 <p:sldLayout xmlns:a="http://schemas.openxmlformats.org/drawingml/2006/main" xmlns:r="http://schemas.openxmlformats.org/officeDocument/2006/relationships" xmlns:p="http://schemas.openxmlformats.org/presentationml/2006/main" preserve="1" userDrawn="1">
   <p:cSld name="Úvodní snímek">
@@ -789,7 +1982,7 @@
   <p:clrMapOvr>
     <a:masterClrMapping/>
   </p:clrMapOvr>
-  <p:transition spd="slow">
+  <p:transition spd="slow" advTm="60000">
     <p:push dir="u"/>
   </p:transition>
 </p:sldLayout>
@@ -1179,6 +2372,24 @@
                 </a:rPr>
                 <a:t>6. </a:t>
               </a:r>
+              <a:r>
+                <a:rPr lang="cs-CZ" sz="2000" dirty="0">
+                  <a:solidFill>
+                    <a:schemeClr val="bg2">
+                      <a:lumMod val="25000"/>
+                    </a:schemeClr>
+                  </a:solidFill>
+                  <a:hlinkClick r:id="rId8" action="ppaction://hlinksldjump"/>
+                </a:rPr>
+                <a:t>Použitelné algoritmy</a:t>
+              </a:r>
+              <a:endParaRPr lang="cs-CZ" sz="2000" dirty="0">
+                <a:solidFill>
+                  <a:schemeClr val="bg2">
+                    <a:lumMod val="25000"/>
+                  </a:schemeClr>
+                </a:solidFill>
+              </a:endParaRPr>
             </a:p>
             <a:p>
               <a:r>
@@ -1198,7 +2409,7 @@
                       <a:lumMod val="25000"/>
                     </a:schemeClr>
                   </a:solidFill>
-                  <a:hlinkClick r:id="rId8" action="ppaction://hlinksldjump"/>
+                  <a:hlinkClick r:id="rId9" action="ppaction://hlinksldjump"/>
                 </a:rPr>
                 <a:t>Použitá literatura</a:t>
               </a:r>
@@ -1228,7 +2439,7 @@
                       <a:lumMod val="25000"/>
                     </a:schemeClr>
                   </a:solidFill>
-                  <a:hlinkClick r:id="rId9" action="ppaction://hlinksldjump"/>
+                  <a:hlinkClick r:id="rId10" action="ppaction://hlinksldjump"/>
                 </a:rPr>
                 <a:t>Github </a:t>
               </a:r>
@@ -1239,7 +2450,7 @@
                       <a:lumMod val="25000"/>
                     </a:schemeClr>
                   </a:solidFill>
-                  <a:hlinkClick r:id="rId9" action="ppaction://hlinksldjump"/>
+                  <a:hlinkClick r:id="rId10" action="ppaction://hlinksldjump"/>
                 </a:rPr>
                 <a:t>repozitář</a:t>
               </a:r>
@@ -1270,13 +2481,13 @@
           <p:nvPr userDrawn="1"/>
         </p:nvPicPr>
         <p:blipFill>
-          <a:blip r:embed="rId10">
+          <a:blip r:embed="rId11">
             <a:extLst>
               <a:ext uri="{28A0092B-C50C-407E-A947-70E740481C1C}">
                 <a14:useLocalDpi xmlns:a14="http://schemas.microsoft.com/office/drawing/2010/main" val="0"/>
               </a:ext>
               <a:ext uri="{96DAC541-7B7A-43D3-8B79-37D633B846F1}">
-                <asvg:svgBlip xmlns:asvg="http://schemas.microsoft.com/office/drawing/2016/SVG/main" r:embed="rId11"/>
+                <asvg:svgBlip xmlns:asvg="http://schemas.microsoft.com/office/drawing/2016/SVG/main" r:embed="rId12"/>
               </a:ext>
             </a:extLst>
           </a:blip>
@@ -1310,13 +2521,13 @@
           <p:nvPr userDrawn="1"/>
         </p:nvPicPr>
         <p:blipFill>
-          <a:blip r:embed="rId12">
+          <a:blip r:embed="rId13">
             <a:extLst>
               <a:ext uri="{28A0092B-C50C-407E-A947-70E740481C1C}">
                 <a14:useLocalDpi xmlns:a14="http://schemas.microsoft.com/office/drawing/2010/main" val="0"/>
               </a:ext>
               <a:ext uri="{96DAC541-7B7A-43D3-8B79-37D633B846F1}">
-                <asvg:svgBlip xmlns:asvg="http://schemas.microsoft.com/office/drawing/2016/SVG/main" r:embed="rId13"/>
+                <asvg:svgBlip xmlns:asvg="http://schemas.microsoft.com/office/drawing/2016/SVG/main" r:embed="rId14"/>
               </a:ext>
             </a:extLst>
           </a:blip>
@@ -1349,13 +2560,13 @@
           <p:nvPr userDrawn="1"/>
         </p:nvPicPr>
         <p:blipFill>
-          <a:blip r:embed="rId14">
+          <a:blip r:embed="rId15">
             <a:extLst>
               <a:ext uri="{28A0092B-C50C-407E-A947-70E740481C1C}">
                 <a14:useLocalDpi xmlns:a14="http://schemas.microsoft.com/office/drawing/2010/main" val="0"/>
               </a:ext>
               <a:ext uri="{96DAC541-7B7A-43D3-8B79-37D633B846F1}">
-                <asvg:svgBlip xmlns:asvg="http://schemas.microsoft.com/office/drawing/2016/SVG/main" r:embed="rId15"/>
+                <asvg:svgBlip xmlns:asvg="http://schemas.microsoft.com/office/drawing/2016/SVG/main" r:embed="rId16"/>
               </a:ext>
             </a:extLst>
           </a:blip>
@@ -1384,7 +2595,7 @@
   <p:sldLayoutIdLst>
     <p:sldLayoutId id="2147483649" r:id="rId1"/>
   </p:sldLayoutIdLst>
-  <p:transition spd="slow">
+  <p:transition spd="slow" advTm="60000">
     <p:push dir="u"/>
   </p:transition>
   <p:timing>
@@ -2375,7 +3586,7 @@
   <p:clrMapOvr>
     <a:masterClrMapping/>
   </p:clrMapOvr>
-  <p:transition spd="slow">
+  <p:transition spd="slow" advTm="10000">
     <p:push dir="u"/>
   </p:transition>
 </p:sld>
@@ -2387,7 +3598,7 @@
     <p:bg>
       <p:bgPr>
         <a:blipFill dpi="0" rotWithShape="1">
-          <a:blip r:embed="rId2">
+          <a:blip r:embed="rId3">
             <a:lum/>
           </a:blip>
           <a:srcRect/>
@@ -2618,7 +3829,7 @@
   <p:clrMapOvr>
     <a:masterClrMapping/>
   </p:clrMapOvr>
-  <p:transition spd="slow">
+  <p:transition spd="slow" advTm="40000">
     <p:push dir="u"/>
   </p:transition>
 </p:sld>
@@ -3216,7 +4427,7 @@
   <p:clrMapOvr>
     <a:masterClrMapping/>
   </p:clrMapOvr>
-  <p:transition spd="slow">
+  <p:transition spd="slow" advTm="45000">
     <p:push dir="u"/>
   </p:transition>
 </p:sld>
@@ -5069,7 +6280,7 @@
   <p:clrMapOvr>
     <a:masterClrMapping/>
   </p:clrMapOvr>
-  <p:transition spd="slow">
+  <p:transition spd="slow" advTm="60000">
     <p:push dir="u"/>
   </p:transition>
 </p:sld>
@@ -5081,7 +6292,7 @@
     <p:bg>
       <p:bgPr>
         <a:blipFill dpi="0" rotWithShape="1">
-          <a:blip r:embed="rId2">
+          <a:blip r:embed="rId3">
             <a:lum/>
           </a:blip>
           <a:srcRect/>
@@ -5497,7 +6708,7 @@
   <p:clrMapOvr>
     <a:masterClrMapping/>
   </p:clrMapOvr>
-  <p:transition spd="slow">
+  <p:transition spd="slow" advTm="45000">
     <p:push dir="u"/>
   </p:transition>
 </p:sld>
@@ -5509,7 +6720,7 @@
     <p:bg>
       <p:bgPr>
         <a:blipFill dpi="0" rotWithShape="1">
-          <a:blip r:embed="rId2">
+          <a:blip r:embed="rId3">
             <a:lum/>
           </a:blip>
           <a:srcRect/>
@@ -5730,7 +6941,7 @@
   <p:clrMapOvr>
     <a:masterClrMapping/>
   </p:clrMapOvr>
-  <p:transition spd="slow">
+  <p:transition spd="slow" advTm="35000">
     <p:push dir="u"/>
   </p:transition>
 </p:sld>
@@ -5742,7 +6953,7 @@
     <p:bg>
       <p:bgPr>
         <a:blipFill dpi="0" rotWithShape="1">
-          <a:blip r:embed="rId2">
+          <a:blip r:embed="rId3">
             <a:lum/>
           </a:blip>
           <a:srcRect/>
@@ -6103,7 +7314,7 @@
   <p:clrMapOvr>
     <a:masterClrMapping/>
   </p:clrMapOvr>
-  <p:transition spd="slow">
+  <p:transition spd="slow" advTm="50000">
     <p:push dir="u"/>
   </p:transition>
 </p:sld>
@@ -6115,7 +7326,7 @@
     <p:bg>
       <p:bgPr>
         <a:blipFill dpi="0" rotWithShape="1">
-          <a:blip r:embed="rId2">
+          <a:blip r:embed="rId3">
             <a:lum/>
           </a:blip>
           <a:srcRect/>
@@ -6140,6 +7351,333 @@
           <a:chExt cx="0" cy="0"/>
         </a:xfrm>
       </p:grpSpPr>
+      <p:grpSp>
+        <p:nvGrpSpPr>
+          <p:cNvPr id="12" name="Skupina 11">
+            <a:extLst>
+              <a:ext uri="{FF2B5EF4-FFF2-40B4-BE49-F238E27FC236}">
+                <a16:creationId xmlns:a16="http://schemas.microsoft.com/office/drawing/2014/main" id="{FC1F680B-BB68-F54F-DA12-32E40846805B}"/>
+              </a:ext>
+            </a:extLst>
+          </p:cNvPr>
+          <p:cNvGrpSpPr/>
+          <p:nvPr/>
+        </p:nvGrpSpPr>
+        <p:grpSpPr>
+          <a:xfrm>
+            <a:off x="356323" y="1577804"/>
+            <a:ext cx="5934075" cy="3225106"/>
+            <a:chOff x="-3626629" y="1189687"/>
+            <a:chExt cx="3063891" cy="19946352"/>
+          </a:xfrm>
+        </p:grpSpPr>
+        <p:sp>
+          <p:nvSpPr>
+            <p:cNvPr id="13" name="Obdélník: se zakulacenými rohy 12">
+              <a:extLst>
+                <a:ext uri="{FF2B5EF4-FFF2-40B4-BE49-F238E27FC236}">
+                  <a16:creationId xmlns:a16="http://schemas.microsoft.com/office/drawing/2014/main" id="{27B8505A-AE38-313F-32FA-43B63CBCD7E5}"/>
+                </a:ext>
+              </a:extLst>
+            </p:cNvPr>
+            <p:cNvSpPr/>
+            <p:nvPr userDrawn="1"/>
+          </p:nvSpPr>
+          <p:spPr>
+            <a:xfrm>
+              <a:off x="-3626629" y="1189687"/>
+              <a:ext cx="3063891" cy="19946352"/>
+            </a:xfrm>
+            <a:prstGeom prst="roundRect">
+              <a:avLst>
+                <a:gd name="adj" fmla="val 4378"/>
+              </a:avLst>
+            </a:prstGeom>
+            <a:solidFill>
+              <a:srgbClr val="FFFFFF">
+                <a:alpha val="60000"/>
+              </a:srgbClr>
+            </a:solidFill>
+            <a:ln>
+              <a:solidFill>
+                <a:srgbClr val="EAEAEA"/>
+              </a:solidFill>
+            </a:ln>
+            <a:effectLst>
+              <a:outerShdw blurRad="50800" dist="38100" dir="2700000" algn="tl" rotWithShape="0">
+                <a:prstClr val="black">
+                  <a:alpha val="40000"/>
+                </a:prstClr>
+              </a:outerShdw>
+              <a:softEdge rad="12700"/>
+            </a:effectLst>
+          </p:spPr>
+          <p:style>
+            <a:lnRef idx="2">
+              <a:schemeClr val="accent1">
+                <a:shade val="50000"/>
+              </a:schemeClr>
+            </a:lnRef>
+            <a:fillRef idx="1">
+              <a:schemeClr val="accent1"/>
+            </a:fillRef>
+            <a:effectRef idx="0">
+              <a:schemeClr val="accent1"/>
+            </a:effectRef>
+            <a:fontRef idx="minor">
+              <a:schemeClr val="lt1"/>
+            </a:fontRef>
+          </p:style>
+          <p:txBody>
+            <a:bodyPr rtlCol="0" anchor="ctr"/>
+            <a:lstStyle/>
+            <a:p>
+              <a:pPr algn="ctr"/>
+              <a:endParaRPr lang="cs-CZ" dirty="0"/>
+            </a:p>
+          </p:txBody>
+        </p:sp>
+        <p:sp>
+          <p:nvSpPr>
+            <p:cNvPr id="14" name="TextovéPole 13">
+              <a:extLst>
+                <a:ext uri="{FF2B5EF4-FFF2-40B4-BE49-F238E27FC236}">
+                  <a16:creationId xmlns:a16="http://schemas.microsoft.com/office/drawing/2014/main" id="{5EDE843F-5D49-A716-0F6C-61EB1DC3730D}"/>
+                </a:ext>
+              </a:extLst>
+            </p:cNvPr>
+            <p:cNvSpPr txBox="1"/>
+            <p:nvPr userDrawn="1"/>
+          </p:nvSpPr>
+          <p:spPr>
+            <a:xfrm>
+              <a:off x="-3541149" y="1583389"/>
+              <a:ext cx="2969706" cy="18391581"/>
+            </a:xfrm>
+            <a:prstGeom prst="rect">
+              <a:avLst/>
+            </a:prstGeom>
+            <a:noFill/>
+          </p:spPr>
+          <p:txBody>
+            <a:bodyPr wrap="square" rtlCol="0">
+              <a:spAutoFit/>
+            </a:bodyPr>
+            <a:lstStyle/>
+            <a:p>
+              <a:r>
+                <a:rPr lang="pl-PL" sz="3200" dirty="0">
+                  <a:solidFill>
+                    <a:schemeClr val="bg2">
+                      <a:lumMod val="25000"/>
+                    </a:schemeClr>
+                  </a:solidFill>
+                </a:rPr>
+                <a:t>Lineární regrese</a:t>
+              </a:r>
+            </a:p>
+            <a:p>
+              <a:r>
+                <a:rPr lang="pl-PL" sz="2800" dirty="0">
+                  <a:solidFill>
+                    <a:schemeClr val="bg2">
+                      <a:lumMod val="25000"/>
+                    </a:schemeClr>
+                  </a:solidFill>
+                </a:rPr>
+                <a:t>Vyjadřuje vztah dvou veličin, jejiž vztah se nedá vyjádřit žádným vzorcem. Je vygenerován pomocí trénovacích bodů. Např. Vztah mezi hlučností motoru a jeho spotřebou</a:t>
+              </a:r>
+            </a:p>
+            <a:p>
+              <a:endParaRPr lang="pl-PL" sz="2800" dirty="0">
+                <a:solidFill>
+                  <a:schemeClr val="bg2">
+                    <a:lumMod val="25000"/>
+                  </a:schemeClr>
+                </a:solidFill>
+              </a:endParaRPr>
+            </a:p>
+            <a:p>
+              <a:endParaRPr lang="pl-PL" sz="2800" dirty="0">
+                <a:solidFill>
+                  <a:schemeClr val="bg2">
+                    <a:lumMod val="25000"/>
+                  </a:schemeClr>
+                </a:solidFill>
+              </a:endParaRPr>
+            </a:p>
+          </p:txBody>
+        </p:sp>
+      </p:grpSp>
+      <p:sp>
+        <p:nvSpPr>
+          <p:cNvPr id="15" name="Obdélník: se zakulacenými rohy 14">
+            <a:extLst>
+              <a:ext uri="{FF2B5EF4-FFF2-40B4-BE49-F238E27FC236}">
+                <a16:creationId xmlns:a16="http://schemas.microsoft.com/office/drawing/2014/main" id="{1BCCE0F3-5CB0-4BF0-BD12-8374598A9AF0}"/>
+              </a:ext>
+            </a:extLst>
+          </p:cNvPr>
+          <p:cNvSpPr/>
+          <p:nvPr/>
+        </p:nvSpPr>
+        <p:spPr>
+          <a:xfrm>
+            <a:off x="6455954" y="2469453"/>
+            <a:ext cx="5242310" cy="3850173"/>
+          </a:xfrm>
+          <a:prstGeom prst="roundRect">
+            <a:avLst>
+              <a:gd name="adj" fmla="val 4378"/>
+            </a:avLst>
+          </a:prstGeom>
+          <a:solidFill>
+            <a:srgbClr val="FFFFFF">
+              <a:alpha val="60000"/>
+            </a:srgbClr>
+          </a:solidFill>
+          <a:ln>
+            <a:solidFill>
+              <a:srgbClr val="EAEAEA"/>
+            </a:solidFill>
+          </a:ln>
+          <a:effectLst>
+            <a:outerShdw blurRad="50800" dist="38100" dir="2700000" algn="tl" rotWithShape="0">
+              <a:prstClr val="black">
+                <a:alpha val="40000"/>
+              </a:prstClr>
+            </a:outerShdw>
+            <a:softEdge rad="12700"/>
+          </a:effectLst>
+        </p:spPr>
+        <p:style>
+          <a:lnRef idx="2">
+            <a:schemeClr val="accent1">
+              <a:shade val="50000"/>
+            </a:schemeClr>
+          </a:lnRef>
+          <a:fillRef idx="1">
+            <a:schemeClr val="accent1"/>
+          </a:fillRef>
+          <a:effectRef idx="0">
+            <a:schemeClr val="accent1"/>
+          </a:effectRef>
+          <a:fontRef idx="minor">
+            <a:schemeClr val="lt1"/>
+          </a:fontRef>
+        </p:style>
+        <p:txBody>
+          <a:bodyPr rtlCol="0" anchor="ctr"/>
+          <a:lstStyle/>
+          <a:p>
+            <a:pPr algn="ctr"/>
+            <a:endParaRPr lang="cs-CZ" dirty="0"/>
+          </a:p>
+        </p:txBody>
+      </p:sp>
+      <p:pic>
+        <p:nvPicPr>
+          <p:cNvPr id="11" name="Obrázek 10">
+            <a:extLst>
+              <a:ext uri="{FF2B5EF4-FFF2-40B4-BE49-F238E27FC236}">
+                <a16:creationId xmlns:a16="http://schemas.microsoft.com/office/drawing/2014/main" id="{40E83E4B-7759-34FA-91CA-2EE812BB71AD}"/>
+              </a:ext>
+            </a:extLst>
+          </p:cNvPr>
+          <p:cNvPicPr>
+            <a:picLocks noChangeAspect="1"/>
+          </p:cNvPicPr>
+          <p:nvPr/>
+        </p:nvPicPr>
+        <p:blipFill>
+          <a:blip r:embed="rId4"/>
+          <a:stretch>
+            <a:fillRect/>
+          </a:stretch>
+        </p:blipFill>
+        <p:spPr>
+          <a:xfrm>
+            <a:off x="6638368" y="2641694"/>
+            <a:ext cx="4877481" cy="3505689"/>
+          </a:xfrm>
+          <a:prstGeom prst="rect">
+            <a:avLst/>
+          </a:prstGeom>
+        </p:spPr>
+      </p:pic>
+      <p:sp>
+        <p:nvSpPr>
+          <p:cNvPr id="16" name="Obdélník: se zakulacenými rohy 15">
+            <a:extLst>
+              <a:ext uri="{FF2B5EF4-FFF2-40B4-BE49-F238E27FC236}">
+                <a16:creationId xmlns:a16="http://schemas.microsoft.com/office/drawing/2014/main" id="{5BB97EB8-4181-B8D2-DE25-50D210792DC8}"/>
+              </a:ext>
+            </a:extLst>
+          </p:cNvPr>
+          <p:cNvSpPr/>
+          <p:nvPr/>
+        </p:nvSpPr>
+        <p:spPr>
+          <a:xfrm>
+            <a:off x="453558" y="179994"/>
+            <a:ext cx="3874434" cy="720000"/>
+          </a:xfrm>
+          <a:prstGeom prst="roundRect">
+            <a:avLst/>
+          </a:prstGeom>
+          <a:solidFill>
+            <a:srgbClr val="FFFFFF">
+              <a:alpha val="60000"/>
+            </a:srgbClr>
+          </a:solidFill>
+          <a:ln>
+            <a:solidFill>
+              <a:srgbClr val="EAEAEA"/>
+            </a:solidFill>
+          </a:ln>
+          <a:effectLst>
+            <a:outerShdw blurRad="50800" dist="38100" dir="2700000" algn="tl" rotWithShape="0">
+              <a:prstClr val="black">
+                <a:alpha val="40000"/>
+              </a:prstClr>
+            </a:outerShdw>
+            <a:softEdge rad="12700"/>
+          </a:effectLst>
+        </p:spPr>
+        <p:style>
+          <a:lnRef idx="2">
+            <a:schemeClr val="accent1">
+              <a:shade val="50000"/>
+            </a:schemeClr>
+          </a:lnRef>
+          <a:fillRef idx="1">
+            <a:schemeClr val="accent1"/>
+          </a:fillRef>
+          <a:effectRef idx="0">
+            <a:schemeClr val="accent1"/>
+          </a:effectRef>
+          <a:fontRef idx="minor">
+            <a:schemeClr val="lt1"/>
+          </a:fontRef>
+        </p:style>
+        <p:txBody>
+          <a:bodyPr rtlCol="0" anchor="ctr"/>
+          <a:lstStyle/>
+          <a:p>
+            <a:pPr algn="ctr"/>
+            <a:r>
+              <a:rPr lang="cs-CZ" sz="2400" dirty="0">
+                <a:solidFill>
+                  <a:schemeClr val="bg2">
+                    <a:lumMod val="25000"/>
+                  </a:schemeClr>
+                </a:solidFill>
+              </a:rPr>
+              <a:t>Použitelné algoritmy</a:t>
+            </a:r>
+          </a:p>
+        </p:txBody>
+      </p:sp>
     </p:spTree>
     <p:extLst>
       <p:ext uri="{BB962C8B-B14F-4D97-AF65-F5344CB8AC3E}">
@@ -6150,7 +7688,7 @@
   <p:clrMapOvr>
     <a:masterClrMapping/>
   </p:clrMapOvr>
-  <p:transition spd="slow">
+  <p:transition spd="slow" advTm="50000">
     <p:push dir="u"/>
   </p:transition>
 </p:sld>
@@ -6187,6 +7725,176 @@
           <a:chExt cx="0" cy="0"/>
         </a:xfrm>
       </p:grpSpPr>
+      <p:grpSp>
+        <p:nvGrpSpPr>
+          <p:cNvPr id="2" name="Skupina 1">
+            <a:extLst>
+              <a:ext uri="{FF2B5EF4-FFF2-40B4-BE49-F238E27FC236}">
+                <a16:creationId xmlns:a16="http://schemas.microsoft.com/office/drawing/2014/main" id="{A715CBED-36AF-1A74-4E8F-B59B7C535D99}"/>
+              </a:ext>
+            </a:extLst>
+          </p:cNvPr>
+          <p:cNvGrpSpPr/>
+          <p:nvPr/>
+        </p:nvGrpSpPr>
+        <p:grpSpPr>
+          <a:xfrm>
+            <a:off x="3128962" y="1688640"/>
+            <a:ext cx="5934075" cy="2597033"/>
+            <a:chOff x="-3626629" y="1189687"/>
+            <a:chExt cx="3063891" cy="19999850"/>
+          </a:xfrm>
+        </p:grpSpPr>
+        <p:sp>
+          <p:nvSpPr>
+            <p:cNvPr id="3" name="Obdélník: se zakulacenými rohy 2">
+              <a:extLst>
+                <a:ext uri="{FF2B5EF4-FFF2-40B4-BE49-F238E27FC236}">
+                  <a16:creationId xmlns:a16="http://schemas.microsoft.com/office/drawing/2014/main" id="{3A882ED9-C5DC-1B7A-353A-61A0182F5BE8}"/>
+                </a:ext>
+              </a:extLst>
+            </p:cNvPr>
+            <p:cNvSpPr/>
+            <p:nvPr userDrawn="1"/>
+          </p:nvSpPr>
+          <p:spPr>
+            <a:xfrm>
+              <a:off x="-3626629" y="1189687"/>
+              <a:ext cx="3063891" cy="19946352"/>
+            </a:xfrm>
+            <a:prstGeom prst="roundRect">
+              <a:avLst>
+                <a:gd name="adj" fmla="val 4378"/>
+              </a:avLst>
+            </a:prstGeom>
+            <a:solidFill>
+              <a:srgbClr val="FFFFFF">
+                <a:alpha val="60000"/>
+              </a:srgbClr>
+            </a:solidFill>
+            <a:ln>
+              <a:solidFill>
+                <a:srgbClr val="EAEAEA"/>
+              </a:solidFill>
+            </a:ln>
+            <a:effectLst>
+              <a:outerShdw blurRad="50800" dist="38100" dir="2700000" algn="tl" rotWithShape="0">
+                <a:prstClr val="black">
+                  <a:alpha val="40000"/>
+                </a:prstClr>
+              </a:outerShdw>
+              <a:softEdge rad="12700"/>
+            </a:effectLst>
+          </p:spPr>
+          <p:style>
+            <a:lnRef idx="2">
+              <a:schemeClr val="accent1">
+                <a:shade val="50000"/>
+              </a:schemeClr>
+            </a:lnRef>
+            <a:fillRef idx="1">
+              <a:schemeClr val="accent1"/>
+            </a:fillRef>
+            <a:effectRef idx="0">
+              <a:schemeClr val="accent1"/>
+            </a:effectRef>
+            <a:fontRef idx="minor">
+              <a:schemeClr val="lt1"/>
+            </a:fontRef>
+          </p:style>
+          <p:txBody>
+            <a:bodyPr rtlCol="0" anchor="ctr"/>
+            <a:lstStyle/>
+            <a:p>
+              <a:pPr algn="ctr"/>
+              <a:endParaRPr lang="cs-CZ" dirty="0"/>
+            </a:p>
+          </p:txBody>
+        </p:sp>
+        <p:sp>
+          <p:nvSpPr>
+            <p:cNvPr id="4" name="TextovéPole 3">
+              <a:extLst>
+                <a:ext uri="{FF2B5EF4-FFF2-40B4-BE49-F238E27FC236}">
+                  <a16:creationId xmlns:a16="http://schemas.microsoft.com/office/drawing/2014/main" id="{E8A773CA-0355-404D-8C84-DE41A70B5003}"/>
+                </a:ext>
+              </a:extLst>
+            </p:cNvPr>
+            <p:cNvSpPr txBox="1"/>
+            <p:nvPr userDrawn="1"/>
+          </p:nvSpPr>
+          <p:spPr>
+            <a:xfrm>
+              <a:off x="-3541149" y="1583387"/>
+              <a:ext cx="2969706" cy="19606150"/>
+            </a:xfrm>
+            <a:prstGeom prst="rect">
+              <a:avLst/>
+            </a:prstGeom>
+            <a:noFill/>
+          </p:spPr>
+          <p:txBody>
+            <a:bodyPr wrap="square" rtlCol="0">
+              <a:spAutoFit/>
+            </a:bodyPr>
+            <a:lstStyle/>
+            <a:p>
+              <a:r>
+                <a:rPr lang="pl-PL" sz="3200" dirty="0">
+                  <a:solidFill>
+                    <a:schemeClr val="bg2">
+                      <a:lumMod val="25000"/>
+                    </a:schemeClr>
+                  </a:solidFill>
+                </a:rPr>
+                <a:t>Logistická Regrese</a:t>
+              </a:r>
+            </a:p>
+            <a:p>
+              <a:r>
+                <a:rPr lang="pl-PL" sz="2800" dirty="0">
+                  <a:solidFill>
+                    <a:schemeClr val="bg2">
+                      <a:lumMod val="25000"/>
+                    </a:schemeClr>
+                  </a:solidFill>
+                </a:rPr>
+                <a:t>Vyjadřuje pravděpodobnost, že bude objekt patří do třídy nebo ne na základě nějaké vlastnosti.</a:t>
+              </a:r>
+            </a:p>
+            <a:p>
+              <a:r>
+                <a:rPr lang="pl-PL" sz="2800" dirty="0">
+                  <a:solidFill>
+                    <a:schemeClr val="bg2">
+                      <a:lumMod val="25000"/>
+                    </a:schemeClr>
+                  </a:solidFill>
+                </a:rPr>
+                <a:t>Funkce má tvar sigmoidy</a:t>
+              </a:r>
+            </a:p>
+            <a:p>
+              <a:endParaRPr lang="pl-PL" sz="2800" dirty="0">
+                <a:solidFill>
+                  <a:schemeClr val="bg2">
+                    <a:lumMod val="25000"/>
+                  </a:schemeClr>
+                </a:solidFill>
+              </a:endParaRPr>
+            </a:p>
+            <a:p>
+              <a:endParaRPr lang="pl-PL" sz="2800" dirty="0">
+                <a:solidFill>
+                  <a:schemeClr val="bg2">
+                    <a:lumMod val="25000"/>
+                  </a:schemeClr>
+                </a:solidFill>
+              </a:endParaRPr>
+            </a:p>
+          </p:txBody>
+        </p:sp>
+      </p:grpSp>
     </p:spTree>
     <p:extLst>
       <p:ext uri="{BB962C8B-B14F-4D97-AF65-F5344CB8AC3E}">
@@ -6197,7 +7905,7 @@
   <p:clrMapOvr>
     <a:masterClrMapping/>
   </p:clrMapOvr>
-  <p:transition spd="slow">
+  <p:transition spd="slow" advTm="20000">
     <p:push dir="u"/>
   </p:transition>
 </p:sld>
@@ -6234,6 +7942,111 @@
           <a:chExt cx="0" cy="0"/>
         </a:xfrm>
       </p:grpSpPr>
+      <p:sp>
+        <p:nvSpPr>
+          <p:cNvPr id="6" name="Obdélník: se zakulacenými rohy 5">
+            <a:extLst>
+              <a:ext uri="{FF2B5EF4-FFF2-40B4-BE49-F238E27FC236}">
+                <a16:creationId xmlns:a16="http://schemas.microsoft.com/office/drawing/2014/main" id="{E870BB85-E309-892B-CDBB-554A4FA9D96D}"/>
+              </a:ext>
+            </a:extLst>
+          </p:cNvPr>
+          <p:cNvSpPr/>
+          <p:nvPr/>
+        </p:nvSpPr>
+        <p:spPr>
+          <a:xfrm>
+            <a:off x="2631233" y="438539"/>
+            <a:ext cx="8985379" cy="5831632"/>
+          </a:xfrm>
+          <a:prstGeom prst="roundRect">
+            <a:avLst>
+              <a:gd name="adj" fmla="val 4378"/>
+            </a:avLst>
+          </a:prstGeom>
+          <a:solidFill>
+            <a:srgbClr val="FFFFFF">
+              <a:alpha val="60000"/>
+            </a:srgbClr>
+          </a:solidFill>
+          <a:ln>
+            <a:solidFill>
+              <a:srgbClr val="EAEAEA"/>
+            </a:solidFill>
+          </a:ln>
+          <a:effectLst>
+            <a:outerShdw blurRad="50800" dist="38100" dir="2700000" algn="tl" rotWithShape="0">
+              <a:prstClr val="black">
+                <a:alpha val="40000"/>
+              </a:prstClr>
+            </a:outerShdw>
+            <a:softEdge rad="12700"/>
+          </a:effectLst>
+        </p:spPr>
+        <p:style>
+          <a:lnRef idx="2">
+            <a:schemeClr val="accent1">
+              <a:shade val="50000"/>
+            </a:schemeClr>
+          </a:lnRef>
+          <a:fillRef idx="1">
+            <a:schemeClr val="accent1"/>
+          </a:fillRef>
+          <a:effectRef idx="0">
+            <a:schemeClr val="accent1"/>
+          </a:effectRef>
+          <a:fontRef idx="minor">
+            <a:schemeClr val="lt1"/>
+          </a:fontRef>
+        </p:style>
+        <p:txBody>
+          <a:bodyPr rtlCol="0" anchor="ctr"/>
+          <a:lstStyle/>
+          <a:p>
+            <a:pPr algn="ctr"/>
+            <a:endParaRPr lang="cs-CZ" dirty="0"/>
+          </a:p>
+        </p:txBody>
+      </p:sp>
+      <p:pic>
+        <p:nvPicPr>
+          <p:cNvPr id="5" name="Grafický objekt 4">
+            <a:extLst>
+              <a:ext uri="{FF2B5EF4-FFF2-40B4-BE49-F238E27FC236}">
+                <a16:creationId xmlns:a16="http://schemas.microsoft.com/office/drawing/2014/main" id="{ADB4E948-1D21-A53E-761B-8A9A89D777B8}"/>
+              </a:ext>
+            </a:extLst>
+          </p:cNvPr>
+          <p:cNvPicPr>
+            <a:picLocks noChangeAspect="1"/>
+          </p:cNvPicPr>
+          <p:nvPr/>
+        </p:nvPicPr>
+        <p:blipFill>
+          <a:blip r:embed="rId3">
+            <a:extLst>
+              <a:ext uri="{28A0092B-C50C-407E-A947-70E740481C1C}">
+                <a14:useLocalDpi xmlns:a14="http://schemas.microsoft.com/office/drawing/2010/main" val="0"/>
+              </a:ext>
+              <a:ext uri="{96DAC541-7B7A-43D3-8B79-37D633B846F1}">
+                <asvg:svgBlip xmlns:asvg="http://schemas.microsoft.com/office/drawing/2016/SVG/main" r:embed="rId4"/>
+              </a:ext>
+            </a:extLst>
+          </a:blip>
+          <a:stretch>
+            <a:fillRect/>
+          </a:stretch>
+        </p:blipFill>
+        <p:spPr>
+          <a:xfrm>
+            <a:off x="3324356" y="671047"/>
+            <a:ext cx="7676436" cy="5310816"/>
+          </a:xfrm>
+          <a:prstGeom prst="rect">
+            <a:avLst/>
+          </a:prstGeom>
+        </p:spPr>
+      </p:pic>
     </p:spTree>
     <p:extLst>
       <p:ext uri="{BB962C8B-B14F-4D97-AF65-F5344CB8AC3E}">
@@ -6244,7 +8057,7 @@
   <p:clrMapOvr>
     <a:masterClrMapping/>
   </p:clrMapOvr>
-  <p:transition spd="slow">
+  <p:transition spd="slow" advTm="35000">
     <p:push dir="u"/>
   </p:transition>
 </p:sld>
@@ -6256,7 +8069,7 @@
     <p:bg>
       <p:bgPr>
         <a:blipFill dpi="0" rotWithShape="1">
-          <a:blip r:embed="rId2">
+          <a:blip r:embed="rId3">
             <a:lum/>
           </a:blip>
           <a:srcRect/>
@@ -6296,9 +8109,9 @@
         <p:grpSpPr>
           <a:xfrm>
             <a:off x="2981325" y="106922"/>
-            <a:ext cx="8690963" cy="6627253"/>
+            <a:ext cx="8690963" cy="6914610"/>
             <a:chOff x="-3626629" y="1189687"/>
-            <a:chExt cx="3063891" cy="7293471"/>
+            <a:chExt cx="3063891" cy="7609715"/>
           </a:xfrm>
         </p:grpSpPr>
         <p:sp>
@@ -6381,8 +8194,8 @@
           </p:nvSpPr>
           <p:spPr>
             <a:xfrm>
-              <a:off x="-3581351" y="1541769"/>
-              <a:ext cx="2960923" cy="6740457"/>
+              <a:off x="-3575145" y="1347642"/>
+              <a:ext cx="2960923" cy="7451760"/>
             </a:xfrm>
             <a:prstGeom prst="rect">
               <a:avLst/>
@@ -6409,7 +8222,7 @@
             </a:p>
             <a:p>
               <a:pPr algn="just"/>
-              <a:endParaRPr lang="pl-PL" sz="2800" dirty="0">
+              <a:endParaRPr lang="pl-PL" sz="1400" dirty="0">
                 <a:solidFill>
                   <a:schemeClr val="bg2">
                     <a:lumMod val="25000"/>
@@ -6487,7 +8300,7 @@
                   </a:solidFill>
                   <a:effectLst/>
                   <a:latin typeface="Open Sans" panose="020B0606030504020204" pitchFamily="34" charset="0"/>
-                  <a:hlinkClick r:id="rId3"/>
+                  <a:hlinkClick r:id="rId4"/>
                 </a:rPr>
                 <a:t>https://www.youtube.com/watch?v=bAyrObl7TYE&amp;ab_channel=Simplilearn</a:t>
               </a:r>
@@ -6545,7 +8358,7 @@
                   </a:solidFill>
                   <a:effectLst/>
                   <a:latin typeface="Open Sans" panose="020B0606030504020204" pitchFamily="34" charset="0"/>
-                  <a:hlinkClick r:id="rId4"/>
+                  <a:hlinkClick r:id="rId5"/>
                 </a:rPr>
                 <a:t>https://en.wikipedia.org/wiki/Big_data</a:t>
               </a:r>
@@ -6627,7 +8440,7 @@
                   </a:solidFill>
                   <a:effectLst/>
                   <a:latin typeface="Open Sans" panose="020B0606030504020204" pitchFamily="34" charset="0"/>
-                  <a:hlinkClick r:id="rId5"/>
+                  <a:hlinkClick r:id="rId6"/>
                 </a:rPr>
                 <a:t>https://www.oracle.com/big-data/what-is-big-data/</a:t>
               </a:r>
@@ -6733,7 +8546,7 @@
                   </a:solidFill>
                   <a:effectLst/>
                   <a:latin typeface="Open Sans" panose="020B0606030504020204" pitchFamily="34" charset="0"/>
-                  <a:hlinkClick r:id="rId6"/>
+                  <a:hlinkClick r:id="rId7"/>
                 </a:rPr>
                 <a:t>https://www.michael-gramlich.com/what-is-structured-semi-structured-and-unstructured-data/</a:t>
               </a:r>
@@ -6827,7 +8640,7 @@
                   </a:solidFill>
                   <a:effectLst/>
                   <a:latin typeface="Open Sans" panose="020B0606030504020204" pitchFamily="34" charset="0"/>
-                  <a:hlinkClick r:id="rId7"/>
+                  <a:hlinkClick r:id="rId8"/>
                 </a:rPr>
                 <a:t>https://www.educba.com/how-mapreduce-work/</a:t>
               </a:r>
@@ -6885,7 +8698,7 @@
                   </a:solidFill>
                   <a:effectLst/>
                   <a:latin typeface="Open Sans" panose="020B0606030504020204" pitchFamily="34" charset="0"/>
-                  <a:hlinkClick r:id="rId8"/>
+                  <a:hlinkClick r:id="rId9"/>
                 </a:rPr>
                 <a:t>https://www.youtube.com/watch?v=qoc-obC8z94&amp;ab_channel=Kovy</a:t>
               </a:r>
@@ -6955,7 +8768,7 @@
                   </a:solidFill>
                   <a:effectLst/>
                   <a:latin typeface="Open Sans" panose="020B0606030504020204" pitchFamily="34" charset="0"/>
-                  <a:hlinkClick r:id="rId9"/>
+                  <a:hlinkClick r:id="rId10"/>
                 </a:rPr>
                 <a:t>https://cs.wikipedia.org/wiki/Data_mining</a:t>
               </a:r>
@@ -6980,22 +8793,218 @@
               </a:endParaRPr>
             </a:p>
             <a:p>
+              <a:r>
+                <a:rPr lang="en-US" sz="1400" b="0" i="1" dirty="0" err="1">
+                  <a:solidFill>
+                    <a:srgbClr val="212529"/>
+                  </a:solidFill>
+                  <a:effectLst/>
+                  <a:latin typeface="Open Sans" panose="020B0606030504020204" pitchFamily="34" charset="0"/>
+                </a:rPr>
+                <a:t>TechVidvan</a:t>
+              </a:r>
+              <a:r>
+                <a:rPr lang="en-US" sz="1400" b="0" i="1" dirty="0">
+                  <a:solidFill>
+                    <a:srgbClr val="212529"/>
+                  </a:solidFill>
+                  <a:effectLst/>
+                  <a:latin typeface="Open Sans" panose="020B0606030504020204" pitchFamily="34" charset="0"/>
+                </a:rPr>
+                <a:t>: Top 10 Data Science Algorithms You Must Know About</a:t>
+              </a:r>
+              <a:r>
+                <a:rPr lang="en-US" sz="1400" b="0" i="0" dirty="0">
+                  <a:solidFill>
+                    <a:srgbClr val="212529"/>
+                  </a:solidFill>
+                  <a:effectLst/>
+                  <a:latin typeface="Open Sans" panose="020B0606030504020204" pitchFamily="34" charset="0"/>
+                </a:rPr>
+                <a:t> [online]. [cit. 2023-01-18]. </a:t>
+              </a:r>
+              <a:r>
+                <a:rPr lang="en-US" sz="1400" b="0" i="0" dirty="0" err="1">
+                  <a:solidFill>
+                    <a:srgbClr val="212529"/>
+                  </a:solidFill>
+                  <a:effectLst/>
+                  <a:latin typeface="Open Sans" panose="020B0606030504020204" pitchFamily="34" charset="0"/>
+                </a:rPr>
+                <a:t>Dostupné</a:t>
+              </a:r>
+              <a:r>
+                <a:rPr lang="en-US" sz="1400" b="0" i="0" dirty="0">
+                  <a:solidFill>
+                    <a:srgbClr val="212529"/>
+                  </a:solidFill>
+                  <a:effectLst/>
+                  <a:latin typeface="Open Sans" panose="020B0606030504020204" pitchFamily="34" charset="0"/>
+                </a:rPr>
+                <a:t> z: </a:t>
+              </a:r>
+              <a:r>
+                <a:rPr lang="en-US" sz="1400" b="0" i="0" dirty="0">
+                  <a:solidFill>
+                    <a:srgbClr val="212529"/>
+                  </a:solidFill>
+                  <a:effectLst/>
+                  <a:latin typeface="Open Sans" panose="020B0606030504020204" pitchFamily="34" charset="0"/>
+                  <a:hlinkClick r:id="rId11"/>
+                </a:rPr>
+                <a:t>https://techvidvan.com/tutorials/data-science-algorithms/</a:t>
+              </a:r>
               <a:endParaRPr lang="cs-CZ" sz="1400" b="0" i="0" dirty="0">
                 <a:solidFill>
-                  <a:schemeClr val="bg2">
-                    <a:lumMod val="25000"/>
-                  </a:schemeClr>
+                  <a:srgbClr val="212529"/>
                 </a:solidFill>
                 <a:effectLst/>
                 <a:latin typeface="Open Sans" panose="020B0606030504020204" pitchFamily="34" charset="0"/>
               </a:endParaRPr>
             </a:p>
             <a:p>
+              <a:endParaRPr lang="cs-CZ" sz="1400" dirty="0">
+                <a:solidFill>
+                  <a:srgbClr val="212529"/>
+                </a:solidFill>
+                <a:latin typeface="Open Sans" panose="020B0606030504020204" pitchFamily="34" charset="0"/>
+              </a:endParaRPr>
+            </a:p>
+            <a:p>
+              <a:r>
+                <a:rPr lang="cs-CZ" sz="1400" b="0" i="1" dirty="0" err="1">
+                  <a:solidFill>
+                    <a:srgbClr val="212529"/>
+                  </a:solidFill>
+                  <a:effectLst/>
+                  <a:latin typeface="Open Sans" panose="020B0606030504020204" pitchFamily="34" charset="0"/>
+                </a:rPr>
+                <a:t>Wikimedia</a:t>
+              </a:r>
+              <a:r>
+                <a:rPr lang="cs-CZ" sz="1400" b="0" i="1" dirty="0">
+                  <a:solidFill>
+                    <a:srgbClr val="212529"/>
+                  </a:solidFill>
+                  <a:effectLst/>
+                  <a:latin typeface="Open Sans" panose="020B0606030504020204" pitchFamily="34" charset="0"/>
+                </a:rPr>
+                <a:t> </a:t>
+              </a:r>
+              <a:r>
+                <a:rPr lang="cs-CZ" sz="1400" b="0" i="1" dirty="0" err="1">
+                  <a:solidFill>
+                    <a:srgbClr val="212529"/>
+                  </a:solidFill>
+                  <a:effectLst/>
+                  <a:latin typeface="Open Sans" panose="020B0606030504020204" pitchFamily="34" charset="0"/>
+                </a:rPr>
+                <a:t>Commons</a:t>
+              </a:r>
+              <a:r>
+                <a:rPr lang="cs-CZ" sz="1400" b="0" i="1" dirty="0">
+                  <a:solidFill>
+                    <a:srgbClr val="212529"/>
+                  </a:solidFill>
+                  <a:effectLst/>
+                  <a:latin typeface="Open Sans" panose="020B0606030504020204" pitchFamily="34" charset="0"/>
+                </a:rPr>
+                <a:t>: </a:t>
+              </a:r>
+              <a:r>
+                <a:rPr lang="cs-CZ" sz="1400" b="0" i="1" dirty="0" err="1">
+                  <a:solidFill>
+                    <a:srgbClr val="212529"/>
+                  </a:solidFill>
+                  <a:effectLst/>
+                  <a:latin typeface="Open Sans" panose="020B0606030504020204" pitchFamily="34" charset="0"/>
+                </a:rPr>
+                <a:t>Exam</a:t>
+              </a:r>
+              <a:r>
+                <a:rPr lang="cs-CZ" sz="1400" b="0" i="1" dirty="0">
+                  <a:solidFill>
+                    <a:srgbClr val="212529"/>
+                  </a:solidFill>
+                  <a:effectLst/>
+                  <a:latin typeface="Open Sans" panose="020B0606030504020204" pitchFamily="34" charset="0"/>
+                </a:rPr>
+                <a:t> </a:t>
+              </a:r>
+              <a:r>
+                <a:rPr lang="cs-CZ" sz="1400" b="0" i="1" dirty="0" err="1">
+                  <a:solidFill>
+                    <a:srgbClr val="212529"/>
+                  </a:solidFill>
+                  <a:effectLst/>
+                  <a:latin typeface="Open Sans" panose="020B0606030504020204" pitchFamily="34" charset="0"/>
+                </a:rPr>
+                <a:t>pass</a:t>
+              </a:r>
+              <a:r>
+                <a:rPr lang="cs-CZ" sz="1400" b="0" i="1" dirty="0">
+                  <a:solidFill>
+                    <a:srgbClr val="212529"/>
+                  </a:solidFill>
+                  <a:effectLst/>
+                  <a:latin typeface="Open Sans" panose="020B0606030504020204" pitchFamily="34" charset="0"/>
+                </a:rPr>
+                <a:t> </a:t>
+              </a:r>
+              <a:r>
+                <a:rPr lang="cs-CZ" sz="1400" b="0" i="1" dirty="0" err="1">
+                  <a:solidFill>
+                    <a:srgbClr val="212529"/>
+                  </a:solidFill>
+                  <a:effectLst/>
+                  <a:latin typeface="Open Sans" panose="020B0606030504020204" pitchFamily="34" charset="0"/>
+                </a:rPr>
+                <a:t>logistic</a:t>
+              </a:r>
+              <a:r>
+                <a:rPr lang="cs-CZ" sz="1400" b="0" i="1" dirty="0">
+                  <a:solidFill>
+                    <a:srgbClr val="212529"/>
+                  </a:solidFill>
+                  <a:effectLst/>
+                  <a:latin typeface="Open Sans" panose="020B0606030504020204" pitchFamily="34" charset="0"/>
+                </a:rPr>
+                <a:t> </a:t>
+              </a:r>
+              <a:r>
+                <a:rPr lang="cs-CZ" sz="1400" b="0" i="1" dirty="0" err="1">
+                  <a:solidFill>
+                    <a:srgbClr val="212529"/>
+                  </a:solidFill>
+                  <a:effectLst/>
+                  <a:latin typeface="Open Sans" panose="020B0606030504020204" pitchFamily="34" charset="0"/>
+                </a:rPr>
+                <a:t>curve.svg</a:t>
+              </a:r>
+              <a:r>
+                <a:rPr lang="cs-CZ" sz="1400" b="0" i="0" dirty="0">
+                  <a:solidFill>
+                    <a:srgbClr val="212529"/>
+                  </a:solidFill>
+                  <a:effectLst/>
+                  <a:latin typeface="Open Sans" panose="020B0606030504020204" pitchFamily="34" charset="0"/>
+                </a:rPr>
+                <a:t> [online]. In: . [cit. 2023-01-18]. Dostupné z: </a:t>
+              </a:r>
+              <a:r>
+                <a:rPr lang="cs-CZ" sz="1400" b="0" i="0" dirty="0">
+                  <a:solidFill>
+                    <a:srgbClr val="212529"/>
+                  </a:solidFill>
+                  <a:effectLst/>
+                  <a:latin typeface="Open Sans" panose="020B0606030504020204" pitchFamily="34" charset="0"/>
+                  <a:hlinkClick r:id="rId12"/>
+                </a:rPr>
+                <a:t>https://upload.wikimedia.org/wikipedia/commons/c/cb/Exam_pass_logistic_curve.svg</a:t>
+              </a:r>
               <a:endParaRPr lang="cs-CZ" sz="1400" b="0" i="0" dirty="0">
                 <a:solidFill>
-                  <a:schemeClr val="bg2">
-                    <a:lumMod val="25000"/>
-                  </a:schemeClr>
+                  <a:srgbClr val="212529"/>
                 </a:solidFill>
                 <a:effectLst/>
                 <a:latin typeface="Open Sans" panose="020B0606030504020204" pitchFamily="34" charset="0"/>
@@ -7014,7 +9023,7 @@
   <p:clrMapOvr>
     <a:masterClrMapping/>
   </p:clrMapOvr>
-  <p:transition spd="slow">
+  <p:transition spd="slow" advTm="60000">
     <p:push dir="u"/>
   </p:transition>
 </p:sld>
@@ -7026,7 +9035,7 @@
     <p:bg>
       <p:bgPr>
         <a:blipFill dpi="0" rotWithShape="1">
-          <a:blip r:embed="rId2">
+          <a:blip r:embed="rId3">
             <a:lum/>
           </a:blip>
           <a:srcRect/>
@@ -7384,7 +9393,7 @@
   <p:clrMapOvr>
     <a:masterClrMapping/>
   </p:clrMapOvr>
-  <p:transition spd="slow">
+  <p:transition spd="slow" advTm="35000">
     <p:push dir="u"/>
   </p:transition>
 </p:sld>
@@ -7597,7 +9606,7 @@
   <p:clrMapOvr>
     <a:masterClrMapping/>
   </p:clrMapOvr>
-  <p:transition spd="slow">
+  <p:transition spd="slow" advTm="60000">
     <p:push dir="u"/>
   </p:transition>
 </p:sld>
@@ -7609,7 +9618,7 @@
     <p:bg>
       <p:bgPr>
         <a:blipFill dpi="0" rotWithShape="1">
-          <a:blip r:embed="rId2">
+          <a:blip r:embed="rId3">
             <a:lum/>
           </a:blip>
           <a:srcRect/>
@@ -7921,7 +9930,7 @@
   <p:clrMapOvr>
     <a:masterClrMapping/>
   </p:clrMapOvr>
-  <p:transition spd="slow">
+  <p:transition spd="slow" advTm="60000">
     <p:push dir="u"/>
   </p:transition>
 </p:sld>
@@ -8323,7 +10332,7 @@
   <p:clrMapOvr>
     <a:masterClrMapping/>
   </p:clrMapOvr>
-  <p:transition spd="slow">
+  <p:transition spd="slow" advTm="30000">
     <p:push dir="u"/>
   </p:transition>
 </p:sld>
@@ -8335,7 +10344,7 @@
     <p:bg>
       <p:bgPr>
         <a:blipFill dpi="0" rotWithShape="1">
-          <a:blip r:embed="rId2">
+          <a:blip r:embed="rId3">
             <a:lum/>
           </a:blip>
           <a:srcRect/>
@@ -9576,7 +11585,7 @@
   <p:clrMapOvr>
     <a:masterClrMapping/>
   </p:clrMapOvr>
-  <p:transition spd="slow">
+  <p:transition spd="slow" advTm="40000">
     <p:push dir="u"/>
   </p:transition>
 </p:sld>
@@ -9588,7 +11597,7 @@
     <p:bg>
       <p:bgPr>
         <a:blipFill dpi="0" rotWithShape="1">
-          <a:blip r:embed="rId2">
+          <a:blip r:embed="rId3">
             <a:lum/>
           </a:blip>
           <a:srcRect/>
@@ -9764,7 +11773,7 @@
           <p:nvPr/>
         </p:nvPicPr>
         <p:blipFill>
-          <a:blip r:embed="rId3"/>
+          <a:blip r:embed="rId4"/>
           <a:stretch>
             <a:fillRect/>
           </a:stretch>
@@ -9956,7 +11965,7 @@
   <p:clrMapOvr>
     <a:masterClrMapping/>
   </p:clrMapOvr>
-  <p:transition spd="slow">
+  <p:transition spd="slow" advTm="50000">
     <p:push dir="u"/>
   </p:transition>
 </p:sld>
@@ -9968,7 +11977,7 @@
     <p:bg>
       <p:bgPr>
         <a:blipFill dpi="0" rotWithShape="1">
-          <a:blip r:embed="rId2">
+          <a:blip r:embed="rId3">
             <a:lum/>
           </a:blip>
           <a:srcRect/>
@@ -10093,8 +12102,8 @@
           </p:nvSpPr>
           <p:spPr>
             <a:xfrm>
-              <a:off x="-3543386" y="2097996"/>
-              <a:ext cx="2897405" cy="7800349"/>
+              <a:off x="-3543386" y="2097997"/>
+              <a:ext cx="2897405" cy="7138528"/>
             </a:xfrm>
             <a:prstGeom prst="rect">
               <a:avLst/>
@@ -10115,7 +12124,7 @@
                     </a:schemeClr>
                   </a:solidFill>
                 </a:rPr>
-                <a:t>Pravdivost</a:t>
+                <a:t>Důvěryhodnost</a:t>
               </a:r>
             </a:p>
             <a:p>
@@ -10283,7 +12292,7 @@
   <p:clrMapOvr>
     <a:masterClrMapping/>
   </p:clrMapOvr>
-  <p:transition spd="slow">
+  <p:transition spd="slow" advTm="30000">
     <p:push dir="u"/>
   </p:transition>
 </p:sld>
@@ -10295,7 +12304,7 @@
     <p:bg>
       <p:bgPr>
         <a:blipFill dpi="0" rotWithShape="1">
-          <a:blip r:embed="rId2">
+          <a:blip r:embed="rId3">
             <a:lum/>
           </a:blip>
           <a:srcRect/>
@@ -10710,7 +12719,7 @@
   <p:clrMapOvr>
     <a:masterClrMapping/>
   </p:clrMapOvr>
-  <p:transition spd="slow">
+  <p:transition spd="slow" advTm="45000">
     <p:push dir="u"/>
   </p:transition>
 </p:sld>
@@ -10722,7 +12731,7 @@
     <p:bg>
       <p:bgPr>
         <a:blipFill dpi="0" rotWithShape="1">
-          <a:blip r:embed="rId2">
+          <a:blip r:embed="rId3">
             <a:lum/>
           </a:blip>
           <a:srcRect/>
@@ -11863,7 +13872,7 @@
   <p:clrMapOvr>
     <a:masterClrMapping/>
   </p:clrMapOvr>
-  <p:transition spd="slow">
+  <p:transition spd="slow" advTm="45000">
     <p:push dir="u"/>
   </p:transition>
 </p:sld>
